--- a/ゲームコース説明.pptx
+++ b/ゲームコース説明.pptx
@@ -5,7 +5,7 @@
     <p:sldMasterId id="2147483661" r:id="rId1"/>
   </p:sldMasterIdLst>
   <p:notesMasterIdLst>
-    <p:notesMasterId r:id="rId10"/>
+    <p:notesMasterId r:id="rId11"/>
   </p:notesMasterIdLst>
   <p:sldIdLst>
     <p:sldId id="256" r:id="rId2"/>
@@ -16,21 +16,22 @@
     <p:sldId id="263" r:id="rId7"/>
     <p:sldId id="260" r:id="rId8"/>
     <p:sldId id="264" r:id="rId9"/>
+    <p:sldId id="265" r:id="rId10"/>
   </p:sldIdLst>
   <p:sldSz cx="9144000" cy="5143500" type="screen16x9"/>
   <p:notesSz cx="6858000" cy="9144000"/>
   <p:embeddedFontLst>
     <p:embeddedFont>
       <p:font typeface="Gill Sans" panose="020B0600070205080204" charset="0"/>
-      <p:regular r:id="rId11"/>
-      <p:bold r:id="rId12"/>
+      <p:regular r:id="rId12"/>
+      <p:bold r:id="rId13"/>
     </p:embeddedFont>
     <p:embeddedFont>
       <p:font typeface="Open Sans" panose="020B0606030504020204" pitchFamily="34" charset="0"/>
-      <p:regular r:id="rId13"/>
-      <p:bold r:id="rId14"/>
-      <p:italic r:id="rId15"/>
-      <p:boldItalic r:id="rId16"/>
+      <p:regular r:id="rId14"/>
+      <p:bold r:id="rId15"/>
+      <p:italic r:id="rId16"/>
+      <p:boldItalic r:id="rId17"/>
     </p:embeddedFont>
   </p:embeddedFontLst>
   <p:defaultTextStyle>
@@ -15619,6 +15620,184 @@
 </p:sld>
 </file>
 
+<file path=ppt/slides/slide9.xml><?xml version="1.0" encoding="utf-8"?>
+<p:sld xmlns:a="http://schemas.openxmlformats.org/drawingml/2006/main" xmlns:r="http://schemas.openxmlformats.org/officeDocument/2006/relationships" xmlns:p="http://schemas.openxmlformats.org/presentationml/2006/main">
+  <p:cSld>
+    <p:spTree>
+      <p:nvGrpSpPr>
+        <p:cNvPr id="1" name=""/>
+        <p:cNvGrpSpPr/>
+        <p:nvPr/>
+      </p:nvGrpSpPr>
+      <p:grpSpPr>
+        <a:xfrm>
+          <a:off x="0" y="0"/>
+          <a:ext cx="0" cy="0"/>
+          <a:chOff x="0" y="0"/>
+          <a:chExt cx="0" cy="0"/>
+        </a:xfrm>
+      </p:grpSpPr>
+      <p:sp>
+        <p:nvSpPr>
+          <p:cNvPr id="2" name="タイトル 1">
+            <a:extLst>
+              <a:ext uri="{FF2B5EF4-FFF2-40B4-BE49-F238E27FC236}">
+                <a16:creationId xmlns:a16="http://schemas.microsoft.com/office/drawing/2014/main" id="{4BE36B26-D061-E9AF-5CED-96C03814C8A5}"/>
+              </a:ext>
+            </a:extLst>
+          </p:cNvPr>
+          <p:cNvSpPr>
+            <a:spLocks noGrp="1"/>
+          </p:cNvSpPr>
+          <p:nvPr>
+            <p:ph type="title"/>
+          </p:nvPr>
+        </p:nvSpPr>
+        <p:spPr/>
+        <p:txBody>
+          <a:bodyPr/>
+          <a:lstStyle/>
+          <a:p>
+            <a:r>
+              <a:rPr kumimoji="1" lang="ja-JP" altLang="en-US" dirty="0"/>
+              <a:t>さらに戦う者たちへ</a:t>
+            </a:r>
+          </a:p>
+        </p:txBody>
+      </p:sp>
+      <p:sp>
+        <p:nvSpPr>
+          <p:cNvPr id="3" name="テキスト プレースホルダー 2">
+            <a:extLst>
+              <a:ext uri="{FF2B5EF4-FFF2-40B4-BE49-F238E27FC236}">
+                <a16:creationId xmlns:a16="http://schemas.microsoft.com/office/drawing/2014/main" id="{90B6EC01-8B7E-1472-5A37-53F4012D27D9}"/>
+              </a:ext>
+            </a:extLst>
+          </p:cNvPr>
+          <p:cNvSpPr>
+            <a:spLocks noGrp="1"/>
+          </p:cNvSpPr>
+          <p:nvPr>
+            <p:ph type="body" idx="1"/>
+          </p:nvPr>
+        </p:nvSpPr>
+        <p:spPr/>
+        <p:txBody>
+          <a:bodyPr/>
+          <a:lstStyle/>
+          <a:p>
+            <a:r>
+              <a:rPr kumimoji="1" lang="ja-JP" altLang="en-US" dirty="0"/>
+              <a:t>よりプロっぽいコードを書きたい！</a:t>
+            </a:r>
+            <a:endParaRPr kumimoji="1" lang="en-US" altLang="ja-JP" dirty="0"/>
+          </a:p>
+          <a:p>
+            <a:pPr marL="139700" indent="0">
+              <a:buNone/>
+            </a:pPr>
+            <a:r>
+              <a:rPr kumimoji="1" lang="ja-JP" altLang="en-US" dirty="0"/>
+              <a:t>ブロック崩しのコードを関数を用いてきれいに書き直すための教材を追加しました！！ぜひ挑戦してみてください。</a:t>
+            </a:r>
+            <a:endParaRPr kumimoji="1" lang="en-US" altLang="ja-JP" dirty="0"/>
+          </a:p>
+          <a:p>
+            <a:pPr marL="139700" indent="0">
+              <a:buNone/>
+            </a:pPr>
+            <a:r>
+              <a:rPr kumimoji="1" lang="ja-JP" altLang="en-US" dirty="0"/>
+              <a:t>ファイル名：</a:t>
+            </a:r>
+            <a:r>
+              <a:rPr kumimoji="1" lang="en-US" altLang="ja-JP" dirty="0" err="1"/>
+              <a:t>pygame</a:t>
+            </a:r>
+            <a:r>
+              <a:rPr kumimoji="1" lang="en-US" altLang="ja-JP" dirty="0"/>
+              <a:t>_</a:t>
+            </a:r>
+            <a:r>
+              <a:rPr kumimoji="1" lang="ja-JP" altLang="en-US" dirty="0"/>
+              <a:t>関数化</a:t>
+            </a:r>
+            <a:r>
+              <a:rPr kumimoji="1" lang="en-US" altLang="ja-JP" dirty="0"/>
+              <a:t>.</a:t>
+            </a:r>
+            <a:r>
+              <a:rPr kumimoji="1" lang="en-US" altLang="ja-JP" dirty="0" err="1"/>
+              <a:t>ipynb</a:t>
+            </a:r>
+            <a:endParaRPr kumimoji="1" lang="en-US" altLang="ja-JP" dirty="0"/>
+          </a:p>
+          <a:p>
+            <a:pPr marL="139700" indent="0">
+              <a:buNone/>
+            </a:pPr>
+            <a:endParaRPr kumimoji="1" lang="en-US" altLang="ja-JP" dirty="0"/>
+          </a:p>
+          <a:p>
+            <a:pPr marL="139700" indent="0">
+              <a:buNone/>
+            </a:pPr>
+            <a:r>
+              <a:rPr kumimoji="1" lang="ja-JP" altLang="en-US" dirty="0"/>
+              <a:t>・さらにプロっぽいコードを書きたい！</a:t>
+            </a:r>
+            <a:endParaRPr kumimoji="1" lang="en-US" altLang="ja-JP" dirty="0"/>
+          </a:p>
+          <a:p>
+            <a:pPr marL="139700" indent="0">
+              <a:buNone/>
+            </a:pPr>
+            <a:r>
+              <a:rPr kumimoji="1" lang="ja-JP" altLang="en-US" dirty="0"/>
+              <a:t>クラスを用いてさらにきれいに書き直す。いやもはや綺麗かどうかよりもよりプロっぽいことを目指す。</a:t>
+            </a:r>
+            <a:endParaRPr kumimoji="1" lang="en-US" altLang="ja-JP" dirty="0"/>
+          </a:p>
+          <a:p>
+            <a:pPr marL="139700" indent="0">
+              <a:buNone/>
+            </a:pPr>
+            <a:r>
+              <a:rPr kumimoji="1" lang="en-US" altLang="ja-JP" dirty="0" err="1"/>
+              <a:t>Comming</a:t>
+            </a:r>
+            <a:r>
+              <a:rPr kumimoji="1" lang="en-US" altLang="ja-JP" dirty="0"/>
+              <a:t> soon</a:t>
+            </a:r>
+          </a:p>
+          <a:p>
+            <a:pPr marL="139700" indent="0">
+              <a:buNone/>
+            </a:pPr>
+            <a:endParaRPr kumimoji="1" lang="en-US" altLang="ja-JP" dirty="0"/>
+          </a:p>
+          <a:p>
+            <a:pPr marL="139700" indent="0">
+              <a:buNone/>
+            </a:pPr>
+            <a:endParaRPr kumimoji="1" lang="ja-JP" altLang="en-US" dirty="0"/>
+          </a:p>
+        </p:txBody>
+      </p:sp>
+    </p:spTree>
+    <p:extLst>
+      <p:ext uri="{BB962C8B-B14F-4D97-AF65-F5344CB8AC3E}">
+        <p14:creationId xmlns:p14="http://schemas.microsoft.com/office/powerpoint/2010/main" val="4139995150"/>
+      </p:ext>
+    </p:extLst>
+  </p:cSld>
+  <p:clrMapOvr>
+    <a:masterClrMapping/>
+  </p:clrMapOvr>
+</p:sld>
+</file>
+
 <file path=ppt/theme/theme1.xml><?xml version="1.0" encoding="utf-8"?>
 <a:theme xmlns:a="http://schemas.openxmlformats.org/drawingml/2006/main" name="Simple Light">
   <a:themeElements>

--- a/ゲームコース説明.pptx
+++ b/ゲームコース説明.pptx
@@ -5,33 +5,34 @@
     <p:sldMasterId id="2147483661" r:id="rId1"/>
   </p:sldMasterIdLst>
   <p:notesMasterIdLst>
-    <p:notesMasterId r:id="rId11"/>
+    <p:notesMasterId r:id="rId12"/>
   </p:notesMasterIdLst>
   <p:sldIdLst>
     <p:sldId id="256" r:id="rId2"/>
     <p:sldId id="258" r:id="rId3"/>
-    <p:sldId id="259" r:id="rId4"/>
-    <p:sldId id="261" r:id="rId5"/>
-    <p:sldId id="262" r:id="rId6"/>
-    <p:sldId id="263" r:id="rId7"/>
-    <p:sldId id="260" r:id="rId8"/>
-    <p:sldId id="264" r:id="rId9"/>
-    <p:sldId id="265" r:id="rId10"/>
+    <p:sldId id="266" r:id="rId4"/>
+    <p:sldId id="259" r:id="rId5"/>
+    <p:sldId id="261" r:id="rId6"/>
+    <p:sldId id="262" r:id="rId7"/>
+    <p:sldId id="263" r:id="rId8"/>
+    <p:sldId id="260" r:id="rId9"/>
+    <p:sldId id="264" r:id="rId10"/>
+    <p:sldId id="265" r:id="rId11"/>
   </p:sldIdLst>
   <p:sldSz cx="9144000" cy="5143500" type="screen16x9"/>
   <p:notesSz cx="6858000" cy="9144000"/>
   <p:embeddedFontLst>
     <p:embeddedFont>
       <p:font typeface="Gill Sans" panose="020B0600070205080204" charset="0"/>
-      <p:regular r:id="rId12"/>
-      <p:bold r:id="rId13"/>
+      <p:regular r:id="rId13"/>
+      <p:bold r:id="rId14"/>
     </p:embeddedFont>
     <p:embeddedFont>
       <p:font typeface="Open Sans" panose="020B0606030504020204" pitchFamily="34" charset="0"/>
-      <p:regular r:id="rId14"/>
-      <p:bold r:id="rId15"/>
-      <p:italic r:id="rId16"/>
-      <p:boldItalic r:id="rId17"/>
+      <p:regular r:id="rId15"/>
+      <p:bold r:id="rId16"/>
+      <p:italic r:id="rId17"/>
+      <p:boldItalic r:id="rId18"/>
     </p:embeddedFont>
   </p:embeddedFontLst>
   <p:defaultTextStyle>
@@ -1100,34 +1101,46 @@
         <a:lstStyle/>
         <a:p>
           <a:r>
-            <a:rPr kumimoji="1" lang="en-US" b="0" i="0"/>
+            <a:rPr kumimoji="1" lang="en-US" b="0" i="0" dirty="0"/>
             <a:t>N</a:t>
           </a:r>
           <a:r>
-            <a:rPr kumimoji="1" lang="ja-JP" b="0" i="0"/>
+            <a:rPr kumimoji="1" lang="ja-JP" b="0" i="0" dirty="0"/>
             <a:t>予備校 </a:t>
           </a:r>
           <a:r>
-            <a:rPr lang="ja-JP" b="0" i="0"/>
+            <a:rPr lang="ja-JP" b="0" i="0" dirty="0"/>
             <a:t>機械学習 第</a:t>
           </a:r>
           <a:r>
-            <a:rPr lang="en-US" b="0" i="0"/>
+            <a:rPr lang="en-US" b="0" i="0" dirty="0"/>
             <a:t>1</a:t>
           </a:r>
           <a:r>
-            <a:rPr lang="ja-JP" b="0" i="0"/>
+            <a:rPr lang="ja-JP" b="0" i="0" dirty="0"/>
             <a:t>章 </a:t>
           </a:r>
           <a:r>
-            <a:rPr lang="en-US" b="0" i="0"/>
+            <a:rPr lang="en-US" b="0" i="0" dirty="0"/>
             <a:t>Python</a:t>
           </a:r>
           <a:r>
-            <a:rPr lang="ja-JP" b="0" i="0"/>
+            <a:rPr lang="ja-JP" b="0" i="0" dirty="0"/>
             <a:t>基礎講座</a:t>
           </a:r>
-          <a:endParaRPr lang="ja-JP"/>
+          <a:r>
+            <a:rPr lang="ja-JP" altLang="en-US" b="0" i="0" dirty="0"/>
+            <a:t>　</a:t>
+          </a:r>
+          <a:r>
+            <a:rPr lang="en-US" altLang="ja-JP" b="0" i="0" dirty="0"/>
+            <a:t>8</a:t>
+          </a:r>
+          <a:r>
+            <a:rPr lang="ja-JP" altLang="en-US" b="0" i="0" dirty="0"/>
+            <a:t>まで</a:t>
+          </a:r>
+          <a:endParaRPr lang="ja-JP" dirty="0"/>
         </a:p>
       </dgm:t>
     </dgm:pt>
@@ -1709,34 +1722,46 @@
             <a:buChar char="•"/>
           </a:pPr>
           <a:r>
-            <a:rPr kumimoji="1" lang="en-US" sz="1500" b="0" i="0" kern="1200"/>
+            <a:rPr kumimoji="1" lang="en-US" sz="1500" b="0" i="0" kern="1200" dirty="0"/>
             <a:t>N</a:t>
           </a:r>
           <a:r>
-            <a:rPr kumimoji="1" lang="ja-JP" sz="1500" b="0" i="0" kern="1200"/>
+            <a:rPr kumimoji="1" lang="ja-JP" sz="1500" b="0" i="0" kern="1200" dirty="0"/>
             <a:t>予備校 </a:t>
           </a:r>
           <a:r>
-            <a:rPr lang="ja-JP" sz="1500" b="0" i="0" kern="1200"/>
+            <a:rPr lang="ja-JP" sz="1500" b="0" i="0" kern="1200" dirty="0"/>
             <a:t>機械学習 第</a:t>
           </a:r>
           <a:r>
-            <a:rPr lang="en-US" sz="1500" b="0" i="0" kern="1200"/>
+            <a:rPr lang="en-US" sz="1500" b="0" i="0" kern="1200" dirty="0"/>
             <a:t>1</a:t>
           </a:r>
           <a:r>
-            <a:rPr lang="ja-JP" sz="1500" b="0" i="0" kern="1200"/>
+            <a:rPr lang="ja-JP" sz="1500" b="0" i="0" kern="1200" dirty="0"/>
             <a:t>章 </a:t>
           </a:r>
           <a:r>
-            <a:rPr lang="en-US" sz="1500" b="0" i="0" kern="1200"/>
+            <a:rPr lang="en-US" sz="1500" b="0" i="0" kern="1200" dirty="0"/>
             <a:t>Python</a:t>
           </a:r>
           <a:r>
-            <a:rPr lang="ja-JP" sz="1500" b="0" i="0" kern="1200"/>
+            <a:rPr lang="ja-JP" sz="1500" b="0" i="0" kern="1200" dirty="0"/>
             <a:t>基礎講座</a:t>
           </a:r>
-          <a:endParaRPr lang="ja-JP" sz="1500" kern="1200"/>
+          <a:r>
+            <a:rPr lang="ja-JP" altLang="en-US" sz="1500" b="0" i="0" kern="1200" dirty="0"/>
+            <a:t>　</a:t>
+          </a:r>
+          <a:r>
+            <a:rPr lang="en-US" altLang="ja-JP" sz="1500" b="0" i="0" kern="1200" dirty="0"/>
+            <a:t>8</a:t>
+          </a:r>
+          <a:r>
+            <a:rPr lang="ja-JP" altLang="en-US" sz="1500" b="0" i="0" kern="1200" dirty="0"/>
+            <a:t>まで</a:t>
+          </a:r>
+          <a:endParaRPr lang="ja-JP" sz="1500" kern="1200" dirty="0"/>
         </a:p>
       </dsp:txBody>
       <dsp:txXfrm rot="-5400000">
@@ -10876,6 +10901,345 @@
 </p:sld>
 </file>
 
+<file path=ppt/slides/slide10.xml><?xml version="1.0" encoding="utf-8"?>
+<p:sld xmlns:a="http://schemas.openxmlformats.org/drawingml/2006/main" xmlns:r="http://schemas.openxmlformats.org/officeDocument/2006/relationships" xmlns:p="http://schemas.openxmlformats.org/presentationml/2006/main">
+  <p:cSld>
+    <p:spTree>
+      <p:nvGrpSpPr>
+        <p:cNvPr id="1" name=""/>
+        <p:cNvGrpSpPr/>
+        <p:nvPr/>
+      </p:nvGrpSpPr>
+      <p:grpSpPr>
+        <a:xfrm>
+          <a:off x="0" y="0"/>
+          <a:ext cx="0" cy="0"/>
+          <a:chOff x="0" y="0"/>
+          <a:chExt cx="0" cy="0"/>
+        </a:xfrm>
+      </p:grpSpPr>
+      <p:sp>
+        <p:nvSpPr>
+          <p:cNvPr id="2" name="タイトル 1">
+            <a:extLst>
+              <a:ext uri="{FF2B5EF4-FFF2-40B4-BE49-F238E27FC236}">
+                <a16:creationId xmlns:a16="http://schemas.microsoft.com/office/drawing/2014/main" id="{4BE36B26-D061-E9AF-5CED-96C03814C8A5}"/>
+              </a:ext>
+            </a:extLst>
+          </p:cNvPr>
+          <p:cNvSpPr>
+            <a:spLocks noGrp="1"/>
+          </p:cNvSpPr>
+          <p:nvPr>
+            <p:ph type="title"/>
+          </p:nvPr>
+        </p:nvSpPr>
+        <p:spPr/>
+        <p:txBody>
+          <a:bodyPr/>
+          <a:lstStyle/>
+          <a:p>
+            <a:r>
+              <a:rPr kumimoji="1" lang="ja-JP" altLang="en-US" dirty="0"/>
+              <a:t>さらに戦う者たちへ</a:t>
+            </a:r>
+            <a:r>
+              <a:rPr kumimoji="1" lang="en-US" altLang="ja-JP" dirty="0"/>
+              <a:t>(</a:t>
+            </a:r>
+            <a:r>
+              <a:rPr kumimoji="1" lang="ja-JP" altLang="en-US" dirty="0"/>
+              <a:t>追加資料</a:t>
+            </a:r>
+            <a:r>
+              <a:rPr kumimoji="1" lang="en-US" altLang="ja-JP" dirty="0"/>
+              <a:t>)</a:t>
+            </a:r>
+            <a:endParaRPr kumimoji="1" lang="ja-JP" altLang="en-US" dirty="0"/>
+          </a:p>
+        </p:txBody>
+      </p:sp>
+      <p:sp>
+        <p:nvSpPr>
+          <p:cNvPr id="3" name="テキスト プレースホルダー 2">
+            <a:extLst>
+              <a:ext uri="{FF2B5EF4-FFF2-40B4-BE49-F238E27FC236}">
+                <a16:creationId xmlns:a16="http://schemas.microsoft.com/office/drawing/2014/main" id="{90B6EC01-8B7E-1472-5A37-53F4012D27D9}"/>
+              </a:ext>
+            </a:extLst>
+          </p:cNvPr>
+          <p:cNvSpPr>
+            <a:spLocks noGrp="1"/>
+          </p:cNvSpPr>
+          <p:nvPr>
+            <p:ph type="body" idx="1"/>
+          </p:nvPr>
+        </p:nvSpPr>
+        <p:spPr>
+          <a:xfrm>
+            <a:off x="628650" y="1268044"/>
+            <a:ext cx="7886700" cy="3532555"/>
+          </a:xfrm>
+        </p:spPr>
+        <p:txBody>
+          <a:bodyPr>
+            <a:normAutofit fontScale="92500" lnSpcReduction="20000"/>
+          </a:bodyPr>
+          <a:lstStyle/>
+          <a:p>
+            <a:pPr marL="139700" indent="0">
+              <a:buNone/>
+            </a:pPr>
+            <a:r>
+              <a:rPr kumimoji="1" lang="ja-JP" altLang="en-US" dirty="0"/>
+              <a:t>■よりプロっぽいコードを書きたい！</a:t>
+            </a:r>
+            <a:endParaRPr kumimoji="1" lang="en-US" altLang="ja-JP" dirty="0"/>
+          </a:p>
+          <a:p>
+            <a:pPr marL="139700" indent="0">
+              <a:buNone/>
+            </a:pPr>
+            <a:r>
+              <a:rPr kumimoji="1" lang="ja-JP" altLang="en-US" dirty="0"/>
+              <a:t>ブロック崩しのコードを関数を用いてきれいに書き直すための教材を追加しました！！ぜひ挑戦してみてください。</a:t>
+            </a:r>
+            <a:endParaRPr kumimoji="1" lang="en-US" altLang="ja-JP" dirty="0"/>
+          </a:p>
+          <a:p>
+            <a:pPr marL="139700" indent="0">
+              <a:buNone/>
+            </a:pPr>
+            <a:endParaRPr kumimoji="1" lang="en-US" altLang="ja-JP" sz="900" dirty="0"/>
+          </a:p>
+          <a:p>
+            <a:pPr marL="139700" indent="0">
+              <a:buNone/>
+            </a:pPr>
+            <a:r>
+              <a:rPr kumimoji="1" lang="en-US" altLang="ja-JP" b="0" i="0" dirty="0"/>
+              <a:t>	</a:t>
+            </a:r>
+            <a:r>
+              <a:rPr kumimoji="1" lang="ja-JP" altLang="en-US" b="0" i="0" dirty="0"/>
+              <a:t>・</a:t>
+            </a:r>
+            <a:r>
+              <a:rPr kumimoji="1" lang="en-US" altLang="ja-JP" b="0" i="0" dirty="0"/>
+              <a:t>N</a:t>
+            </a:r>
+            <a:r>
+              <a:rPr kumimoji="1" lang="ja-JP" altLang="ja-JP" b="0" i="0" dirty="0"/>
+              <a:t>予備校 </a:t>
+            </a:r>
+            <a:r>
+              <a:rPr lang="ja-JP" altLang="ja-JP" b="0" i="0" dirty="0"/>
+              <a:t>機械学習 第</a:t>
+            </a:r>
+            <a:r>
+              <a:rPr lang="en-US" altLang="ja-JP" b="0" i="0" dirty="0"/>
+              <a:t>1</a:t>
+            </a:r>
+            <a:r>
+              <a:rPr lang="ja-JP" altLang="ja-JP" b="0" i="0" dirty="0"/>
+              <a:t>章 </a:t>
+            </a:r>
+            <a:r>
+              <a:rPr lang="en-US" altLang="ja-JP" b="0" i="0" dirty="0"/>
+              <a:t>Python</a:t>
+            </a:r>
+            <a:r>
+              <a:rPr lang="ja-JP" altLang="ja-JP" b="0" i="0" dirty="0"/>
+              <a:t>基礎講座</a:t>
+            </a:r>
+            <a:r>
+              <a:rPr lang="ja-JP" altLang="en-US" b="0" i="0" dirty="0"/>
+              <a:t>　</a:t>
+            </a:r>
+            <a:r>
+              <a:rPr lang="en-US" altLang="ja-JP" dirty="0"/>
+              <a:t>10.</a:t>
+            </a:r>
+            <a:r>
+              <a:rPr lang="ja-JP" altLang="en-US" dirty="0"/>
+              <a:t>関数</a:t>
+            </a:r>
+            <a:endParaRPr kumimoji="1" lang="en-US" altLang="ja-JP" dirty="0"/>
+          </a:p>
+          <a:p>
+            <a:pPr marL="139700" indent="0">
+              <a:buNone/>
+            </a:pPr>
+            <a:r>
+              <a:rPr kumimoji="1" lang="en-US" altLang="ja-JP" dirty="0"/>
+              <a:t>	</a:t>
+            </a:r>
+            <a:r>
+              <a:rPr kumimoji="1" lang="ja-JP" altLang="en-US" dirty="0"/>
+              <a:t>・ファイル名：</a:t>
+            </a:r>
+            <a:r>
+              <a:rPr kumimoji="1" lang="en-US" altLang="ja-JP" dirty="0" err="1"/>
+              <a:t>pygame</a:t>
+            </a:r>
+            <a:r>
+              <a:rPr kumimoji="1" lang="en-US" altLang="ja-JP" dirty="0"/>
+              <a:t>_</a:t>
+            </a:r>
+            <a:r>
+              <a:rPr kumimoji="1" lang="ja-JP" altLang="en-US" dirty="0"/>
+              <a:t>関数化</a:t>
+            </a:r>
+            <a:r>
+              <a:rPr kumimoji="1" lang="en-US" altLang="ja-JP" dirty="0"/>
+              <a:t>.</a:t>
+            </a:r>
+            <a:r>
+              <a:rPr kumimoji="1" lang="en-US" altLang="ja-JP" dirty="0" err="1"/>
+              <a:t>ipynb</a:t>
+            </a:r>
+            <a:endParaRPr kumimoji="1" lang="en-US" altLang="ja-JP" dirty="0"/>
+          </a:p>
+          <a:p>
+            <a:pPr marL="139700" indent="0">
+              <a:buNone/>
+            </a:pPr>
+            <a:endParaRPr kumimoji="1" lang="en-US" altLang="ja-JP" dirty="0"/>
+          </a:p>
+          <a:p>
+            <a:pPr marL="139700" indent="0">
+              <a:buNone/>
+            </a:pPr>
+            <a:r>
+              <a:rPr kumimoji="1" lang="ja-JP" altLang="en-US" dirty="0"/>
+              <a:t>■さらにプロっぽいコードを書きたい！</a:t>
+            </a:r>
+            <a:endParaRPr kumimoji="1" lang="en-US" altLang="ja-JP" dirty="0"/>
+          </a:p>
+          <a:p>
+            <a:pPr marL="139700" indent="0">
+              <a:buNone/>
+            </a:pPr>
+            <a:r>
+              <a:rPr kumimoji="1" lang="ja-JP" altLang="en-US" dirty="0"/>
+              <a:t>クラスを用いてさらにきれいに書き直す。</a:t>
+            </a:r>
+            <a:endParaRPr kumimoji="1" lang="en-US" altLang="ja-JP" dirty="0"/>
+          </a:p>
+          <a:p>
+            <a:pPr marL="139700" indent="0">
+              <a:buNone/>
+            </a:pPr>
+            <a:r>
+              <a:rPr kumimoji="1" lang="ja-JP" altLang="en-US" dirty="0"/>
+              <a:t>いやもはや綺麗かどうかよりもよりプロっぽいことを目指す。</a:t>
+            </a:r>
+            <a:endParaRPr kumimoji="1" lang="en-US" altLang="ja-JP" dirty="0"/>
+          </a:p>
+          <a:p>
+            <a:pPr marL="139700" indent="0">
+              <a:buNone/>
+            </a:pPr>
+            <a:endParaRPr kumimoji="1" lang="en-US" altLang="ja-JP" sz="900" dirty="0"/>
+          </a:p>
+          <a:p>
+            <a:pPr marL="139700" indent="0">
+              <a:buNone/>
+            </a:pPr>
+            <a:r>
+              <a:rPr kumimoji="1" lang="en-US" altLang="ja-JP" b="0" i="0" dirty="0"/>
+              <a:t>	</a:t>
+            </a:r>
+            <a:r>
+              <a:rPr kumimoji="1" lang="ja-JP" altLang="en-US" b="0" i="0" dirty="0"/>
+              <a:t>・</a:t>
+            </a:r>
+            <a:r>
+              <a:rPr kumimoji="1" lang="en-US" altLang="ja-JP" b="0" i="0" dirty="0"/>
+              <a:t>N</a:t>
+            </a:r>
+            <a:r>
+              <a:rPr kumimoji="1" lang="ja-JP" altLang="ja-JP" b="0" i="0" dirty="0"/>
+              <a:t>予備校 </a:t>
+            </a:r>
+            <a:r>
+              <a:rPr lang="ja-JP" altLang="ja-JP" b="0" i="0" dirty="0"/>
+              <a:t>機械学習 第</a:t>
+            </a:r>
+            <a:r>
+              <a:rPr lang="en-US" altLang="ja-JP" b="0" i="0" dirty="0"/>
+              <a:t>1</a:t>
+            </a:r>
+            <a:r>
+              <a:rPr lang="ja-JP" altLang="ja-JP" b="0" i="0" dirty="0"/>
+              <a:t>章 </a:t>
+            </a:r>
+            <a:r>
+              <a:rPr lang="en-US" altLang="ja-JP" b="0" i="0" dirty="0"/>
+              <a:t>Python</a:t>
+            </a:r>
+            <a:r>
+              <a:rPr lang="ja-JP" altLang="ja-JP" b="0" i="0" dirty="0"/>
+              <a:t>基礎講座</a:t>
+            </a:r>
+            <a:r>
+              <a:rPr lang="ja-JP" altLang="en-US" b="0" i="0" dirty="0"/>
+              <a:t>　</a:t>
+            </a:r>
+            <a:r>
+              <a:rPr lang="en-US" altLang="ja-JP" dirty="0"/>
+              <a:t>11.</a:t>
+            </a:r>
+            <a:r>
+              <a:rPr lang="ja-JP" altLang="en-US" dirty="0"/>
+              <a:t>クラス</a:t>
+            </a:r>
+            <a:endParaRPr kumimoji="1" lang="en-US" altLang="ja-JP" dirty="0"/>
+          </a:p>
+          <a:p>
+            <a:pPr marL="139700" indent="0">
+              <a:buNone/>
+            </a:pPr>
+            <a:r>
+              <a:rPr kumimoji="1" lang="en-US" altLang="ja-JP" dirty="0"/>
+              <a:t>	</a:t>
+            </a:r>
+            <a:r>
+              <a:rPr kumimoji="1" lang="ja-JP" altLang="en-US" dirty="0"/>
+              <a:t>・ファイル名：</a:t>
+            </a:r>
+            <a:r>
+              <a:rPr kumimoji="1" lang="en-US" altLang="ja-JP" dirty="0"/>
+              <a:t>Coming Soon</a:t>
+            </a:r>
+          </a:p>
+          <a:p>
+            <a:pPr marL="139700" indent="0">
+              <a:buNone/>
+            </a:pPr>
+            <a:endParaRPr kumimoji="1" lang="en-US" altLang="ja-JP" dirty="0"/>
+          </a:p>
+          <a:p>
+            <a:pPr marL="139700" indent="0">
+              <a:buNone/>
+            </a:pPr>
+            <a:endParaRPr kumimoji="1" lang="ja-JP" altLang="en-US" dirty="0"/>
+          </a:p>
+        </p:txBody>
+      </p:sp>
+    </p:spTree>
+    <p:extLst>
+      <p:ext uri="{BB962C8B-B14F-4D97-AF65-F5344CB8AC3E}">
+        <p14:creationId xmlns:p14="http://schemas.microsoft.com/office/powerpoint/2010/main" val="4139995150"/>
+      </p:ext>
+    </p:extLst>
+  </p:cSld>
+  <p:clrMapOvr>
+    <a:masterClrMapping/>
+  </p:clrMapOvr>
+</p:sld>
+</file>
+
 <file path=ppt/slides/slide2.xml><?xml version="1.0" encoding="utf-8"?>
 <p:sld xmlns:a="http://schemas.openxmlformats.org/drawingml/2006/main" xmlns:r="http://schemas.openxmlformats.org/officeDocument/2006/relationships" xmlns:p="http://schemas.openxmlformats.org/presentationml/2006/main">
   <p:cSld>
@@ -10946,6 +11310,17 @@
               <a:rPr kumimoji="1" lang="ja-JP" altLang="en-US" sz="2400" dirty="0">
                 <a:hlinkClick r:id="rId2" action="ppaction://hlinksldjump"/>
               </a:rPr>
+              <a:t>チャート</a:t>
+            </a:r>
+            <a:endParaRPr kumimoji="1" lang="en-US" altLang="ja-JP" sz="2400" dirty="0">
+              <a:hlinkClick r:id="rId3" action="ppaction://hlinksldjump"/>
+            </a:endParaRPr>
+          </a:p>
+          <a:p>
+            <a:r>
+              <a:rPr kumimoji="1" lang="ja-JP" altLang="en-US" sz="2400" dirty="0">
+                <a:hlinkClick r:id="rId3" action="ppaction://hlinksldjump"/>
+              </a:rPr>
               <a:t>コース概要</a:t>
             </a:r>
             <a:endParaRPr kumimoji="1" lang="en-US" altLang="ja-JP" sz="2400" dirty="0"/>
@@ -10953,7 +11328,7 @@
           <a:p>
             <a:r>
               <a:rPr kumimoji="1" lang="ja-JP" altLang="en-US" sz="2400" dirty="0">
-                <a:hlinkClick r:id="rId3" action="ppaction://hlinksldjump"/>
+                <a:hlinkClick r:id="rId4" action="ppaction://hlinksldjump"/>
               </a:rPr>
               <a:t>コーススケジュール</a:t>
             </a:r>
@@ -10962,24 +11337,9 @@
           <a:p>
             <a:r>
               <a:rPr kumimoji="1" lang="en-US" altLang="ja-JP" sz="2400" dirty="0">
-                <a:hlinkClick r:id="rId4" action="ppaction://hlinksldjump"/>
+                <a:hlinkClick r:id="rId5" action="ppaction://hlinksldjump"/>
               </a:rPr>
               <a:t>Python</a:t>
-            </a:r>
-            <a:r>
-              <a:rPr kumimoji="1" lang="ja-JP" altLang="en-US" sz="2400" dirty="0">
-                <a:hlinkClick r:id="rId4" action="ppaction://hlinksldjump"/>
-              </a:rPr>
-              <a:t>とは？</a:t>
-            </a:r>
-            <a:endParaRPr kumimoji="1" lang="en-US" altLang="ja-JP" sz="2400" dirty="0"/>
-          </a:p>
-          <a:p>
-            <a:r>
-              <a:rPr kumimoji="1" lang="en-US" altLang="ja-JP" sz="2400" dirty="0">
-                <a:hlinkClick r:id="rId5" action="ppaction://hlinksldjump"/>
-              </a:rPr>
-              <a:t>pygame</a:t>
             </a:r>
             <a:r>
               <a:rPr kumimoji="1" lang="ja-JP" altLang="en-US" sz="2400" dirty="0">
@@ -10994,11 +11354,26 @@
               <a:rPr kumimoji="1" lang="en-US" altLang="ja-JP" sz="2400" dirty="0">
                 <a:hlinkClick r:id="rId6" action="ppaction://hlinksldjump"/>
               </a:rPr>
+              <a:t>pygame</a:t>
+            </a:r>
+            <a:r>
+              <a:rPr kumimoji="1" lang="ja-JP" altLang="en-US" sz="2400" dirty="0">
+                <a:hlinkClick r:id="rId6" action="ppaction://hlinksldjump"/>
+              </a:rPr>
+              <a:t>とは？</a:t>
+            </a:r>
+            <a:endParaRPr kumimoji="1" lang="en-US" altLang="ja-JP" sz="2400" dirty="0"/>
+          </a:p>
+          <a:p>
+            <a:r>
+              <a:rPr kumimoji="1" lang="en-US" altLang="ja-JP" sz="2400" dirty="0">
+                <a:hlinkClick r:id="rId7" action="ppaction://hlinksldjump"/>
+              </a:rPr>
               <a:t>Jupyter Notebook</a:t>
             </a:r>
             <a:r>
               <a:rPr kumimoji="1" lang="ja-JP" altLang="en-US" sz="2400" dirty="0">
-                <a:hlinkClick r:id="rId6" action="ppaction://hlinksldjump"/>
+                <a:hlinkClick r:id="rId7" action="ppaction://hlinksldjump"/>
               </a:rPr>
               <a:t>とは？</a:t>
             </a:r>
@@ -11029,6 +11404,1784 @@
 </file>
 
 <file path=ppt/slides/slide3.xml><?xml version="1.0" encoding="utf-8"?>
+<p:sld xmlns:a="http://schemas.openxmlformats.org/drawingml/2006/main" xmlns:r="http://schemas.openxmlformats.org/officeDocument/2006/relationships" xmlns:p="http://schemas.openxmlformats.org/presentationml/2006/main">
+  <p:cSld>
+    <p:spTree>
+      <p:nvGrpSpPr>
+        <p:cNvPr id="1" name=""/>
+        <p:cNvGrpSpPr/>
+        <p:nvPr/>
+      </p:nvGrpSpPr>
+      <p:grpSpPr>
+        <a:xfrm>
+          <a:off x="0" y="0"/>
+          <a:ext cx="0" cy="0"/>
+          <a:chOff x="0" y="0"/>
+          <a:chExt cx="0" cy="0"/>
+        </a:xfrm>
+      </p:grpSpPr>
+      <p:sp>
+        <p:nvSpPr>
+          <p:cNvPr id="2" name="タイトル 1">
+            <a:extLst>
+              <a:ext uri="{FF2B5EF4-FFF2-40B4-BE49-F238E27FC236}">
+                <a16:creationId xmlns:a16="http://schemas.microsoft.com/office/drawing/2014/main" id="{FF89E40D-DFCF-C01A-4723-09404BC62B18}"/>
+              </a:ext>
+            </a:extLst>
+          </p:cNvPr>
+          <p:cNvSpPr>
+            <a:spLocks noGrp="1"/>
+          </p:cNvSpPr>
+          <p:nvPr>
+            <p:ph type="title"/>
+          </p:nvPr>
+        </p:nvSpPr>
+        <p:spPr>
+          <a:xfrm>
+            <a:off x="423588" y="390094"/>
+            <a:ext cx="7886700" cy="350410"/>
+          </a:xfrm>
+        </p:spPr>
+        <p:txBody>
+          <a:bodyPr>
+            <a:normAutofit fontScale="90000"/>
+          </a:bodyPr>
+          <a:lstStyle/>
+          <a:p>
+            <a:r>
+              <a:rPr kumimoji="1" lang="ja-JP" altLang="en-US" dirty="0"/>
+              <a:t>チャート</a:t>
+            </a:r>
+          </a:p>
+        </p:txBody>
+      </p:sp>
+      <p:sp>
+        <p:nvSpPr>
+          <p:cNvPr id="155" name="正方形/長方形 154">
+            <a:extLst>
+              <a:ext uri="{FF2B5EF4-FFF2-40B4-BE49-F238E27FC236}">
+                <a16:creationId xmlns:a16="http://schemas.microsoft.com/office/drawing/2014/main" id="{45E1C5A1-7B23-E511-04C6-B3364242E2DE}"/>
+              </a:ext>
+            </a:extLst>
+          </p:cNvPr>
+          <p:cNvSpPr/>
+          <p:nvPr/>
+        </p:nvSpPr>
+        <p:spPr>
+          <a:xfrm>
+            <a:off x="151198" y="4823114"/>
+            <a:ext cx="8806564" cy="3788034"/>
+          </a:xfrm>
+          <a:prstGeom prst="rect">
+            <a:avLst/>
+          </a:prstGeom>
+          <a:solidFill>
+            <a:schemeClr val="bg1"/>
+          </a:solidFill>
+          <a:ln>
+            <a:noFill/>
+          </a:ln>
+        </p:spPr>
+        <p:style>
+          <a:lnRef idx="2">
+            <a:schemeClr val="accent1">
+              <a:shade val="15000"/>
+            </a:schemeClr>
+          </a:lnRef>
+          <a:fillRef idx="1">
+            <a:schemeClr val="accent1"/>
+          </a:fillRef>
+          <a:effectRef idx="0">
+            <a:schemeClr val="accent1"/>
+          </a:effectRef>
+          <a:fontRef idx="minor">
+            <a:schemeClr val="lt1"/>
+          </a:fontRef>
+        </p:style>
+        <p:txBody>
+          <a:bodyPr rtlCol="0" anchor="ctr"/>
+          <a:lstStyle/>
+          <a:p>
+            <a:pPr algn="ctr"/>
+            <a:endParaRPr kumimoji="1" lang="ja-JP" altLang="en-US"/>
+          </a:p>
+        </p:txBody>
+      </p:sp>
+      <p:sp>
+        <p:nvSpPr>
+          <p:cNvPr id="5" name="四角形: 角を丸くする 4">
+            <a:extLst>
+              <a:ext uri="{FF2B5EF4-FFF2-40B4-BE49-F238E27FC236}">
+                <a16:creationId xmlns:a16="http://schemas.microsoft.com/office/drawing/2014/main" id="{B3C15A6E-3E51-7C64-2491-A261BAC2FFBE}"/>
+              </a:ext>
+            </a:extLst>
+          </p:cNvPr>
+          <p:cNvSpPr/>
+          <p:nvPr/>
+        </p:nvSpPr>
+        <p:spPr>
+          <a:xfrm>
+            <a:off x="553408" y="2847081"/>
+            <a:ext cx="2407223" cy="557164"/>
+          </a:xfrm>
+          <a:prstGeom prst="roundRect">
+            <a:avLst/>
+          </a:prstGeom>
+          <a:solidFill>
+            <a:schemeClr val="accent1">
+              <a:alpha val="70000"/>
+            </a:schemeClr>
+          </a:solidFill>
+          <a:ln>
+            <a:noFill/>
+          </a:ln>
+        </p:spPr>
+        <p:style>
+          <a:lnRef idx="2">
+            <a:schemeClr val="accent1">
+              <a:shade val="15000"/>
+            </a:schemeClr>
+          </a:lnRef>
+          <a:fillRef idx="1">
+            <a:schemeClr val="accent1"/>
+          </a:fillRef>
+          <a:effectRef idx="0">
+            <a:schemeClr val="accent1"/>
+          </a:effectRef>
+          <a:fontRef idx="minor">
+            <a:schemeClr val="lt1"/>
+          </a:fontRef>
+        </p:style>
+        <p:txBody>
+          <a:bodyPr wrap="square" lIns="18000" tIns="36000" rIns="18000" bIns="36000" rtlCol="0" anchor="ctr">
+            <a:spAutoFit/>
+          </a:bodyPr>
+          <a:lstStyle/>
+          <a:p>
+            <a:pPr algn="ctr"/>
+            <a:r>
+              <a:rPr kumimoji="1" lang="ja-JP" altLang="en-US" dirty="0"/>
+              <a:t>ゲームのコードは書いたことがある。</a:t>
+            </a:r>
+            <a:endParaRPr kumimoji="1" lang="en-US" altLang="ja-JP" dirty="0"/>
+          </a:p>
+        </p:txBody>
+      </p:sp>
+      <p:sp>
+        <p:nvSpPr>
+          <p:cNvPr id="6" name="四角形: 角を丸くする 5">
+            <a:extLst>
+              <a:ext uri="{FF2B5EF4-FFF2-40B4-BE49-F238E27FC236}">
+                <a16:creationId xmlns:a16="http://schemas.microsoft.com/office/drawing/2014/main" id="{B4E78046-B029-182C-3F75-43849ABB9F33}"/>
+              </a:ext>
+            </a:extLst>
+          </p:cNvPr>
+          <p:cNvSpPr/>
+          <p:nvPr/>
+        </p:nvSpPr>
+        <p:spPr>
+          <a:xfrm>
+            <a:off x="6397087" y="5833726"/>
+            <a:ext cx="2407223" cy="318801"/>
+          </a:xfrm>
+          <a:prstGeom prst="roundRect">
+            <a:avLst/>
+          </a:prstGeom>
+          <a:solidFill>
+            <a:schemeClr val="accent4">
+              <a:lumMod val="75000"/>
+              <a:alpha val="70000"/>
+            </a:schemeClr>
+          </a:solidFill>
+          <a:ln>
+            <a:noFill/>
+          </a:ln>
+        </p:spPr>
+        <p:style>
+          <a:lnRef idx="2">
+            <a:schemeClr val="accent1">
+              <a:shade val="15000"/>
+            </a:schemeClr>
+          </a:lnRef>
+          <a:fillRef idx="1">
+            <a:schemeClr val="accent1"/>
+          </a:fillRef>
+          <a:effectRef idx="0">
+            <a:schemeClr val="accent1"/>
+          </a:effectRef>
+          <a:fontRef idx="minor">
+            <a:schemeClr val="lt1"/>
+          </a:fontRef>
+        </p:style>
+        <p:txBody>
+          <a:bodyPr lIns="18000" tIns="36000" rIns="18000" bIns="36000" rtlCol="0" anchor="ctr">
+            <a:spAutoFit/>
+          </a:bodyPr>
+          <a:lstStyle/>
+          <a:p>
+            <a:pPr algn="ctr"/>
+            <a:r>
+              <a:rPr kumimoji="1" lang="ja-JP" altLang="en-US" b="1" dirty="0">
+                <a:hlinkClick r:id="rId2" action="ppaction://hlinksldjump"/>
+              </a:rPr>
+              <a:t>本コースの勉強資料</a:t>
+            </a:r>
+            <a:endParaRPr kumimoji="1" lang="en-US" altLang="ja-JP" b="1" dirty="0"/>
+          </a:p>
+        </p:txBody>
+      </p:sp>
+      <p:sp>
+        <p:nvSpPr>
+          <p:cNvPr id="9" name="四角形: 角を丸くする 8">
+            <a:extLst>
+              <a:ext uri="{FF2B5EF4-FFF2-40B4-BE49-F238E27FC236}">
+                <a16:creationId xmlns:a16="http://schemas.microsoft.com/office/drawing/2014/main" id="{E35068AE-F0DC-E060-92FF-2F4606EB7BFB}"/>
+              </a:ext>
+            </a:extLst>
+          </p:cNvPr>
+          <p:cNvSpPr/>
+          <p:nvPr/>
+        </p:nvSpPr>
+        <p:spPr>
+          <a:xfrm>
+            <a:off x="553407" y="3847553"/>
+            <a:ext cx="2407223" cy="318801"/>
+          </a:xfrm>
+          <a:prstGeom prst="roundRect">
+            <a:avLst/>
+          </a:prstGeom>
+          <a:solidFill>
+            <a:schemeClr val="accent1">
+              <a:alpha val="70000"/>
+            </a:schemeClr>
+          </a:solidFill>
+          <a:ln>
+            <a:noFill/>
+          </a:ln>
+        </p:spPr>
+        <p:style>
+          <a:lnRef idx="2">
+            <a:schemeClr val="accent1">
+              <a:shade val="15000"/>
+            </a:schemeClr>
+          </a:lnRef>
+          <a:fillRef idx="1">
+            <a:schemeClr val="accent1"/>
+          </a:fillRef>
+          <a:effectRef idx="0">
+            <a:schemeClr val="accent1"/>
+          </a:effectRef>
+          <a:fontRef idx="minor">
+            <a:schemeClr val="lt1"/>
+          </a:fontRef>
+        </p:style>
+        <p:txBody>
+          <a:bodyPr lIns="18000" tIns="36000" rIns="18000" bIns="36000" rtlCol="0" anchor="ctr">
+            <a:spAutoFit/>
+          </a:bodyPr>
+          <a:lstStyle/>
+          <a:p>
+            <a:pPr algn="ctr"/>
+            <a:r>
+              <a:rPr kumimoji="1" lang="ja-JP" altLang="en-US" dirty="0"/>
+              <a:t>継続して作っているものがある</a:t>
+            </a:r>
+            <a:endParaRPr kumimoji="1" lang="en-US" altLang="ja-JP" dirty="0"/>
+          </a:p>
+        </p:txBody>
+      </p:sp>
+      <p:cxnSp>
+        <p:nvCxnSpPr>
+          <p:cNvPr id="12" name="コネクタ: カギ線 11">
+            <a:extLst>
+              <a:ext uri="{FF2B5EF4-FFF2-40B4-BE49-F238E27FC236}">
+                <a16:creationId xmlns:a16="http://schemas.microsoft.com/office/drawing/2014/main" id="{F0ECCD09-E088-BB23-EFE2-A81D6D9D5AAC}"/>
+              </a:ext>
+            </a:extLst>
+          </p:cNvPr>
+          <p:cNvCxnSpPr>
+            <a:cxnSpLocks/>
+            <a:stCxn id="5" idx="2"/>
+            <a:endCxn id="9" idx="0"/>
+          </p:cNvCxnSpPr>
+          <p:nvPr/>
+        </p:nvCxnSpPr>
+        <p:spPr>
+          <a:xfrm rot="5400000">
+            <a:off x="1535366" y="3625899"/>
+            <a:ext cx="443308" cy="1"/>
+          </a:xfrm>
+          <a:prstGeom prst="bentConnector3">
+            <a:avLst>
+              <a:gd name="adj1" fmla="val 50000"/>
+            </a:avLst>
+          </a:prstGeom>
+          <a:ln w="19050">
+            <a:solidFill>
+              <a:schemeClr val="accent1"/>
+            </a:solidFill>
+            <a:tailEnd type="triangle"/>
+          </a:ln>
+        </p:spPr>
+        <p:style>
+          <a:lnRef idx="1">
+            <a:schemeClr val="accent1"/>
+          </a:lnRef>
+          <a:fillRef idx="0">
+            <a:schemeClr val="accent1"/>
+          </a:fillRef>
+          <a:effectRef idx="0">
+            <a:schemeClr val="accent1"/>
+          </a:effectRef>
+          <a:fontRef idx="minor">
+            <a:schemeClr val="tx1"/>
+          </a:fontRef>
+        </p:style>
+      </p:cxnSp>
+      <p:cxnSp>
+        <p:nvCxnSpPr>
+          <p:cNvPr id="16" name="コネクタ: カギ線 15">
+            <a:extLst>
+              <a:ext uri="{FF2B5EF4-FFF2-40B4-BE49-F238E27FC236}">
+                <a16:creationId xmlns:a16="http://schemas.microsoft.com/office/drawing/2014/main" id="{0734E5BC-0E23-F7E8-DAAC-39FA532514FF}"/>
+              </a:ext>
+            </a:extLst>
+          </p:cNvPr>
+          <p:cNvCxnSpPr>
+            <a:cxnSpLocks/>
+            <a:stCxn id="9" idx="2"/>
+            <a:endCxn id="19" idx="0"/>
+          </p:cNvCxnSpPr>
+          <p:nvPr/>
+        </p:nvCxnSpPr>
+        <p:spPr>
+          <a:xfrm rot="5400000">
+            <a:off x="1564986" y="4358387"/>
+            <a:ext cx="384067" cy="1"/>
+          </a:xfrm>
+          <a:prstGeom prst="bentConnector3">
+            <a:avLst>
+              <a:gd name="adj1" fmla="val 50000"/>
+            </a:avLst>
+          </a:prstGeom>
+          <a:ln w="19050">
+            <a:solidFill>
+              <a:schemeClr val="accent1"/>
+            </a:solidFill>
+            <a:tailEnd type="triangle"/>
+          </a:ln>
+        </p:spPr>
+        <p:style>
+          <a:lnRef idx="1">
+            <a:schemeClr val="accent1"/>
+          </a:lnRef>
+          <a:fillRef idx="0">
+            <a:schemeClr val="accent1"/>
+          </a:fillRef>
+          <a:effectRef idx="0">
+            <a:schemeClr val="accent1"/>
+          </a:effectRef>
+          <a:fontRef idx="minor">
+            <a:schemeClr val="tx1"/>
+          </a:fontRef>
+        </p:style>
+      </p:cxnSp>
+      <p:sp>
+        <p:nvSpPr>
+          <p:cNvPr id="19" name="四角形: 角を丸くする 18">
+            <a:extLst>
+              <a:ext uri="{FF2B5EF4-FFF2-40B4-BE49-F238E27FC236}">
+                <a16:creationId xmlns:a16="http://schemas.microsoft.com/office/drawing/2014/main" id="{E2DE53DB-8DA5-A796-0BE3-37F74ABEFE0A}"/>
+              </a:ext>
+            </a:extLst>
+          </p:cNvPr>
+          <p:cNvSpPr/>
+          <p:nvPr/>
+        </p:nvSpPr>
+        <p:spPr>
+          <a:xfrm>
+            <a:off x="553406" y="4550421"/>
+            <a:ext cx="2407223" cy="318801"/>
+          </a:xfrm>
+          <a:prstGeom prst="roundRect">
+            <a:avLst/>
+          </a:prstGeom>
+          <a:solidFill>
+            <a:schemeClr val="accent4">
+              <a:lumMod val="75000"/>
+              <a:alpha val="70000"/>
+            </a:schemeClr>
+          </a:solidFill>
+          <a:ln>
+            <a:noFill/>
+          </a:ln>
+        </p:spPr>
+        <p:style>
+          <a:lnRef idx="2">
+            <a:schemeClr val="accent1">
+              <a:shade val="15000"/>
+            </a:schemeClr>
+          </a:lnRef>
+          <a:fillRef idx="1">
+            <a:schemeClr val="accent1"/>
+          </a:fillRef>
+          <a:effectRef idx="0">
+            <a:schemeClr val="accent1"/>
+          </a:effectRef>
+          <a:fontRef idx="minor">
+            <a:schemeClr val="lt1"/>
+          </a:fontRef>
+        </p:style>
+        <p:txBody>
+          <a:bodyPr lIns="18000" tIns="36000" rIns="18000" bIns="36000" rtlCol="0" anchor="ctr">
+            <a:spAutoFit/>
+          </a:bodyPr>
+          <a:lstStyle/>
+          <a:p>
+            <a:pPr algn="ctr"/>
+            <a:r>
+              <a:rPr kumimoji="1" lang="ja-JP" altLang="en-US" dirty="0"/>
+              <a:t>今やっていることを継続</a:t>
+            </a:r>
+            <a:endParaRPr kumimoji="1" lang="en-US" altLang="ja-JP" dirty="0"/>
+          </a:p>
+        </p:txBody>
+      </p:sp>
+      <p:cxnSp>
+        <p:nvCxnSpPr>
+          <p:cNvPr id="22" name="コネクタ: カギ線 21">
+            <a:extLst>
+              <a:ext uri="{FF2B5EF4-FFF2-40B4-BE49-F238E27FC236}">
+                <a16:creationId xmlns:a16="http://schemas.microsoft.com/office/drawing/2014/main" id="{910FB273-FA25-69E7-9459-3F05EBCC63DE}"/>
+              </a:ext>
+            </a:extLst>
+          </p:cNvPr>
+          <p:cNvCxnSpPr>
+            <a:cxnSpLocks/>
+            <a:stCxn id="9" idx="3"/>
+            <a:endCxn id="31" idx="1"/>
+          </p:cNvCxnSpPr>
+          <p:nvPr/>
+        </p:nvCxnSpPr>
+        <p:spPr>
+          <a:xfrm>
+            <a:off x="2960630" y="4006954"/>
+            <a:ext cx="200484" cy="5230"/>
+          </a:xfrm>
+          <a:prstGeom prst="bentConnector3">
+            <a:avLst>
+              <a:gd name="adj1" fmla="val 50000"/>
+            </a:avLst>
+          </a:prstGeom>
+          <a:ln w="19050">
+            <a:solidFill>
+              <a:srgbClr val="FF0000"/>
+            </a:solidFill>
+            <a:tailEnd type="triangle"/>
+          </a:ln>
+        </p:spPr>
+        <p:style>
+          <a:lnRef idx="1">
+            <a:schemeClr val="accent1"/>
+          </a:lnRef>
+          <a:fillRef idx="0">
+            <a:schemeClr val="accent1"/>
+          </a:fillRef>
+          <a:effectRef idx="0">
+            <a:schemeClr val="accent1"/>
+          </a:effectRef>
+          <a:fontRef idx="minor">
+            <a:schemeClr val="tx1"/>
+          </a:fontRef>
+        </p:style>
+      </p:cxnSp>
+      <p:sp>
+        <p:nvSpPr>
+          <p:cNvPr id="31" name="四角形: 角を丸くする 30">
+            <a:extLst>
+              <a:ext uri="{FF2B5EF4-FFF2-40B4-BE49-F238E27FC236}">
+                <a16:creationId xmlns:a16="http://schemas.microsoft.com/office/drawing/2014/main" id="{5CD08080-B246-61C7-8BF9-701A69EA4441}"/>
+              </a:ext>
+            </a:extLst>
+          </p:cNvPr>
+          <p:cNvSpPr/>
+          <p:nvPr/>
+        </p:nvSpPr>
+        <p:spPr>
+          <a:xfrm>
+            <a:off x="3161114" y="3852783"/>
+            <a:ext cx="2407223" cy="318801"/>
+          </a:xfrm>
+          <a:prstGeom prst="roundRect">
+            <a:avLst/>
+          </a:prstGeom>
+          <a:solidFill>
+            <a:schemeClr val="accent1">
+              <a:alpha val="70000"/>
+            </a:schemeClr>
+          </a:solidFill>
+          <a:ln>
+            <a:noFill/>
+          </a:ln>
+        </p:spPr>
+        <p:style>
+          <a:lnRef idx="2">
+            <a:schemeClr val="accent1">
+              <a:shade val="15000"/>
+            </a:schemeClr>
+          </a:lnRef>
+          <a:fillRef idx="1">
+            <a:schemeClr val="accent1"/>
+          </a:fillRef>
+          <a:effectRef idx="0">
+            <a:schemeClr val="accent1"/>
+          </a:effectRef>
+          <a:fontRef idx="minor">
+            <a:schemeClr val="lt1"/>
+          </a:fontRef>
+        </p:style>
+        <p:txBody>
+          <a:bodyPr lIns="18000" tIns="36000" rIns="18000" bIns="36000" rtlCol="0" anchor="ctr">
+            <a:spAutoFit/>
+          </a:bodyPr>
+          <a:lstStyle/>
+          <a:p>
+            <a:pPr algn="ctr"/>
+            <a:r>
+              <a:rPr kumimoji="1" lang="ja-JP" altLang="en-US" dirty="0"/>
+              <a:t>易しい内容からじっくりやりたい</a:t>
+            </a:r>
+            <a:endParaRPr kumimoji="1" lang="en-US" altLang="ja-JP" dirty="0"/>
+          </a:p>
+        </p:txBody>
+      </p:sp>
+      <p:cxnSp>
+        <p:nvCxnSpPr>
+          <p:cNvPr id="35" name="コネクタ: カギ線 34">
+            <a:extLst>
+              <a:ext uri="{FF2B5EF4-FFF2-40B4-BE49-F238E27FC236}">
+                <a16:creationId xmlns:a16="http://schemas.microsoft.com/office/drawing/2014/main" id="{F757D55E-0B41-12D7-B804-8651F0C147E9}"/>
+              </a:ext>
+            </a:extLst>
+          </p:cNvPr>
+          <p:cNvCxnSpPr>
+            <a:cxnSpLocks/>
+            <a:stCxn id="31" idx="2"/>
+            <a:endCxn id="49" idx="0"/>
+          </p:cNvCxnSpPr>
+          <p:nvPr/>
+        </p:nvCxnSpPr>
+        <p:spPr>
+          <a:xfrm rot="16200000" flipH="1">
+            <a:off x="4162482" y="4373828"/>
+            <a:ext cx="405271" cy="782"/>
+          </a:xfrm>
+          <a:prstGeom prst="bentConnector3">
+            <a:avLst>
+              <a:gd name="adj1" fmla="val 50000"/>
+            </a:avLst>
+          </a:prstGeom>
+          <a:ln w="19050">
+            <a:solidFill>
+              <a:schemeClr val="accent1"/>
+            </a:solidFill>
+            <a:tailEnd type="triangle"/>
+          </a:ln>
+        </p:spPr>
+        <p:style>
+          <a:lnRef idx="1">
+            <a:schemeClr val="accent1"/>
+          </a:lnRef>
+          <a:fillRef idx="0">
+            <a:schemeClr val="accent1"/>
+          </a:fillRef>
+          <a:effectRef idx="0">
+            <a:schemeClr val="accent1"/>
+          </a:effectRef>
+          <a:fontRef idx="minor">
+            <a:schemeClr val="tx1"/>
+          </a:fontRef>
+        </p:style>
+      </p:cxnSp>
+      <p:cxnSp>
+        <p:nvCxnSpPr>
+          <p:cNvPr id="44" name="コネクタ: カギ線 43">
+            <a:extLst>
+              <a:ext uri="{FF2B5EF4-FFF2-40B4-BE49-F238E27FC236}">
+                <a16:creationId xmlns:a16="http://schemas.microsoft.com/office/drawing/2014/main" id="{EC61B249-5DE4-6987-435D-D9F4AF94E2C4}"/>
+              </a:ext>
+            </a:extLst>
+          </p:cNvPr>
+          <p:cNvCxnSpPr>
+            <a:cxnSpLocks/>
+            <a:stCxn id="5" idx="3"/>
+            <a:endCxn id="31" idx="0"/>
+          </p:cNvCxnSpPr>
+          <p:nvPr/>
+        </p:nvCxnSpPr>
+        <p:spPr>
+          <a:xfrm>
+            <a:off x="2960631" y="3125663"/>
+            <a:ext cx="1404095" cy="727120"/>
+          </a:xfrm>
+          <a:prstGeom prst="bentConnector2">
+            <a:avLst/>
+          </a:prstGeom>
+          <a:ln w="19050">
+            <a:solidFill>
+              <a:srgbClr val="FF0000"/>
+            </a:solidFill>
+            <a:tailEnd type="triangle"/>
+          </a:ln>
+        </p:spPr>
+        <p:style>
+          <a:lnRef idx="1">
+            <a:schemeClr val="accent1"/>
+          </a:lnRef>
+          <a:fillRef idx="0">
+            <a:schemeClr val="accent1"/>
+          </a:fillRef>
+          <a:effectRef idx="0">
+            <a:schemeClr val="accent1"/>
+          </a:effectRef>
+          <a:fontRef idx="minor">
+            <a:schemeClr val="tx1"/>
+          </a:fontRef>
+        </p:style>
+      </p:cxnSp>
+      <p:sp>
+        <p:nvSpPr>
+          <p:cNvPr id="49" name="四角形: 角を丸くする 48">
+            <a:extLst>
+              <a:ext uri="{FF2B5EF4-FFF2-40B4-BE49-F238E27FC236}">
+                <a16:creationId xmlns:a16="http://schemas.microsoft.com/office/drawing/2014/main" id="{C2720F62-7CC9-9E83-8990-AFC93FF95EE9}"/>
+              </a:ext>
+            </a:extLst>
+          </p:cNvPr>
+          <p:cNvSpPr/>
+          <p:nvPr/>
+        </p:nvSpPr>
+        <p:spPr>
+          <a:xfrm>
+            <a:off x="3161896" y="4576855"/>
+            <a:ext cx="2407223" cy="557164"/>
+          </a:xfrm>
+          <a:prstGeom prst="roundRect">
+            <a:avLst/>
+          </a:prstGeom>
+          <a:solidFill>
+            <a:schemeClr val="accent1">
+              <a:alpha val="70000"/>
+            </a:schemeClr>
+          </a:solidFill>
+          <a:ln>
+            <a:noFill/>
+          </a:ln>
+        </p:spPr>
+        <p:style>
+          <a:lnRef idx="2">
+            <a:schemeClr val="accent1">
+              <a:shade val="15000"/>
+            </a:schemeClr>
+          </a:lnRef>
+          <a:fillRef idx="1">
+            <a:schemeClr val="accent1"/>
+          </a:fillRef>
+          <a:effectRef idx="0">
+            <a:schemeClr val="accent1"/>
+          </a:effectRef>
+          <a:fontRef idx="minor">
+            <a:schemeClr val="lt1"/>
+          </a:fontRef>
+        </p:style>
+        <p:txBody>
+          <a:bodyPr lIns="18000" tIns="36000" rIns="18000" bIns="36000" rtlCol="0" anchor="ctr">
+            <a:spAutoFit/>
+          </a:bodyPr>
+          <a:lstStyle/>
+          <a:p>
+            <a:pPr algn="ctr"/>
+            <a:r>
+              <a:rPr kumimoji="1" lang="ja-JP" altLang="en-US" dirty="0"/>
+              <a:t>ブロック崩しは作ったことがある</a:t>
+            </a:r>
+            <a:endParaRPr kumimoji="1" lang="en-US" altLang="ja-JP" dirty="0"/>
+          </a:p>
+        </p:txBody>
+      </p:sp>
+      <p:cxnSp>
+        <p:nvCxnSpPr>
+          <p:cNvPr id="79" name="コネクタ: カギ線 78">
+            <a:extLst>
+              <a:ext uri="{FF2B5EF4-FFF2-40B4-BE49-F238E27FC236}">
+                <a16:creationId xmlns:a16="http://schemas.microsoft.com/office/drawing/2014/main" id="{2018803B-2601-A348-644F-2F0EE633B99A}"/>
+              </a:ext>
+            </a:extLst>
+          </p:cNvPr>
+          <p:cNvCxnSpPr>
+            <a:cxnSpLocks/>
+            <a:stCxn id="49" idx="2"/>
+            <a:endCxn id="80" idx="0"/>
+          </p:cNvCxnSpPr>
+          <p:nvPr/>
+        </p:nvCxnSpPr>
+        <p:spPr>
+          <a:xfrm rot="5400000">
+            <a:off x="4209612" y="5289133"/>
+            <a:ext cx="311011" cy="783"/>
+          </a:xfrm>
+          <a:prstGeom prst="bentConnector3">
+            <a:avLst>
+              <a:gd name="adj1" fmla="val 50000"/>
+            </a:avLst>
+          </a:prstGeom>
+          <a:ln w="19050">
+            <a:solidFill>
+              <a:schemeClr val="accent1"/>
+            </a:solidFill>
+            <a:tailEnd type="triangle"/>
+          </a:ln>
+        </p:spPr>
+        <p:style>
+          <a:lnRef idx="1">
+            <a:schemeClr val="accent1"/>
+          </a:lnRef>
+          <a:fillRef idx="0">
+            <a:schemeClr val="accent1"/>
+          </a:fillRef>
+          <a:effectRef idx="0">
+            <a:schemeClr val="accent1"/>
+          </a:effectRef>
+          <a:fontRef idx="minor">
+            <a:schemeClr val="tx1"/>
+          </a:fontRef>
+        </p:style>
+      </p:cxnSp>
+      <p:sp>
+        <p:nvSpPr>
+          <p:cNvPr id="80" name="四角形: 角を丸くする 79">
+            <a:extLst>
+              <a:ext uri="{FF2B5EF4-FFF2-40B4-BE49-F238E27FC236}">
+                <a16:creationId xmlns:a16="http://schemas.microsoft.com/office/drawing/2014/main" id="{7062721E-EF73-8C43-EB34-B6BEF0455020}"/>
+              </a:ext>
+            </a:extLst>
+          </p:cNvPr>
+          <p:cNvSpPr/>
+          <p:nvPr/>
+        </p:nvSpPr>
+        <p:spPr>
+          <a:xfrm>
+            <a:off x="3161113" y="5445030"/>
+            <a:ext cx="2407223" cy="557164"/>
+          </a:xfrm>
+          <a:prstGeom prst="roundRect">
+            <a:avLst/>
+          </a:prstGeom>
+          <a:solidFill>
+            <a:schemeClr val="accent1">
+              <a:alpha val="70000"/>
+            </a:schemeClr>
+          </a:solidFill>
+          <a:ln>
+            <a:noFill/>
+          </a:ln>
+        </p:spPr>
+        <p:style>
+          <a:lnRef idx="2">
+            <a:schemeClr val="accent1">
+              <a:shade val="15000"/>
+            </a:schemeClr>
+          </a:lnRef>
+          <a:fillRef idx="1">
+            <a:schemeClr val="accent1"/>
+          </a:fillRef>
+          <a:effectRef idx="0">
+            <a:schemeClr val="accent1"/>
+          </a:effectRef>
+          <a:fontRef idx="minor">
+            <a:schemeClr val="lt1"/>
+          </a:fontRef>
+        </p:style>
+        <p:txBody>
+          <a:bodyPr lIns="18000" tIns="36000" rIns="18000" bIns="36000" rtlCol="0" anchor="ctr">
+            <a:spAutoFit/>
+          </a:bodyPr>
+          <a:lstStyle/>
+          <a:p>
+            <a:pPr algn="ctr"/>
+            <a:r>
+              <a:rPr kumimoji="1" lang="en-US" altLang="ja-JP" dirty="0"/>
+              <a:t>Python</a:t>
+            </a:r>
+            <a:r>
+              <a:rPr kumimoji="1" lang="ja-JP" altLang="en-US" dirty="0"/>
+              <a:t>をやってみたい。</a:t>
+            </a:r>
+            <a:endParaRPr kumimoji="1" lang="en-US" altLang="ja-JP" dirty="0"/>
+          </a:p>
+          <a:p>
+            <a:pPr algn="ctr"/>
+            <a:r>
+              <a:rPr kumimoji="1" lang="ja-JP" altLang="en-US" dirty="0"/>
+              <a:t>もしくはやったことがある。</a:t>
+            </a:r>
+            <a:endParaRPr kumimoji="1" lang="en-US" altLang="ja-JP" dirty="0"/>
+          </a:p>
+        </p:txBody>
+      </p:sp>
+      <p:cxnSp>
+        <p:nvCxnSpPr>
+          <p:cNvPr id="84" name="コネクタ: カギ線 83">
+            <a:extLst>
+              <a:ext uri="{FF2B5EF4-FFF2-40B4-BE49-F238E27FC236}">
+                <a16:creationId xmlns:a16="http://schemas.microsoft.com/office/drawing/2014/main" id="{A6B42213-FCF9-36F3-EF8E-09AC325BD19C}"/>
+              </a:ext>
+            </a:extLst>
+          </p:cNvPr>
+          <p:cNvCxnSpPr>
+            <a:cxnSpLocks/>
+            <a:stCxn id="80" idx="2"/>
+            <a:endCxn id="91" idx="0"/>
+          </p:cNvCxnSpPr>
+          <p:nvPr/>
+        </p:nvCxnSpPr>
+        <p:spPr>
+          <a:xfrm rot="5400000">
+            <a:off x="4166655" y="6200260"/>
+            <a:ext cx="396137" cy="5"/>
+          </a:xfrm>
+          <a:prstGeom prst="bentConnector3">
+            <a:avLst>
+              <a:gd name="adj1" fmla="val 50000"/>
+            </a:avLst>
+          </a:prstGeom>
+          <a:ln w="19050">
+            <a:solidFill>
+              <a:schemeClr val="accent1"/>
+            </a:solidFill>
+            <a:tailEnd type="triangle"/>
+          </a:ln>
+        </p:spPr>
+        <p:style>
+          <a:lnRef idx="1">
+            <a:schemeClr val="accent1"/>
+          </a:lnRef>
+          <a:fillRef idx="0">
+            <a:schemeClr val="accent1"/>
+          </a:fillRef>
+          <a:effectRef idx="0">
+            <a:schemeClr val="accent1"/>
+          </a:effectRef>
+          <a:fontRef idx="minor">
+            <a:schemeClr val="tx1"/>
+          </a:fontRef>
+        </p:style>
+      </p:cxnSp>
+      <p:sp>
+        <p:nvSpPr>
+          <p:cNvPr id="89" name="四角形: 角を丸くする 88">
+            <a:extLst>
+              <a:ext uri="{FF2B5EF4-FFF2-40B4-BE49-F238E27FC236}">
+                <a16:creationId xmlns:a16="http://schemas.microsoft.com/office/drawing/2014/main" id="{D87A9CB4-D8A5-592F-396F-CD1F97375B4E}"/>
+              </a:ext>
+            </a:extLst>
+          </p:cNvPr>
+          <p:cNvSpPr/>
+          <p:nvPr/>
+        </p:nvSpPr>
+        <p:spPr>
+          <a:xfrm>
+            <a:off x="3161109" y="7112486"/>
+            <a:ext cx="2407223" cy="557164"/>
+          </a:xfrm>
+          <a:prstGeom prst="roundRect">
+            <a:avLst/>
+          </a:prstGeom>
+          <a:solidFill>
+            <a:schemeClr val="accent4">
+              <a:lumMod val="75000"/>
+              <a:alpha val="70000"/>
+            </a:schemeClr>
+          </a:solidFill>
+          <a:ln>
+            <a:noFill/>
+          </a:ln>
+        </p:spPr>
+        <p:style>
+          <a:lnRef idx="2">
+            <a:schemeClr val="accent1">
+              <a:shade val="15000"/>
+            </a:schemeClr>
+          </a:lnRef>
+          <a:fillRef idx="1">
+            <a:schemeClr val="accent1"/>
+          </a:fillRef>
+          <a:effectRef idx="0">
+            <a:schemeClr val="accent1"/>
+          </a:effectRef>
+          <a:fontRef idx="minor">
+            <a:schemeClr val="lt1"/>
+          </a:fontRef>
+        </p:style>
+        <p:txBody>
+          <a:bodyPr lIns="18000" tIns="36000" rIns="18000" bIns="36000" rtlCol="0" anchor="ctr">
+            <a:spAutoFit/>
+          </a:bodyPr>
+          <a:lstStyle/>
+          <a:p>
+            <a:pPr algn="ctr"/>
+            <a:r>
+              <a:rPr kumimoji="1" lang="ja-JP" altLang="en-US" b="1" dirty="0">
+                <a:hlinkClick r:id="rId3" action="ppaction://hlinksldjump"/>
+              </a:rPr>
+              <a:t>本コースの追加資料</a:t>
+            </a:r>
+            <a:endParaRPr kumimoji="1" lang="en-US" altLang="ja-JP" b="1" dirty="0"/>
+          </a:p>
+          <a:p>
+            <a:pPr algn="ctr"/>
+            <a:r>
+              <a:rPr kumimoji="1" lang="en-US" altLang="ja-JP" b="1" dirty="0"/>
+              <a:t>(</a:t>
+            </a:r>
+            <a:r>
+              <a:rPr kumimoji="1" lang="ja-JP" altLang="en-US" b="1" dirty="0"/>
+              <a:t>関数について、など</a:t>
+            </a:r>
+            <a:r>
+              <a:rPr kumimoji="1" lang="en-US" altLang="ja-JP" b="1" dirty="0"/>
+              <a:t>)</a:t>
+            </a:r>
+          </a:p>
+        </p:txBody>
+      </p:sp>
+      <p:sp>
+        <p:nvSpPr>
+          <p:cNvPr id="91" name="四角形: 角を丸くする 90">
+            <a:extLst>
+              <a:ext uri="{FF2B5EF4-FFF2-40B4-BE49-F238E27FC236}">
+                <a16:creationId xmlns:a16="http://schemas.microsoft.com/office/drawing/2014/main" id="{57930B3D-436D-B193-95E3-E92478B68DE7}"/>
+              </a:ext>
+            </a:extLst>
+          </p:cNvPr>
+          <p:cNvSpPr/>
+          <p:nvPr/>
+        </p:nvSpPr>
+        <p:spPr>
+          <a:xfrm>
+            <a:off x="3124809" y="6398331"/>
+            <a:ext cx="2479822" cy="318801"/>
+          </a:xfrm>
+          <a:prstGeom prst="roundRect">
+            <a:avLst/>
+          </a:prstGeom>
+          <a:solidFill>
+            <a:schemeClr val="accent1">
+              <a:alpha val="70000"/>
+            </a:schemeClr>
+          </a:solidFill>
+          <a:ln>
+            <a:noFill/>
+          </a:ln>
+        </p:spPr>
+        <p:style>
+          <a:lnRef idx="2">
+            <a:schemeClr val="accent1">
+              <a:shade val="15000"/>
+            </a:schemeClr>
+          </a:lnRef>
+          <a:fillRef idx="1">
+            <a:schemeClr val="accent1"/>
+          </a:fillRef>
+          <a:effectRef idx="0">
+            <a:schemeClr val="accent1"/>
+          </a:effectRef>
+          <a:fontRef idx="minor">
+            <a:schemeClr val="lt1"/>
+          </a:fontRef>
+        </p:style>
+        <p:txBody>
+          <a:bodyPr wrap="square" lIns="18000" tIns="36000" rIns="18000" bIns="36000" rtlCol="0" anchor="ctr">
+            <a:spAutoFit/>
+          </a:bodyPr>
+          <a:lstStyle/>
+          <a:p>
+            <a:pPr algn="ctr"/>
+            <a:r>
+              <a:rPr kumimoji="1" lang="ja-JP" altLang="en-US" dirty="0"/>
+              <a:t>よりプロっぽいコードを書きたい</a:t>
+            </a:r>
+            <a:endParaRPr kumimoji="1" lang="en-US" altLang="ja-JP" dirty="0"/>
+          </a:p>
+        </p:txBody>
+      </p:sp>
+      <p:cxnSp>
+        <p:nvCxnSpPr>
+          <p:cNvPr id="119" name="コネクタ: カギ線 118">
+            <a:extLst>
+              <a:ext uri="{FF2B5EF4-FFF2-40B4-BE49-F238E27FC236}">
+                <a16:creationId xmlns:a16="http://schemas.microsoft.com/office/drawing/2014/main" id="{D53F96AF-45D8-4F61-BA0B-1A817B2E1DFA}"/>
+              </a:ext>
+            </a:extLst>
+          </p:cNvPr>
+          <p:cNvCxnSpPr>
+            <a:cxnSpLocks/>
+            <a:stCxn id="49" idx="3"/>
+            <a:endCxn id="6" idx="1"/>
+          </p:cNvCxnSpPr>
+          <p:nvPr/>
+        </p:nvCxnSpPr>
+        <p:spPr>
+          <a:xfrm>
+            <a:off x="5569119" y="4855437"/>
+            <a:ext cx="827968" cy="1137690"/>
+          </a:xfrm>
+          <a:prstGeom prst="bentConnector3">
+            <a:avLst>
+              <a:gd name="adj1" fmla="val 50000"/>
+            </a:avLst>
+          </a:prstGeom>
+          <a:ln w="19050">
+            <a:solidFill>
+              <a:srgbClr val="FF0000"/>
+            </a:solidFill>
+            <a:tailEnd type="triangle"/>
+          </a:ln>
+        </p:spPr>
+        <p:style>
+          <a:lnRef idx="1">
+            <a:schemeClr val="accent1"/>
+          </a:lnRef>
+          <a:fillRef idx="0">
+            <a:schemeClr val="accent1"/>
+          </a:fillRef>
+          <a:effectRef idx="0">
+            <a:schemeClr val="accent1"/>
+          </a:effectRef>
+          <a:fontRef idx="minor">
+            <a:schemeClr val="tx1"/>
+          </a:fontRef>
+        </p:style>
+      </p:cxnSp>
+      <p:cxnSp>
+        <p:nvCxnSpPr>
+          <p:cNvPr id="121" name="コネクタ: カギ線 120">
+            <a:extLst>
+              <a:ext uri="{FF2B5EF4-FFF2-40B4-BE49-F238E27FC236}">
+                <a16:creationId xmlns:a16="http://schemas.microsoft.com/office/drawing/2014/main" id="{2E09BE1C-058E-4701-0E57-495F706D10FB}"/>
+              </a:ext>
+            </a:extLst>
+          </p:cNvPr>
+          <p:cNvCxnSpPr>
+            <a:cxnSpLocks/>
+            <a:stCxn id="31" idx="3"/>
+            <a:endCxn id="123" idx="1"/>
+          </p:cNvCxnSpPr>
+          <p:nvPr/>
+        </p:nvCxnSpPr>
+        <p:spPr>
+          <a:xfrm>
+            <a:off x="5568337" y="4012184"/>
+            <a:ext cx="518702" cy="8395"/>
+          </a:xfrm>
+          <a:prstGeom prst="bentConnector3">
+            <a:avLst>
+              <a:gd name="adj1" fmla="val 50000"/>
+            </a:avLst>
+          </a:prstGeom>
+          <a:ln w="19050">
+            <a:solidFill>
+              <a:srgbClr val="FF0000"/>
+            </a:solidFill>
+            <a:tailEnd type="triangle"/>
+          </a:ln>
+        </p:spPr>
+        <p:style>
+          <a:lnRef idx="1">
+            <a:schemeClr val="accent1"/>
+          </a:lnRef>
+          <a:fillRef idx="0">
+            <a:schemeClr val="accent1"/>
+          </a:fillRef>
+          <a:effectRef idx="0">
+            <a:schemeClr val="accent1"/>
+          </a:effectRef>
+          <a:fontRef idx="minor">
+            <a:schemeClr val="tx1"/>
+          </a:fontRef>
+        </p:style>
+      </p:cxnSp>
+      <p:sp>
+        <p:nvSpPr>
+          <p:cNvPr id="123" name="四角形: 角を丸くする 122">
+            <a:extLst>
+              <a:ext uri="{FF2B5EF4-FFF2-40B4-BE49-F238E27FC236}">
+                <a16:creationId xmlns:a16="http://schemas.microsoft.com/office/drawing/2014/main" id="{118C44C4-E6A1-F39D-A405-48AC38A3CA75}"/>
+              </a:ext>
+            </a:extLst>
+          </p:cNvPr>
+          <p:cNvSpPr/>
+          <p:nvPr/>
+        </p:nvSpPr>
+        <p:spPr>
+          <a:xfrm>
+            <a:off x="6087039" y="3861178"/>
+            <a:ext cx="2538426" cy="318801"/>
+          </a:xfrm>
+          <a:prstGeom prst="roundRect">
+            <a:avLst/>
+          </a:prstGeom>
+          <a:solidFill>
+            <a:schemeClr val="accent1">
+              <a:alpha val="70000"/>
+            </a:schemeClr>
+          </a:solidFill>
+          <a:ln>
+            <a:noFill/>
+          </a:ln>
+        </p:spPr>
+        <p:style>
+          <a:lnRef idx="2">
+            <a:schemeClr val="accent1">
+              <a:shade val="15000"/>
+            </a:schemeClr>
+          </a:lnRef>
+          <a:fillRef idx="1">
+            <a:schemeClr val="accent1"/>
+          </a:fillRef>
+          <a:effectRef idx="0">
+            <a:schemeClr val="accent1"/>
+          </a:effectRef>
+          <a:fontRef idx="minor">
+            <a:schemeClr val="lt1"/>
+          </a:fontRef>
+        </p:style>
+        <p:txBody>
+          <a:bodyPr wrap="square" lIns="18000" tIns="36000" rIns="18000" bIns="36000" rtlCol="0" anchor="ctr">
+            <a:spAutoFit/>
+          </a:bodyPr>
+          <a:lstStyle/>
+          <a:p>
+            <a:pPr algn="ctr"/>
+            <a:r>
+              <a:rPr kumimoji="1" lang="ja-JP" altLang="en-US" b="1" dirty="0"/>
+              <a:t>やりたい言語やライブラリがある。</a:t>
+            </a:r>
+            <a:endParaRPr kumimoji="1" lang="en-US" altLang="ja-JP" b="1" dirty="0"/>
+          </a:p>
+        </p:txBody>
+      </p:sp>
+      <p:cxnSp>
+        <p:nvCxnSpPr>
+          <p:cNvPr id="126" name="コネクタ: カギ線 125">
+            <a:extLst>
+              <a:ext uri="{FF2B5EF4-FFF2-40B4-BE49-F238E27FC236}">
+                <a16:creationId xmlns:a16="http://schemas.microsoft.com/office/drawing/2014/main" id="{A8B8F1A6-6DA7-C229-E797-8EFF2FAA7AF8}"/>
+              </a:ext>
+            </a:extLst>
+          </p:cNvPr>
+          <p:cNvCxnSpPr>
+            <a:cxnSpLocks/>
+            <a:stCxn id="123" idx="2"/>
+            <a:endCxn id="134" idx="0"/>
+          </p:cNvCxnSpPr>
+          <p:nvPr/>
+        </p:nvCxnSpPr>
+        <p:spPr>
+          <a:xfrm rot="5400000">
+            <a:off x="7209666" y="4323463"/>
+            <a:ext cx="290070" cy="3103"/>
+          </a:xfrm>
+          <a:prstGeom prst="bentConnector3">
+            <a:avLst>
+              <a:gd name="adj1" fmla="val 50000"/>
+            </a:avLst>
+          </a:prstGeom>
+          <a:ln w="19050">
+            <a:solidFill>
+              <a:schemeClr val="accent1"/>
+            </a:solidFill>
+            <a:tailEnd type="triangle"/>
+          </a:ln>
+        </p:spPr>
+        <p:style>
+          <a:lnRef idx="1">
+            <a:schemeClr val="accent1"/>
+          </a:lnRef>
+          <a:fillRef idx="0">
+            <a:schemeClr val="accent1"/>
+          </a:fillRef>
+          <a:effectRef idx="0">
+            <a:schemeClr val="accent1"/>
+          </a:effectRef>
+          <a:fontRef idx="minor">
+            <a:schemeClr val="tx1"/>
+          </a:fontRef>
+        </p:style>
+      </p:cxnSp>
+      <p:sp>
+        <p:nvSpPr>
+          <p:cNvPr id="134" name="四角形: 角を丸くする 133">
+            <a:extLst>
+              <a:ext uri="{FF2B5EF4-FFF2-40B4-BE49-F238E27FC236}">
+                <a16:creationId xmlns:a16="http://schemas.microsoft.com/office/drawing/2014/main" id="{C2586937-36BC-16E9-F026-F27AFAA39C2F}"/>
+              </a:ext>
+            </a:extLst>
+          </p:cNvPr>
+          <p:cNvSpPr/>
+          <p:nvPr/>
+        </p:nvSpPr>
+        <p:spPr>
+          <a:xfrm>
+            <a:off x="6149537" y="4470049"/>
+            <a:ext cx="2407223" cy="318801"/>
+          </a:xfrm>
+          <a:prstGeom prst="roundRect">
+            <a:avLst/>
+          </a:prstGeom>
+          <a:solidFill>
+            <a:schemeClr val="accent4">
+              <a:lumMod val="75000"/>
+              <a:alpha val="70000"/>
+            </a:schemeClr>
+          </a:solidFill>
+          <a:ln>
+            <a:noFill/>
+          </a:ln>
+        </p:spPr>
+        <p:style>
+          <a:lnRef idx="2">
+            <a:schemeClr val="accent1">
+              <a:shade val="15000"/>
+            </a:schemeClr>
+          </a:lnRef>
+          <a:fillRef idx="1">
+            <a:schemeClr val="accent1"/>
+          </a:fillRef>
+          <a:effectRef idx="0">
+            <a:schemeClr val="accent1"/>
+          </a:effectRef>
+          <a:fontRef idx="minor">
+            <a:schemeClr val="lt1"/>
+          </a:fontRef>
+        </p:style>
+        <p:txBody>
+          <a:bodyPr lIns="18000" tIns="36000" rIns="18000" bIns="36000" rtlCol="0" anchor="ctr">
+            <a:spAutoFit/>
+          </a:bodyPr>
+          <a:lstStyle/>
+          <a:p>
+            <a:pPr algn="ctr"/>
+            <a:r>
+              <a:rPr kumimoji="1" lang="ja-JP" altLang="en-US" b="1" dirty="0"/>
+              <a:t>やりたいことをやる</a:t>
+            </a:r>
+            <a:endParaRPr kumimoji="1" lang="en-US" altLang="ja-JP" b="1" dirty="0"/>
+          </a:p>
+        </p:txBody>
+      </p:sp>
+      <p:cxnSp>
+        <p:nvCxnSpPr>
+          <p:cNvPr id="138" name="コネクタ: カギ線 137">
+            <a:extLst>
+              <a:ext uri="{FF2B5EF4-FFF2-40B4-BE49-F238E27FC236}">
+                <a16:creationId xmlns:a16="http://schemas.microsoft.com/office/drawing/2014/main" id="{209B22CF-06E5-5E3A-BF10-6DB6CF13AA1D}"/>
+              </a:ext>
+            </a:extLst>
+          </p:cNvPr>
+          <p:cNvCxnSpPr>
+            <a:cxnSpLocks/>
+            <a:stCxn id="123" idx="3"/>
+            <a:endCxn id="6" idx="0"/>
+          </p:cNvCxnSpPr>
+          <p:nvPr/>
+        </p:nvCxnSpPr>
+        <p:spPr>
+          <a:xfrm flipH="1">
+            <a:off x="7600699" y="4020579"/>
+            <a:ext cx="1024766" cy="1813147"/>
+          </a:xfrm>
+          <a:prstGeom prst="bentConnector4">
+            <a:avLst>
+              <a:gd name="adj1" fmla="val -22308"/>
+              <a:gd name="adj2" fmla="val 63852"/>
+            </a:avLst>
+          </a:prstGeom>
+          <a:ln w="19050">
+            <a:solidFill>
+              <a:srgbClr val="FF0000"/>
+            </a:solidFill>
+            <a:tailEnd type="triangle"/>
+          </a:ln>
+        </p:spPr>
+        <p:style>
+          <a:lnRef idx="1">
+            <a:schemeClr val="accent1"/>
+          </a:lnRef>
+          <a:fillRef idx="0">
+            <a:schemeClr val="accent1"/>
+          </a:fillRef>
+          <a:effectRef idx="0">
+            <a:schemeClr val="accent1"/>
+          </a:effectRef>
+          <a:fontRef idx="minor">
+            <a:schemeClr val="tx1"/>
+          </a:fontRef>
+        </p:style>
+      </p:cxnSp>
+      <p:cxnSp>
+        <p:nvCxnSpPr>
+          <p:cNvPr id="145" name="コネクタ: カギ線 144">
+            <a:extLst>
+              <a:ext uri="{FF2B5EF4-FFF2-40B4-BE49-F238E27FC236}">
+                <a16:creationId xmlns:a16="http://schemas.microsoft.com/office/drawing/2014/main" id="{A869BFA5-F449-9299-70DD-C188015165C1}"/>
+              </a:ext>
+            </a:extLst>
+          </p:cNvPr>
+          <p:cNvCxnSpPr>
+            <a:cxnSpLocks/>
+            <a:stCxn id="91" idx="2"/>
+            <a:endCxn id="89" idx="0"/>
+          </p:cNvCxnSpPr>
+          <p:nvPr/>
+        </p:nvCxnSpPr>
+        <p:spPr>
+          <a:xfrm rot="16200000" flipH="1">
+            <a:off x="4167043" y="6914808"/>
+            <a:ext cx="395354" cy="1"/>
+          </a:xfrm>
+          <a:prstGeom prst="bentConnector3">
+            <a:avLst>
+              <a:gd name="adj1" fmla="val 50000"/>
+            </a:avLst>
+          </a:prstGeom>
+          <a:ln w="19050">
+            <a:solidFill>
+              <a:schemeClr val="accent1"/>
+            </a:solidFill>
+            <a:tailEnd type="triangle"/>
+          </a:ln>
+        </p:spPr>
+        <p:style>
+          <a:lnRef idx="1">
+            <a:schemeClr val="accent1"/>
+          </a:lnRef>
+          <a:fillRef idx="0">
+            <a:schemeClr val="accent1"/>
+          </a:fillRef>
+          <a:effectRef idx="0">
+            <a:schemeClr val="accent1"/>
+          </a:effectRef>
+          <a:fontRef idx="minor">
+            <a:schemeClr val="tx1"/>
+          </a:fontRef>
+        </p:style>
+      </p:cxnSp>
+      <p:cxnSp>
+        <p:nvCxnSpPr>
+          <p:cNvPr id="149" name="コネクタ: カギ線 148">
+            <a:extLst>
+              <a:ext uri="{FF2B5EF4-FFF2-40B4-BE49-F238E27FC236}">
+                <a16:creationId xmlns:a16="http://schemas.microsoft.com/office/drawing/2014/main" id="{1C19B5C6-6D0E-AE13-27E8-76ED29D13E6E}"/>
+              </a:ext>
+            </a:extLst>
+          </p:cNvPr>
+          <p:cNvCxnSpPr>
+            <a:cxnSpLocks/>
+            <a:stCxn id="91" idx="3"/>
+            <a:endCxn id="153" idx="1"/>
+          </p:cNvCxnSpPr>
+          <p:nvPr/>
+        </p:nvCxnSpPr>
+        <p:spPr>
+          <a:xfrm>
+            <a:off x="5604631" y="6557732"/>
+            <a:ext cx="837105" cy="833336"/>
+          </a:xfrm>
+          <a:prstGeom prst="bentConnector3">
+            <a:avLst>
+              <a:gd name="adj1" fmla="val 50000"/>
+            </a:avLst>
+          </a:prstGeom>
+          <a:ln w="19050">
+            <a:solidFill>
+              <a:srgbClr val="FF0000"/>
+            </a:solidFill>
+            <a:tailEnd type="triangle"/>
+          </a:ln>
+        </p:spPr>
+        <p:style>
+          <a:lnRef idx="1">
+            <a:schemeClr val="accent1"/>
+          </a:lnRef>
+          <a:fillRef idx="0">
+            <a:schemeClr val="accent1"/>
+          </a:fillRef>
+          <a:effectRef idx="0">
+            <a:schemeClr val="accent1"/>
+          </a:effectRef>
+          <a:fontRef idx="minor">
+            <a:schemeClr val="tx1"/>
+          </a:fontRef>
+        </p:style>
+      </p:cxnSp>
+      <p:sp>
+        <p:nvSpPr>
+          <p:cNvPr id="153" name="四角形: 角を丸くする 152">
+            <a:extLst>
+              <a:ext uri="{FF2B5EF4-FFF2-40B4-BE49-F238E27FC236}">
+                <a16:creationId xmlns:a16="http://schemas.microsoft.com/office/drawing/2014/main" id="{A4D02FBB-7AC8-676B-9F18-4A82DC75DC80}"/>
+              </a:ext>
+            </a:extLst>
+          </p:cNvPr>
+          <p:cNvSpPr/>
+          <p:nvPr/>
+        </p:nvSpPr>
+        <p:spPr>
+          <a:xfrm>
+            <a:off x="6441736" y="7231667"/>
+            <a:ext cx="2407223" cy="318801"/>
+          </a:xfrm>
+          <a:prstGeom prst="roundRect">
+            <a:avLst/>
+          </a:prstGeom>
+          <a:solidFill>
+            <a:schemeClr val="accent4">
+              <a:lumMod val="75000"/>
+              <a:alpha val="70000"/>
+            </a:schemeClr>
+          </a:solidFill>
+          <a:ln>
+            <a:noFill/>
+          </a:ln>
+        </p:spPr>
+        <p:style>
+          <a:lnRef idx="2">
+            <a:schemeClr val="accent1">
+              <a:shade val="15000"/>
+            </a:schemeClr>
+          </a:lnRef>
+          <a:fillRef idx="1">
+            <a:schemeClr val="accent1"/>
+          </a:fillRef>
+          <a:effectRef idx="0">
+            <a:schemeClr val="accent1"/>
+          </a:effectRef>
+          <a:fontRef idx="minor">
+            <a:schemeClr val="lt1"/>
+          </a:fontRef>
+        </p:style>
+        <p:txBody>
+          <a:bodyPr lIns="18000" tIns="36000" rIns="18000" bIns="36000" rtlCol="0" anchor="ctr">
+            <a:spAutoFit/>
+          </a:bodyPr>
+          <a:lstStyle/>
+          <a:p>
+            <a:pPr algn="ctr"/>
+            <a:r>
+              <a:rPr kumimoji="1" lang="ja-JP" altLang="en-US" b="1" dirty="0"/>
+              <a:t>どうするか相談しましょう！！</a:t>
+            </a:r>
+            <a:endParaRPr kumimoji="1" lang="en-US" altLang="ja-JP" b="1" dirty="0"/>
+          </a:p>
+        </p:txBody>
+      </p:sp>
+      <p:cxnSp>
+        <p:nvCxnSpPr>
+          <p:cNvPr id="224" name="コネクタ: カギ線 223">
+            <a:extLst>
+              <a:ext uri="{FF2B5EF4-FFF2-40B4-BE49-F238E27FC236}">
+                <a16:creationId xmlns:a16="http://schemas.microsoft.com/office/drawing/2014/main" id="{B2E3E798-EBBF-011D-3F0C-2A8F56BAC51C}"/>
+              </a:ext>
+            </a:extLst>
+          </p:cNvPr>
+          <p:cNvCxnSpPr>
+            <a:cxnSpLocks/>
+            <a:stCxn id="80" idx="3"/>
+            <a:endCxn id="123" idx="1"/>
+          </p:cNvCxnSpPr>
+          <p:nvPr/>
+        </p:nvCxnSpPr>
+        <p:spPr>
+          <a:xfrm flipV="1">
+            <a:off x="5568336" y="4020579"/>
+            <a:ext cx="518703" cy="1703033"/>
+          </a:xfrm>
+          <a:prstGeom prst="bentConnector3">
+            <a:avLst>
+              <a:gd name="adj1" fmla="val 50000"/>
+            </a:avLst>
+          </a:prstGeom>
+          <a:ln w="19050">
+            <a:solidFill>
+              <a:srgbClr val="FF0000"/>
+            </a:solidFill>
+            <a:tailEnd type="triangle"/>
+          </a:ln>
+        </p:spPr>
+        <p:style>
+          <a:lnRef idx="1">
+            <a:schemeClr val="accent1"/>
+          </a:lnRef>
+          <a:fillRef idx="0">
+            <a:schemeClr val="accent1"/>
+          </a:fillRef>
+          <a:effectRef idx="0">
+            <a:schemeClr val="accent1"/>
+          </a:effectRef>
+          <a:fontRef idx="minor">
+            <a:schemeClr val="tx1"/>
+          </a:fontRef>
+        </p:style>
+      </p:cxnSp>
+      <p:sp>
+        <p:nvSpPr>
+          <p:cNvPr id="246" name="テキスト プレースホルダー 2">
+            <a:extLst>
+              <a:ext uri="{FF2B5EF4-FFF2-40B4-BE49-F238E27FC236}">
+                <a16:creationId xmlns:a16="http://schemas.microsoft.com/office/drawing/2014/main" id="{7C31AAA6-D514-E8C0-2AD8-4E368D5AC38D}"/>
+              </a:ext>
+            </a:extLst>
+          </p:cNvPr>
+          <p:cNvSpPr>
+            <a:spLocks noGrp="1"/>
+          </p:cNvSpPr>
+          <p:nvPr>
+            <p:ph type="body" idx="1"/>
+          </p:nvPr>
+        </p:nvSpPr>
+        <p:spPr>
+          <a:xfrm>
+            <a:off x="553406" y="949804"/>
+            <a:ext cx="7886700" cy="1267352"/>
+          </a:xfrm>
+        </p:spPr>
+        <p:txBody>
+          <a:bodyPr>
+            <a:normAutofit/>
+          </a:bodyPr>
+          <a:lstStyle/>
+          <a:p>
+            <a:pPr marL="139700" indent="0">
+              <a:buNone/>
+            </a:pPr>
+            <a:r>
+              <a:rPr kumimoji="1" lang="ja-JP" altLang="en-US" dirty="0">
+                <a:latin typeface="Arial" panose="020B0604020202020204" pitchFamily="34" charset="0"/>
+                <a:cs typeface="Arial" panose="020B0604020202020204" pitchFamily="34" charset="0"/>
+              </a:rPr>
+              <a:t>ゲームコースを選んだのはいいけど、どうしようか悩んでいる人は、</a:t>
+            </a:r>
+            <a:endParaRPr kumimoji="1" lang="en-US" altLang="ja-JP" dirty="0">
+              <a:latin typeface="Arial" panose="020B0604020202020204" pitchFamily="34" charset="0"/>
+              <a:cs typeface="Arial" panose="020B0604020202020204" pitchFamily="34" charset="0"/>
+            </a:endParaRPr>
+          </a:p>
+          <a:p>
+            <a:pPr marL="139700" indent="0">
+              <a:buNone/>
+            </a:pPr>
+            <a:r>
+              <a:rPr kumimoji="1" lang="ja-JP" altLang="en-US" dirty="0">
+                <a:latin typeface="Arial" panose="020B0604020202020204" pitchFamily="34" charset="0"/>
+                <a:cs typeface="Arial" panose="020B0604020202020204" pitchFamily="34" charset="0"/>
+              </a:rPr>
+              <a:t>下記チャートを参考にしてみてください。</a:t>
+            </a:r>
+            <a:endParaRPr kumimoji="1" lang="en-US" altLang="ja-JP" dirty="0">
+              <a:latin typeface="Arial" panose="020B0604020202020204" pitchFamily="34" charset="0"/>
+              <a:cs typeface="Arial" panose="020B0604020202020204" pitchFamily="34" charset="0"/>
+            </a:endParaRPr>
+          </a:p>
+          <a:p>
+            <a:pPr marL="139700" indent="0">
+              <a:buNone/>
+            </a:pPr>
+            <a:endParaRPr kumimoji="1" lang="en-US" altLang="ja-JP" dirty="0">
+              <a:latin typeface="Arial" panose="020B0604020202020204" pitchFamily="34" charset="0"/>
+              <a:cs typeface="Arial" panose="020B0604020202020204" pitchFamily="34" charset="0"/>
+            </a:endParaRPr>
+          </a:p>
+        </p:txBody>
+      </p:sp>
+      <p:cxnSp>
+        <p:nvCxnSpPr>
+          <p:cNvPr id="247" name="コネクタ: カギ線 246">
+            <a:extLst>
+              <a:ext uri="{FF2B5EF4-FFF2-40B4-BE49-F238E27FC236}">
+                <a16:creationId xmlns:a16="http://schemas.microsoft.com/office/drawing/2014/main" id="{816EC1E3-1CFA-12D9-D95E-87FEE8922FAE}"/>
+              </a:ext>
+            </a:extLst>
+          </p:cNvPr>
+          <p:cNvCxnSpPr>
+            <a:cxnSpLocks/>
+          </p:cNvCxnSpPr>
+          <p:nvPr/>
+        </p:nvCxnSpPr>
+        <p:spPr>
+          <a:xfrm>
+            <a:off x="883895" y="2142900"/>
+            <a:ext cx="386105" cy="2"/>
+          </a:xfrm>
+          <a:prstGeom prst="bentConnector3">
+            <a:avLst>
+              <a:gd name="adj1" fmla="val 50000"/>
+            </a:avLst>
+          </a:prstGeom>
+          <a:ln w="19050">
+            <a:solidFill>
+              <a:schemeClr val="accent1"/>
+            </a:solidFill>
+            <a:tailEnd type="triangle"/>
+          </a:ln>
+        </p:spPr>
+        <p:style>
+          <a:lnRef idx="1">
+            <a:schemeClr val="accent1"/>
+          </a:lnRef>
+          <a:fillRef idx="0">
+            <a:schemeClr val="accent1"/>
+          </a:fillRef>
+          <a:effectRef idx="0">
+            <a:schemeClr val="accent1"/>
+          </a:effectRef>
+          <a:fontRef idx="minor">
+            <a:schemeClr val="tx1"/>
+          </a:fontRef>
+        </p:style>
+      </p:cxnSp>
+      <p:sp>
+        <p:nvSpPr>
+          <p:cNvPr id="249" name="テキスト ボックス 248">
+            <a:extLst>
+              <a:ext uri="{FF2B5EF4-FFF2-40B4-BE49-F238E27FC236}">
+                <a16:creationId xmlns:a16="http://schemas.microsoft.com/office/drawing/2014/main" id="{0D99A1F4-6639-6F82-E8EE-88B6A7556928}"/>
+              </a:ext>
+            </a:extLst>
+          </p:cNvPr>
+          <p:cNvSpPr txBox="1"/>
+          <p:nvPr/>
+        </p:nvSpPr>
+        <p:spPr>
+          <a:xfrm>
+            <a:off x="1270000" y="1986251"/>
+            <a:ext cx="545342" cy="307777"/>
+          </a:xfrm>
+          <a:prstGeom prst="rect">
+            <a:avLst/>
+          </a:prstGeom>
+          <a:noFill/>
+        </p:spPr>
+        <p:txBody>
+          <a:bodyPr wrap="none" rtlCol="0">
+            <a:spAutoFit/>
+          </a:bodyPr>
+          <a:lstStyle/>
+          <a:p>
+            <a:r>
+              <a:rPr kumimoji="1" lang="en-US" altLang="ja-JP" dirty="0"/>
+              <a:t>YES</a:t>
+            </a:r>
+            <a:endParaRPr kumimoji="1" lang="ja-JP" altLang="en-US" dirty="0"/>
+          </a:p>
+        </p:txBody>
+      </p:sp>
+      <p:sp>
+        <p:nvSpPr>
+          <p:cNvPr id="250" name="テキスト ボックス 249">
+            <a:extLst>
+              <a:ext uri="{FF2B5EF4-FFF2-40B4-BE49-F238E27FC236}">
+                <a16:creationId xmlns:a16="http://schemas.microsoft.com/office/drawing/2014/main" id="{CD56742F-7410-6D1D-F22B-741D3FE8FC1E}"/>
+              </a:ext>
+            </a:extLst>
+          </p:cNvPr>
+          <p:cNvSpPr txBox="1"/>
+          <p:nvPr/>
+        </p:nvSpPr>
+        <p:spPr>
+          <a:xfrm>
+            <a:off x="1315686" y="2251273"/>
+            <a:ext cx="453970" cy="307777"/>
+          </a:xfrm>
+          <a:prstGeom prst="rect">
+            <a:avLst/>
+          </a:prstGeom>
+          <a:noFill/>
+        </p:spPr>
+        <p:txBody>
+          <a:bodyPr wrap="none" rtlCol="0">
+            <a:spAutoFit/>
+          </a:bodyPr>
+          <a:lstStyle/>
+          <a:p>
+            <a:r>
+              <a:rPr kumimoji="1" lang="en-US" altLang="ja-JP" dirty="0"/>
+              <a:t>NO</a:t>
+            </a:r>
+            <a:endParaRPr kumimoji="1" lang="ja-JP" altLang="en-US" dirty="0"/>
+          </a:p>
+        </p:txBody>
+      </p:sp>
+      <p:cxnSp>
+        <p:nvCxnSpPr>
+          <p:cNvPr id="251" name="コネクタ: カギ線 250">
+            <a:extLst>
+              <a:ext uri="{FF2B5EF4-FFF2-40B4-BE49-F238E27FC236}">
+                <a16:creationId xmlns:a16="http://schemas.microsoft.com/office/drawing/2014/main" id="{874A6E35-F36C-3B48-7358-723D180FDFB4}"/>
+              </a:ext>
+            </a:extLst>
+          </p:cNvPr>
+          <p:cNvCxnSpPr>
+            <a:cxnSpLocks/>
+          </p:cNvCxnSpPr>
+          <p:nvPr/>
+        </p:nvCxnSpPr>
+        <p:spPr>
+          <a:xfrm>
+            <a:off x="883894" y="2429479"/>
+            <a:ext cx="386105" cy="2"/>
+          </a:xfrm>
+          <a:prstGeom prst="bentConnector3">
+            <a:avLst>
+              <a:gd name="adj1" fmla="val 50000"/>
+            </a:avLst>
+          </a:prstGeom>
+          <a:ln w="19050">
+            <a:solidFill>
+              <a:srgbClr val="FF0000"/>
+            </a:solidFill>
+            <a:tailEnd type="triangle"/>
+          </a:ln>
+        </p:spPr>
+        <p:style>
+          <a:lnRef idx="1">
+            <a:schemeClr val="accent1"/>
+          </a:lnRef>
+          <a:fillRef idx="0">
+            <a:schemeClr val="accent1"/>
+          </a:fillRef>
+          <a:effectRef idx="0">
+            <a:schemeClr val="accent1"/>
+          </a:effectRef>
+          <a:fontRef idx="minor">
+            <a:schemeClr val="tx1"/>
+          </a:fontRef>
+        </p:style>
+      </p:cxnSp>
+    </p:spTree>
+    <p:extLst>
+      <p:ext uri="{BB962C8B-B14F-4D97-AF65-F5344CB8AC3E}">
+        <p14:creationId xmlns:p14="http://schemas.microsoft.com/office/powerpoint/2010/main" val="298882794"/>
+      </p:ext>
+    </p:extLst>
+  </p:cSld>
+  <p:clrMapOvr>
+    <a:masterClrMapping/>
+  </p:clrMapOvr>
+</p:sld>
+</file>
+
+<file path=ppt/slides/slide4.xml><?xml version="1.0" encoding="utf-8"?>
 <p:sld xmlns:a="http://schemas.openxmlformats.org/drawingml/2006/main" xmlns:r="http://schemas.openxmlformats.org/officeDocument/2006/relationships" xmlns:p="http://schemas.openxmlformats.org/presentationml/2006/main">
   <p:cSld>
     <p:spTree>
@@ -11331,7 +13484,7 @@
 </p:sld>
 </file>
 
-<file path=ppt/slides/slide4.xml><?xml version="1.0" encoding="utf-8"?>
+<file path=ppt/slides/slide5.xml><?xml version="1.0" encoding="utf-8"?>
 <p:sld xmlns:a="http://schemas.openxmlformats.org/drawingml/2006/main" xmlns:r="http://schemas.openxmlformats.org/officeDocument/2006/relationships" xmlns:p="http://schemas.openxmlformats.org/presentationml/2006/main">
   <p:cSld>
     <p:spTree>
@@ -11668,7 +13821,7 @@
 </p:sld>
 </file>
 
-<file path=ppt/slides/slide5.xml><?xml version="1.0" encoding="utf-8"?>
+<file path=ppt/slides/slide6.xml><?xml version="1.0" encoding="utf-8"?>
 <p:sld xmlns:a="http://schemas.openxmlformats.org/drawingml/2006/main" xmlns:r="http://schemas.openxmlformats.org/officeDocument/2006/relationships" xmlns:p="http://schemas.openxmlformats.org/presentationml/2006/main">
   <p:cSld>
     <p:spTree>
@@ -12012,7 +14165,7 @@
 </p:sld>
 </file>
 
-<file path=ppt/slides/slide6.xml><?xml version="1.0" encoding="utf-8"?>
+<file path=ppt/slides/slide7.xml><?xml version="1.0" encoding="utf-8"?>
 <p:sld xmlns:a="http://schemas.openxmlformats.org/drawingml/2006/main" xmlns:r="http://schemas.openxmlformats.org/officeDocument/2006/relationships" xmlns:p="http://schemas.openxmlformats.org/presentationml/2006/main">
   <p:cSld>
     <p:spTree>
@@ -12283,7 +14436,7 @@
 </p:sld>
 </file>
 
-<file path=ppt/slides/slide7.xml><?xml version="1.0" encoding="utf-8"?>
+<file path=ppt/slides/slide8.xml><?xml version="1.0" encoding="utf-8"?>
 <p:sld xmlns:a="http://schemas.openxmlformats.org/drawingml/2006/main" xmlns:r="http://schemas.openxmlformats.org/officeDocument/2006/relationships" xmlns:p="http://schemas.openxmlformats.org/presentationml/2006/main">
   <p:cSld>
     <p:spTree>
@@ -15534,7 +17687,7 @@
 </p:sld>
 </file>
 
-<file path=ppt/slides/slide8.xml><?xml version="1.0" encoding="utf-8"?>
+<file path=ppt/slides/slide9.xml><?xml version="1.0" encoding="utf-8"?>
 <p:sld xmlns:a="http://schemas.openxmlformats.org/drawingml/2006/main" xmlns:r="http://schemas.openxmlformats.org/officeDocument/2006/relationships" xmlns:p="http://schemas.openxmlformats.org/presentationml/2006/main">
   <p:cSld>
     <p:spTree>
@@ -15592,7 +17745,7 @@
           <p:nvPr>
             <p:extLst>
               <p:ext uri="{D42A27DB-BD31-4B8C-83A1-F6EECF244321}">
-                <p14:modId xmlns:p14="http://schemas.microsoft.com/office/powerpoint/2010/main" val="2908945443"/>
+                <p14:modId xmlns:p14="http://schemas.microsoft.com/office/powerpoint/2010/main" val="126542369"/>
               </p:ext>
             </p:extLst>
           </p:nvPr>
@@ -15611,184 +17764,6 @@
     <p:extLst>
       <p:ext uri="{BB962C8B-B14F-4D97-AF65-F5344CB8AC3E}">
         <p14:creationId xmlns:p14="http://schemas.microsoft.com/office/powerpoint/2010/main" val="2847052971"/>
-      </p:ext>
-    </p:extLst>
-  </p:cSld>
-  <p:clrMapOvr>
-    <a:masterClrMapping/>
-  </p:clrMapOvr>
-</p:sld>
-</file>
-
-<file path=ppt/slides/slide9.xml><?xml version="1.0" encoding="utf-8"?>
-<p:sld xmlns:a="http://schemas.openxmlformats.org/drawingml/2006/main" xmlns:r="http://schemas.openxmlformats.org/officeDocument/2006/relationships" xmlns:p="http://schemas.openxmlformats.org/presentationml/2006/main">
-  <p:cSld>
-    <p:spTree>
-      <p:nvGrpSpPr>
-        <p:cNvPr id="1" name=""/>
-        <p:cNvGrpSpPr/>
-        <p:nvPr/>
-      </p:nvGrpSpPr>
-      <p:grpSpPr>
-        <a:xfrm>
-          <a:off x="0" y="0"/>
-          <a:ext cx="0" cy="0"/>
-          <a:chOff x="0" y="0"/>
-          <a:chExt cx="0" cy="0"/>
-        </a:xfrm>
-      </p:grpSpPr>
-      <p:sp>
-        <p:nvSpPr>
-          <p:cNvPr id="2" name="タイトル 1">
-            <a:extLst>
-              <a:ext uri="{FF2B5EF4-FFF2-40B4-BE49-F238E27FC236}">
-                <a16:creationId xmlns:a16="http://schemas.microsoft.com/office/drawing/2014/main" id="{4BE36B26-D061-E9AF-5CED-96C03814C8A5}"/>
-              </a:ext>
-            </a:extLst>
-          </p:cNvPr>
-          <p:cNvSpPr>
-            <a:spLocks noGrp="1"/>
-          </p:cNvSpPr>
-          <p:nvPr>
-            <p:ph type="title"/>
-          </p:nvPr>
-        </p:nvSpPr>
-        <p:spPr/>
-        <p:txBody>
-          <a:bodyPr/>
-          <a:lstStyle/>
-          <a:p>
-            <a:r>
-              <a:rPr kumimoji="1" lang="ja-JP" altLang="en-US" dirty="0"/>
-              <a:t>さらに戦う者たちへ</a:t>
-            </a:r>
-          </a:p>
-        </p:txBody>
-      </p:sp>
-      <p:sp>
-        <p:nvSpPr>
-          <p:cNvPr id="3" name="テキスト プレースホルダー 2">
-            <a:extLst>
-              <a:ext uri="{FF2B5EF4-FFF2-40B4-BE49-F238E27FC236}">
-                <a16:creationId xmlns:a16="http://schemas.microsoft.com/office/drawing/2014/main" id="{90B6EC01-8B7E-1472-5A37-53F4012D27D9}"/>
-              </a:ext>
-            </a:extLst>
-          </p:cNvPr>
-          <p:cNvSpPr>
-            <a:spLocks noGrp="1"/>
-          </p:cNvSpPr>
-          <p:nvPr>
-            <p:ph type="body" idx="1"/>
-          </p:nvPr>
-        </p:nvSpPr>
-        <p:spPr/>
-        <p:txBody>
-          <a:bodyPr/>
-          <a:lstStyle/>
-          <a:p>
-            <a:r>
-              <a:rPr kumimoji="1" lang="ja-JP" altLang="en-US" dirty="0"/>
-              <a:t>よりプロっぽいコードを書きたい！</a:t>
-            </a:r>
-            <a:endParaRPr kumimoji="1" lang="en-US" altLang="ja-JP" dirty="0"/>
-          </a:p>
-          <a:p>
-            <a:pPr marL="139700" indent="0">
-              <a:buNone/>
-            </a:pPr>
-            <a:r>
-              <a:rPr kumimoji="1" lang="ja-JP" altLang="en-US" dirty="0"/>
-              <a:t>ブロック崩しのコードを関数を用いてきれいに書き直すための教材を追加しました！！ぜひ挑戦してみてください。</a:t>
-            </a:r>
-            <a:endParaRPr kumimoji="1" lang="en-US" altLang="ja-JP" dirty="0"/>
-          </a:p>
-          <a:p>
-            <a:pPr marL="139700" indent="0">
-              <a:buNone/>
-            </a:pPr>
-            <a:r>
-              <a:rPr kumimoji="1" lang="ja-JP" altLang="en-US" dirty="0"/>
-              <a:t>ファイル名：</a:t>
-            </a:r>
-            <a:r>
-              <a:rPr kumimoji="1" lang="en-US" altLang="ja-JP" dirty="0" err="1"/>
-              <a:t>pygame</a:t>
-            </a:r>
-            <a:r>
-              <a:rPr kumimoji="1" lang="en-US" altLang="ja-JP" dirty="0"/>
-              <a:t>_</a:t>
-            </a:r>
-            <a:r>
-              <a:rPr kumimoji="1" lang="ja-JP" altLang="en-US" dirty="0"/>
-              <a:t>関数化</a:t>
-            </a:r>
-            <a:r>
-              <a:rPr kumimoji="1" lang="en-US" altLang="ja-JP" dirty="0"/>
-              <a:t>.</a:t>
-            </a:r>
-            <a:r>
-              <a:rPr kumimoji="1" lang="en-US" altLang="ja-JP" dirty="0" err="1"/>
-              <a:t>ipynb</a:t>
-            </a:r>
-            <a:endParaRPr kumimoji="1" lang="en-US" altLang="ja-JP" dirty="0"/>
-          </a:p>
-          <a:p>
-            <a:pPr marL="139700" indent="0">
-              <a:buNone/>
-            </a:pPr>
-            <a:endParaRPr kumimoji="1" lang="en-US" altLang="ja-JP" dirty="0"/>
-          </a:p>
-          <a:p>
-            <a:pPr marL="139700" indent="0">
-              <a:buNone/>
-            </a:pPr>
-            <a:r>
-              <a:rPr kumimoji="1" lang="ja-JP" altLang="en-US" dirty="0"/>
-              <a:t>・さらにプロっぽいコードを書きたい！</a:t>
-            </a:r>
-            <a:endParaRPr kumimoji="1" lang="en-US" altLang="ja-JP" dirty="0"/>
-          </a:p>
-          <a:p>
-            <a:pPr marL="139700" indent="0">
-              <a:buNone/>
-            </a:pPr>
-            <a:r>
-              <a:rPr kumimoji="1" lang="ja-JP" altLang="en-US" dirty="0"/>
-              <a:t>クラスを用いてさらにきれいに書き直す。いやもはや綺麗かどうかよりもよりプロっぽいことを目指す。</a:t>
-            </a:r>
-            <a:endParaRPr kumimoji="1" lang="en-US" altLang="ja-JP" dirty="0"/>
-          </a:p>
-          <a:p>
-            <a:pPr marL="139700" indent="0">
-              <a:buNone/>
-            </a:pPr>
-            <a:r>
-              <a:rPr kumimoji="1" lang="en-US" altLang="ja-JP" dirty="0" err="1"/>
-              <a:t>Comming</a:t>
-            </a:r>
-            <a:r>
-              <a:rPr kumimoji="1" lang="en-US" altLang="ja-JP" dirty="0"/>
-              <a:t> soon</a:t>
-            </a:r>
-          </a:p>
-          <a:p>
-            <a:pPr marL="139700" indent="0">
-              <a:buNone/>
-            </a:pPr>
-            <a:endParaRPr kumimoji="1" lang="en-US" altLang="ja-JP" dirty="0"/>
-          </a:p>
-          <a:p>
-            <a:pPr marL="139700" indent="0">
-              <a:buNone/>
-            </a:pPr>
-            <a:endParaRPr kumimoji="1" lang="ja-JP" altLang="en-US" dirty="0"/>
-          </a:p>
-        </p:txBody>
-      </p:sp>
-    </p:spTree>
-    <p:extLst>
-      <p:ext uri="{BB962C8B-B14F-4D97-AF65-F5344CB8AC3E}">
-        <p14:creationId xmlns:p14="http://schemas.microsoft.com/office/powerpoint/2010/main" val="4139995150"/>
       </p:ext>
     </p:extLst>
   </p:cSld>

--- a/ゲームコース説明.pptx
+++ b/ゲームコース説明.pptx
@@ -2121,14 +2121,10 @@
             <a:buChar char="•"/>
           </a:pPr>
           <a:r>
-            <a:rPr kumimoji="1" lang="ja-JP" sz="1500" b="0" i="0" kern="1200" dirty="0"/>
-            <a:t>ブロック崩しに色んな機能を追加する</a:t>
+            <a:rPr kumimoji="1" lang="ja-JP" altLang="en-US" sz="1500" b="0" i="0" kern="1200" dirty="0"/>
+            <a:t>ブロック崩しに色んな機能を追加する。</a:t>
           </a:r>
-          <a:r>
-            <a:rPr kumimoji="1" lang="ja-JP" altLang="en-US" sz="1500" b="0" i="0" kern="1200" dirty="0"/>
-            <a:t>。</a:t>
-          </a:r>
-          <a:endParaRPr lang="ja-JP" sz="1500" kern="1200" dirty="0"/>
+          <a:endParaRPr lang="ja-JP" altLang="en-US" sz="1500" kern="1200" dirty="0"/>
         </a:p>
         <a:p>
           <a:pPr marL="114300" lvl="1" indent="-114300" algn="l" defTabSz="666750">
@@ -2145,17 +2141,9 @@
           </a:pPr>
           <a:r>
             <a:rPr kumimoji="1" lang="ja-JP" altLang="en-US" sz="1500" b="0" i="0" kern="1200" dirty="0"/>
-            <a:t>あるいは、</a:t>
+            <a:t>あるいは、全く別のゲームを位置から作成する。</a:t>
           </a:r>
-          <a:r>
-            <a:rPr kumimoji="1" lang="ja-JP" sz="1500" b="0" i="0" kern="1200" dirty="0"/>
-            <a:t>全く別のゲームを位置から作成する</a:t>
-          </a:r>
-          <a:r>
-            <a:rPr kumimoji="1" lang="ja-JP" altLang="en-US" sz="1500" b="0" i="0" kern="1200" dirty="0"/>
-            <a:t>。</a:t>
-          </a:r>
-          <a:endParaRPr lang="ja-JP" sz="1500" kern="1200" dirty="0"/>
+          <a:endParaRPr lang="ja-JP" altLang="en-US" sz="1500" kern="1200" dirty="0"/>
         </a:p>
       </dsp:txBody>
       <dsp:txXfrm rot="-5400000">
@@ -2230,10 +2218,10 @@
             <a:buNone/>
           </a:pPr>
           <a:r>
-            <a:rPr kumimoji="1" lang="ja-JP" sz="2100" b="0" i="0" kern="1200"/>
+            <a:rPr kumimoji="1" lang="ja-JP" altLang="en-US" sz="2100" b="0" i="0" kern="1200"/>
             <a:t>ゲーム作成</a:t>
           </a:r>
-          <a:endParaRPr lang="ja-JP" sz="2100" kern="1200"/>
+          <a:endParaRPr lang="ja-JP" altLang="en-US" sz="2100" kern="1200"/>
         </a:p>
       </dsp:txBody>
       <dsp:txXfrm>
@@ -2310,10 +2298,10 @@
             <a:buChar char="•"/>
           </a:pPr>
           <a:r>
-            <a:rPr kumimoji="1" lang="ja-JP" sz="1500" b="0" i="0" kern="1200" dirty="0"/>
+            <a:rPr kumimoji="1" lang="ja-JP" altLang="en-US" sz="1500" b="0" i="0" kern="1200" dirty="0"/>
             <a:t>作ったゲーム、学んだことを整理する。</a:t>
           </a:r>
-          <a:endParaRPr lang="ja-JP" sz="1500" kern="1200" dirty="0"/>
+          <a:endParaRPr lang="ja-JP" altLang="en-US" sz="1500" kern="1200" dirty="0"/>
         </a:p>
       </dsp:txBody>
       <dsp:txXfrm rot="-5400000">
@@ -2388,10 +2376,10 @@
             <a:buNone/>
           </a:pPr>
           <a:r>
-            <a:rPr kumimoji="1" lang="ja-JP" sz="2100" b="0" i="0" kern="1200"/>
+            <a:rPr kumimoji="1" lang="ja-JP" altLang="en-US" sz="2100" b="0" i="0" kern="1200"/>
             <a:t>発表資料</a:t>
           </a:r>
-          <a:endParaRPr lang="ja-JP" sz="2100" kern="1200"/>
+          <a:endParaRPr lang="ja-JP" altLang="en-US" sz="2100" kern="1200"/>
         </a:p>
       </dsp:txBody>
       <dsp:txXfrm>
@@ -11132,9 +11120,20 @@
             </a:pPr>
             <a:r>
               <a:rPr kumimoji="1" lang="ja-JP" altLang="en-US" dirty="0"/>
-              <a:t>いやもはや綺麗かどうかよりもよりプロっぽいことを目指す。</a:t>
+              <a:t>いやもはや綺麗かどうかよりもよりプロっぽいことを目指す</a:t>
             </a:r>
-            <a:endParaRPr kumimoji="1" lang="en-US" altLang="ja-JP" dirty="0"/>
+            <a:r>
+              <a:rPr kumimoji="1" lang="en-US" altLang="ja-JP" dirty="0"/>
+              <a:t>(</a:t>
+            </a:r>
+            <a:r>
+              <a:rPr kumimoji="1" lang="ja-JP" altLang="en-US" dirty="0"/>
+              <a:t>難易度高！！</a:t>
+            </a:r>
+            <a:r>
+              <a:rPr kumimoji="1" lang="en-US" altLang="ja-JP" dirty="0"/>
+              <a:t>)</a:t>
+            </a:r>
           </a:p>
           <a:p>
             <a:pPr marL="139700" indent="0">
@@ -11210,8 +11209,29 @@
             </a:r>
             <a:r>
               <a:rPr kumimoji="1" lang="en-US" altLang="ja-JP" dirty="0"/>
-              <a:t>Coming Soon</a:t>
+              <a:t> </a:t>
             </a:r>
+            <a:r>
+              <a:rPr kumimoji="1" lang="en-US" altLang="ja-JP" dirty="0" err="1"/>
+              <a:t>pygame</a:t>
+            </a:r>
+            <a:r>
+              <a:rPr kumimoji="1" lang="en-US" altLang="ja-JP" dirty="0"/>
+              <a:t>_</a:t>
+            </a:r>
+            <a:r>
+              <a:rPr kumimoji="1" lang="ja-JP" altLang="en-US" dirty="0"/>
+              <a:t>クラス化</a:t>
+            </a:r>
+            <a:r>
+              <a:rPr kumimoji="1" lang="en-US" altLang="ja-JP" dirty="0"/>
+              <a:t>.</a:t>
+            </a:r>
+            <a:r>
+              <a:rPr kumimoji="1" lang="en-US" altLang="ja-JP" dirty="0" err="1"/>
+              <a:t>ipynb</a:t>
+            </a:r>
+            <a:endParaRPr kumimoji="1" lang="en-US" altLang="ja-JP" dirty="0"/>
           </a:p>
           <a:p>
             <a:pPr marL="139700" indent="0">

--- a/ゲームコース説明.pptx
+++ b/ゲームコース説明.pptx
@@ -5,34 +5,35 @@
     <p:sldMasterId id="2147483661" r:id="rId1"/>
   </p:sldMasterIdLst>
   <p:notesMasterIdLst>
-    <p:notesMasterId r:id="rId12"/>
+    <p:notesMasterId r:id="rId13"/>
   </p:notesMasterIdLst>
   <p:sldIdLst>
     <p:sldId id="256" r:id="rId2"/>
     <p:sldId id="258" r:id="rId3"/>
-    <p:sldId id="266" r:id="rId4"/>
-    <p:sldId id="259" r:id="rId5"/>
-    <p:sldId id="261" r:id="rId6"/>
-    <p:sldId id="262" r:id="rId7"/>
-    <p:sldId id="263" r:id="rId8"/>
-    <p:sldId id="260" r:id="rId9"/>
-    <p:sldId id="264" r:id="rId10"/>
-    <p:sldId id="265" r:id="rId11"/>
+    <p:sldId id="259" r:id="rId4"/>
+    <p:sldId id="267" r:id="rId5"/>
+    <p:sldId id="266" r:id="rId6"/>
+    <p:sldId id="261" r:id="rId7"/>
+    <p:sldId id="262" r:id="rId8"/>
+    <p:sldId id="263" r:id="rId9"/>
+    <p:sldId id="260" r:id="rId10"/>
+    <p:sldId id="264" r:id="rId11"/>
+    <p:sldId id="265" r:id="rId12"/>
   </p:sldIdLst>
   <p:sldSz cx="9144000" cy="5143500" type="screen16x9"/>
   <p:notesSz cx="6858000" cy="9144000"/>
   <p:embeddedFontLst>
     <p:embeddedFont>
       <p:font typeface="Gill Sans" panose="020B0600070205080204" charset="0"/>
-      <p:regular r:id="rId13"/>
-      <p:bold r:id="rId14"/>
+      <p:regular r:id="rId14"/>
+      <p:bold r:id="rId15"/>
     </p:embeddedFont>
     <p:embeddedFont>
       <p:font typeface="Open Sans" panose="020B0606030504020204" pitchFamily="34" charset="0"/>
-      <p:regular r:id="rId15"/>
-      <p:bold r:id="rId16"/>
-      <p:italic r:id="rId17"/>
-      <p:boldItalic r:id="rId18"/>
+      <p:regular r:id="rId16"/>
+      <p:bold r:id="rId17"/>
+      <p:italic r:id="rId18"/>
+      <p:boldItalic r:id="rId19"/>
     </p:embeddedFont>
   </p:embeddedFontLst>
   <p:defaultTextStyle>
@@ -10911,6 +10912,92 @@
           <p:cNvPr id="2" name="タイトル 1">
             <a:extLst>
               <a:ext uri="{FF2B5EF4-FFF2-40B4-BE49-F238E27FC236}">
+                <a16:creationId xmlns:a16="http://schemas.microsoft.com/office/drawing/2014/main" id="{87530C13-7087-F497-7F36-16699F1ED6BD}"/>
+              </a:ext>
+            </a:extLst>
+          </p:cNvPr>
+          <p:cNvSpPr>
+            <a:spLocks noGrp="1"/>
+          </p:cNvSpPr>
+          <p:nvPr>
+            <p:ph type="title"/>
+          </p:nvPr>
+        </p:nvSpPr>
+        <p:spPr/>
+        <p:txBody>
+          <a:bodyPr/>
+          <a:lstStyle/>
+          <a:p>
+            <a:r>
+              <a:rPr kumimoji="1" lang="ja-JP" altLang="en-US" dirty="0"/>
+              <a:t>コースフロー</a:t>
+            </a:r>
+          </a:p>
+        </p:txBody>
+      </p:sp>
+      <p:graphicFrame>
+        <p:nvGraphicFramePr>
+          <p:cNvPr id="9" name="図表 8">
+            <a:extLst>
+              <a:ext uri="{FF2B5EF4-FFF2-40B4-BE49-F238E27FC236}">
+                <a16:creationId xmlns:a16="http://schemas.microsoft.com/office/drawing/2014/main" id="{5AD7A0F4-0D85-E11C-772C-085D38C2115C}"/>
+              </a:ext>
+            </a:extLst>
+          </p:cNvPr>
+          <p:cNvGraphicFramePr/>
+          <p:nvPr>
+            <p:extLst>
+              <p:ext uri="{D42A27DB-BD31-4B8C-83A1-F6EECF244321}">
+                <p14:modId xmlns:p14="http://schemas.microsoft.com/office/powerpoint/2010/main" val="126542369"/>
+              </p:ext>
+            </p:extLst>
+          </p:nvPr>
+        </p:nvGraphicFramePr>
+        <p:xfrm>
+          <a:off x="718705" y="1528546"/>
+          <a:ext cx="7886700" cy="3263400"/>
+        </p:xfrm>
+        <a:graphic>
+          <a:graphicData uri="http://schemas.openxmlformats.org/drawingml/2006/diagram">
+            <dgm:relIds xmlns:dgm="http://schemas.openxmlformats.org/drawingml/2006/diagram" xmlns:r="http://schemas.openxmlformats.org/officeDocument/2006/relationships" r:dm="rId2" r:lo="rId3" r:qs="rId4" r:cs="rId5"/>
+          </a:graphicData>
+        </a:graphic>
+      </p:graphicFrame>
+    </p:spTree>
+    <p:extLst>
+      <p:ext uri="{BB962C8B-B14F-4D97-AF65-F5344CB8AC3E}">
+        <p14:creationId xmlns:p14="http://schemas.microsoft.com/office/powerpoint/2010/main" val="2847052971"/>
+      </p:ext>
+    </p:extLst>
+  </p:cSld>
+  <p:clrMapOvr>
+    <a:masterClrMapping/>
+  </p:clrMapOvr>
+</p:sld>
+</file>
+
+<file path=ppt/slides/slide11.xml><?xml version="1.0" encoding="utf-8"?>
+<p:sld xmlns:a="http://schemas.openxmlformats.org/drawingml/2006/main" xmlns:r="http://schemas.openxmlformats.org/officeDocument/2006/relationships" xmlns:p="http://schemas.openxmlformats.org/presentationml/2006/main">
+  <p:cSld>
+    <p:spTree>
+      <p:nvGrpSpPr>
+        <p:cNvPr id="1" name=""/>
+        <p:cNvGrpSpPr/>
+        <p:nvPr/>
+      </p:nvGrpSpPr>
+      <p:grpSpPr>
+        <a:xfrm>
+          <a:off x="0" y="0"/>
+          <a:ext cx="0" cy="0"/>
+          <a:chOff x="0" y="0"/>
+          <a:chExt cx="0" cy="0"/>
+        </a:xfrm>
+      </p:grpSpPr>
+      <p:sp>
+        <p:nvSpPr>
+          <p:cNvPr id="2" name="タイトル 1">
+            <a:extLst>
+              <a:ext uri="{FF2B5EF4-FFF2-40B4-BE49-F238E27FC236}">
                 <a16:creationId xmlns:a16="http://schemas.microsoft.com/office/drawing/2014/main" id="{4BE36B26-D061-E9AF-5CED-96C03814C8A5}"/>
               </a:ext>
             </a:extLst>
@@ -11330,18 +11417,16 @@
               <a:rPr kumimoji="1" lang="ja-JP" altLang="en-US" sz="2400" dirty="0">
                 <a:hlinkClick r:id="rId2" action="ppaction://hlinksldjump"/>
               </a:rPr>
-              <a:t>チャート</a:t>
-            </a:r>
-            <a:endParaRPr kumimoji="1" lang="en-US" altLang="ja-JP" sz="2400" dirty="0">
-              <a:hlinkClick r:id="rId3" action="ppaction://hlinksldjump"/>
-            </a:endParaRPr>
+              <a:t>コース概要</a:t>
+            </a:r>
+            <a:endParaRPr kumimoji="1" lang="en-US" altLang="ja-JP" sz="2400" dirty="0"/>
           </a:p>
           <a:p>
             <a:r>
               <a:rPr kumimoji="1" lang="ja-JP" altLang="en-US" sz="2400" dirty="0">
                 <a:hlinkClick r:id="rId3" action="ppaction://hlinksldjump"/>
               </a:rPr>
-              <a:t>コース概要</a:t>
+              <a:t>チャート</a:t>
             </a:r>
             <a:endParaRPr kumimoji="1" lang="en-US" altLang="ja-JP" sz="2400" dirty="0"/>
           </a:p>
@@ -11424,6 +11509,508 @@
 </file>
 
 <file path=ppt/slides/slide3.xml><?xml version="1.0" encoding="utf-8"?>
+<p:sld xmlns:a="http://schemas.openxmlformats.org/drawingml/2006/main" xmlns:r="http://schemas.openxmlformats.org/officeDocument/2006/relationships" xmlns:p="http://schemas.openxmlformats.org/presentationml/2006/main">
+  <p:cSld>
+    <p:spTree>
+      <p:nvGrpSpPr>
+        <p:cNvPr id="1" name=""/>
+        <p:cNvGrpSpPr/>
+        <p:nvPr/>
+      </p:nvGrpSpPr>
+      <p:grpSpPr>
+        <a:xfrm>
+          <a:off x="0" y="0"/>
+          <a:ext cx="0" cy="0"/>
+          <a:chOff x="0" y="0"/>
+          <a:chExt cx="0" cy="0"/>
+        </a:xfrm>
+      </p:grpSpPr>
+      <p:sp>
+        <p:nvSpPr>
+          <p:cNvPr id="2" name="タイトル 1">
+            <a:extLst>
+              <a:ext uri="{FF2B5EF4-FFF2-40B4-BE49-F238E27FC236}">
+                <a16:creationId xmlns:a16="http://schemas.microsoft.com/office/drawing/2014/main" id="{1BCADC17-7FEA-56C4-1A79-8342C121E22D}"/>
+              </a:ext>
+            </a:extLst>
+          </p:cNvPr>
+          <p:cNvSpPr>
+            <a:spLocks noGrp="1"/>
+          </p:cNvSpPr>
+          <p:nvPr>
+            <p:ph type="title"/>
+          </p:nvPr>
+        </p:nvSpPr>
+        <p:spPr/>
+        <p:txBody>
+          <a:bodyPr>
+            <a:normAutofit/>
+          </a:bodyPr>
+          <a:lstStyle/>
+          <a:p>
+            <a:r>
+              <a:rPr kumimoji="1" lang="ja-JP" altLang="en-US" dirty="0">
+                <a:latin typeface="Arial" panose="020B0604020202020204" pitchFamily="34" charset="0"/>
+                <a:cs typeface="Arial" panose="020B0604020202020204" pitchFamily="34" charset="0"/>
+              </a:rPr>
+              <a:t>コース概要</a:t>
+            </a:r>
+          </a:p>
+        </p:txBody>
+      </p:sp>
+      <p:sp>
+        <p:nvSpPr>
+          <p:cNvPr id="3" name="テキスト プレースホルダー 2">
+            <a:extLst>
+              <a:ext uri="{FF2B5EF4-FFF2-40B4-BE49-F238E27FC236}">
+                <a16:creationId xmlns:a16="http://schemas.microsoft.com/office/drawing/2014/main" id="{047A61C8-14B4-1445-EC76-4892DCFE771D}"/>
+              </a:ext>
+            </a:extLst>
+          </p:cNvPr>
+          <p:cNvSpPr>
+            <a:spLocks noGrp="1"/>
+          </p:cNvSpPr>
+          <p:nvPr>
+            <p:ph type="body" idx="1"/>
+          </p:nvPr>
+        </p:nvSpPr>
+        <p:spPr/>
+        <p:txBody>
+          <a:bodyPr>
+            <a:normAutofit lnSpcReduction="10000"/>
+          </a:bodyPr>
+          <a:lstStyle/>
+          <a:p>
+            <a:pPr marL="139700" indent="0">
+              <a:buNone/>
+            </a:pPr>
+            <a:r>
+              <a:rPr kumimoji="1" lang="ja-JP" altLang="en-US" sz="2400" dirty="0">
+                <a:latin typeface="Arial" panose="020B0604020202020204" pitchFamily="34" charset="0"/>
+                <a:cs typeface="Arial" panose="020B0604020202020204" pitchFamily="34" charset="0"/>
+              </a:rPr>
+              <a:t>プログラミング言語</a:t>
+            </a:r>
+            <a:r>
+              <a:rPr kumimoji="1" lang="en-US" altLang="ja-JP" sz="2400" b="1" dirty="0">
+                <a:latin typeface="Arial" panose="020B0604020202020204" pitchFamily="34" charset="0"/>
+                <a:cs typeface="Arial" panose="020B0604020202020204" pitchFamily="34" charset="0"/>
+              </a:rPr>
+              <a:t>Python</a:t>
+            </a:r>
+            <a:r>
+              <a:rPr kumimoji="1" lang="ja-JP" altLang="en-US" sz="2400" dirty="0">
+                <a:latin typeface="Arial" panose="020B0604020202020204" pitchFamily="34" charset="0"/>
+                <a:cs typeface="Arial" panose="020B0604020202020204" pitchFamily="34" charset="0"/>
+              </a:rPr>
+              <a:t>の</a:t>
+            </a:r>
+            <a:endParaRPr kumimoji="1" lang="en-US" altLang="ja-JP" sz="2400" dirty="0">
+              <a:latin typeface="Arial" panose="020B0604020202020204" pitchFamily="34" charset="0"/>
+              <a:cs typeface="Arial" panose="020B0604020202020204" pitchFamily="34" charset="0"/>
+            </a:endParaRPr>
+          </a:p>
+          <a:p>
+            <a:pPr marL="139700" indent="0">
+              <a:buNone/>
+            </a:pPr>
+            <a:r>
+              <a:rPr kumimoji="1" lang="ja-JP" altLang="en-US" sz="2400" dirty="0">
+                <a:latin typeface="Arial" panose="020B0604020202020204" pitchFamily="34" charset="0"/>
+                <a:cs typeface="Arial" panose="020B0604020202020204" pitchFamily="34" charset="0"/>
+              </a:rPr>
+              <a:t>ゲームライブラリ</a:t>
+            </a:r>
+            <a:r>
+              <a:rPr kumimoji="1" lang="en-US" altLang="ja-JP" sz="2400" b="1" dirty="0" err="1">
+                <a:latin typeface="Arial" panose="020B0604020202020204" pitchFamily="34" charset="0"/>
+                <a:cs typeface="Arial" panose="020B0604020202020204" pitchFamily="34" charset="0"/>
+              </a:rPr>
+              <a:t>Pygame</a:t>
+            </a:r>
+            <a:r>
+              <a:rPr kumimoji="1" lang="ja-JP" altLang="en-US" sz="2400" dirty="0">
+                <a:latin typeface="Arial" panose="020B0604020202020204" pitchFamily="34" charset="0"/>
+                <a:cs typeface="Arial" panose="020B0604020202020204" pitchFamily="34" charset="0"/>
+              </a:rPr>
+              <a:t>を使って、</a:t>
+            </a:r>
+            <a:endParaRPr kumimoji="1" lang="en-US" altLang="ja-JP" sz="2400" dirty="0">
+              <a:latin typeface="Arial" panose="020B0604020202020204" pitchFamily="34" charset="0"/>
+              <a:cs typeface="Arial" panose="020B0604020202020204" pitchFamily="34" charset="0"/>
+            </a:endParaRPr>
+          </a:p>
+          <a:p>
+            <a:pPr marL="139700" indent="0">
+              <a:buNone/>
+            </a:pPr>
+            <a:r>
+              <a:rPr kumimoji="1" lang="en-US" altLang="ja-JP" sz="2400" dirty="0">
+                <a:latin typeface="Arial" panose="020B0604020202020204" pitchFamily="34" charset="0"/>
+                <a:cs typeface="Arial" panose="020B0604020202020204" pitchFamily="34" charset="0"/>
+              </a:rPr>
+              <a:t>2D</a:t>
+            </a:r>
+            <a:r>
+              <a:rPr kumimoji="1" lang="ja-JP" altLang="en-US" sz="2400" dirty="0">
+                <a:latin typeface="Arial" panose="020B0604020202020204" pitchFamily="34" charset="0"/>
+                <a:cs typeface="Arial" panose="020B0604020202020204" pitchFamily="34" charset="0"/>
+              </a:rPr>
+              <a:t>ゲームプログラミングを行う！！</a:t>
+            </a:r>
+            <a:endParaRPr kumimoji="1" lang="en-US" altLang="ja-JP" sz="2400" dirty="0">
+              <a:latin typeface="Arial" panose="020B0604020202020204" pitchFamily="34" charset="0"/>
+              <a:cs typeface="Arial" panose="020B0604020202020204" pitchFamily="34" charset="0"/>
+            </a:endParaRPr>
+          </a:p>
+          <a:p>
+            <a:pPr marL="139700" indent="0">
+              <a:buNone/>
+            </a:pPr>
+            <a:r>
+              <a:rPr kumimoji="1" lang="ja-JP" altLang="en-US" sz="2400" dirty="0">
+                <a:latin typeface="Arial" panose="020B0604020202020204" pitchFamily="34" charset="0"/>
+                <a:cs typeface="Arial" panose="020B0604020202020204" pitchFamily="34" charset="0"/>
+              </a:rPr>
+              <a:t>ブロック崩しを作りながら学んでいこう。</a:t>
+            </a:r>
+            <a:endParaRPr kumimoji="1" lang="en-US" altLang="ja-JP" sz="2400" dirty="0">
+              <a:latin typeface="Arial" panose="020B0604020202020204" pitchFamily="34" charset="0"/>
+              <a:cs typeface="Arial" panose="020B0604020202020204" pitchFamily="34" charset="0"/>
+            </a:endParaRPr>
+          </a:p>
+          <a:p>
+            <a:pPr marL="139700" indent="0">
+              <a:buNone/>
+            </a:pPr>
+            <a:endParaRPr kumimoji="1" lang="en-US" altLang="ja-JP" dirty="0">
+              <a:latin typeface="Arial" panose="020B0604020202020204" pitchFamily="34" charset="0"/>
+              <a:cs typeface="Arial" panose="020B0604020202020204" pitchFamily="34" charset="0"/>
+            </a:endParaRPr>
+          </a:p>
+          <a:p>
+            <a:pPr marL="139700" indent="0">
+              <a:buNone/>
+            </a:pPr>
+            <a:r>
+              <a:rPr kumimoji="1" lang="ja-JP" altLang="en-US" dirty="0">
+                <a:latin typeface="Arial" panose="020B0604020202020204" pitchFamily="34" charset="0"/>
+                <a:cs typeface="Arial" panose="020B0604020202020204" pitchFamily="34" charset="0"/>
+              </a:rPr>
+              <a:t>■本コースのポイント</a:t>
+            </a:r>
+            <a:endParaRPr kumimoji="1" lang="en-US" altLang="ja-JP" dirty="0">
+              <a:latin typeface="Arial" panose="020B0604020202020204" pitchFamily="34" charset="0"/>
+              <a:cs typeface="Arial" panose="020B0604020202020204" pitchFamily="34" charset="0"/>
+            </a:endParaRPr>
+          </a:p>
+          <a:p>
+            <a:pPr marL="139700" indent="0">
+              <a:buNone/>
+            </a:pPr>
+            <a:r>
+              <a:rPr kumimoji="1" lang="ja-JP" altLang="en-US" dirty="0">
+                <a:latin typeface="Arial" panose="020B0604020202020204" pitchFamily="34" charset="0"/>
+                <a:cs typeface="Arial" panose="020B0604020202020204" pitchFamily="34" charset="0"/>
+              </a:rPr>
+              <a:t>・</a:t>
+            </a:r>
+            <a:r>
+              <a:rPr kumimoji="1" lang="en-US" altLang="ja-JP" dirty="0">
+                <a:latin typeface="Arial" panose="020B0604020202020204" pitchFamily="34" charset="0"/>
+                <a:cs typeface="Arial" panose="020B0604020202020204" pitchFamily="34" charset="0"/>
+              </a:rPr>
+              <a:t>Python</a:t>
+            </a:r>
+            <a:r>
+              <a:rPr kumimoji="1" lang="ja-JP" altLang="en-US" dirty="0">
+                <a:latin typeface="Arial" panose="020B0604020202020204" pitchFamily="34" charset="0"/>
+                <a:cs typeface="Arial" panose="020B0604020202020204" pitchFamily="34" charset="0"/>
+              </a:rPr>
+              <a:t>を習得できる。</a:t>
+            </a:r>
+            <a:endParaRPr kumimoji="1" lang="en-US" altLang="ja-JP" dirty="0">
+              <a:latin typeface="Arial" panose="020B0604020202020204" pitchFamily="34" charset="0"/>
+              <a:cs typeface="Arial" panose="020B0604020202020204" pitchFamily="34" charset="0"/>
+            </a:endParaRPr>
+          </a:p>
+          <a:p>
+            <a:pPr marL="139700" indent="0">
+              <a:buNone/>
+            </a:pPr>
+            <a:r>
+              <a:rPr kumimoji="1" lang="ja-JP" altLang="en-US" dirty="0">
+                <a:latin typeface="Arial" panose="020B0604020202020204" pitchFamily="34" charset="0"/>
+                <a:cs typeface="Arial" panose="020B0604020202020204" pitchFamily="34" charset="0"/>
+              </a:rPr>
+              <a:t>・ゲームライブラリに触れられる。</a:t>
+            </a:r>
+            <a:endParaRPr kumimoji="1" lang="en-US" altLang="ja-JP" dirty="0">
+              <a:latin typeface="Arial" panose="020B0604020202020204" pitchFamily="34" charset="0"/>
+              <a:cs typeface="Arial" panose="020B0604020202020204" pitchFamily="34" charset="0"/>
+            </a:endParaRPr>
+          </a:p>
+          <a:p>
+            <a:pPr marL="139700" indent="0">
+              <a:buNone/>
+            </a:pPr>
+            <a:r>
+              <a:rPr kumimoji="1" lang="ja-JP" altLang="en-US" dirty="0">
+                <a:latin typeface="Arial" panose="020B0604020202020204" pitchFamily="34" charset="0"/>
+                <a:cs typeface="Arial" panose="020B0604020202020204" pitchFamily="34" charset="0"/>
+              </a:rPr>
+              <a:t>・ゲームの構造を知ることができる。</a:t>
+            </a:r>
+            <a:endParaRPr kumimoji="1" lang="en-US" altLang="ja-JP" dirty="0">
+              <a:latin typeface="Arial" panose="020B0604020202020204" pitchFamily="34" charset="0"/>
+              <a:cs typeface="Arial" panose="020B0604020202020204" pitchFamily="34" charset="0"/>
+            </a:endParaRPr>
+          </a:p>
+        </p:txBody>
+      </p:sp>
+      <p:pic>
+        <p:nvPicPr>
+          <p:cNvPr id="9" name="図 8">
+            <a:extLst>
+              <a:ext uri="{FF2B5EF4-FFF2-40B4-BE49-F238E27FC236}">
+                <a16:creationId xmlns:a16="http://schemas.microsoft.com/office/drawing/2014/main" id="{B59CA5B5-60EC-F7D7-B2E3-F443035A485C}"/>
+              </a:ext>
+            </a:extLst>
+          </p:cNvPr>
+          <p:cNvPicPr>
+            <a:picLocks noChangeAspect="1"/>
+          </p:cNvPicPr>
+          <p:nvPr/>
+        </p:nvPicPr>
+        <p:blipFill>
+          <a:blip r:embed="rId2"/>
+          <a:stretch>
+            <a:fillRect/>
+          </a:stretch>
+        </p:blipFill>
+        <p:spPr>
+          <a:xfrm>
+            <a:off x="6810387" y="2564828"/>
+            <a:ext cx="1993231" cy="2067791"/>
+          </a:xfrm>
+          <a:prstGeom prst="rect">
+            <a:avLst/>
+          </a:prstGeom>
+        </p:spPr>
+      </p:pic>
+    </p:spTree>
+    <p:extLst>
+      <p:ext uri="{BB962C8B-B14F-4D97-AF65-F5344CB8AC3E}">
+        <p14:creationId xmlns:p14="http://schemas.microsoft.com/office/powerpoint/2010/main" val="2755926121"/>
+      </p:ext>
+    </p:extLst>
+  </p:cSld>
+  <p:clrMapOvr>
+    <a:masterClrMapping/>
+  </p:clrMapOvr>
+</p:sld>
+</file>
+
+<file path=ppt/slides/slide4.xml><?xml version="1.0" encoding="utf-8"?>
+<p:sld xmlns:a="http://schemas.openxmlformats.org/drawingml/2006/main" xmlns:r="http://schemas.openxmlformats.org/officeDocument/2006/relationships" xmlns:p="http://schemas.openxmlformats.org/presentationml/2006/main">
+  <p:cSld>
+    <p:spTree>
+      <p:nvGrpSpPr>
+        <p:cNvPr id="1" name=""/>
+        <p:cNvGrpSpPr/>
+        <p:nvPr/>
+      </p:nvGrpSpPr>
+      <p:grpSpPr>
+        <a:xfrm>
+          <a:off x="0" y="0"/>
+          <a:ext cx="0" cy="0"/>
+          <a:chOff x="0" y="0"/>
+          <a:chExt cx="0" cy="0"/>
+        </a:xfrm>
+      </p:grpSpPr>
+      <p:sp>
+        <p:nvSpPr>
+          <p:cNvPr id="2" name="タイトル 1">
+            <a:extLst>
+              <a:ext uri="{FF2B5EF4-FFF2-40B4-BE49-F238E27FC236}">
+                <a16:creationId xmlns:a16="http://schemas.microsoft.com/office/drawing/2014/main" id="{D789BCD4-E55D-2D34-7962-2AA07210119D}"/>
+              </a:ext>
+            </a:extLst>
+          </p:cNvPr>
+          <p:cNvSpPr>
+            <a:spLocks noGrp="1"/>
+          </p:cNvSpPr>
+          <p:nvPr>
+            <p:ph type="title"/>
+          </p:nvPr>
+        </p:nvSpPr>
+        <p:spPr/>
+        <p:txBody>
+          <a:bodyPr/>
+          <a:lstStyle/>
+          <a:p>
+            <a:r>
+              <a:rPr kumimoji="1" lang="ja-JP" altLang="en-US" dirty="0"/>
+              <a:t>コースの概要</a:t>
+            </a:r>
+          </a:p>
+        </p:txBody>
+      </p:sp>
+      <p:sp>
+        <p:nvSpPr>
+          <p:cNvPr id="3" name="テキスト プレースホルダー 2">
+            <a:extLst>
+              <a:ext uri="{FF2B5EF4-FFF2-40B4-BE49-F238E27FC236}">
+                <a16:creationId xmlns:a16="http://schemas.microsoft.com/office/drawing/2014/main" id="{A4F583AD-D425-797B-CE53-DBC4A37F6FF0}"/>
+              </a:ext>
+            </a:extLst>
+          </p:cNvPr>
+          <p:cNvSpPr>
+            <a:spLocks noGrp="1"/>
+          </p:cNvSpPr>
+          <p:nvPr>
+            <p:ph type="body" idx="1"/>
+          </p:nvPr>
+        </p:nvSpPr>
+        <p:spPr/>
+        <p:txBody>
+          <a:bodyPr>
+            <a:normAutofit lnSpcReduction="10000"/>
+          </a:bodyPr>
+          <a:lstStyle/>
+          <a:p>
+            <a:pPr marL="139700" indent="0">
+              <a:buNone/>
+            </a:pPr>
+            <a:r>
+              <a:rPr kumimoji="1" lang="ja-JP" altLang="en-US" dirty="0"/>
+              <a:t>本コース</a:t>
+            </a:r>
+            <a:r>
+              <a:rPr kumimoji="1" lang="ja-JP" altLang="en-US" b="1" dirty="0"/>
+              <a:t>の</a:t>
+            </a:r>
+            <a:r>
+              <a:rPr kumimoji="1" lang="ja-JP" altLang="en-US" dirty="0"/>
+              <a:t>目的はゲームをマスターすることではなく</a:t>
+            </a:r>
+            <a:endParaRPr kumimoji="1" lang="en-US" altLang="ja-JP" dirty="0"/>
+          </a:p>
+          <a:p>
+            <a:pPr marL="139700" indent="0">
+              <a:buNone/>
+            </a:pPr>
+            <a:endParaRPr kumimoji="1" lang="en-US" altLang="ja-JP" b="1" dirty="0"/>
+          </a:p>
+          <a:p>
+            <a:pPr marL="139700" indent="0">
+              <a:buNone/>
+            </a:pPr>
+            <a:r>
+              <a:rPr kumimoji="1" lang="ja-JP" altLang="en-US" sz="2800" b="1" dirty="0"/>
+              <a:t>プログラミングの習熟度を上げる！！ことです。</a:t>
+            </a:r>
+            <a:endParaRPr kumimoji="1" lang="en-US" altLang="ja-JP" sz="2800" b="1" dirty="0"/>
+          </a:p>
+          <a:p>
+            <a:pPr marL="139700" indent="0">
+              <a:buNone/>
+            </a:pPr>
+            <a:endParaRPr kumimoji="1" lang="en-US" altLang="ja-JP" sz="800" dirty="0"/>
+          </a:p>
+          <a:p>
+            <a:pPr marL="139700" indent="0">
+              <a:buNone/>
+            </a:pPr>
+            <a:r>
+              <a:rPr kumimoji="1" lang="en-US" altLang="ja-JP" dirty="0"/>
+              <a:t>	</a:t>
+            </a:r>
+            <a:r>
+              <a:rPr kumimoji="1" lang="ja-JP" altLang="en-US" dirty="0"/>
+              <a:t>・ｉｆ文、ｆｏｒ文などのプログラミングの基本の総復習</a:t>
+            </a:r>
+            <a:endParaRPr kumimoji="1" lang="en-US" altLang="ja-JP" dirty="0"/>
+          </a:p>
+          <a:p>
+            <a:pPr marL="139700" indent="0">
+              <a:buNone/>
+            </a:pPr>
+            <a:endParaRPr kumimoji="1" lang="en-US" altLang="ja-JP" sz="100" dirty="0"/>
+          </a:p>
+          <a:p>
+            <a:pPr marL="139700" indent="0">
+              <a:buNone/>
+            </a:pPr>
+            <a:r>
+              <a:rPr kumimoji="1" lang="en-US" altLang="ja-JP" dirty="0"/>
+              <a:t>	</a:t>
+            </a:r>
+            <a:r>
+              <a:rPr kumimoji="1" lang="ja-JP" altLang="en-US" dirty="0"/>
+              <a:t>・ライブラリをつかったコーディング</a:t>
+            </a:r>
+            <a:endParaRPr kumimoji="1" lang="en-US" altLang="ja-JP" dirty="0"/>
+          </a:p>
+          <a:p>
+            <a:pPr marL="139700" indent="0">
+              <a:buNone/>
+            </a:pPr>
+            <a:endParaRPr kumimoji="1" lang="en-US" altLang="ja-JP" sz="100" dirty="0"/>
+          </a:p>
+          <a:p>
+            <a:pPr marL="139700" indent="0">
+              <a:buNone/>
+            </a:pPr>
+            <a:r>
+              <a:rPr kumimoji="1" lang="en-US" altLang="ja-JP" dirty="0"/>
+              <a:t>	</a:t>
+            </a:r>
+            <a:r>
+              <a:rPr kumimoji="1" lang="ja-JP" altLang="en-US" dirty="0"/>
+              <a:t>・</a:t>
+            </a:r>
+            <a:r>
+              <a:rPr kumimoji="1" lang="en-US" altLang="ja-JP" dirty="0"/>
+              <a:t>web</a:t>
+            </a:r>
+            <a:r>
+              <a:rPr kumimoji="1" lang="ja-JP" altLang="en-US" dirty="0"/>
+              <a:t>プログラミング以外のプログラミングを知る</a:t>
+            </a:r>
+            <a:endParaRPr kumimoji="1" lang="en-US" altLang="ja-JP" dirty="0"/>
+          </a:p>
+          <a:p>
+            <a:pPr marL="139700" indent="0">
+              <a:buNone/>
+            </a:pPr>
+            <a:endParaRPr kumimoji="1" lang="en-US" altLang="ja-JP" dirty="0"/>
+          </a:p>
+          <a:p>
+            <a:pPr marL="139700" indent="0">
+              <a:buNone/>
+            </a:pPr>
+            <a:r>
+              <a:rPr kumimoji="1" lang="ja-JP" altLang="en-US" dirty="0"/>
+              <a:t>そのために、ゲームを使っていこう。という趣旨です。</a:t>
+            </a:r>
+          </a:p>
+        </p:txBody>
+      </p:sp>
+    </p:spTree>
+    <p:extLst>
+      <p:ext uri="{BB962C8B-B14F-4D97-AF65-F5344CB8AC3E}">
+        <p14:creationId xmlns:p14="http://schemas.microsoft.com/office/powerpoint/2010/main" val="250825273"/>
+      </p:ext>
+    </p:extLst>
+  </p:cSld>
+  <p:clrMapOvr>
+    <a:masterClrMapping/>
+  </p:clrMapOvr>
+</p:sld>
+</file>
+
+<file path=ppt/slides/slide5.xml><?xml version="1.0" encoding="utf-8"?>
 <p:sld xmlns:a="http://schemas.openxmlformats.org/drawingml/2006/main" xmlns:r="http://schemas.openxmlformats.org/officeDocument/2006/relationships" xmlns:p="http://schemas.openxmlformats.org/presentationml/2006/main">
   <p:cSld>
     <p:spTree>
@@ -13201,310 +13788,7 @@
 </p:sld>
 </file>
 
-<file path=ppt/slides/slide4.xml><?xml version="1.0" encoding="utf-8"?>
-<p:sld xmlns:a="http://schemas.openxmlformats.org/drawingml/2006/main" xmlns:r="http://schemas.openxmlformats.org/officeDocument/2006/relationships" xmlns:p="http://schemas.openxmlformats.org/presentationml/2006/main">
-  <p:cSld>
-    <p:spTree>
-      <p:nvGrpSpPr>
-        <p:cNvPr id="1" name=""/>
-        <p:cNvGrpSpPr/>
-        <p:nvPr/>
-      </p:nvGrpSpPr>
-      <p:grpSpPr>
-        <a:xfrm>
-          <a:off x="0" y="0"/>
-          <a:ext cx="0" cy="0"/>
-          <a:chOff x="0" y="0"/>
-          <a:chExt cx="0" cy="0"/>
-        </a:xfrm>
-      </p:grpSpPr>
-      <p:sp>
-        <p:nvSpPr>
-          <p:cNvPr id="2" name="タイトル 1">
-            <a:extLst>
-              <a:ext uri="{FF2B5EF4-FFF2-40B4-BE49-F238E27FC236}">
-                <a16:creationId xmlns:a16="http://schemas.microsoft.com/office/drawing/2014/main" id="{1BCADC17-7FEA-56C4-1A79-8342C121E22D}"/>
-              </a:ext>
-            </a:extLst>
-          </p:cNvPr>
-          <p:cNvSpPr>
-            <a:spLocks noGrp="1"/>
-          </p:cNvSpPr>
-          <p:nvPr>
-            <p:ph type="title"/>
-          </p:nvPr>
-        </p:nvSpPr>
-        <p:spPr/>
-        <p:txBody>
-          <a:bodyPr>
-            <a:normAutofit/>
-          </a:bodyPr>
-          <a:lstStyle/>
-          <a:p>
-            <a:r>
-              <a:rPr kumimoji="1" lang="ja-JP" altLang="en-US" dirty="0">
-                <a:latin typeface="Arial" panose="020B0604020202020204" pitchFamily="34" charset="0"/>
-                <a:cs typeface="Arial" panose="020B0604020202020204" pitchFamily="34" charset="0"/>
-              </a:rPr>
-              <a:t>コース概要</a:t>
-            </a:r>
-          </a:p>
-        </p:txBody>
-      </p:sp>
-      <p:sp>
-        <p:nvSpPr>
-          <p:cNvPr id="3" name="テキスト プレースホルダー 2">
-            <a:extLst>
-              <a:ext uri="{FF2B5EF4-FFF2-40B4-BE49-F238E27FC236}">
-                <a16:creationId xmlns:a16="http://schemas.microsoft.com/office/drawing/2014/main" id="{047A61C8-14B4-1445-EC76-4892DCFE771D}"/>
-              </a:ext>
-            </a:extLst>
-          </p:cNvPr>
-          <p:cNvSpPr>
-            <a:spLocks noGrp="1"/>
-          </p:cNvSpPr>
-          <p:nvPr>
-            <p:ph type="body" idx="1"/>
-          </p:nvPr>
-        </p:nvSpPr>
-        <p:spPr/>
-        <p:txBody>
-          <a:bodyPr>
-            <a:normAutofit lnSpcReduction="10000"/>
-          </a:bodyPr>
-          <a:lstStyle/>
-          <a:p>
-            <a:pPr marL="139700" indent="0">
-              <a:buNone/>
-            </a:pPr>
-            <a:r>
-              <a:rPr kumimoji="1" lang="ja-JP" altLang="en-US" sz="2400" dirty="0">
-                <a:latin typeface="Arial" panose="020B0604020202020204" pitchFamily="34" charset="0"/>
-                <a:cs typeface="Arial" panose="020B0604020202020204" pitchFamily="34" charset="0"/>
-              </a:rPr>
-              <a:t>プログラミング言語</a:t>
-            </a:r>
-            <a:r>
-              <a:rPr kumimoji="1" lang="en-US" altLang="ja-JP" sz="2400" b="1" dirty="0">
-                <a:latin typeface="Arial" panose="020B0604020202020204" pitchFamily="34" charset="0"/>
-                <a:cs typeface="Arial" panose="020B0604020202020204" pitchFamily="34" charset="0"/>
-              </a:rPr>
-              <a:t>Python</a:t>
-            </a:r>
-            <a:r>
-              <a:rPr kumimoji="1" lang="ja-JP" altLang="en-US" sz="2400" dirty="0">
-                <a:latin typeface="Arial" panose="020B0604020202020204" pitchFamily="34" charset="0"/>
-                <a:cs typeface="Arial" panose="020B0604020202020204" pitchFamily="34" charset="0"/>
-              </a:rPr>
-              <a:t>の</a:t>
-            </a:r>
-            <a:endParaRPr kumimoji="1" lang="en-US" altLang="ja-JP" sz="2400" dirty="0">
-              <a:latin typeface="Arial" panose="020B0604020202020204" pitchFamily="34" charset="0"/>
-              <a:cs typeface="Arial" panose="020B0604020202020204" pitchFamily="34" charset="0"/>
-            </a:endParaRPr>
-          </a:p>
-          <a:p>
-            <a:pPr marL="139700" indent="0">
-              <a:buNone/>
-            </a:pPr>
-            <a:r>
-              <a:rPr kumimoji="1" lang="ja-JP" altLang="en-US" sz="2400" dirty="0">
-                <a:latin typeface="Arial" panose="020B0604020202020204" pitchFamily="34" charset="0"/>
-                <a:cs typeface="Arial" panose="020B0604020202020204" pitchFamily="34" charset="0"/>
-              </a:rPr>
-              <a:t>ゲームライブラリ</a:t>
-            </a:r>
-            <a:r>
-              <a:rPr kumimoji="1" lang="en-US" altLang="ja-JP" sz="2400" b="1" dirty="0" err="1">
-                <a:latin typeface="Arial" panose="020B0604020202020204" pitchFamily="34" charset="0"/>
-                <a:cs typeface="Arial" panose="020B0604020202020204" pitchFamily="34" charset="0"/>
-              </a:rPr>
-              <a:t>Pygame</a:t>
-            </a:r>
-            <a:r>
-              <a:rPr kumimoji="1" lang="ja-JP" altLang="en-US" sz="2400" dirty="0">
-                <a:latin typeface="Arial" panose="020B0604020202020204" pitchFamily="34" charset="0"/>
-                <a:cs typeface="Arial" panose="020B0604020202020204" pitchFamily="34" charset="0"/>
-              </a:rPr>
-              <a:t>を使って、</a:t>
-            </a:r>
-            <a:endParaRPr kumimoji="1" lang="en-US" altLang="ja-JP" sz="2400" dirty="0">
-              <a:latin typeface="Arial" panose="020B0604020202020204" pitchFamily="34" charset="0"/>
-              <a:cs typeface="Arial" panose="020B0604020202020204" pitchFamily="34" charset="0"/>
-            </a:endParaRPr>
-          </a:p>
-          <a:p>
-            <a:pPr marL="139700" indent="0">
-              <a:buNone/>
-            </a:pPr>
-            <a:r>
-              <a:rPr kumimoji="1" lang="en-US" altLang="ja-JP" sz="2400" dirty="0">
-                <a:latin typeface="Arial" panose="020B0604020202020204" pitchFamily="34" charset="0"/>
-                <a:cs typeface="Arial" panose="020B0604020202020204" pitchFamily="34" charset="0"/>
-              </a:rPr>
-              <a:t>2D</a:t>
-            </a:r>
-            <a:r>
-              <a:rPr kumimoji="1" lang="ja-JP" altLang="en-US" sz="2400" dirty="0">
-                <a:latin typeface="Arial" panose="020B0604020202020204" pitchFamily="34" charset="0"/>
-                <a:cs typeface="Arial" panose="020B0604020202020204" pitchFamily="34" charset="0"/>
-              </a:rPr>
-              <a:t>ゲームプログラミングを行う！！</a:t>
-            </a:r>
-            <a:endParaRPr kumimoji="1" lang="en-US" altLang="ja-JP" sz="2400" dirty="0">
-              <a:latin typeface="Arial" panose="020B0604020202020204" pitchFamily="34" charset="0"/>
-              <a:cs typeface="Arial" panose="020B0604020202020204" pitchFamily="34" charset="0"/>
-            </a:endParaRPr>
-          </a:p>
-          <a:p>
-            <a:pPr marL="139700" indent="0">
-              <a:buNone/>
-            </a:pPr>
-            <a:r>
-              <a:rPr kumimoji="1" lang="ja-JP" altLang="en-US" sz="2400" dirty="0">
-                <a:latin typeface="Arial" panose="020B0604020202020204" pitchFamily="34" charset="0"/>
-                <a:cs typeface="Arial" panose="020B0604020202020204" pitchFamily="34" charset="0"/>
-              </a:rPr>
-              <a:t>ブロック崩しを作りながら学んでいこう。</a:t>
-            </a:r>
-            <a:endParaRPr kumimoji="1" lang="en-US" altLang="ja-JP" sz="2400" dirty="0">
-              <a:latin typeface="Arial" panose="020B0604020202020204" pitchFamily="34" charset="0"/>
-              <a:cs typeface="Arial" panose="020B0604020202020204" pitchFamily="34" charset="0"/>
-            </a:endParaRPr>
-          </a:p>
-          <a:p>
-            <a:pPr marL="139700" indent="0">
-              <a:buNone/>
-            </a:pPr>
-            <a:endParaRPr kumimoji="1" lang="en-US" altLang="ja-JP" dirty="0">
-              <a:latin typeface="Arial" panose="020B0604020202020204" pitchFamily="34" charset="0"/>
-              <a:cs typeface="Arial" panose="020B0604020202020204" pitchFamily="34" charset="0"/>
-            </a:endParaRPr>
-          </a:p>
-          <a:p>
-            <a:pPr marL="139700" indent="0">
-              <a:buNone/>
-            </a:pPr>
-            <a:r>
-              <a:rPr kumimoji="1" lang="ja-JP" altLang="en-US" dirty="0">
-                <a:latin typeface="Arial" panose="020B0604020202020204" pitchFamily="34" charset="0"/>
-                <a:cs typeface="Arial" panose="020B0604020202020204" pitchFamily="34" charset="0"/>
-              </a:rPr>
-              <a:t>■本コースのポイント</a:t>
-            </a:r>
-            <a:endParaRPr kumimoji="1" lang="en-US" altLang="ja-JP" dirty="0">
-              <a:latin typeface="Arial" panose="020B0604020202020204" pitchFamily="34" charset="0"/>
-              <a:cs typeface="Arial" panose="020B0604020202020204" pitchFamily="34" charset="0"/>
-            </a:endParaRPr>
-          </a:p>
-          <a:p>
-            <a:pPr marL="139700" indent="0">
-              <a:buNone/>
-            </a:pPr>
-            <a:r>
-              <a:rPr kumimoji="1" lang="ja-JP" altLang="en-US" dirty="0">
-                <a:latin typeface="Arial" panose="020B0604020202020204" pitchFamily="34" charset="0"/>
-                <a:cs typeface="Arial" panose="020B0604020202020204" pitchFamily="34" charset="0"/>
-              </a:rPr>
-              <a:t>・</a:t>
-            </a:r>
-            <a:r>
-              <a:rPr kumimoji="1" lang="en-US" altLang="ja-JP" dirty="0">
-                <a:latin typeface="Arial" panose="020B0604020202020204" pitchFamily="34" charset="0"/>
-                <a:cs typeface="Arial" panose="020B0604020202020204" pitchFamily="34" charset="0"/>
-              </a:rPr>
-              <a:t>Python</a:t>
-            </a:r>
-            <a:r>
-              <a:rPr kumimoji="1" lang="ja-JP" altLang="en-US" dirty="0">
-                <a:latin typeface="Arial" panose="020B0604020202020204" pitchFamily="34" charset="0"/>
-                <a:cs typeface="Arial" panose="020B0604020202020204" pitchFamily="34" charset="0"/>
-              </a:rPr>
-              <a:t>を習得できる。</a:t>
-            </a:r>
-            <a:endParaRPr kumimoji="1" lang="en-US" altLang="ja-JP" dirty="0">
-              <a:latin typeface="Arial" panose="020B0604020202020204" pitchFamily="34" charset="0"/>
-              <a:cs typeface="Arial" panose="020B0604020202020204" pitchFamily="34" charset="0"/>
-            </a:endParaRPr>
-          </a:p>
-          <a:p>
-            <a:pPr marL="139700" indent="0">
-              <a:buNone/>
-            </a:pPr>
-            <a:r>
-              <a:rPr kumimoji="1" lang="ja-JP" altLang="en-US" dirty="0">
-                <a:latin typeface="Arial" panose="020B0604020202020204" pitchFamily="34" charset="0"/>
-                <a:cs typeface="Arial" panose="020B0604020202020204" pitchFamily="34" charset="0"/>
-              </a:rPr>
-              <a:t>・ゲームライブラリに触れられる。</a:t>
-            </a:r>
-            <a:endParaRPr kumimoji="1" lang="en-US" altLang="ja-JP" dirty="0">
-              <a:latin typeface="Arial" panose="020B0604020202020204" pitchFamily="34" charset="0"/>
-              <a:cs typeface="Arial" panose="020B0604020202020204" pitchFamily="34" charset="0"/>
-            </a:endParaRPr>
-          </a:p>
-          <a:p>
-            <a:pPr marL="139700" indent="0">
-              <a:buNone/>
-            </a:pPr>
-            <a:r>
-              <a:rPr kumimoji="1" lang="ja-JP" altLang="en-US" dirty="0">
-                <a:latin typeface="Arial" panose="020B0604020202020204" pitchFamily="34" charset="0"/>
-                <a:cs typeface="Arial" panose="020B0604020202020204" pitchFamily="34" charset="0"/>
-              </a:rPr>
-              <a:t>・ゲームの構造を知ることができる。</a:t>
-            </a:r>
-            <a:endParaRPr kumimoji="1" lang="en-US" altLang="ja-JP" dirty="0">
-              <a:latin typeface="Arial" panose="020B0604020202020204" pitchFamily="34" charset="0"/>
-              <a:cs typeface="Arial" panose="020B0604020202020204" pitchFamily="34" charset="0"/>
-            </a:endParaRPr>
-          </a:p>
-        </p:txBody>
-      </p:sp>
-      <p:pic>
-        <p:nvPicPr>
-          <p:cNvPr id="9" name="図 8">
-            <a:extLst>
-              <a:ext uri="{FF2B5EF4-FFF2-40B4-BE49-F238E27FC236}">
-                <a16:creationId xmlns:a16="http://schemas.microsoft.com/office/drawing/2014/main" id="{B59CA5B5-60EC-F7D7-B2E3-F443035A485C}"/>
-              </a:ext>
-            </a:extLst>
-          </p:cNvPr>
-          <p:cNvPicPr>
-            <a:picLocks noChangeAspect="1"/>
-          </p:cNvPicPr>
-          <p:nvPr/>
-        </p:nvPicPr>
-        <p:blipFill>
-          <a:blip r:embed="rId2"/>
-          <a:stretch>
-            <a:fillRect/>
-          </a:stretch>
-        </p:blipFill>
-        <p:spPr>
-          <a:xfrm>
-            <a:off x="6810387" y="2564828"/>
-            <a:ext cx="1993231" cy="2067791"/>
-          </a:xfrm>
-          <a:prstGeom prst="rect">
-            <a:avLst/>
-          </a:prstGeom>
-        </p:spPr>
-      </p:pic>
-    </p:spTree>
-    <p:extLst>
-      <p:ext uri="{BB962C8B-B14F-4D97-AF65-F5344CB8AC3E}">
-        <p14:creationId xmlns:p14="http://schemas.microsoft.com/office/powerpoint/2010/main" val="2755926121"/>
-      </p:ext>
-    </p:extLst>
-  </p:cSld>
-  <p:clrMapOvr>
-    <a:masterClrMapping/>
-  </p:clrMapOvr>
-</p:sld>
-</file>
-
-<file path=ppt/slides/slide5.xml><?xml version="1.0" encoding="utf-8"?>
+<file path=ppt/slides/slide6.xml><?xml version="1.0" encoding="utf-8"?>
 <p:sld xmlns:a="http://schemas.openxmlformats.org/drawingml/2006/main" xmlns:r="http://schemas.openxmlformats.org/officeDocument/2006/relationships" xmlns:p="http://schemas.openxmlformats.org/presentationml/2006/main">
   <p:cSld>
     <p:spTree>
@@ -13841,7 +14125,7 @@
 </p:sld>
 </file>
 
-<file path=ppt/slides/slide6.xml><?xml version="1.0" encoding="utf-8"?>
+<file path=ppt/slides/slide7.xml><?xml version="1.0" encoding="utf-8"?>
 <p:sld xmlns:a="http://schemas.openxmlformats.org/drawingml/2006/main" xmlns:r="http://schemas.openxmlformats.org/officeDocument/2006/relationships" xmlns:p="http://schemas.openxmlformats.org/presentationml/2006/main">
   <p:cSld>
     <p:spTree>
@@ -14185,7 +14469,7 @@
 </p:sld>
 </file>
 
-<file path=ppt/slides/slide7.xml><?xml version="1.0" encoding="utf-8"?>
+<file path=ppt/slides/slide8.xml><?xml version="1.0" encoding="utf-8"?>
 <p:sld xmlns:a="http://schemas.openxmlformats.org/drawingml/2006/main" xmlns:r="http://schemas.openxmlformats.org/officeDocument/2006/relationships" xmlns:p="http://schemas.openxmlformats.org/presentationml/2006/main">
   <p:cSld>
     <p:spTree>
@@ -14456,7 +14740,7 @@
 </p:sld>
 </file>
 
-<file path=ppt/slides/slide8.xml><?xml version="1.0" encoding="utf-8"?>
+<file path=ppt/slides/slide9.xml><?xml version="1.0" encoding="utf-8"?>
 <p:sld xmlns:a="http://schemas.openxmlformats.org/drawingml/2006/main" xmlns:r="http://schemas.openxmlformats.org/officeDocument/2006/relationships" xmlns:p="http://schemas.openxmlformats.org/presentationml/2006/main">
   <p:cSld>
     <p:spTree>
@@ -17698,92 +17982,6 @@
     <p:extLst>
       <p:ext uri="{BB962C8B-B14F-4D97-AF65-F5344CB8AC3E}">
         <p14:creationId xmlns:p14="http://schemas.microsoft.com/office/powerpoint/2010/main" val="1326976941"/>
-      </p:ext>
-    </p:extLst>
-  </p:cSld>
-  <p:clrMapOvr>
-    <a:masterClrMapping/>
-  </p:clrMapOvr>
-</p:sld>
-</file>
-
-<file path=ppt/slides/slide9.xml><?xml version="1.0" encoding="utf-8"?>
-<p:sld xmlns:a="http://schemas.openxmlformats.org/drawingml/2006/main" xmlns:r="http://schemas.openxmlformats.org/officeDocument/2006/relationships" xmlns:p="http://schemas.openxmlformats.org/presentationml/2006/main">
-  <p:cSld>
-    <p:spTree>
-      <p:nvGrpSpPr>
-        <p:cNvPr id="1" name=""/>
-        <p:cNvGrpSpPr/>
-        <p:nvPr/>
-      </p:nvGrpSpPr>
-      <p:grpSpPr>
-        <a:xfrm>
-          <a:off x="0" y="0"/>
-          <a:ext cx="0" cy="0"/>
-          <a:chOff x="0" y="0"/>
-          <a:chExt cx="0" cy="0"/>
-        </a:xfrm>
-      </p:grpSpPr>
-      <p:sp>
-        <p:nvSpPr>
-          <p:cNvPr id="2" name="タイトル 1">
-            <a:extLst>
-              <a:ext uri="{FF2B5EF4-FFF2-40B4-BE49-F238E27FC236}">
-                <a16:creationId xmlns:a16="http://schemas.microsoft.com/office/drawing/2014/main" id="{87530C13-7087-F497-7F36-16699F1ED6BD}"/>
-              </a:ext>
-            </a:extLst>
-          </p:cNvPr>
-          <p:cNvSpPr>
-            <a:spLocks noGrp="1"/>
-          </p:cNvSpPr>
-          <p:nvPr>
-            <p:ph type="title"/>
-          </p:nvPr>
-        </p:nvSpPr>
-        <p:spPr/>
-        <p:txBody>
-          <a:bodyPr/>
-          <a:lstStyle/>
-          <a:p>
-            <a:r>
-              <a:rPr kumimoji="1" lang="ja-JP" altLang="en-US" dirty="0"/>
-              <a:t>コースフロー</a:t>
-            </a:r>
-          </a:p>
-        </p:txBody>
-      </p:sp>
-      <p:graphicFrame>
-        <p:nvGraphicFramePr>
-          <p:cNvPr id="9" name="図表 8">
-            <a:extLst>
-              <a:ext uri="{FF2B5EF4-FFF2-40B4-BE49-F238E27FC236}">
-                <a16:creationId xmlns:a16="http://schemas.microsoft.com/office/drawing/2014/main" id="{5AD7A0F4-0D85-E11C-772C-085D38C2115C}"/>
-              </a:ext>
-            </a:extLst>
-          </p:cNvPr>
-          <p:cNvGraphicFramePr/>
-          <p:nvPr>
-            <p:extLst>
-              <p:ext uri="{D42A27DB-BD31-4B8C-83A1-F6EECF244321}">
-                <p14:modId xmlns:p14="http://schemas.microsoft.com/office/powerpoint/2010/main" val="126542369"/>
-              </p:ext>
-            </p:extLst>
-          </p:nvPr>
-        </p:nvGraphicFramePr>
-        <p:xfrm>
-          <a:off x="718705" y="1528546"/>
-          <a:ext cx="7886700" cy="3263400"/>
-        </p:xfrm>
-        <a:graphic>
-          <a:graphicData uri="http://schemas.openxmlformats.org/drawingml/2006/diagram">
-            <dgm:relIds xmlns:dgm="http://schemas.openxmlformats.org/drawingml/2006/diagram" xmlns:r="http://schemas.openxmlformats.org/officeDocument/2006/relationships" r:dm="rId2" r:lo="rId3" r:qs="rId4" r:cs="rId5"/>
-          </a:graphicData>
-        </a:graphic>
-      </p:graphicFrame>
-    </p:spTree>
-    <p:extLst>
-      <p:ext uri="{BB962C8B-B14F-4D97-AF65-F5344CB8AC3E}">
-        <p14:creationId xmlns:p14="http://schemas.microsoft.com/office/powerpoint/2010/main" val="2847052971"/>
       </p:ext>
     </p:extLst>
   </p:cSld>

--- a/ゲームコース説明.pptx
+++ b/ゲームコース説明.pptx
@@ -11872,10 +11872,15 @@
             <p:ph type="body" idx="1"/>
           </p:nvPr>
         </p:nvSpPr>
-        <p:spPr/>
+        <p:spPr>
+          <a:xfrm>
+            <a:off x="628650" y="1165860"/>
+            <a:ext cx="7886700" cy="3703795"/>
+          </a:xfrm>
+        </p:spPr>
         <p:txBody>
           <a:bodyPr>
-            <a:normAutofit lnSpcReduction="10000"/>
+            <a:normAutofit/>
           </a:bodyPr>
           <a:lstStyle/>
           <a:p>
@@ -11927,10 +11932,10 @@
               <a:t>	</a:t>
             </a:r>
             <a:r>
-              <a:rPr kumimoji="1" lang="ja-JP" altLang="en-US" dirty="0"/>
+              <a:rPr kumimoji="1" lang="ja-JP" altLang="en-US" sz="1400" dirty="0"/>
               <a:t>・ｉｆ文、ｆｏｒ文などのプログラミングの基本の総復習</a:t>
             </a:r>
-            <a:endParaRPr kumimoji="1" lang="en-US" altLang="ja-JP" dirty="0"/>
+            <a:endParaRPr kumimoji="1" lang="en-US" altLang="ja-JP" sz="1400" dirty="0"/>
           </a:p>
           <a:p>
             <a:pPr marL="139700" indent="0">
@@ -11943,14 +11948,14 @@
               <a:buNone/>
             </a:pPr>
             <a:r>
-              <a:rPr kumimoji="1" lang="en-US" altLang="ja-JP" dirty="0"/>
+              <a:rPr kumimoji="1" lang="en-US" altLang="ja-JP" sz="1400" dirty="0"/>
               <a:t>	</a:t>
             </a:r>
             <a:r>
-              <a:rPr kumimoji="1" lang="ja-JP" altLang="en-US" dirty="0"/>
+              <a:rPr kumimoji="1" lang="ja-JP" altLang="en-US" sz="1400" dirty="0"/>
               <a:t>・ライブラリをつかったコーディング</a:t>
             </a:r>
-            <a:endParaRPr kumimoji="1" lang="en-US" altLang="ja-JP" dirty="0"/>
+            <a:endParaRPr kumimoji="1" lang="en-US" altLang="ja-JP" sz="1400" dirty="0"/>
           </a:p>
           <a:p>
             <a:pPr marL="139700" indent="0">
@@ -11963,28 +11968,28 @@
               <a:buNone/>
             </a:pPr>
             <a:r>
-              <a:rPr kumimoji="1" lang="en-US" altLang="ja-JP" dirty="0"/>
+              <a:rPr kumimoji="1" lang="en-US" altLang="ja-JP" sz="1400" dirty="0"/>
               <a:t>	</a:t>
             </a:r>
             <a:r>
-              <a:rPr kumimoji="1" lang="ja-JP" altLang="en-US" dirty="0"/>
+              <a:rPr kumimoji="1" lang="ja-JP" altLang="en-US" sz="1400" dirty="0"/>
               <a:t>・</a:t>
             </a:r>
             <a:r>
-              <a:rPr kumimoji="1" lang="en-US" altLang="ja-JP" dirty="0"/>
+              <a:rPr kumimoji="1" lang="en-US" altLang="ja-JP" sz="1400" dirty="0"/>
               <a:t>web</a:t>
             </a:r>
             <a:r>
-              <a:rPr kumimoji="1" lang="ja-JP" altLang="en-US" dirty="0"/>
+              <a:rPr kumimoji="1" lang="ja-JP" altLang="en-US" sz="1400" dirty="0"/>
               <a:t>プログラミング以外のプログラミングを知る</a:t>
             </a:r>
-            <a:endParaRPr kumimoji="1" lang="en-US" altLang="ja-JP" dirty="0"/>
+            <a:endParaRPr kumimoji="1" lang="en-US" altLang="ja-JP" sz="1400" dirty="0"/>
           </a:p>
           <a:p>
             <a:pPr marL="139700" indent="0">
               <a:buNone/>
             </a:pPr>
-            <a:endParaRPr kumimoji="1" lang="en-US" altLang="ja-JP" dirty="0"/>
+            <a:endParaRPr kumimoji="1" lang="en-US" altLang="ja-JP" sz="1400" dirty="0"/>
           </a:p>
           <a:p>
             <a:pPr marL="139700" indent="0">
@@ -11992,7 +11997,15 @@
             </a:pPr>
             <a:r>
               <a:rPr kumimoji="1" lang="ja-JP" altLang="en-US" dirty="0"/>
-              <a:t>そのために、ゲームを使っていこう。という趣旨です。</a:t>
+              <a:t>なので、</a:t>
+            </a:r>
+            <a:r>
+              <a:rPr kumimoji="1" lang="ja-JP" altLang="en-US" sz="2000" b="1" u="sng" dirty="0"/>
+              <a:t>作りたいものがなくて悩んでいる人</a:t>
+            </a:r>
+            <a:r>
+              <a:rPr kumimoji="1" lang="ja-JP" altLang="en-US" dirty="0"/>
+              <a:t>にもおすすめです！！</a:t>
             </a:r>
           </a:p>
         </p:txBody>
@@ -12363,8 +12376,8 @@
         </p:nvCxnSpPr>
         <p:spPr>
           <a:xfrm rot="5400000">
-            <a:off x="1564986" y="4358387"/>
-            <a:ext cx="384067" cy="1"/>
+            <a:off x="176469" y="5746904"/>
+            <a:ext cx="3161100" cy="1"/>
           </a:xfrm>
           <a:prstGeom prst="bentConnector3">
             <a:avLst>
@@ -12407,7 +12420,7 @@
         </p:nvSpPr>
         <p:spPr>
           <a:xfrm>
-            <a:off x="553406" y="4550421"/>
+            <a:off x="553406" y="7327454"/>
             <a:ext cx="2407223" cy="318801"/>
           </a:xfrm>
           <a:prstGeom prst="roundRect">

--- a/ゲームコース説明.pptx
+++ b/ゲームコース説明.pptx
@@ -5,7 +5,7 @@
     <p:sldMasterId id="2147483661" r:id="rId1"/>
   </p:sldMasterIdLst>
   <p:notesMasterIdLst>
-    <p:notesMasterId r:id="rId13"/>
+    <p:notesMasterId r:id="rId14"/>
   </p:notesMasterIdLst>
   <p:sldIdLst>
     <p:sldId id="256" r:id="rId2"/>
@@ -18,22 +18,23 @@
     <p:sldId id="263" r:id="rId9"/>
     <p:sldId id="260" r:id="rId10"/>
     <p:sldId id="264" r:id="rId11"/>
-    <p:sldId id="265" r:id="rId12"/>
+    <p:sldId id="268" r:id="rId12"/>
+    <p:sldId id="265" r:id="rId13"/>
   </p:sldIdLst>
   <p:sldSz cx="9144000" cy="5143500" type="screen16x9"/>
   <p:notesSz cx="6858000" cy="9144000"/>
   <p:embeddedFontLst>
     <p:embeddedFont>
       <p:font typeface="Gill Sans" panose="020B0600070205080204" charset="0"/>
-      <p:regular r:id="rId14"/>
-      <p:bold r:id="rId15"/>
+      <p:regular r:id="rId15"/>
+      <p:bold r:id="rId16"/>
     </p:embeddedFont>
     <p:embeddedFont>
       <p:font typeface="Open Sans" panose="020B0606030504020204" pitchFamily="34" charset="0"/>
-      <p:regular r:id="rId16"/>
-      <p:bold r:id="rId17"/>
-      <p:italic r:id="rId18"/>
-      <p:boldItalic r:id="rId19"/>
+      <p:regular r:id="rId17"/>
+      <p:bold r:id="rId18"/>
+      <p:italic r:id="rId19"/>
+      <p:boldItalic r:id="rId20"/>
     </p:embeddedFont>
   </p:embeddedFontLst>
   <p:defaultTextStyle>
@@ -2122,10 +2123,14 @@
             <a:buChar char="•"/>
           </a:pPr>
           <a:r>
+            <a:rPr kumimoji="1" lang="ja-JP" sz="1500" b="0" i="0" kern="1200" dirty="0"/>
+            <a:t>ブロック崩しに色んな機能を追加する</a:t>
+          </a:r>
+          <a:r>
             <a:rPr kumimoji="1" lang="ja-JP" altLang="en-US" sz="1500" b="0" i="0" kern="1200" dirty="0"/>
-            <a:t>ブロック崩しに色んな機能を追加する。</a:t>
+            <a:t>。</a:t>
           </a:r>
-          <a:endParaRPr lang="ja-JP" altLang="en-US" sz="1500" kern="1200" dirty="0"/>
+          <a:endParaRPr lang="ja-JP" sz="1500" kern="1200" dirty="0"/>
         </a:p>
         <a:p>
           <a:pPr marL="114300" lvl="1" indent="-114300" algn="l" defTabSz="666750">
@@ -2142,9 +2147,17 @@
           </a:pPr>
           <a:r>
             <a:rPr kumimoji="1" lang="ja-JP" altLang="en-US" sz="1500" b="0" i="0" kern="1200" dirty="0"/>
-            <a:t>あるいは、全く別のゲームを位置から作成する。</a:t>
+            <a:t>あるいは、</a:t>
           </a:r>
-          <a:endParaRPr lang="ja-JP" altLang="en-US" sz="1500" kern="1200" dirty="0"/>
+          <a:r>
+            <a:rPr kumimoji="1" lang="ja-JP" sz="1500" b="0" i="0" kern="1200" dirty="0"/>
+            <a:t>全く別のゲームを位置から作成する</a:t>
+          </a:r>
+          <a:r>
+            <a:rPr kumimoji="1" lang="ja-JP" altLang="en-US" sz="1500" b="0" i="0" kern="1200" dirty="0"/>
+            <a:t>。</a:t>
+          </a:r>
+          <a:endParaRPr lang="ja-JP" sz="1500" kern="1200" dirty="0"/>
         </a:p>
       </dsp:txBody>
       <dsp:txXfrm rot="-5400000">
@@ -2219,10 +2232,10 @@
             <a:buNone/>
           </a:pPr>
           <a:r>
-            <a:rPr kumimoji="1" lang="ja-JP" altLang="en-US" sz="2100" b="0" i="0" kern="1200"/>
+            <a:rPr kumimoji="1" lang="ja-JP" sz="2100" b="0" i="0" kern="1200"/>
             <a:t>ゲーム作成</a:t>
           </a:r>
-          <a:endParaRPr lang="ja-JP" altLang="en-US" sz="2100" kern="1200"/>
+          <a:endParaRPr lang="ja-JP" sz="2100" kern="1200"/>
         </a:p>
       </dsp:txBody>
       <dsp:txXfrm>
@@ -2299,10 +2312,10 @@
             <a:buChar char="•"/>
           </a:pPr>
           <a:r>
-            <a:rPr kumimoji="1" lang="ja-JP" altLang="en-US" sz="1500" b="0" i="0" kern="1200" dirty="0"/>
+            <a:rPr kumimoji="1" lang="ja-JP" sz="1500" b="0" i="0" kern="1200" dirty="0"/>
             <a:t>作ったゲーム、学んだことを整理する。</a:t>
           </a:r>
-          <a:endParaRPr lang="ja-JP" altLang="en-US" sz="1500" kern="1200" dirty="0"/>
+          <a:endParaRPr lang="ja-JP" sz="1500" kern="1200" dirty="0"/>
         </a:p>
       </dsp:txBody>
       <dsp:txXfrm rot="-5400000">
@@ -2377,10 +2390,10 @@
             <a:buNone/>
           </a:pPr>
           <a:r>
-            <a:rPr kumimoji="1" lang="ja-JP" altLang="en-US" sz="2100" b="0" i="0" kern="1200"/>
+            <a:rPr kumimoji="1" lang="ja-JP" sz="2100" b="0" i="0" kern="1200"/>
             <a:t>発表資料</a:t>
           </a:r>
-          <a:endParaRPr lang="ja-JP" altLang="en-US" sz="2100" kern="1200"/>
+          <a:endParaRPr lang="ja-JP" sz="2100" kern="1200"/>
         </a:p>
       </dsp:txBody>
       <dsp:txXfrm>
@@ -11058,6 +11071,176 @@
         </p:spPr>
         <p:txBody>
           <a:bodyPr>
+            <a:normAutofit/>
+          </a:bodyPr>
+          <a:lstStyle/>
+          <a:p>
+            <a:pPr marL="139700" indent="0">
+              <a:buNone/>
+            </a:pPr>
+            <a:r>
+              <a:rPr kumimoji="1" lang="ja-JP" altLang="en-US" dirty="0"/>
+              <a:t>■物理演算っぽいコードを書きたい</a:t>
+            </a:r>
+            <a:endParaRPr kumimoji="1" lang="en-US" altLang="ja-JP" dirty="0"/>
+          </a:p>
+          <a:p>
+            <a:pPr marL="139700" indent="0">
+              <a:buNone/>
+            </a:pPr>
+            <a:r>
+              <a:rPr kumimoji="1" lang="en-US" altLang="ja-JP" dirty="0" err="1"/>
+              <a:t>pygame</a:t>
+            </a:r>
+            <a:r>
+              <a:rPr kumimoji="1" lang="ja-JP" altLang="en-US" dirty="0"/>
+              <a:t>はシンプルなライブラリなので物理演算エンジンは搭載されていないです。ここでは自分で物理演算っぽいコードを書いてみましょう。</a:t>
+            </a:r>
+            <a:endParaRPr kumimoji="1" lang="en-US" altLang="ja-JP" dirty="0"/>
+          </a:p>
+          <a:p>
+            <a:pPr marL="139700" indent="0">
+              <a:buNone/>
+            </a:pPr>
+            <a:r>
+              <a:rPr kumimoji="1" lang="en-US" altLang="ja-JP" dirty="0"/>
+              <a:t>	</a:t>
+            </a:r>
+            <a:r>
+              <a:rPr kumimoji="1" lang="ja-JP" altLang="en-US" dirty="0"/>
+              <a:t> ・ファイル名：</a:t>
+            </a:r>
+            <a:r>
+              <a:rPr kumimoji="1" lang="en-US" altLang="ja-JP" dirty="0" err="1"/>
+              <a:t>pygame</a:t>
+            </a:r>
+            <a:r>
+              <a:rPr kumimoji="1" lang="en-US" altLang="ja-JP" dirty="0"/>
+              <a:t>_</a:t>
+            </a:r>
+            <a:r>
+              <a:rPr kumimoji="1" lang="ja-JP" altLang="en-US" dirty="0"/>
+              <a:t>物理演算もどき</a:t>
+            </a:r>
+            <a:r>
+              <a:rPr kumimoji="1" lang="en-US" altLang="ja-JP" dirty="0"/>
+              <a:t>.</a:t>
+            </a:r>
+            <a:r>
+              <a:rPr kumimoji="1" lang="en-US" altLang="ja-JP" dirty="0" err="1"/>
+              <a:t>ipynb</a:t>
+            </a:r>
+            <a:endParaRPr kumimoji="1" lang="en-US" altLang="ja-JP" dirty="0"/>
+          </a:p>
+          <a:p>
+            <a:pPr marL="139700" indent="0">
+              <a:buNone/>
+            </a:pPr>
+            <a:endParaRPr kumimoji="1" lang="en-US" altLang="ja-JP" dirty="0"/>
+          </a:p>
+          <a:p>
+            <a:pPr marL="139700" indent="0">
+              <a:buNone/>
+            </a:pPr>
+            <a:endParaRPr kumimoji="1" lang="ja-JP" altLang="en-US" dirty="0"/>
+          </a:p>
+        </p:txBody>
+      </p:sp>
+    </p:spTree>
+    <p:extLst>
+      <p:ext uri="{BB962C8B-B14F-4D97-AF65-F5344CB8AC3E}">
+        <p14:creationId xmlns:p14="http://schemas.microsoft.com/office/powerpoint/2010/main" val="1959587038"/>
+      </p:ext>
+    </p:extLst>
+  </p:cSld>
+  <p:clrMapOvr>
+    <a:masterClrMapping/>
+  </p:clrMapOvr>
+</p:sld>
+</file>
+
+<file path=ppt/slides/slide12.xml><?xml version="1.0" encoding="utf-8"?>
+<p:sld xmlns:a="http://schemas.openxmlformats.org/drawingml/2006/main" xmlns:r="http://schemas.openxmlformats.org/officeDocument/2006/relationships" xmlns:p="http://schemas.openxmlformats.org/presentationml/2006/main">
+  <p:cSld>
+    <p:spTree>
+      <p:nvGrpSpPr>
+        <p:cNvPr id="1" name=""/>
+        <p:cNvGrpSpPr/>
+        <p:nvPr/>
+      </p:nvGrpSpPr>
+      <p:grpSpPr>
+        <a:xfrm>
+          <a:off x="0" y="0"/>
+          <a:ext cx="0" cy="0"/>
+          <a:chOff x="0" y="0"/>
+          <a:chExt cx="0" cy="0"/>
+        </a:xfrm>
+      </p:grpSpPr>
+      <p:sp>
+        <p:nvSpPr>
+          <p:cNvPr id="2" name="タイトル 1">
+            <a:extLst>
+              <a:ext uri="{FF2B5EF4-FFF2-40B4-BE49-F238E27FC236}">
+                <a16:creationId xmlns:a16="http://schemas.microsoft.com/office/drawing/2014/main" id="{4BE36B26-D061-E9AF-5CED-96C03814C8A5}"/>
+              </a:ext>
+            </a:extLst>
+          </p:cNvPr>
+          <p:cNvSpPr>
+            <a:spLocks noGrp="1"/>
+          </p:cNvSpPr>
+          <p:nvPr>
+            <p:ph type="title"/>
+          </p:nvPr>
+        </p:nvSpPr>
+        <p:spPr/>
+        <p:txBody>
+          <a:bodyPr/>
+          <a:lstStyle/>
+          <a:p>
+            <a:r>
+              <a:rPr kumimoji="1" lang="ja-JP" altLang="en-US" dirty="0"/>
+              <a:t>さらに戦う者たちへ</a:t>
+            </a:r>
+            <a:r>
+              <a:rPr kumimoji="1" lang="en-US" altLang="ja-JP" dirty="0"/>
+              <a:t>(</a:t>
+            </a:r>
+            <a:r>
+              <a:rPr kumimoji="1" lang="ja-JP" altLang="en-US" dirty="0"/>
+              <a:t>追加資料</a:t>
+            </a:r>
+            <a:r>
+              <a:rPr kumimoji="1" lang="en-US" altLang="ja-JP" dirty="0"/>
+              <a:t>)</a:t>
+            </a:r>
+            <a:endParaRPr kumimoji="1" lang="ja-JP" altLang="en-US" dirty="0"/>
+          </a:p>
+        </p:txBody>
+      </p:sp>
+      <p:sp>
+        <p:nvSpPr>
+          <p:cNvPr id="3" name="テキスト プレースホルダー 2">
+            <a:extLst>
+              <a:ext uri="{FF2B5EF4-FFF2-40B4-BE49-F238E27FC236}">
+                <a16:creationId xmlns:a16="http://schemas.microsoft.com/office/drawing/2014/main" id="{90B6EC01-8B7E-1472-5A37-53F4012D27D9}"/>
+              </a:ext>
+            </a:extLst>
+          </p:cNvPr>
+          <p:cNvSpPr>
+            <a:spLocks noGrp="1"/>
+          </p:cNvSpPr>
+          <p:nvPr>
+            <p:ph type="body" idx="1"/>
+          </p:nvPr>
+        </p:nvSpPr>
+        <p:spPr>
+          <a:xfrm>
+            <a:off x="628650" y="1268044"/>
+            <a:ext cx="7886700" cy="3532555"/>
+          </a:xfrm>
+        </p:spPr>
+        <p:txBody>
+          <a:bodyPr>
             <a:normAutofit fontScale="92500" lnSpcReduction="20000"/>
           </a:bodyPr>
           <a:lstStyle/>
@@ -12090,7 +12273,7 @@
         <p:spPr>
           <a:xfrm>
             <a:off x="151198" y="4823114"/>
-            <a:ext cx="8806564" cy="3788034"/>
+            <a:ext cx="8806564" cy="4592366"/>
           </a:xfrm>
           <a:prstGeom prst="rect">
             <a:avLst/>
@@ -12966,7 +13149,15 @@
             </a:r>
             <a:r>
               <a:rPr kumimoji="1" lang="ja-JP" altLang="en-US" b="1" dirty="0"/>
-              <a:t>関数について、など</a:t>
+              <a:t>関数</a:t>
+            </a:r>
+            <a:r>
+              <a:rPr kumimoji="1" lang="en-US" altLang="ja-JP" b="1" dirty="0"/>
+              <a:t>/</a:t>
+            </a:r>
+            <a:r>
+              <a:rPr kumimoji="1" lang="ja-JP" altLang="en-US" b="1" dirty="0"/>
+              <a:t>クラスについて、など</a:t>
             </a:r>
             <a:r>
               <a:rPr kumimoji="1" lang="en-US" altLang="ja-JP" b="1" dirty="0"/>
@@ -13409,14 +13600,14 @@
           <p:cNvCxnSpPr>
             <a:cxnSpLocks/>
             <a:stCxn id="91" idx="3"/>
-            <a:endCxn id="153" idx="1"/>
+            <a:endCxn id="4" idx="1"/>
           </p:cNvCxnSpPr>
           <p:nvPr/>
         </p:nvCxnSpPr>
         <p:spPr>
           <a:xfrm>
             <a:off x="5604631" y="6557732"/>
-            <a:ext cx="837105" cy="833336"/>
+            <a:ext cx="262134" cy="766"/>
           </a:xfrm>
           <a:prstGeom prst="bentConnector3">
             <a:avLst>
@@ -13459,7 +13650,7 @@
         </p:nvSpPr>
         <p:spPr>
           <a:xfrm>
-            <a:off x="6441736" y="7231667"/>
+            <a:off x="5939364" y="8120883"/>
             <a:ext cx="2407223" cy="318801"/>
           </a:xfrm>
           <a:prstGeom prst="roundRect">
@@ -13788,6 +13979,240 @@
           </a:fontRef>
         </p:style>
       </p:cxnSp>
+      <p:sp>
+        <p:nvSpPr>
+          <p:cNvPr id="4" name="四角形: 角を丸くする 3">
+            <a:extLst>
+              <a:ext uri="{FF2B5EF4-FFF2-40B4-BE49-F238E27FC236}">
+                <a16:creationId xmlns:a16="http://schemas.microsoft.com/office/drawing/2014/main" id="{E442D50A-2F6C-413C-BCEF-976BA924A01F}"/>
+              </a:ext>
+            </a:extLst>
+          </p:cNvPr>
+          <p:cNvSpPr/>
+          <p:nvPr/>
+        </p:nvSpPr>
+        <p:spPr>
+          <a:xfrm>
+            <a:off x="5866765" y="6399097"/>
+            <a:ext cx="2479822" cy="318801"/>
+          </a:xfrm>
+          <a:prstGeom prst="roundRect">
+            <a:avLst/>
+          </a:prstGeom>
+          <a:solidFill>
+            <a:schemeClr val="accent1">
+              <a:alpha val="70000"/>
+            </a:schemeClr>
+          </a:solidFill>
+          <a:ln>
+            <a:noFill/>
+          </a:ln>
+        </p:spPr>
+        <p:style>
+          <a:lnRef idx="2">
+            <a:schemeClr val="accent1">
+              <a:shade val="15000"/>
+            </a:schemeClr>
+          </a:lnRef>
+          <a:fillRef idx="1">
+            <a:schemeClr val="accent1"/>
+          </a:fillRef>
+          <a:effectRef idx="0">
+            <a:schemeClr val="accent1"/>
+          </a:effectRef>
+          <a:fontRef idx="minor">
+            <a:schemeClr val="lt1"/>
+          </a:fontRef>
+        </p:style>
+        <p:txBody>
+          <a:bodyPr wrap="square" lIns="18000" tIns="36000" rIns="18000" bIns="36000" rtlCol="0" anchor="ctr">
+            <a:spAutoFit/>
+          </a:bodyPr>
+          <a:lstStyle/>
+          <a:p>
+            <a:pPr algn="ctr"/>
+            <a:r>
+              <a:rPr kumimoji="1" lang="ja-JP" altLang="en-US" dirty="0"/>
+              <a:t>物理演算っぽいものを書きたい</a:t>
+            </a:r>
+            <a:endParaRPr kumimoji="1" lang="en-US" altLang="ja-JP" dirty="0"/>
+          </a:p>
+        </p:txBody>
+      </p:sp>
+      <p:cxnSp>
+        <p:nvCxnSpPr>
+          <p:cNvPr id="8" name="コネクタ: カギ線 7">
+            <a:extLst>
+              <a:ext uri="{FF2B5EF4-FFF2-40B4-BE49-F238E27FC236}">
+                <a16:creationId xmlns:a16="http://schemas.microsoft.com/office/drawing/2014/main" id="{09D5C435-A05B-BDAD-DF7E-DE0891C590EB}"/>
+              </a:ext>
+            </a:extLst>
+          </p:cNvPr>
+          <p:cNvCxnSpPr>
+            <a:cxnSpLocks/>
+            <a:stCxn id="4" idx="2"/>
+            <a:endCxn id="20" idx="0"/>
+          </p:cNvCxnSpPr>
+          <p:nvPr/>
+        </p:nvCxnSpPr>
+        <p:spPr>
+          <a:xfrm rot="16200000" flipH="1">
+            <a:off x="6913572" y="6911001"/>
+            <a:ext cx="386208" cy="1"/>
+          </a:xfrm>
+          <a:prstGeom prst="bentConnector3">
+            <a:avLst>
+              <a:gd name="adj1" fmla="val 50000"/>
+            </a:avLst>
+          </a:prstGeom>
+          <a:ln w="19050">
+            <a:solidFill>
+              <a:schemeClr val="accent1"/>
+            </a:solidFill>
+            <a:tailEnd type="triangle"/>
+          </a:ln>
+        </p:spPr>
+        <p:style>
+          <a:lnRef idx="1">
+            <a:schemeClr val="accent1"/>
+          </a:lnRef>
+          <a:fillRef idx="0">
+            <a:schemeClr val="accent1"/>
+          </a:fillRef>
+          <a:effectRef idx="0">
+            <a:schemeClr val="accent1"/>
+          </a:effectRef>
+          <a:fontRef idx="minor">
+            <a:schemeClr val="tx1"/>
+          </a:fontRef>
+        </p:style>
+      </p:cxnSp>
+      <p:cxnSp>
+        <p:nvCxnSpPr>
+          <p:cNvPr id="13" name="コネクタ: カギ線 12">
+            <a:extLst>
+              <a:ext uri="{FF2B5EF4-FFF2-40B4-BE49-F238E27FC236}">
+                <a16:creationId xmlns:a16="http://schemas.microsoft.com/office/drawing/2014/main" id="{84523224-FFAB-A860-7E9B-F5431E41FD75}"/>
+              </a:ext>
+            </a:extLst>
+          </p:cNvPr>
+          <p:cNvCxnSpPr>
+            <a:cxnSpLocks/>
+            <a:stCxn id="4" idx="3"/>
+            <a:endCxn id="153" idx="3"/>
+          </p:cNvCxnSpPr>
+          <p:nvPr/>
+        </p:nvCxnSpPr>
+        <p:spPr>
+          <a:xfrm>
+            <a:off x="8346587" y="6558498"/>
+            <a:ext cx="12700" cy="1721786"/>
+          </a:xfrm>
+          <a:prstGeom prst="bentConnector3">
+            <a:avLst>
+              <a:gd name="adj1" fmla="val 1800000"/>
+            </a:avLst>
+          </a:prstGeom>
+          <a:ln w="19050">
+            <a:solidFill>
+              <a:srgbClr val="FF0000"/>
+            </a:solidFill>
+            <a:tailEnd type="triangle"/>
+          </a:ln>
+        </p:spPr>
+        <p:style>
+          <a:lnRef idx="1">
+            <a:schemeClr val="accent1"/>
+          </a:lnRef>
+          <a:fillRef idx="0">
+            <a:schemeClr val="accent1"/>
+          </a:fillRef>
+          <a:effectRef idx="0">
+            <a:schemeClr val="accent1"/>
+          </a:effectRef>
+          <a:fontRef idx="minor">
+            <a:schemeClr val="tx1"/>
+          </a:fontRef>
+        </p:style>
+      </p:cxnSp>
+      <p:sp>
+        <p:nvSpPr>
+          <p:cNvPr id="20" name="四角形: 角を丸くする 19">
+            <a:extLst>
+              <a:ext uri="{FF2B5EF4-FFF2-40B4-BE49-F238E27FC236}">
+                <a16:creationId xmlns:a16="http://schemas.microsoft.com/office/drawing/2014/main" id="{E5487267-B314-D977-9AA8-012B9C460DA3}"/>
+              </a:ext>
+            </a:extLst>
+          </p:cNvPr>
+          <p:cNvSpPr/>
+          <p:nvPr/>
+        </p:nvSpPr>
+        <p:spPr>
+          <a:xfrm>
+            <a:off x="5903065" y="7104106"/>
+            <a:ext cx="2407223" cy="557164"/>
+          </a:xfrm>
+          <a:prstGeom prst="roundRect">
+            <a:avLst/>
+          </a:prstGeom>
+          <a:solidFill>
+            <a:schemeClr val="accent4">
+              <a:lumMod val="75000"/>
+              <a:alpha val="70000"/>
+            </a:schemeClr>
+          </a:solidFill>
+          <a:ln>
+            <a:noFill/>
+          </a:ln>
+        </p:spPr>
+        <p:style>
+          <a:lnRef idx="2">
+            <a:schemeClr val="accent1">
+              <a:shade val="15000"/>
+            </a:schemeClr>
+          </a:lnRef>
+          <a:fillRef idx="1">
+            <a:schemeClr val="accent1"/>
+          </a:fillRef>
+          <a:effectRef idx="0">
+            <a:schemeClr val="accent1"/>
+          </a:effectRef>
+          <a:fontRef idx="minor">
+            <a:schemeClr val="lt1"/>
+          </a:fontRef>
+        </p:style>
+        <p:txBody>
+          <a:bodyPr lIns="18000" tIns="36000" rIns="18000" bIns="36000" rtlCol="0" anchor="ctr">
+            <a:spAutoFit/>
+          </a:bodyPr>
+          <a:lstStyle/>
+          <a:p>
+            <a:pPr algn="ctr"/>
+            <a:r>
+              <a:rPr kumimoji="1" lang="ja-JP" altLang="en-US" b="1" dirty="0">
+                <a:hlinkClick r:id="rId4" action="ppaction://hlinksldjump"/>
+              </a:rPr>
+              <a:t>本コースの追加資料</a:t>
+            </a:r>
+            <a:endParaRPr kumimoji="1" lang="en-US" altLang="ja-JP" b="1" dirty="0"/>
+          </a:p>
+          <a:p>
+            <a:pPr algn="ctr"/>
+            <a:r>
+              <a:rPr kumimoji="1" lang="en-US" altLang="ja-JP" b="1" dirty="0"/>
+              <a:t>(</a:t>
+            </a:r>
+            <a:r>
+              <a:rPr kumimoji="1" lang="ja-JP" altLang="en-US" b="1" dirty="0"/>
+              <a:t>物理演算もどき</a:t>
+            </a:r>
+            <a:r>
+              <a:rPr kumimoji="1" lang="en-US" altLang="ja-JP" b="1" dirty="0"/>
+              <a:t>)</a:t>
+            </a:r>
+          </a:p>
+        </p:txBody>
+      </p:sp>
     </p:spTree>
     <p:extLst>
       <p:ext uri="{BB962C8B-B14F-4D97-AF65-F5344CB8AC3E}">

--- a/ゲームコース説明.pptx
+++ b/ゲームコース説明.pptx
@@ -5,36 +5,42 @@
     <p:sldMasterId id="2147483661" r:id="rId1"/>
   </p:sldMasterIdLst>
   <p:notesMasterIdLst>
-    <p:notesMasterId r:id="rId14"/>
+    <p:notesMasterId r:id="rId20"/>
   </p:notesMasterIdLst>
   <p:sldIdLst>
     <p:sldId id="256" r:id="rId2"/>
     <p:sldId id="258" r:id="rId3"/>
     <p:sldId id="259" r:id="rId4"/>
     <p:sldId id="267" r:id="rId5"/>
-    <p:sldId id="266" r:id="rId6"/>
-    <p:sldId id="261" r:id="rId7"/>
-    <p:sldId id="262" r:id="rId8"/>
-    <p:sldId id="263" r:id="rId9"/>
-    <p:sldId id="260" r:id="rId10"/>
-    <p:sldId id="264" r:id="rId11"/>
-    <p:sldId id="268" r:id="rId12"/>
+    <p:sldId id="269" r:id="rId6"/>
+    <p:sldId id="266" r:id="rId7"/>
+    <p:sldId id="261" r:id="rId8"/>
+    <p:sldId id="262" r:id="rId9"/>
+    <p:sldId id="263" r:id="rId10"/>
+    <p:sldId id="260" r:id="rId11"/>
+    <p:sldId id="264" r:id="rId12"/>
     <p:sldId id="265" r:id="rId13"/>
+    <p:sldId id="268" r:id="rId14"/>
+    <p:sldId id="270" r:id="rId15"/>
+    <p:sldId id="271" r:id="rId16"/>
+    <p:sldId id="273" r:id="rId17"/>
+    <p:sldId id="274" r:id="rId18"/>
+    <p:sldId id="275" r:id="rId19"/>
   </p:sldIdLst>
   <p:sldSz cx="9144000" cy="5143500" type="screen16x9"/>
   <p:notesSz cx="6858000" cy="9144000"/>
   <p:embeddedFontLst>
     <p:embeddedFont>
       <p:font typeface="Gill Sans" panose="020B0600070205080204" charset="0"/>
-      <p:regular r:id="rId15"/>
-      <p:bold r:id="rId16"/>
+      <p:regular r:id="rId21"/>
+      <p:bold r:id="rId22"/>
     </p:embeddedFont>
     <p:embeddedFont>
       <p:font typeface="Open Sans" panose="020B0606030504020204" pitchFamily="34" charset="0"/>
-      <p:regular r:id="rId17"/>
-      <p:bold r:id="rId18"/>
-      <p:italic r:id="rId19"/>
-      <p:boldItalic r:id="rId20"/>
+      <p:regular r:id="rId23"/>
+      <p:bold r:id="rId24"/>
+      <p:italic r:id="rId25"/>
+      <p:boldItalic r:id="rId26"/>
     </p:embeddedFont>
   </p:embeddedFontLst>
   <p:defaultTextStyle>
@@ -10925,6 +10931,3257 @@
           <p:cNvPr id="2" name="タイトル 1">
             <a:extLst>
               <a:ext uri="{FF2B5EF4-FFF2-40B4-BE49-F238E27FC236}">
+                <a16:creationId xmlns:a16="http://schemas.microsoft.com/office/drawing/2014/main" id="{A7846625-8C19-13B5-2A3E-52BA83AFD28B}"/>
+              </a:ext>
+            </a:extLst>
+          </p:cNvPr>
+          <p:cNvSpPr>
+            <a:spLocks noGrp="1"/>
+          </p:cNvSpPr>
+          <p:nvPr>
+            <p:ph type="title"/>
+          </p:nvPr>
+        </p:nvSpPr>
+        <p:spPr/>
+        <p:txBody>
+          <a:bodyPr/>
+          <a:lstStyle/>
+          <a:p>
+            <a:r>
+              <a:rPr kumimoji="1" lang="ja-JP" altLang="en-US" dirty="0"/>
+              <a:t>コーススケジュール</a:t>
+            </a:r>
+          </a:p>
+        </p:txBody>
+      </p:sp>
+      <p:graphicFrame>
+        <p:nvGraphicFramePr>
+          <p:cNvPr id="4" name="表 4">
+            <a:extLst>
+              <a:ext uri="{FF2B5EF4-FFF2-40B4-BE49-F238E27FC236}">
+                <a16:creationId xmlns:a16="http://schemas.microsoft.com/office/drawing/2014/main" id="{3E66E9F7-92B1-B64E-4B33-B315B77043DC}"/>
+              </a:ext>
+            </a:extLst>
+          </p:cNvPr>
+          <p:cNvGraphicFramePr>
+            <a:graphicFrameLocks noGrp="1"/>
+          </p:cNvGraphicFramePr>
+          <p:nvPr>
+            <p:extLst>
+              <p:ext uri="{D42A27DB-BD31-4B8C-83A1-F6EECF244321}">
+                <p14:modId xmlns:p14="http://schemas.microsoft.com/office/powerpoint/2010/main" val="2489806836"/>
+              </p:ext>
+            </p:extLst>
+          </p:nvPr>
+        </p:nvGraphicFramePr>
+        <p:xfrm>
+          <a:off x="628650" y="1459230"/>
+          <a:ext cx="7835187" cy="2225040"/>
+        </p:xfrm>
+        <a:graphic>
+          <a:graphicData uri="http://schemas.openxmlformats.org/drawingml/2006/table">
+            <a:tbl>
+              <a:tblPr firstRow="1" bandRow="1">
+                <a:tableStyleId>{5C22544A-7EE6-4342-B048-85BDC9FD1C3A}</a:tableStyleId>
+              </a:tblPr>
+              <a:tblGrid>
+                <a:gridCol w="1347354">
+                  <a:extLst>
+                    <a:ext uri="{9D8B030D-6E8A-4147-A177-3AD203B41FA5}">
+                      <a16:colId xmlns:a16="http://schemas.microsoft.com/office/drawing/2014/main" val="3766019175"/>
+                    </a:ext>
+                  </a:extLst>
+                </a:gridCol>
+                <a:gridCol w="589803">
+                  <a:extLst>
+                    <a:ext uri="{9D8B030D-6E8A-4147-A177-3AD203B41FA5}">
+                      <a16:colId xmlns:a16="http://schemas.microsoft.com/office/drawing/2014/main" val="2123102281"/>
+                    </a:ext>
+                  </a:extLst>
+                </a:gridCol>
+                <a:gridCol w="589803">
+                  <a:extLst>
+                    <a:ext uri="{9D8B030D-6E8A-4147-A177-3AD203B41FA5}">
+                      <a16:colId xmlns:a16="http://schemas.microsoft.com/office/drawing/2014/main" val="2096339768"/>
+                    </a:ext>
+                  </a:extLst>
+                </a:gridCol>
+                <a:gridCol w="589803">
+                  <a:extLst>
+                    <a:ext uri="{9D8B030D-6E8A-4147-A177-3AD203B41FA5}">
+                      <a16:colId xmlns:a16="http://schemas.microsoft.com/office/drawing/2014/main" val="1195156734"/>
+                    </a:ext>
+                  </a:extLst>
+                </a:gridCol>
+                <a:gridCol w="589803">
+                  <a:extLst>
+                    <a:ext uri="{9D8B030D-6E8A-4147-A177-3AD203B41FA5}">
+                      <a16:colId xmlns:a16="http://schemas.microsoft.com/office/drawing/2014/main" val="2955682945"/>
+                    </a:ext>
+                  </a:extLst>
+                </a:gridCol>
+                <a:gridCol w="589803">
+                  <a:extLst>
+                    <a:ext uri="{9D8B030D-6E8A-4147-A177-3AD203B41FA5}">
+                      <a16:colId xmlns:a16="http://schemas.microsoft.com/office/drawing/2014/main" val="510459631"/>
+                    </a:ext>
+                  </a:extLst>
+                </a:gridCol>
+                <a:gridCol w="589803">
+                  <a:extLst>
+                    <a:ext uri="{9D8B030D-6E8A-4147-A177-3AD203B41FA5}">
+                      <a16:colId xmlns:a16="http://schemas.microsoft.com/office/drawing/2014/main" val="2646855902"/>
+                    </a:ext>
+                  </a:extLst>
+                </a:gridCol>
+                <a:gridCol w="589803">
+                  <a:extLst>
+                    <a:ext uri="{9D8B030D-6E8A-4147-A177-3AD203B41FA5}">
+                      <a16:colId xmlns:a16="http://schemas.microsoft.com/office/drawing/2014/main" val="2354806849"/>
+                    </a:ext>
+                  </a:extLst>
+                </a:gridCol>
+                <a:gridCol w="589803">
+                  <a:extLst>
+                    <a:ext uri="{9D8B030D-6E8A-4147-A177-3AD203B41FA5}">
+                      <a16:colId xmlns:a16="http://schemas.microsoft.com/office/drawing/2014/main" val="1345805478"/>
+                    </a:ext>
+                  </a:extLst>
+                </a:gridCol>
+                <a:gridCol w="589803">
+                  <a:extLst>
+                    <a:ext uri="{9D8B030D-6E8A-4147-A177-3AD203B41FA5}">
+                      <a16:colId xmlns:a16="http://schemas.microsoft.com/office/drawing/2014/main" val="1969549955"/>
+                    </a:ext>
+                  </a:extLst>
+                </a:gridCol>
+                <a:gridCol w="589803">
+                  <a:extLst>
+                    <a:ext uri="{9D8B030D-6E8A-4147-A177-3AD203B41FA5}">
+                      <a16:colId xmlns:a16="http://schemas.microsoft.com/office/drawing/2014/main" val="4287513069"/>
+                    </a:ext>
+                  </a:extLst>
+                </a:gridCol>
+                <a:gridCol w="589803">
+                  <a:extLst>
+                    <a:ext uri="{9D8B030D-6E8A-4147-A177-3AD203B41FA5}">
+                      <a16:colId xmlns:a16="http://schemas.microsoft.com/office/drawing/2014/main" val="2167327611"/>
+                    </a:ext>
+                  </a:extLst>
+                </a:gridCol>
+              </a:tblGrid>
+              <a:tr h="370840">
+                <a:tc>
+                  <a:txBody>
+                    <a:bodyPr/>
+                    <a:lstStyle/>
+                    <a:p>
+                      <a:endParaRPr kumimoji="1" lang="ja-JP" altLang="en-US" dirty="0"/>
+                    </a:p>
+                  </a:txBody>
+                  <a:tcPr/>
+                </a:tc>
+                <a:tc>
+                  <a:txBody>
+                    <a:bodyPr/>
+                    <a:lstStyle/>
+                    <a:p>
+                      <a:pPr algn="ctr"/>
+                      <a:r>
+                        <a:rPr kumimoji="1" lang="en-US" altLang="ja-JP" dirty="0"/>
+                        <a:t>1</a:t>
+                      </a:r>
+                    </a:p>
+                  </a:txBody>
+                  <a:tcPr>
+                    <a:lnB w="38100" cmpd="sng">
+                      <a:noFill/>
+                    </a:lnB>
+                  </a:tcPr>
+                </a:tc>
+                <a:tc>
+                  <a:txBody>
+                    <a:bodyPr/>
+                    <a:lstStyle/>
+                    <a:p>
+                      <a:pPr algn="ctr"/>
+                      <a:r>
+                        <a:rPr kumimoji="1" lang="en-US" altLang="ja-JP" dirty="0"/>
+                        <a:t>2</a:t>
+                      </a:r>
+                      <a:endParaRPr kumimoji="1" lang="ja-JP" altLang="en-US" dirty="0"/>
+                    </a:p>
+                  </a:txBody>
+                  <a:tcPr>
+                    <a:lnB w="38100" cmpd="sng">
+                      <a:noFill/>
+                    </a:lnB>
+                  </a:tcPr>
+                </a:tc>
+                <a:tc>
+                  <a:txBody>
+                    <a:bodyPr/>
+                    <a:lstStyle/>
+                    <a:p>
+                      <a:pPr algn="ctr"/>
+                      <a:r>
+                        <a:rPr kumimoji="1" lang="en-US" altLang="ja-JP" dirty="0"/>
+                        <a:t>3</a:t>
+                      </a:r>
+                      <a:endParaRPr kumimoji="1" lang="ja-JP" altLang="en-US" dirty="0"/>
+                    </a:p>
+                  </a:txBody>
+                  <a:tcPr>
+                    <a:lnB w="38100" cmpd="sng">
+                      <a:noFill/>
+                    </a:lnB>
+                  </a:tcPr>
+                </a:tc>
+                <a:tc>
+                  <a:txBody>
+                    <a:bodyPr/>
+                    <a:lstStyle/>
+                    <a:p>
+                      <a:pPr algn="ctr"/>
+                      <a:r>
+                        <a:rPr kumimoji="1" lang="en-US" altLang="ja-JP" dirty="0"/>
+                        <a:t>4</a:t>
+                      </a:r>
+                      <a:endParaRPr kumimoji="1" lang="ja-JP" altLang="en-US" dirty="0"/>
+                    </a:p>
+                  </a:txBody>
+                  <a:tcPr>
+                    <a:lnB w="38100" cmpd="sng">
+                      <a:noFill/>
+                    </a:lnB>
+                  </a:tcPr>
+                </a:tc>
+                <a:tc>
+                  <a:txBody>
+                    <a:bodyPr/>
+                    <a:lstStyle/>
+                    <a:p>
+                      <a:pPr algn="ctr"/>
+                      <a:r>
+                        <a:rPr kumimoji="1" lang="en-US" altLang="ja-JP" dirty="0"/>
+                        <a:t>5</a:t>
+                      </a:r>
+                      <a:endParaRPr kumimoji="1" lang="ja-JP" altLang="en-US" dirty="0"/>
+                    </a:p>
+                  </a:txBody>
+                  <a:tcPr>
+                    <a:lnB w="38100" cmpd="sng">
+                      <a:noFill/>
+                    </a:lnB>
+                  </a:tcPr>
+                </a:tc>
+                <a:tc>
+                  <a:txBody>
+                    <a:bodyPr/>
+                    <a:lstStyle/>
+                    <a:p>
+                      <a:pPr algn="ctr"/>
+                      <a:r>
+                        <a:rPr kumimoji="1" lang="en-US" altLang="ja-JP" dirty="0"/>
+                        <a:t>6</a:t>
+                      </a:r>
+                      <a:endParaRPr kumimoji="1" lang="ja-JP" altLang="en-US" dirty="0"/>
+                    </a:p>
+                  </a:txBody>
+                  <a:tcPr>
+                    <a:lnB w="38100" cmpd="sng">
+                      <a:noFill/>
+                    </a:lnB>
+                  </a:tcPr>
+                </a:tc>
+                <a:tc>
+                  <a:txBody>
+                    <a:bodyPr/>
+                    <a:lstStyle/>
+                    <a:p>
+                      <a:pPr algn="ctr"/>
+                      <a:r>
+                        <a:rPr kumimoji="1" lang="en-US" altLang="ja-JP" dirty="0"/>
+                        <a:t>7</a:t>
+                      </a:r>
+                      <a:endParaRPr kumimoji="1" lang="ja-JP" altLang="en-US" dirty="0"/>
+                    </a:p>
+                  </a:txBody>
+                  <a:tcPr>
+                    <a:lnB w="38100" cmpd="sng">
+                      <a:noFill/>
+                    </a:lnB>
+                  </a:tcPr>
+                </a:tc>
+                <a:tc>
+                  <a:txBody>
+                    <a:bodyPr/>
+                    <a:lstStyle/>
+                    <a:p>
+                      <a:pPr algn="ctr"/>
+                      <a:r>
+                        <a:rPr kumimoji="1" lang="en-US" altLang="ja-JP" dirty="0"/>
+                        <a:t>8</a:t>
+                      </a:r>
+                      <a:endParaRPr kumimoji="1" lang="ja-JP" altLang="en-US" dirty="0"/>
+                    </a:p>
+                  </a:txBody>
+                  <a:tcPr>
+                    <a:lnB w="38100" cmpd="sng">
+                      <a:noFill/>
+                    </a:lnB>
+                  </a:tcPr>
+                </a:tc>
+                <a:tc>
+                  <a:txBody>
+                    <a:bodyPr/>
+                    <a:lstStyle/>
+                    <a:p>
+                      <a:pPr algn="ctr"/>
+                      <a:r>
+                        <a:rPr kumimoji="1" lang="en-US" altLang="ja-JP" dirty="0"/>
+                        <a:t>9</a:t>
+                      </a:r>
+                      <a:endParaRPr kumimoji="1" lang="ja-JP" altLang="en-US" dirty="0"/>
+                    </a:p>
+                  </a:txBody>
+                  <a:tcPr>
+                    <a:lnB w="38100" cmpd="sng">
+                      <a:noFill/>
+                    </a:lnB>
+                  </a:tcPr>
+                </a:tc>
+                <a:tc>
+                  <a:txBody>
+                    <a:bodyPr/>
+                    <a:lstStyle/>
+                    <a:p>
+                      <a:pPr algn="ctr"/>
+                      <a:r>
+                        <a:rPr kumimoji="1" lang="en-US" altLang="ja-JP" dirty="0"/>
+                        <a:t>10</a:t>
+                      </a:r>
+                      <a:endParaRPr kumimoji="1" lang="ja-JP" altLang="en-US" dirty="0"/>
+                    </a:p>
+                  </a:txBody>
+                  <a:tcPr>
+                    <a:lnB w="38100" cmpd="sng">
+                      <a:noFill/>
+                    </a:lnB>
+                  </a:tcPr>
+                </a:tc>
+                <a:tc>
+                  <a:txBody>
+                    <a:bodyPr/>
+                    <a:lstStyle/>
+                    <a:p>
+                      <a:pPr algn="ctr"/>
+                      <a:r>
+                        <a:rPr kumimoji="1" lang="en-US" altLang="ja-JP" dirty="0"/>
+                        <a:t>11</a:t>
+                      </a:r>
+                      <a:endParaRPr kumimoji="1" lang="ja-JP" altLang="en-US" dirty="0"/>
+                    </a:p>
+                  </a:txBody>
+                  <a:tcPr>
+                    <a:lnB w="38100" cmpd="sng">
+                      <a:noFill/>
+                    </a:lnB>
+                  </a:tcPr>
+                </a:tc>
+                <a:extLst>
+                  <a:ext uri="{0D108BD9-81ED-4DB2-BD59-A6C34878D82A}">
+                    <a16:rowId xmlns:a16="http://schemas.microsoft.com/office/drawing/2014/main" val="1255988096"/>
+                  </a:ext>
+                </a:extLst>
+              </a:tr>
+              <a:tr h="370840">
+                <a:tc>
+                  <a:txBody>
+                    <a:bodyPr/>
+                    <a:lstStyle/>
+                    <a:p>
+                      <a:r>
+                        <a:rPr kumimoji="1" lang="ja-JP" altLang="en-US" dirty="0"/>
+                        <a:t>環境構築</a:t>
+                      </a:r>
+                    </a:p>
+                  </a:txBody>
+                  <a:tcPr>
+                    <a:lnR w="12700" cmpd="sng">
+                      <a:noFill/>
+                    </a:lnR>
+                    <a:solidFill>
+                      <a:schemeClr val="accent1">
+                        <a:lumMod val="20000"/>
+                        <a:lumOff val="80000"/>
+                      </a:schemeClr>
+                    </a:solidFill>
+                  </a:tcPr>
+                </a:tc>
+                <a:tc>
+                  <a:txBody>
+                    <a:bodyPr/>
+                    <a:lstStyle/>
+                    <a:p>
+                      <a:endParaRPr kumimoji="1" lang="ja-JP" altLang="en-US" dirty="0"/>
+                    </a:p>
+                  </a:txBody>
+                  <a:tcPr>
+                    <a:lnL w="12700" cmpd="sng">
+                      <a:noFill/>
+                    </a:lnL>
+                    <a:lnR w="12700" cap="flat" cmpd="sng" algn="ctr">
+                      <a:solidFill>
+                        <a:schemeClr val="tx1"/>
+                      </a:solidFill>
+                      <a:prstDash val="dot"/>
+                      <a:round/>
+                      <a:headEnd type="none" w="med" len="med"/>
+                      <a:tailEnd type="none" w="med" len="med"/>
+                    </a:lnR>
+                    <a:lnT w="38100" cmpd="sng">
+                      <a:noFill/>
+                    </a:lnT>
+                    <a:lnB w="12700" cmpd="sng">
+                      <a:noFill/>
+                    </a:lnB>
+                    <a:lnTlToBr w="12700" cmpd="sng">
+                      <a:noFill/>
+                      <a:prstDash val="solid"/>
+                    </a:lnTlToBr>
+                    <a:lnBlToTr w="12700" cmpd="sng">
+                      <a:noFill/>
+                      <a:prstDash val="solid"/>
+                    </a:lnBlToTr>
+                    <a:solidFill>
+                      <a:schemeClr val="accent4">
+                        <a:lumMod val="60000"/>
+                        <a:lumOff val="40000"/>
+                      </a:schemeClr>
+                    </a:solidFill>
+                  </a:tcPr>
+                </a:tc>
+                <a:tc>
+                  <a:txBody>
+                    <a:bodyPr/>
+                    <a:lstStyle/>
+                    <a:p>
+                      <a:endParaRPr kumimoji="1" lang="ja-JP" altLang="en-US" dirty="0"/>
+                    </a:p>
+                  </a:txBody>
+                  <a:tcPr>
+                    <a:lnL w="12700" cap="flat" cmpd="sng" algn="ctr">
+                      <a:solidFill>
+                        <a:schemeClr val="tx1"/>
+                      </a:solidFill>
+                      <a:prstDash val="dot"/>
+                      <a:round/>
+                      <a:headEnd type="none" w="med" len="med"/>
+                      <a:tailEnd type="none" w="med" len="med"/>
+                    </a:lnL>
+                    <a:lnR w="12700" cap="flat" cmpd="sng" algn="ctr">
+                      <a:solidFill>
+                        <a:schemeClr val="tx1"/>
+                      </a:solidFill>
+                      <a:prstDash val="dot"/>
+                      <a:round/>
+                      <a:headEnd type="none" w="med" len="med"/>
+                      <a:tailEnd type="none" w="med" len="med"/>
+                    </a:lnR>
+                    <a:lnT w="38100" cmpd="sng">
+                      <a:noFill/>
+                    </a:lnT>
+                    <a:lnB w="12700" cmpd="sng">
+                      <a:noFill/>
+                    </a:lnB>
+                    <a:lnTlToBr w="12700" cmpd="sng">
+                      <a:noFill/>
+                      <a:prstDash val="solid"/>
+                    </a:lnTlToBr>
+                    <a:lnBlToTr w="12700" cmpd="sng">
+                      <a:noFill/>
+                      <a:prstDash val="solid"/>
+                    </a:lnBlToTr>
+                    <a:solidFill>
+                      <a:schemeClr val="bg1"/>
+                    </a:solidFill>
+                  </a:tcPr>
+                </a:tc>
+                <a:tc>
+                  <a:txBody>
+                    <a:bodyPr/>
+                    <a:lstStyle/>
+                    <a:p>
+                      <a:endParaRPr kumimoji="1" lang="ja-JP" altLang="en-US" dirty="0"/>
+                    </a:p>
+                  </a:txBody>
+                  <a:tcPr>
+                    <a:lnL w="12700" cap="flat" cmpd="sng" algn="ctr">
+                      <a:solidFill>
+                        <a:schemeClr val="tx1"/>
+                      </a:solidFill>
+                      <a:prstDash val="dot"/>
+                      <a:round/>
+                      <a:headEnd type="none" w="med" len="med"/>
+                      <a:tailEnd type="none" w="med" len="med"/>
+                    </a:lnL>
+                    <a:lnR w="12700" cap="flat" cmpd="sng" algn="ctr">
+                      <a:solidFill>
+                        <a:schemeClr val="tx1"/>
+                      </a:solidFill>
+                      <a:prstDash val="dot"/>
+                      <a:round/>
+                      <a:headEnd type="none" w="med" len="med"/>
+                      <a:tailEnd type="none" w="med" len="med"/>
+                    </a:lnR>
+                    <a:lnT w="38100" cmpd="sng">
+                      <a:noFill/>
+                    </a:lnT>
+                    <a:lnB w="12700" cmpd="sng">
+                      <a:noFill/>
+                    </a:lnB>
+                    <a:lnTlToBr w="12700" cmpd="sng">
+                      <a:noFill/>
+                      <a:prstDash val="solid"/>
+                    </a:lnTlToBr>
+                    <a:lnBlToTr w="12700" cmpd="sng">
+                      <a:noFill/>
+                      <a:prstDash val="solid"/>
+                    </a:lnBlToTr>
+                    <a:solidFill>
+                      <a:schemeClr val="bg1"/>
+                    </a:solidFill>
+                  </a:tcPr>
+                </a:tc>
+                <a:tc>
+                  <a:txBody>
+                    <a:bodyPr/>
+                    <a:lstStyle/>
+                    <a:p>
+                      <a:endParaRPr kumimoji="1" lang="ja-JP" altLang="en-US" dirty="0"/>
+                    </a:p>
+                  </a:txBody>
+                  <a:tcPr>
+                    <a:lnL w="12700" cap="flat" cmpd="sng" algn="ctr">
+                      <a:solidFill>
+                        <a:schemeClr val="tx1"/>
+                      </a:solidFill>
+                      <a:prstDash val="dot"/>
+                      <a:round/>
+                      <a:headEnd type="none" w="med" len="med"/>
+                      <a:tailEnd type="none" w="med" len="med"/>
+                    </a:lnL>
+                    <a:lnR w="12700" cap="flat" cmpd="sng" algn="ctr">
+                      <a:solidFill>
+                        <a:schemeClr val="tx1"/>
+                      </a:solidFill>
+                      <a:prstDash val="dot"/>
+                      <a:round/>
+                      <a:headEnd type="none" w="med" len="med"/>
+                      <a:tailEnd type="none" w="med" len="med"/>
+                    </a:lnR>
+                    <a:lnT w="38100" cmpd="sng">
+                      <a:noFill/>
+                    </a:lnT>
+                    <a:lnB w="12700" cmpd="sng">
+                      <a:noFill/>
+                    </a:lnB>
+                    <a:lnTlToBr w="12700" cmpd="sng">
+                      <a:noFill/>
+                      <a:prstDash val="solid"/>
+                    </a:lnTlToBr>
+                    <a:lnBlToTr w="12700" cmpd="sng">
+                      <a:noFill/>
+                      <a:prstDash val="solid"/>
+                    </a:lnBlToTr>
+                    <a:solidFill>
+                      <a:schemeClr val="bg1"/>
+                    </a:solidFill>
+                  </a:tcPr>
+                </a:tc>
+                <a:tc>
+                  <a:txBody>
+                    <a:bodyPr/>
+                    <a:lstStyle/>
+                    <a:p>
+                      <a:endParaRPr kumimoji="1" lang="ja-JP" altLang="en-US" dirty="0"/>
+                    </a:p>
+                  </a:txBody>
+                  <a:tcPr>
+                    <a:lnL w="12700" cap="flat" cmpd="sng" algn="ctr">
+                      <a:solidFill>
+                        <a:schemeClr val="tx1"/>
+                      </a:solidFill>
+                      <a:prstDash val="dot"/>
+                      <a:round/>
+                      <a:headEnd type="none" w="med" len="med"/>
+                      <a:tailEnd type="none" w="med" len="med"/>
+                    </a:lnL>
+                    <a:lnR w="12700" cap="flat" cmpd="sng" algn="ctr">
+                      <a:solidFill>
+                        <a:schemeClr val="tx1"/>
+                      </a:solidFill>
+                      <a:prstDash val="dot"/>
+                      <a:round/>
+                      <a:headEnd type="none" w="med" len="med"/>
+                      <a:tailEnd type="none" w="med" len="med"/>
+                    </a:lnR>
+                    <a:lnT w="38100" cmpd="sng">
+                      <a:noFill/>
+                    </a:lnT>
+                    <a:lnB w="12700" cmpd="sng">
+                      <a:noFill/>
+                    </a:lnB>
+                    <a:lnTlToBr w="12700" cmpd="sng">
+                      <a:noFill/>
+                      <a:prstDash val="solid"/>
+                    </a:lnTlToBr>
+                    <a:lnBlToTr w="12700" cmpd="sng">
+                      <a:noFill/>
+                      <a:prstDash val="solid"/>
+                    </a:lnBlToTr>
+                    <a:solidFill>
+                      <a:schemeClr val="bg1"/>
+                    </a:solidFill>
+                  </a:tcPr>
+                </a:tc>
+                <a:tc>
+                  <a:txBody>
+                    <a:bodyPr/>
+                    <a:lstStyle/>
+                    <a:p>
+                      <a:endParaRPr kumimoji="1" lang="ja-JP" altLang="en-US" dirty="0"/>
+                    </a:p>
+                  </a:txBody>
+                  <a:tcPr>
+                    <a:lnL w="12700" cap="flat" cmpd="sng" algn="ctr">
+                      <a:solidFill>
+                        <a:schemeClr val="tx1"/>
+                      </a:solidFill>
+                      <a:prstDash val="dot"/>
+                      <a:round/>
+                      <a:headEnd type="none" w="med" len="med"/>
+                      <a:tailEnd type="none" w="med" len="med"/>
+                    </a:lnL>
+                    <a:lnR w="12700" cap="flat" cmpd="sng" algn="ctr">
+                      <a:solidFill>
+                        <a:schemeClr val="tx1"/>
+                      </a:solidFill>
+                      <a:prstDash val="dot"/>
+                      <a:round/>
+                      <a:headEnd type="none" w="med" len="med"/>
+                      <a:tailEnd type="none" w="med" len="med"/>
+                    </a:lnR>
+                    <a:lnT w="38100" cmpd="sng">
+                      <a:noFill/>
+                    </a:lnT>
+                    <a:lnB w="12700" cmpd="sng">
+                      <a:noFill/>
+                    </a:lnB>
+                    <a:lnTlToBr w="12700" cmpd="sng">
+                      <a:noFill/>
+                      <a:prstDash val="solid"/>
+                    </a:lnTlToBr>
+                    <a:lnBlToTr w="12700" cmpd="sng">
+                      <a:noFill/>
+                      <a:prstDash val="solid"/>
+                    </a:lnBlToTr>
+                    <a:solidFill>
+                      <a:schemeClr val="bg1"/>
+                    </a:solidFill>
+                  </a:tcPr>
+                </a:tc>
+                <a:tc>
+                  <a:txBody>
+                    <a:bodyPr/>
+                    <a:lstStyle/>
+                    <a:p>
+                      <a:endParaRPr kumimoji="1" lang="ja-JP" altLang="en-US"/>
+                    </a:p>
+                  </a:txBody>
+                  <a:tcPr>
+                    <a:lnL w="12700" cap="flat" cmpd="sng" algn="ctr">
+                      <a:solidFill>
+                        <a:schemeClr val="tx1"/>
+                      </a:solidFill>
+                      <a:prstDash val="dot"/>
+                      <a:round/>
+                      <a:headEnd type="none" w="med" len="med"/>
+                      <a:tailEnd type="none" w="med" len="med"/>
+                    </a:lnL>
+                    <a:lnR w="12700" cap="flat" cmpd="sng" algn="ctr">
+                      <a:solidFill>
+                        <a:schemeClr val="tx1"/>
+                      </a:solidFill>
+                      <a:prstDash val="dot"/>
+                      <a:round/>
+                      <a:headEnd type="none" w="med" len="med"/>
+                      <a:tailEnd type="none" w="med" len="med"/>
+                    </a:lnR>
+                    <a:lnT w="38100" cmpd="sng">
+                      <a:noFill/>
+                    </a:lnT>
+                    <a:lnB w="12700" cmpd="sng">
+                      <a:noFill/>
+                    </a:lnB>
+                    <a:lnTlToBr w="12700" cmpd="sng">
+                      <a:noFill/>
+                      <a:prstDash val="solid"/>
+                    </a:lnTlToBr>
+                    <a:lnBlToTr w="12700" cmpd="sng">
+                      <a:noFill/>
+                      <a:prstDash val="solid"/>
+                    </a:lnBlToTr>
+                    <a:solidFill>
+                      <a:schemeClr val="bg1"/>
+                    </a:solidFill>
+                  </a:tcPr>
+                </a:tc>
+                <a:tc>
+                  <a:txBody>
+                    <a:bodyPr/>
+                    <a:lstStyle/>
+                    <a:p>
+                      <a:endParaRPr kumimoji="1" lang="ja-JP" altLang="en-US"/>
+                    </a:p>
+                  </a:txBody>
+                  <a:tcPr>
+                    <a:lnL w="12700" cap="flat" cmpd="sng" algn="ctr">
+                      <a:solidFill>
+                        <a:schemeClr val="tx1"/>
+                      </a:solidFill>
+                      <a:prstDash val="dot"/>
+                      <a:round/>
+                      <a:headEnd type="none" w="med" len="med"/>
+                      <a:tailEnd type="none" w="med" len="med"/>
+                    </a:lnL>
+                    <a:lnR w="12700" cap="flat" cmpd="sng" algn="ctr">
+                      <a:solidFill>
+                        <a:schemeClr val="tx1"/>
+                      </a:solidFill>
+                      <a:prstDash val="dot"/>
+                      <a:round/>
+                      <a:headEnd type="none" w="med" len="med"/>
+                      <a:tailEnd type="none" w="med" len="med"/>
+                    </a:lnR>
+                    <a:lnT w="38100" cmpd="sng">
+                      <a:noFill/>
+                    </a:lnT>
+                    <a:lnB w="12700" cmpd="sng">
+                      <a:noFill/>
+                    </a:lnB>
+                    <a:lnTlToBr w="12700" cmpd="sng">
+                      <a:noFill/>
+                      <a:prstDash val="solid"/>
+                    </a:lnTlToBr>
+                    <a:lnBlToTr w="12700" cmpd="sng">
+                      <a:noFill/>
+                      <a:prstDash val="solid"/>
+                    </a:lnBlToTr>
+                    <a:solidFill>
+                      <a:schemeClr val="bg1"/>
+                    </a:solidFill>
+                  </a:tcPr>
+                </a:tc>
+                <a:tc>
+                  <a:txBody>
+                    <a:bodyPr/>
+                    <a:lstStyle/>
+                    <a:p>
+                      <a:endParaRPr kumimoji="1" lang="ja-JP" altLang="en-US"/>
+                    </a:p>
+                  </a:txBody>
+                  <a:tcPr>
+                    <a:lnL w="12700" cap="flat" cmpd="sng" algn="ctr">
+                      <a:solidFill>
+                        <a:schemeClr val="tx1"/>
+                      </a:solidFill>
+                      <a:prstDash val="dot"/>
+                      <a:round/>
+                      <a:headEnd type="none" w="med" len="med"/>
+                      <a:tailEnd type="none" w="med" len="med"/>
+                    </a:lnL>
+                    <a:lnR w="12700" cap="flat" cmpd="sng" algn="ctr">
+                      <a:solidFill>
+                        <a:schemeClr val="tx1"/>
+                      </a:solidFill>
+                      <a:prstDash val="dot"/>
+                      <a:round/>
+                      <a:headEnd type="none" w="med" len="med"/>
+                      <a:tailEnd type="none" w="med" len="med"/>
+                    </a:lnR>
+                    <a:lnT w="38100" cmpd="sng">
+                      <a:noFill/>
+                    </a:lnT>
+                    <a:lnB w="12700" cmpd="sng">
+                      <a:noFill/>
+                    </a:lnB>
+                    <a:lnTlToBr w="12700" cmpd="sng">
+                      <a:noFill/>
+                      <a:prstDash val="solid"/>
+                    </a:lnTlToBr>
+                    <a:lnBlToTr w="12700" cmpd="sng">
+                      <a:noFill/>
+                      <a:prstDash val="solid"/>
+                    </a:lnBlToTr>
+                    <a:solidFill>
+                      <a:schemeClr val="bg1"/>
+                    </a:solidFill>
+                  </a:tcPr>
+                </a:tc>
+                <a:tc>
+                  <a:txBody>
+                    <a:bodyPr/>
+                    <a:lstStyle/>
+                    <a:p>
+                      <a:endParaRPr kumimoji="1" lang="ja-JP" altLang="en-US"/>
+                    </a:p>
+                  </a:txBody>
+                  <a:tcPr>
+                    <a:lnL w="12700" cap="flat" cmpd="sng" algn="ctr">
+                      <a:solidFill>
+                        <a:schemeClr val="tx1"/>
+                      </a:solidFill>
+                      <a:prstDash val="dot"/>
+                      <a:round/>
+                      <a:headEnd type="none" w="med" len="med"/>
+                      <a:tailEnd type="none" w="med" len="med"/>
+                    </a:lnL>
+                    <a:lnR w="12700" cap="flat" cmpd="sng" algn="ctr">
+                      <a:solidFill>
+                        <a:schemeClr val="tx1"/>
+                      </a:solidFill>
+                      <a:prstDash val="dot"/>
+                      <a:round/>
+                      <a:headEnd type="none" w="med" len="med"/>
+                      <a:tailEnd type="none" w="med" len="med"/>
+                    </a:lnR>
+                    <a:lnT w="38100" cmpd="sng">
+                      <a:noFill/>
+                    </a:lnT>
+                    <a:lnB w="12700" cmpd="sng">
+                      <a:noFill/>
+                    </a:lnB>
+                    <a:lnTlToBr w="12700" cmpd="sng">
+                      <a:noFill/>
+                      <a:prstDash val="solid"/>
+                    </a:lnTlToBr>
+                    <a:lnBlToTr w="12700" cmpd="sng">
+                      <a:noFill/>
+                      <a:prstDash val="solid"/>
+                    </a:lnBlToTr>
+                    <a:solidFill>
+                      <a:schemeClr val="bg1"/>
+                    </a:solidFill>
+                  </a:tcPr>
+                </a:tc>
+                <a:tc>
+                  <a:txBody>
+                    <a:bodyPr/>
+                    <a:lstStyle/>
+                    <a:p>
+                      <a:endParaRPr kumimoji="1" lang="ja-JP" altLang="en-US" dirty="0"/>
+                    </a:p>
+                  </a:txBody>
+                  <a:tcPr>
+                    <a:lnL w="12700" cap="flat" cmpd="sng" algn="ctr">
+                      <a:solidFill>
+                        <a:schemeClr val="tx1"/>
+                      </a:solidFill>
+                      <a:prstDash val="dot"/>
+                      <a:round/>
+                      <a:headEnd type="none" w="med" len="med"/>
+                      <a:tailEnd type="none" w="med" len="med"/>
+                    </a:lnL>
+                    <a:lnR w="12700" cmpd="sng">
+                      <a:noFill/>
+                    </a:lnR>
+                    <a:lnT w="38100" cmpd="sng">
+                      <a:noFill/>
+                    </a:lnT>
+                    <a:lnB w="12700" cmpd="sng">
+                      <a:noFill/>
+                    </a:lnB>
+                    <a:lnTlToBr w="12700" cmpd="sng">
+                      <a:noFill/>
+                      <a:prstDash val="solid"/>
+                    </a:lnTlToBr>
+                    <a:lnBlToTr w="12700" cmpd="sng">
+                      <a:noFill/>
+                      <a:prstDash val="solid"/>
+                    </a:lnBlToTr>
+                    <a:solidFill>
+                      <a:schemeClr val="bg1"/>
+                    </a:solidFill>
+                  </a:tcPr>
+                </a:tc>
+                <a:extLst>
+                  <a:ext uri="{0D108BD9-81ED-4DB2-BD59-A6C34878D82A}">
+                    <a16:rowId xmlns:a16="http://schemas.microsoft.com/office/drawing/2014/main" val="3701718273"/>
+                  </a:ext>
+                </a:extLst>
+              </a:tr>
+              <a:tr h="370840">
+                <a:tc>
+                  <a:txBody>
+                    <a:bodyPr/>
+                    <a:lstStyle/>
+                    <a:p>
+                      <a:r>
+                        <a:rPr kumimoji="1" lang="en-US" altLang="ja-JP" dirty="0" err="1"/>
+                        <a:t>Ptyhon</a:t>
+                      </a:r>
+                      <a:r>
+                        <a:rPr kumimoji="1" lang="ja-JP" altLang="en-US" dirty="0"/>
+                        <a:t>学習</a:t>
+                      </a:r>
+                    </a:p>
+                  </a:txBody>
+                  <a:tcPr>
+                    <a:lnR w="12700" cmpd="sng">
+                      <a:noFill/>
+                    </a:lnR>
+                    <a:solidFill>
+                      <a:schemeClr val="accent1">
+                        <a:lumMod val="20000"/>
+                        <a:lumOff val="80000"/>
+                      </a:schemeClr>
+                    </a:solidFill>
+                  </a:tcPr>
+                </a:tc>
+                <a:tc>
+                  <a:txBody>
+                    <a:bodyPr/>
+                    <a:lstStyle/>
+                    <a:p>
+                      <a:endParaRPr kumimoji="1" lang="ja-JP" altLang="en-US" dirty="0"/>
+                    </a:p>
+                  </a:txBody>
+                  <a:tcPr>
+                    <a:lnL w="12700" cmpd="sng">
+                      <a:noFill/>
+                    </a:lnL>
+                    <a:lnR w="12700" cap="flat" cmpd="sng" algn="ctr">
+                      <a:solidFill>
+                        <a:schemeClr val="tx1"/>
+                      </a:solidFill>
+                      <a:prstDash val="dot"/>
+                      <a:round/>
+                      <a:headEnd type="none" w="med" len="med"/>
+                      <a:tailEnd type="none" w="med" len="med"/>
+                    </a:lnR>
+                    <a:lnT w="12700" cmpd="sng">
+                      <a:noFill/>
+                    </a:lnT>
+                    <a:lnB w="12700" cmpd="sng">
+                      <a:noFill/>
+                    </a:lnB>
+                    <a:lnTlToBr w="12700" cmpd="sng">
+                      <a:noFill/>
+                      <a:prstDash val="solid"/>
+                    </a:lnTlToBr>
+                    <a:lnBlToTr w="12700" cmpd="sng">
+                      <a:noFill/>
+                      <a:prstDash val="solid"/>
+                    </a:lnBlToTr>
+                    <a:solidFill>
+                      <a:schemeClr val="accent4">
+                        <a:lumMod val="60000"/>
+                        <a:lumOff val="40000"/>
+                      </a:schemeClr>
+                    </a:solidFill>
+                  </a:tcPr>
+                </a:tc>
+                <a:tc>
+                  <a:txBody>
+                    <a:bodyPr/>
+                    <a:lstStyle/>
+                    <a:p>
+                      <a:endParaRPr kumimoji="1" lang="ja-JP" altLang="en-US" dirty="0"/>
+                    </a:p>
+                  </a:txBody>
+                  <a:tcPr>
+                    <a:lnL w="12700" cap="flat" cmpd="sng" algn="ctr">
+                      <a:solidFill>
+                        <a:schemeClr val="tx1"/>
+                      </a:solidFill>
+                      <a:prstDash val="dot"/>
+                      <a:round/>
+                      <a:headEnd type="none" w="med" len="med"/>
+                      <a:tailEnd type="none" w="med" len="med"/>
+                    </a:lnL>
+                    <a:lnR w="12700" cap="flat" cmpd="sng" algn="ctr">
+                      <a:solidFill>
+                        <a:schemeClr val="tx1"/>
+                      </a:solidFill>
+                      <a:prstDash val="dot"/>
+                      <a:round/>
+                      <a:headEnd type="none" w="med" len="med"/>
+                      <a:tailEnd type="none" w="med" len="med"/>
+                    </a:lnR>
+                    <a:lnT w="12700" cmpd="sng">
+                      <a:noFill/>
+                    </a:lnT>
+                    <a:lnB w="12700" cmpd="sng">
+                      <a:noFill/>
+                    </a:lnB>
+                    <a:lnTlToBr w="12700" cmpd="sng">
+                      <a:noFill/>
+                      <a:prstDash val="solid"/>
+                    </a:lnTlToBr>
+                    <a:lnBlToTr w="12700" cmpd="sng">
+                      <a:noFill/>
+                      <a:prstDash val="solid"/>
+                    </a:lnBlToTr>
+                    <a:solidFill>
+                      <a:schemeClr val="accent4">
+                        <a:lumMod val="60000"/>
+                        <a:lumOff val="40000"/>
+                      </a:schemeClr>
+                    </a:solidFill>
+                  </a:tcPr>
+                </a:tc>
+                <a:tc>
+                  <a:txBody>
+                    <a:bodyPr/>
+                    <a:lstStyle/>
+                    <a:p>
+                      <a:endParaRPr kumimoji="1" lang="ja-JP" altLang="en-US" dirty="0"/>
+                    </a:p>
+                  </a:txBody>
+                  <a:tcPr>
+                    <a:lnL w="12700" cap="flat" cmpd="sng" algn="ctr">
+                      <a:solidFill>
+                        <a:schemeClr val="tx1"/>
+                      </a:solidFill>
+                      <a:prstDash val="dot"/>
+                      <a:round/>
+                      <a:headEnd type="none" w="med" len="med"/>
+                      <a:tailEnd type="none" w="med" len="med"/>
+                    </a:lnL>
+                    <a:lnR w="12700" cap="flat" cmpd="sng" algn="ctr">
+                      <a:solidFill>
+                        <a:schemeClr val="tx1"/>
+                      </a:solidFill>
+                      <a:prstDash val="dot"/>
+                      <a:round/>
+                      <a:headEnd type="none" w="med" len="med"/>
+                      <a:tailEnd type="none" w="med" len="med"/>
+                    </a:lnR>
+                    <a:lnT w="12700" cmpd="sng">
+                      <a:noFill/>
+                    </a:lnT>
+                    <a:lnB w="12700" cmpd="sng">
+                      <a:noFill/>
+                    </a:lnB>
+                    <a:lnTlToBr w="12700" cmpd="sng">
+                      <a:noFill/>
+                      <a:prstDash val="solid"/>
+                    </a:lnTlToBr>
+                    <a:lnBlToTr w="12700" cmpd="sng">
+                      <a:noFill/>
+                      <a:prstDash val="solid"/>
+                    </a:lnBlToTr>
+                    <a:solidFill>
+                      <a:schemeClr val="accent4">
+                        <a:lumMod val="60000"/>
+                        <a:lumOff val="40000"/>
+                      </a:schemeClr>
+                    </a:solidFill>
+                  </a:tcPr>
+                </a:tc>
+                <a:tc>
+                  <a:txBody>
+                    <a:bodyPr/>
+                    <a:lstStyle/>
+                    <a:p>
+                      <a:endParaRPr kumimoji="1" lang="ja-JP" altLang="en-US" dirty="0"/>
+                    </a:p>
+                  </a:txBody>
+                  <a:tcPr>
+                    <a:lnL w="12700" cap="flat" cmpd="sng" algn="ctr">
+                      <a:solidFill>
+                        <a:schemeClr val="tx1"/>
+                      </a:solidFill>
+                      <a:prstDash val="dot"/>
+                      <a:round/>
+                      <a:headEnd type="none" w="med" len="med"/>
+                      <a:tailEnd type="none" w="med" len="med"/>
+                    </a:lnL>
+                    <a:lnR w="12700" cap="flat" cmpd="sng" algn="ctr">
+                      <a:solidFill>
+                        <a:schemeClr val="tx1"/>
+                      </a:solidFill>
+                      <a:prstDash val="dot"/>
+                      <a:round/>
+                      <a:headEnd type="none" w="med" len="med"/>
+                      <a:tailEnd type="none" w="med" len="med"/>
+                    </a:lnR>
+                    <a:lnT w="12700" cmpd="sng">
+                      <a:noFill/>
+                    </a:lnT>
+                    <a:lnB w="12700" cmpd="sng">
+                      <a:noFill/>
+                    </a:lnB>
+                    <a:lnTlToBr w="12700" cmpd="sng">
+                      <a:noFill/>
+                      <a:prstDash val="solid"/>
+                    </a:lnTlToBr>
+                    <a:lnBlToTr w="12700" cmpd="sng">
+                      <a:noFill/>
+                      <a:prstDash val="solid"/>
+                    </a:lnBlToTr>
+                    <a:solidFill>
+                      <a:schemeClr val="bg1"/>
+                    </a:solidFill>
+                  </a:tcPr>
+                </a:tc>
+                <a:tc>
+                  <a:txBody>
+                    <a:bodyPr/>
+                    <a:lstStyle/>
+                    <a:p>
+                      <a:endParaRPr kumimoji="1" lang="ja-JP" altLang="en-US" dirty="0"/>
+                    </a:p>
+                  </a:txBody>
+                  <a:tcPr>
+                    <a:lnL w="12700" cap="flat" cmpd="sng" algn="ctr">
+                      <a:solidFill>
+                        <a:schemeClr val="tx1"/>
+                      </a:solidFill>
+                      <a:prstDash val="dot"/>
+                      <a:round/>
+                      <a:headEnd type="none" w="med" len="med"/>
+                      <a:tailEnd type="none" w="med" len="med"/>
+                    </a:lnL>
+                    <a:lnR w="12700" cap="flat" cmpd="sng" algn="ctr">
+                      <a:solidFill>
+                        <a:schemeClr val="tx1"/>
+                      </a:solidFill>
+                      <a:prstDash val="dot"/>
+                      <a:round/>
+                      <a:headEnd type="none" w="med" len="med"/>
+                      <a:tailEnd type="none" w="med" len="med"/>
+                    </a:lnR>
+                    <a:lnT w="12700" cmpd="sng">
+                      <a:noFill/>
+                    </a:lnT>
+                    <a:lnB w="12700" cmpd="sng">
+                      <a:noFill/>
+                    </a:lnB>
+                    <a:lnTlToBr w="12700" cmpd="sng">
+                      <a:noFill/>
+                      <a:prstDash val="solid"/>
+                    </a:lnTlToBr>
+                    <a:lnBlToTr w="12700" cmpd="sng">
+                      <a:noFill/>
+                      <a:prstDash val="solid"/>
+                    </a:lnBlToTr>
+                    <a:solidFill>
+                      <a:schemeClr val="bg1"/>
+                    </a:solidFill>
+                  </a:tcPr>
+                </a:tc>
+                <a:tc>
+                  <a:txBody>
+                    <a:bodyPr/>
+                    <a:lstStyle/>
+                    <a:p>
+                      <a:endParaRPr kumimoji="1" lang="ja-JP" altLang="en-US" dirty="0"/>
+                    </a:p>
+                  </a:txBody>
+                  <a:tcPr>
+                    <a:lnL w="12700" cap="flat" cmpd="sng" algn="ctr">
+                      <a:solidFill>
+                        <a:schemeClr val="tx1"/>
+                      </a:solidFill>
+                      <a:prstDash val="dot"/>
+                      <a:round/>
+                      <a:headEnd type="none" w="med" len="med"/>
+                      <a:tailEnd type="none" w="med" len="med"/>
+                    </a:lnL>
+                    <a:lnR w="12700" cap="flat" cmpd="sng" algn="ctr">
+                      <a:solidFill>
+                        <a:schemeClr val="tx1"/>
+                      </a:solidFill>
+                      <a:prstDash val="dot"/>
+                      <a:round/>
+                      <a:headEnd type="none" w="med" len="med"/>
+                      <a:tailEnd type="none" w="med" len="med"/>
+                    </a:lnR>
+                    <a:lnT w="12700" cmpd="sng">
+                      <a:noFill/>
+                    </a:lnT>
+                    <a:lnB w="12700" cmpd="sng">
+                      <a:noFill/>
+                    </a:lnB>
+                    <a:lnTlToBr w="12700" cmpd="sng">
+                      <a:noFill/>
+                      <a:prstDash val="solid"/>
+                    </a:lnTlToBr>
+                    <a:lnBlToTr w="12700" cmpd="sng">
+                      <a:noFill/>
+                      <a:prstDash val="solid"/>
+                    </a:lnBlToTr>
+                    <a:solidFill>
+                      <a:schemeClr val="bg1"/>
+                    </a:solidFill>
+                  </a:tcPr>
+                </a:tc>
+                <a:tc>
+                  <a:txBody>
+                    <a:bodyPr/>
+                    <a:lstStyle/>
+                    <a:p>
+                      <a:endParaRPr kumimoji="1" lang="ja-JP" altLang="en-US" dirty="0"/>
+                    </a:p>
+                  </a:txBody>
+                  <a:tcPr>
+                    <a:lnL w="12700" cap="flat" cmpd="sng" algn="ctr">
+                      <a:solidFill>
+                        <a:schemeClr val="tx1"/>
+                      </a:solidFill>
+                      <a:prstDash val="dot"/>
+                      <a:round/>
+                      <a:headEnd type="none" w="med" len="med"/>
+                      <a:tailEnd type="none" w="med" len="med"/>
+                    </a:lnL>
+                    <a:lnR w="12700" cap="flat" cmpd="sng" algn="ctr">
+                      <a:solidFill>
+                        <a:schemeClr val="tx1"/>
+                      </a:solidFill>
+                      <a:prstDash val="dot"/>
+                      <a:round/>
+                      <a:headEnd type="none" w="med" len="med"/>
+                      <a:tailEnd type="none" w="med" len="med"/>
+                    </a:lnR>
+                    <a:lnT w="12700" cmpd="sng">
+                      <a:noFill/>
+                    </a:lnT>
+                    <a:lnB w="12700" cmpd="sng">
+                      <a:noFill/>
+                    </a:lnB>
+                    <a:lnTlToBr w="12700" cmpd="sng">
+                      <a:noFill/>
+                      <a:prstDash val="solid"/>
+                    </a:lnTlToBr>
+                    <a:lnBlToTr w="12700" cmpd="sng">
+                      <a:noFill/>
+                      <a:prstDash val="solid"/>
+                    </a:lnBlToTr>
+                    <a:solidFill>
+                      <a:schemeClr val="bg1"/>
+                    </a:solidFill>
+                  </a:tcPr>
+                </a:tc>
+                <a:tc>
+                  <a:txBody>
+                    <a:bodyPr/>
+                    <a:lstStyle/>
+                    <a:p>
+                      <a:endParaRPr kumimoji="1" lang="ja-JP" altLang="en-US" dirty="0"/>
+                    </a:p>
+                  </a:txBody>
+                  <a:tcPr>
+                    <a:lnL w="12700" cap="flat" cmpd="sng" algn="ctr">
+                      <a:solidFill>
+                        <a:schemeClr val="tx1"/>
+                      </a:solidFill>
+                      <a:prstDash val="dot"/>
+                      <a:round/>
+                      <a:headEnd type="none" w="med" len="med"/>
+                      <a:tailEnd type="none" w="med" len="med"/>
+                    </a:lnL>
+                    <a:lnR w="12700" cap="flat" cmpd="sng" algn="ctr">
+                      <a:solidFill>
+                        <a:schemeClr val="tx1"/>
+                      </a:solidFill>
+                      <a:prstDash val="dot"/>
+                      <a:round/>
+                      <a:headEnd type="none" w="med" len="med"/>
+                      <a:tailEnd type="none" w="med" len="med"/>
+                    </a:lnR>
+                    <a:lnT w="12700" cmpd="sng">
+                      <a:noFill/>
+                    </a:lnT>
+                    <a:lnB w="12700" cmpd="sng">
+                      <a:noFill/>
+                    </a:lnB>
+                    <a:lnTlToBr w="12700" cmpd="sng">
+                      <a:noFill/>
+                      <a:prstDash val="solid"/>
+                    </a:lnTlToBr>
+                    <a:lnBlToTr w="12700" cmpd="sng">
+                      <a:noFill/>
+                      <a:prstDash val="solid"/>
+                    </a:lnBlToTr>
+                    <a:solidFill>
+                      <a:schemeClr val="bg1"/>
+                    </a:solidFill>
+                  </a:tcPr>
+                </a:tc>
+                <a:tc>
+                  <a:txBody>
+                    <a:bodyPr/>
+                    <a:lstStyle/>
+                    <a:p>
+                      <a:endParaRPr kumimoji="1" lang="ja-JP" altLang="en-US"/>
+                    </a:p>
+                  </a:txBody>
+                  <a:tcPr>
+                    <a:lnL w="12700" cap="flat" cmpd="sng" algn="ctr">
+                      <a:solidFill>
+                        <a:schemeClr val="tx1"/>
+                      </a:solidFill>
+                      <a:prstDash val="dot"/>
+                      <a:round/>
+                      <a:headEnd type="none" w="med" len="med"/>
+                      <a:tailEnd type="none" w="med" len="med"/>
+                    </a:lnL>
+                    <a:lnR w="12700" cap="flat" cmpd="sng" algn="ctr">
+                      <a:solidFill>
+                        <a:schemeClr val="tx1"/>
+                      </a:solidFill>
+                      <a:prstDash val="dot"/>
+                      <a:round/>
+                      <a:headEnd type="none" w="med" len="med"/>
+                      <a:tailEnd type="none" w="med" len="med"/>
+                    </a:lnR>
+                    <a:lnT w="12700" cmpd="sng">
+                      <a:noFill/>
+                    </a:lnT>
+                    <a:lnB w="12700" cmpd="sng">
+                      <a:noFill/>
+                    </a:lnB>
+                    <a:lnTlToBr w="12700" cmpd="sng">
+                      <a:noFill/>
+                      <a:prstDash val="solid"/>
+                    </a:lnTlToBr>
+                    <a:lnBlToTr w="12700" cmpd="sng">
+                      <a:noFill/>
+                      <a:prstDash val="solid"/>
+                    </a:lnBlToTr>
+                    <a:solidFill>
+                      <a:schemeClr val="bg1"/>
+                    </a:solidFill>
+                  </a:tcPr>
+                </a:tc>
+                <a:tc>
+                  <a:txBody>
+                    <a:bodyPr/>
+                    <a:lstStyle/>
+                    <a:p>
+                      <a:endParaRPr kumimoji="1" lang="ja-JP" altLang="en-US"/>
+                    </a:p>
+                  </a:txBody>
+                  <a:tcPr>
+                    <a:lnL w="12700" cap="flat" cmpd="sng" algn="ctr">
+                      <a:solidFill>
+                        <a:schemeClr val="tx1"/>
+                      </a:solidFill>
+                      <a:prstDash val="dot"/>
+                      <a:round/>
+                      <a:headEnd type="none" w="med" len="med"/>
+                      <a:tailEnd type="none" w="med" len="med"/>
+                    </a:lnL>
+                    <a:lnR w="12700" cap="flat" cmpd="sng" algn="ctr">
+                      <a:solidFill>
+                        <a:schemeClr val="tx1"/>
+                      </a:solidFill>
+                      <a:prstDash val="dot"/>
+                      <a:round/>
+                      <a:headEnd type="none" w="med" len="med"/>
+                      <a:tailEnd type="none" w="med" len="med"/>
+                    </a:lnR>
+                    <a:lnT w="12700" cmpd="sng">
+                      <a:noFill/>
+                    </a:lnT>
+                    <a:lnB w="12700" cmpd="sng">
+                      <a:noFill/>
+                    </a:lnB>
+                    <a:lnTlToBr w="12700" cmpd="sng">
+                      <a:noFill/>
+                      <a:prstDash val="solid"/>
+                    </a:lnTlToBr>
+                    <a:lnBlToTr w="12700" cmpd="sng">
+                      <a:noFill/>
+                      <a:prstDash val="solid"/>
+                    </a:lnBlToTr>
+                    <a:solidFill>
+                      <a:schemeClr val="bg1"/>
+                    </a:solidFill>
+                  </a:tcPr>
+                </a:tc>
+                <a:tc>
+                  <a:txBody>
+                    <a:bodyPr/>
+                    <a:lstStyle/>
+                    <a:p>
+                      <a:endParaRPr kumimoji="1" lang="ja-JP" altLang="en-US" dirty="0"/>
+                    </a:p>
+                  </a:txBody>
+                  <a:tcPr>
+                    <a:lnL w="12700" cap="flat" cmpd="sng" algn="ctr">
+                      <a:solidFill>
+                        <a:schemeClr val="tx1"/>
+                      </a:solidFill>
+                      <a:prstDash val="dot"/>
+                      <a:round/>
+                      <a:headEnd type="none" w="med" len="med"/>
+                      <a:tailEnd type="none" w="med" len="med"/>
+                    </a:lnL>
+                    <a:lnR w="12700" cmpd="sng">
+                      <a:noFill/>
+                    </a:lnR>
+                    <a:lnT w="12700" cmpd="sng">
+                      <a:noFill/>
+                    </a:lnT>
+                    <a:lnB w="12700" cmpd="sng">
+                      <a:noFill/>
+                    </a:lnB>
+                    <a:lnTlToBr w="12700" cmpd="sng">
+                      <a:noFill/>
+                      <a:prstDash val="solid"/>
+                    </a:lnTlToBr>
+                    <a:lnBlToTr w="12700" cmpd="sng">
+                      <a:noFill/>
+                      <a:prstDash val="solid"/>
+                    </a:lnBlToTr>
+                    <a:solidFill>
+                      <a:schemeClr val="bg1"/>
+                    </a:solidFill>
+                  </a:tcPr>
+                </a:tc>
+                <a:extLst>
+                  <a:ext uri="{0D108BD9-81ED-4DB2-BD59-A6C34878D82A}">
+                    <a16:rowId xmlns:a16="http://schemas.microsoft.com/office/drawing/2014/main" val="3338625094"/>
+                  </a:ext>
+                </a:extLst>
+              </a:tr>
+              <a:tr h="370840">
+                <a:tc>
+                  <a:txBody>
+                    <a:bodyPr/>
+                    <a:lstStyle/>
+                    <a:p>
+                      <a:r>
+                        <a:rPr kumimoji="1" lang="en-US" altLang="ja-JP" dirty="0"/>
+                        <a:t>Pygame</a:t>
+                      </a:r>
+                      <a:r>
+                        <a:rPr kumimoji="1" lang="ja-JP" altLang="en-US" dirty="0"/>
+                        <a:t>学習</a:t>
+                      </a:r>
+                    </a:p>
+                  </a:txBody>
+                  <a:tcPr>
+                    <a:lnR w="12700" cmpd="sng">
+                      <a:noFill/>
+                    </a:lnR>
+                    <a:solidFill>
+                      <a:schemeClr val="accent1">
+                        <a:lumMod val="20000"/>
+                        <a:lumOff val="80000"/>
+                      </a:schemeClr>
+                    </a:solidFill>
+                  </a:tcPr>
+                </a:tc>
+                <a:tc>
+                  <a:txBody>
+                    <a:bodyPr/>
+                    <a:lstStyle/>
+                    <a:p>
+                      <a:endParaRPr kumimoji="1" lang="ja-JP" altLang="en-US"/>
+                    </a:p>
+                  </a:txBody>
+                  <a:tcPr>
+                    <a:lnL w="12700" cmpd="sng">
+                      <a:noFill/>
+                    </a:lnL>
+                    <a:lnR w="12700" cap="flat" cmpd="sng" algn="ctr">
+                      <a:solidFill>
+                        <a:schemeClr val="tx1"/>
+                      </a:solidFill>
+                      <a:prstDash val="dot"/>
+                      <a:round/>
+                      <a:headEnd type="none" w="med" len="med"/>
+                      <a:tailEnd type="none" w="med" len="med"/>
+                    </a:lnR>
+                    <a:lnT w="12700" cmpd="sng">
+                      <a:noFill/>
+                    </a:lnT>
+                    <a:lnB w="12700" cmpd="sng">
+                      <a:noFill/>
+                    </a:lnB>
+                    <a:lnTlToBr w="12700" cmpd="sng">
+                      <a:noFill/>
+                      <a:prstDash val="solid"/>
+                    </a:lnTlToBr>
+                    <a:lnBlToTr w="12700" cmpd="sng">
+                      <a:noFill/>
+                      <a:prstDash val="solid"/>
+                    </a:lnBlToTr>
+                    <a:solidFill>
+                      <a:schemeClr val="bg1"/>
+                    </a:solidFill>
+                  </a:tcPr>
+                </a:tc>
+                <a:tc>
+                  <a:txBody>
+                    <a:bodyPr/>
+                    <a:lstStyle/>
+                    <a:p>
+                      <a:endParaRPr kumimoji="1" lang="ja-JP" altLang="en-US"/>
+                    </a:p>
+                  </a:txBody>
+                  <a:tcPr>
+                    <a:lnL w="12700" cap="flat" cmpd="sng" algn="ctr">
+                      <a:solidFill>
+                        <a:schemeClr val="tx1"/>
+                      </a:solidFill>
+                      <a:prstDash val="dot"/>
+                      <a:round/>
+                      <a:headEnd type="none" w="med" len="med"/>
+                      <a:tailEnd type="none" w="med" len="med"/>
+                    </a:lnL>
+                    <a:lnR w="12700" cap="flat" cmpd="sng" algn="ctr">
+                      <a:solidFill>
+                        <a:schemeClr val="tx1"/>
+                      </a:solidFill>
+                      <a:prstDash val="dot"/>
+                      <a:round/>
+                      <a:headEnd type="none" w="med" len="med"/>
+                      <a:tailEnd type="none" w="med" len="med"/>
+                    </a:lnR>
+                    <a:lnT w="12700" cmpd="sng">
+                      <a:noFill/>
+                    </a:lnT>
+                    <a:lnB w="12700" cmpd="sng">
+                      <a:noFill/>
+                    </a:lnB>
+                    <a:lnTlToBr w="12700" cmpd="sng">
+                      <a:noFill/>
+                      <a:prstDash val="solid"/>
+                    </a:lnTlToBr>
+                    <a:lnBlToTr w="12700" cmpd="sng">
+                      <a:noFill/>
+                      <a:prstDash val="solid"/>
+                    </a:lnBlToTr>
+                    <a:solidFill>
+                      <a:schemeClr val="bg1"/>
+                    </a:solidFill>
+                  </a:tcPr>
+                </a:tc>
+                <a:tc>
+                  <a:txBody>
+                    <a:bodyPr/>
+                    <a:lstStyle/>
+                    <a:p>
+                      <a:endParaRPr kumimoji="1" lang="ja-JP" altLang="en-US" dirty="0"/>
+                    </a:p>
+                  </a:txBody>
+                  <a:tcPr>
+                    <a:lnL w="12700" cap="flat" cmpd="sng" algn="ctr">
+                      <a:solidFill>
+                        <a:schemeClr val="tx1"/>
+                      </a:solidFill>
+                      <a:prstDash val="dot"/>
+                      <a:round/>
+                      <a:headEnd type="none" w="med" len="med"/>
+                      <a:tailEnd type="none" w="med" len="med"/>
+                    </a:lnL>
+                    <a:lnR w="12700" cap="flat" cmpd="sng" algn="ctr">
+                      <a:solidFill>
+                        <a:schemeClr val="tx1"/>
+                      </a:solidFill>
+                      <a:prstDash val="dot"/>
+                      <a:round/>
+                      <a:headEnd type="none" w="med" len="med"/>
+                      <a:tailEnd type="none" w="med" len="med"/>
+                    </a:lnR>
+                    <a:lnT w="12700" cmpd="sng">
+                      <a:noFill/>
+                    </a:lnT>
+                    <a:lnB w="12700" cmpd="sng">
+                      <a:noFill/>
+                    </a:lnB>
+                    <a:lnTlToBr w="12700" cmpd="sng">
+                      <a:noFill/>
+                      <a:prstDash val="solid"/>
+                    </a:lnTlToBr>
+                    <a:lnBlToTr w="12700" cmpd="sng">
+                      <a:noFill/>
+                      <a:prstDash val="solid"/>
+                    </a:lnBlToTr>
+                    <a:solidFill>
+                      <a:schemeClr val="bg1"/>
+                    </a:solidFill>
+                  </a:tcPr>
+                </a:tc>
+                <a:tc>
+                  <a:txBody>
+                    <a:bodyPr/>
+                    <a:lstStyle/>
+                    <a:p>
+                      <a:endParaRPr kumimoji="1" lang="ja-JP" altLang="en-US" dirty="0"/>
+                    </a:p>
+                  </a:txBody>
+                  <a:tcPr>
+                    <a:lnL w="12700" cap="flat" cmpd="sng" algn="ctr">
+                      <a:solidFill>
+                        <a:schemeClr val="tx1"/>
+                      </a:solidFill>
+                      <a:prstDash val="dot"/>
+                      <a:round/>
+                      <a:headEnd type="none" w="med" len="med"/>
+                      <a:tailEnd type="none" w="med" len="med"/>
+                    </a:lnL>
+                    <a:lnR w="12700" cap="flat" cmpd="sng" algn="ctr">
+                      <a:solidFill>
+                        <a:schemeClr val="tx1"/>
+                      </a:solidFill>
+                      <a:prstDash val="dot"/>
+                      <a:round/>
+                      <a:headEnd type="none" w="med" len="med"/>
+                      <a:tailEnd type="none" w="med" len="med"/>
+                    </a:lnR>
+                    <a:lnT w="12700" cmpd="sng">
+                      <a:noFill/>
+                    </a:lnT>
+                    <a:lnB w="12700" cmpd="sng">
+                      <a:noFill/>
+                    </a:lnB>
+                    <a:lnTlToBr w="12700" cmpd="sng">
+                      <a:noFill/>
+                      <a:prstDash val="solid"/>
+                    </a:lnTlToBr>
+                    <a:lnBlToTr w="12700" cmpd="sng">
+                      <a:noFill/>
+                      <a:prstDash val="solid"/>
+                    </a:lnBlToTr>
+                    <a:solidFill>
+                      <a:schemeClr val="accent4">
+                        <a:lumMod val="60000"/>
+                        <a:lumOff val="40000"/>
+                      </a:schemeClr>
+                    </a:solidFill>
+                  </a:tcPr>
+                </a:tc>
+                <a:tc>
+                  <a:txBody>
+                    <a:bodyPr/>
+                    <a:lstStyle/>
+                    <a:p>
+                      <a:endParaRPr kumimoji="1" lang="ja-JP" altLang="en-US" dirty="0"/>
+                    </a:p>
+                  </a:txBody>
+                  <a:tcPr>
+                    <a:lnL w="12700" cap="flat" cmpd="sng" algn="ctr">
+                      <a:solidFill>
+                        <a:schemeClr val="tx1"/>
+                      </a:solidFill>
+                      <a:prstDash val="dot"/>
+                      <a:round/>
+                      <a:headEnd type="none" w="med" len="med"/>
+                      <a:tailEnd type="none" w="med" len="med"/>
+                    </a:lnL>
+                    <a:lnR w="12700" cap="flat" cmpd="sng" algn="ctr">
+                      <a:solidFill>
+                        <a:schemeClr val="tx1"/>
+                      </a:solidFill>
+                      <a:prstDash val="dot"/>
+                      <a:round/>
+                      <a:headEnd type="none" w="med" len="med"/>
+                      <a:tailEnd type="none" w="med" len="med"/>
+                    </a:lnR>
+                    <a:lnT w="12700" cmpd="sng">
+                      <a:noFill/>
+                    </a:lnT>
+                    <a:lnB w="12700" cmpd="sng">
+                      <a:noFill/>
+                    </a:lnB>
+                    <a:lnTlToBr w="12700" cmpd="sng">
+                      <a:noFill/>
+                      <a:prstDash val="solid"/>
+                    </a:lnTlToBr>
+                    <a:lnBlToTr w="12700" cmpd="sng">
+                      <a:noFill/>
+                      <a:prstDash val="solid"/>
+                    </a:lnBlToTr>
+                    <a:solidFill>
+                      <a:schemeClr val="accent4">
+                        <a:lumMod val="60000"/>
+                        <a:lumOff val="40000"/>
+                      </a:schemeClr>
+                    </a:solidFill>
+                  </a:tcPr>
+                </a:tc>
+                <a:tc>
+                  <a:txBody>
+                    <a:bodyPr/>
+                    <a:lstStyle/>
+                    <a:p>
+                      <a:endParaRPr kumimoji="1" lang="ja-JP" altLang="en-US" dirty="0"/>
+                    </a:p>
+                  </a:txBody>
+                  <a:tcPr>
+                    <a:lnL w="12700" cap="flat" cmpd="sng" algn="ctr">
+                      <a:solidFill>
+                        <a:schemeClr val="tx1"/>
+                      </a:solidFill>
+                      <a:prstDash val="dot"/>
+                      <a:round/>
+                      <a:headEnd type="none" w="med" len="med"/>
+                      <a:tailEnd type="none" w="med" len="med"/>
+                    </a:lnL>
+                    <a:lnR w="12700" cap="flat" cmpd="sng" algn="ctr">
+                      <a:solidFill>
+                        <a:schemeClr val="tx1"/>
+                      </a:solidFill>
+                      <a:prstDash val="dot"/>
+                      <a:round/>
+                      <a:headEnd type="none" w="med" len="med"/>
+                      <a:tailEnd type="none" w="med" len="med"/>
+                    </a:lnR>
+                    <a:lnT w="12700" cmpd="sng">
+                      <a:noFill/>
+                    </a:lnT>
+                    <a:lnB w="12700" cmpd="sng">
+                      <a:noFill/>
+                    </a:lnB>
+                    <a:lnTlToBr w="12700" cmpd="sng">
+                      <a:noFill/>
+                      <a:prstDash val="solid"/>
+                    </a:lnTlToBr>
+                    <a:lnBlToTr w="12700" cmpd="sng">
+                      <a:noFill/>
+                      <a:prstDash val="solid"/>
+                    </a:lnBlToTr>
+                    <a:solidFill>
+                      <a:schemeClr val="accent4">
+                        <a:lumMod val="60000"/>
+                        <a:lumOff val="40000"/>
+                      </a:schemeClr>
+                    </a:solidFill>
+                  </a:tcPr>
+                </a:tc>
+                <a:tc>
+                  <a:txBody>
+                    <a:bodyPr/>
+                    <a:lstStyle/>
+                    <a:p>
+                      <a:endParaRPr kumimoji="1" lang="ja-JP" altLang="en-US" dirty="0"/>
+                    </a:p>
+                  </a:txBody>
+                  <a:tcPr>
+                    <a:lnL w="12700" cap="flat" cmpd="sng" algn="ctr">
+                      <a:solidFill>
+                        <a:schemeClr val="tx1"/>
+                      </a:solidFill>
+                      <a:prstDash val="dot"/>
+                      <a:round/>
+                      <a:headEnd type="none" w="med" len="med"/>
+                      <a:tailEnd type="none" w="med" len="med"/>
+                    </a:lnL>
+                    <a:lnR w="12700" cap="flat" cmpd="sng" algn="ctr">
+                      <a:solidFill>
+                        <a:schemeClr val="tx1"/>
+                      </a:solidFill>
+                      <a:prstDash val="dot"/>
+                      <a:round/>
+                      <a:headEnd type="none" w="med" len="med"/>
+                      <a:tailEnd type="none" w="med" len="med"/>
+                    </a:lnR>
+                    <a:lnT w="12700" cmpd="sng">
+                      <a:noFill/>
+                    </a:lnT>
+                    <a:lnB w="12700" cmpd="sng">
+                      <a:noFill/>
+                    </a:lnB>
+                    <a:lnTlToBr w="12700" cmpd="sng">
+                      <a:noFill/>
+                      <a:prstDash val="solid"/>
+                    </a:lnTlToBr>
+                    <a:lnBlToTr w="12700" cmpd="sng">
+                      <a:noFill/>
+                      <a:prstDash val="solid"/>
+                    </a:lnBlToTr>
+                    <a:solidFill>
+                      <a:schemeClr val="bg1"/>
+                    </a:solidFill>
+                  </a:tcPr>
+                </a:tc>
+                <a:tc>
+                  <a:txBody>
+                    <a:bodyPr/>
+                    <a:lstStyle/>
+                    <a:p>
+                      <a:endParaRPr kumimoji="1" lang="ja-JP" altLang="en-US" dirty="0"/>
+                    </a:p>
+                  </a:txBody>
+                  <a:tcPr>
+                    <a:lnL w="12700" cap="flat" cmpd="sng" algn="ctr">
+                      <a:solidFill>
+                        <a:schemeClr val="tx1"/>
+                      </a:solidFill>
+                      <a:prstDash val="dot"/>
+                      <a:round/>
+                      <a:headEnd type="none" w="med" len="med"/>
+                      <a:tailEnd type="none" w="med" len="med"/>
+                    </a:lnL>
+                    <a:lnR w="12700" cap="flat" cmpd="sng" algn="ctr">
+                      <a:solidFill>
+                        <a:schemeClr val="tx1"/>
+                      </a:solidFill>
+                      <a:prstDash val="dot"/>
+                      <a:round/>
+                      <a:headEnd type="none" w="med" len="med"/>
+                      <a:tailEnd type="none" w="med" len="med"/>
+                    </a:lnR>
+                    <a:lnT w="12700" cmpd="sng">
+                      <a:noFill/>
+                    </a:lnT>
+                    <a:lnB w="12700" cmpd="sng">
+                      <a:noFill/>
+                    </a:lnB>
+                    <a:lnTlToBr w="12700" cmpd="sng">
+                      <a:noFill/>
+                      <a:prstDash val="solid"/>
+                    </a:lnTlToBr>
+                    <a:lnBlToTr w="12700" cmpd="sng">
+                      <a:noFill/>
+                      <a:prstDash val="solid"/>
+                    </a:lnBlToTr>
+                    <a:solidFill>
+                      <a:schemeClr val="bg1"/>
+                    </a:solidFill>
+                  </a:tcPr>
+                </a:tc>
+                <a:tc>
+                  <a:txBody>
+                    <a:bodyPr/>
+                    <a:lstStyle/>
+                    <a:p>
+                      <a:endParaRPr kumimoji="1" lang="ja-JP" altLang="en-US" dirty="0"/>
+                    </a:p>
+                  </a:txBody>
+                  <a:tcPr>
+                    <a:lnL w="12700" cap="flat" cmpd="sng" algn="ctr">
+                      <a:solidFill>
+                        <a:schemeClr val="tx1"/>
+                      </a:solidFill>
+                      <a:prstDash val="dot"/>
+                      <a:round/>
+                      <a:headEnd type="none" w="med" len="med"/>
+                      <a:tailEnd type="none" w="med" len="med"/>
+                    </a:lnL>
+                    <a:lnR w="12700" cap="flat" cmpd="sng" algn="ctr">
+                      <a:solidFill>
+                        <a:schemeClr val="tx1"/>
+                      </a:solidFill>
+                      <a:prstDash val="dot"/>
+                      <a:round/>
+                      <a:headEnd type="none" w="med" len="med"/>
+                      <a:tailEnd type="none" w="med" len="med"/>
+                    </a:lnR>
+                    <a:lnT w="12700" cmpd="sng">
+                      <a:noFill/>
+                    </a:lnT>
+                    <a:lnB w="12700" cmpd="sng">
+                      <a:noFill/>
+                    </a:lnB>
+                    <a:lnTlToBr w="12700" cmpd="sng">
+                      <a:noFill/>
+                      <a:prstDash val="solid"/>
+                    </a:lnTlToBr>
+                    <a:lnBlToTr w="12700" cmpd="sng">
+                      <a:noFill/>
+                      <a:prstDash val="solid"/>
+                    </a:lnBlToTr>
+                    <a:solidFill>
+                      <a:schemeClr val="bg1"/>
+                    </a:solidFill>
+                  </a:tcPr>
+                </a:tc>
+                <a:tc>
+                  <a:txBody>
+                    <a:bodyPr/>
+                    <a:lstStyle/>
+                    <a:p>
+                      <a:endParaRPr kumimoji="1" lang="ja-JP" altLang="en-US" dirty="0"/>
+                    </a:p>
+                  </a:txBody>
+                  <a:tcPr>
+                    <a:lnL w="12700" cap="flat" cmpd="sng" algn="ctr">
+                      <a:solidFill>
+                        <a:schemeClr val="tx1"/>
+                      </a:solidFill>
+                      <a:prstDash val="dot"/>
+                      <a:round/>
+                      <a:headEnd type="none" w="med" len="med"/>
+                      <a:tailEnd type="none" w="med" len="med"/>
+                    </a:lnL>
+                    <a:lnR w="12700" cap="flat" cmpd="sng" algn="ctr">
+                      <a:solidFill>
+                        <a:schemeClr val="tx1"/>
+                      </a:solidFill>
+                      <a:prstDash val="dot"/>
+                      <a:round/>
+                      <a:headEnd type="none" w="med" len="med"/>
+                      <a:tailEnd type="none" w="med" len="med"/>
+                    </a:lnR>
+                    <a:lnT w="12700" cmpd="sng">
+                      <a:noFill/>
+                    </a:lnT>
+                    <a:lnB w="12700" cmpd="sng">
+                      <a:noFill/>
+                    </a:lnB>
+                    <a:lnTlToBr w="12700" cmpd="sng">
+                      <a:noFill/>
+                      <a:prstDash val="solid"/>
+                    </a:lnTlToBr>
+                    <a:lnBlToTr w="12700" cmpd="sng">
+                      <a:noFill/>
+                      <a:prstDash val="solid"/>
+                    </a:lnBlToTr>
+                    <a:solidFill>
+                      <a:schemeClr val="bg1"/>
+                    </a:solidFill>
+                  </a:tcPr>
+                </a:tc>
+                <a:tc>
+                  <a:txBody>
+                    <a:bodyPr/>
+                    <a:lstStyle/>
+                    <a:p>
+                      <a:endParaRPr kumimoji="1" lang="ja-JP" altLang="en-US" dirty="0"/>
+                    </a:p>
+                  </a:txBody>
+                  <a:tcPr>
+                    <a:lnL w="12700" cap="flat" cmpd="sng" algn="ctr">
+                      <a:solidFill>
+                        <a:schemeClr val="tx1"/>
+                      </a:solidFill>
+                      <a:prstDash val="dot"/>
+                      <a:round/>
+                      <a:headEnd type="none" w="med" len="med"/>
+                      <a:tailEnd type="none" w="med" len="med"/>
+                    </a:lnL>
+                    <a:lnR w="12700" cmpd="sng">
+                      <a:noFill/>
+                    </a:lnR>
+                    <a:lnT w="12700" cmpd="sng">
+                      <a:noFill/>
+                    </a:lnT>
+                    <a:lnB w="12700" cmpd="sng">
+                      <a:noFill/>
+                    </a:lnB>
+                    <a:lnTlToBr w="12700" cmpd="sng">
+                      <a:noFill/>
+                      <a:prstDash val="solid"/>
+                    </a:lnTlToBr>
+                    <a:lnBlToTr w="12700" cmpd="sng">
+                      <a:noFill/>
+                      <a:prstDash val="solid"/>
+                    </a:lnBlToTr>
+                    <a:solidFill>
+                      <a:schemeClr val="bg1"/>
+                    </a:solidFill>
+                  </a:tcPr>
+                </a:tc>
+                <a:extLst>
+                  <a:ext uri="{0D108BD9-81ED-4DB2-BD59-A6C34878D82A}">
+                    <a16:rowId xmlns:a16="http://schemas.microsoft.com/office/drawing/2014/main" val="3531136913"/>
+                  </a:ext>
+                </a:extLst>
+              </a:tr>
+              <a:tr h="370840">
+                <a:tc>
+                  <a:txBody>
+                    <a:bodyPr/>
+                    <a:lstStyle/>
+                    <a:p>
+                      <a:r>
+                        <a:rPr kumimoji="1" lang="ja-JP" altLang="en-US" dirty="0"/>
+                        <a:t>ゲーム作成</a:t>
+                      </a:r>
+                    </a:p>
+                  </a:txBody>
+                  <a:tcPr>
+                    <a:lnR w="12700" cmpd="sng">
+                      <a:noFill/>
+                    </a:lnR>
+                    <a:solidFill>
+                      <a:schemeClr val="accent1">
+                        <a:lumMod val="20000"/>
+                        <a:lumOff val="80000"/>
+                      </a:schemeClr>
+                    </a:solidFill>
+                  </a:tcPr>
+                </a:tc>
+                <a:tc>
+                  <a:txBody>
+                    <a:bodyPr/>
+                    <a:lstStyle/>
+                    <a:p>
+                      <a:endParaRPr kumimoji="1" lang="ja-JP" altLang="en-US"/>
+                    </a:p>
+                  </a:txBody>
+                  <a:tcPr>
+                    <a:lnL w="12700" cmpd="sng">
+                      <a:noFill/>
+                    </a:lnL>
+                    <a:lnR w="12700" cap="flat" cmpd="sng" algn="ctr">
+                      <a:solidFill>
+                        <a:schemeClr val="tx1"/>
+                      </a:solidFill>
+                      <a:prstDash val="dot"/>
+                      <a:round/>
+                      <a:headEnd type="none" w="med" len="med"/>
+                      <a:tailEnd type="none" w="med" len="med"/>
+                    </a:lnR>
+                    <a:lnT w="12700" cmpd="sng">
+                      <a:noFill/>
+                    </a:lnT>
+                    <a:lnB w="12700" cmpd="sng">
+                      <a:noFill/>
+                    </a:lnB>
+                    <a:lnTlToBr w="12700" cmpd="sng">
+                      <a:noFill/>
+                      <a:prstDash val="solid"/>
+                    </a:lnTlToBr>
+                    <a:lnBlToTr w="12700" cmpd="sng">
+                      <a:noFill/>
+                      <a:prstDash val="solid"/>
+                    </a:lnBlToTr>
+                    <a:solidFill>
+                      <a:schemeClr val="bg1"/>
+                    </a:solidFill>
+                  </a:tcPr>
+                </a:tc>
+                <a:tc>
+                  <a:txBody>
+                    <a:bodyPr/>
+                    <a:lstStyle/>
+                    <a:p>
+                      <a:endParaRPr kumimoji="1" lang="ja-JP" altLang="en-US"/>
+                    </a:p>
+                  </a:txBody>
+                  <a:tcPr>
+                    <a:lnL w="12700" cap="flat" cmpd="sng" algn="ctr">
+                      <a:solidFill>
+                        <a:schemeClr val="tx1"/>
+                      </a:solidFill>
+                      <a:prstDash val="dot"/>
+                      <a:round/>
+                      <a:headEnd type="none" w="med" len="med"/>
+                      <a:tailEnd type="none" w="med" len="med"/>
+                    </a:lnL>
+                    <a:lnR w="12700" cap="flat" cmpd="sng" algn="ctr">
+                      <a:solidFill>
+                        <a:schemeClr val="tx1"/>
+                      </a:solidFill>
+                      <a:prstDash val="dot"/>
+                      <a:round/>
+                      <a:headEnd type="none" w="med" len="med"/>
+                      <a:tailEnd type="none" w="med" len="med"/>
+                    </a:lnR>
+                    <a:lnT w="12700" cmpd="sng">
+                      <a:noFill/>
+                    </a:lnT>
+                    <a:lnB w="12700" cmpd="sng">
+                      <a:noFill/>
+                    </a:lnB>
+                    <a:lnTlToBr w="12700" cmpd="sng">
+                      <a:noFill/>
+                      <a:prstDash val="solid"/>
+                    </a:lnTlToBr>
+                    <a:lnBlToTr w="12700" cmpd="sng">
+                      <a:noFill/>
+                      <a:prstDash val="solid"/>
+                    </a:lnBlToTr>
+                    <a:solidFill>
+                      <a:schemeClr val="bg1"/>
+                    </a:solidFill>
+                  </a:tcPr>
+                </a:tc>
+                <a:tc>
+                  <a:txBody>
+                    <a:bodyPr/>
+                    <a:lstStyle/>
+                    <a:p>
+                      <a:endParaRPr kumimoji="1" lang="ja-JP" altLang="en-US" dirty="0"/>
+                    </a:p>
+                  </a:txBody>
+                  <a:tcPr>
+                    <a:lnL w="12700" cap="flat" cmpd="sng" algn="ctr">
+                      <a:solidFill>
+                        <a:schemeClr val="tx1"/>
+                      </a:solidFill>
+                      <a:prstDash val="dot"/>
+                      <a:round/>
+                      <a:headEnd type="none" w="med" len="med"/>
+                      <a:tailEnd type="none" w="med" len="med"/>
+                    </a:lnL>
+                    <a:lnR w="12700" cap="flat" cmpd="sng" algn="ctr">
+                      <a:solidFill>
+                        <a:schemeClr val="tx1"/>
+                      </a:solidFill>
+                      <a:prstDash val="dot"/>
+                      <a:round/>
+                      <a:headEnd type="none" w="med" len="med"/>
+                      <a:tailEnd type="none" w="med" len="med"/>
+                    </a:lnR>
+                    <a:lnT w="12700" cmpd="sng">
+                      <a:noFill/>
+                    </a:lnT>
+                    <a:lnB w="12700" cmpd="sng">
+                      <a:noFill/>
+                    </a:lnB>
+                    <a:lnTlToBr w="12700" cmpd="sng">
+                      <a:noFill/>
+                      <a:prstDash val="solid"/>
+                    </a:lnTlToBr>
+                    <a:lnBlToTr w="12700" cmpd="sng">
+                      <a:noFill/>
+                      <a:prstDash val="solid"/>
+                    </a:lnBlToTr>
+                    <a:solidFill>
+                      <a:schemeClr val="bg1"/>
+                    </a:solidFill>
+                  </a:tcPr>
+                </a:tc>
+                <a:tc>
+                  <a:txBody>
+                    <a:bodyPr/>
+                    <a:lstStyle/>
+                    <a:p>
+                      <a:endParaRPr kumimoji="1" lang="ja-JP" altLang="en-US" dirty="0"/>
+                    </a:p>
+                  </a:txBody>
+                  <a:tcPr>
+                    <a:lnL w="12700" cap="flat" cmpd="sng" algn="ctr">
+                      <a:solidFill>
+                        <a:schemeClr val="tx1"/>
+                      </a:solidFill>
+                      <a:prstDash val="dot"/>
+                      <a:round/>
+                      <a:headEnd type="none" w="med" len="med"/>
+                      <a:tailEnd type="none" w="med" len="med"/>
+                    </a:lnL>
+                    <a:lnR w="12700" cap="flat" cmpd="sng" algn="ctr">
+                      <a:solidFill>
+                        <a:schemeClr val="tx1"/>
+                      </a:solidFill>
+                      <a:prstDash val="dot"/>
+                      <a:round/>
+                      <a:headEnd type="none" w="med" len="med"/>
+                      <a:tailEnd type="none" w="med" len="med"/>
+                    </a:lnR>
+                    <a:lnT w="12700" cmpd="sng">
+                      <a:noFill/>
+                    </a:lnT>
+                    <a:lnB w="12700" cmpd="sng">
+                      <a:noFill/>
+                    </a:lnB>
+                    <a:lnTlToBr w="12700" cmpd="sng">
+                      <a:noFill/>
+                      <a:prstDash val="solid"/>
+                    </a:lnTlToBr>
+                    <a:lnBlToTr w="12700" cmpd="sng">
+                      <a:noFill/>
+                      <a:prstDash val="solid"/>
+                    </a:lnBlToTr>
+                    <a:solidFill>
+                      <a:schemeClr val="bg1"/>
+                    </a:solidFill>
+                  </a:tcPr>
+                </a:tc>
+                <a:tc>
+                  <a:txBody>
+                    <a:bodyPr/>
+                    <a:lstStyle/>
+                    <a:p>
+                      <a:endParaRPr kumimoji="1" lang="ja-JP" altLang="en-US" dirty="0"/>
+                    </a:p>
+                  </a:txBody>
+                  <a:tcPr>
+                    <a:lnL w="12700" cap="flat" cmpd="sng" algn="ctr">
+                      <a:solidFill>
+                        <a:schemeClr val="tx1"/>
+                      </a:solidFill>
+                      <a:prstDash val="dot"/>
+                      <a:round/>
+                      <a:headEnd type="none" w="med" len="med"/>
+                      <a:tailEnd type="none" w="med" len="med"/>
+                    </a:lnL>
+                    <a:lnR w="12700" cap="flat" cmpd="sng" algn="ctr">
+                      <a:solidFill>
+                        <a:schemeClr val="tx1"/>
+                      </a:solidFill>
+                      <a:prstDash val="dot"/>
+                      <a:round/>
+                      <a:headEnd type="none" w="med" len="med"/>
+                      <a:tailEnd type="none" w="med" len="med"/>
+                    </a:lnR>
+                    <a:lnT w="12700" cmpd="sng">
+                      <a:noFill/>
+                    </a:lnT>
+                    <a:lnB w="12700" cmpd="sng">
+                      <a:noFill/>
+                    </a:lnB>
+                    <a:lnTlToBr w="12700" cmpd="sng">
+                      <a:noFill/>
+                      <a:prstDash val="solid"/>
+                    </a:lnTlToBr>
+                    <a:lnBlToTr w="12700" cmpd="sng">
+                      <a:noFill/>
+                      <a:prstDash val="solid"/>
+                    </a:lnBlToTr>
+                    <a:solidFill>
+                      <a:schemeClr val="bg1"/>
+                    </a:solidFill>
+                  </a:tcPr>
+                </a:tc>
+                <a:tc>
+                  <a:txBody>
+                    <a:bodyPr/>
+                    <a:lstStyle/>
+                    <a:p>
+                      <a:endParaRPr kumimoji="1" lang="ja-JP" altLang="en-US" dirty="0"/>
+                    </a:p>
+                  </a:txBody>
+                  <a:tcPr>
+                    <a:lnL w="12700" cap="flat" cmpd="sng" algn="ctr">
+                      <a:solidFill>
+                        <a:schemeClr val="tx1"/>
+                      </a:solidFill>
+                      <a:prstDash val="dot"/>
+                      <a:round/>
+                      <a:headEnd type="none" w="med" len="med"/>
+                      <a:tailEnd type="none" w="med" len="med"/>
+                    </a:lnL>
+                    <a:lnR w="12700" cap="flat" cmpd="sng" algn="ctr">
+                      <a:solidFill>
+                        <a:schemeClr val="tx1"/>
+                      </a:solidFill>
+                      <a:prstDash val="dot"/>
+                      <a:round/>
+                      <a:headEnd type="none" w="med" len="med"/>
+                      <a:tailEnd type="none" w="med" len="med"/>
+                    </a:lnR>
+                    <a:lnT w="12700" cmpd="sng">
+                      <a:noFill/>
+                    </a:lnT>
+                    <a:lnB w="12700" cmpd="sng">
+                      <a:noFill/>
+                    </a:lnB>
+                    <a:lnTlToBr w="12700" cmpd="sng">
+                      <a:noFill/>
+                      <a:prstDash val="solid"/>
+                    </a:lnTlToBr>
+                    <a:lnBlToTr w="12700" cmpd="sng">
+                      <a:noFill/>
+                      <a:prstDash val="solid"/>
+                    </a:lnBlToTr>
+                    <a:solidFill>
+                      <a:schemeClr val="bg1"/>
+                    </a:solidFill>
+                  </a:tcPr>
+                </a:tc>
+                <a:tc>
+                  <a:txBody>
+                    <a:bodyPr/>
+                    <a:lstStyle/>
+                    <a:p>
+                      <a:endParaRPr kumimoji="1" lang="ja-JP" altLang="en-US" dirty="0"/>
+                    </a:p>
+                  </a:txBody>
+                  <a:tcPr>
+                    <a:lnL w="12700" cap="flat" cmpd="sng" algn="ctr">
+                      <a:solidFill>
+                        <a:schemeClr val="tx1"/>
+                      </a:solidFill>
+                      <a:prstDash val="dot"/>
+                      <a:round/>
+                      <a:headEnd type="none" w="med" len="med"/>
+                      <a:tailEnd type="none" w="med" len="med"/>
+                    </a:lnL>
+                    <a:lnR w="12700" cap="flat" cmpd="sng" algn="ctr">
+                      <a:solidFill>
+                        <a:schemeClr val="tx1"/>
+                      </a:solidFill>
+                      <a:prstDash val="dot"/>
+                      <a:round/>
+                      <a:headEnd type="none" w="med" len="med"/>
+                      <a:tailEnd type="none" w="med" len="med"/>
+                    </a:lnR>
+                    <a:lnT w="12700" cmpd="sng">
+                      <a:noFill/>
+                    </a:lnT>
+                    <a:lnB w="12700" cmpd="sng">
+                      <a:noFill/>
+                    </a:lnB>
+                    <a:lnTlToBr w="12700" cmpd="sng">
+                      <a:noFill/>
+                      <a:prstDash val="solid"/>
+                    </a:lnTlToBr>
+                    <a:lnBlToTr w="12700" cmpd="sng">
+                      <a:noFill/>
+                      <a:prstDash val="solid"/>
+                    </a:lnBlToTr>
+                    <a:solidFill>
+                      <a:schemeClr val="accent4">
+                        <a:lumMod val="60000"/>
+                        <a:lumOff val="40000"/>
+                      </a:schemeClr>
+                    </a:solidFill>
+                  </a:tcPr>
+                </a:tc>
+                <a:tc>
+                  <a:txBody>
+                    <a:bodyPr/>
+                    <a:lstStyle/>
+                    <a:p>
+                      <a:endParaRPr kumimoji="1" lang="ja-JP" altLang="en-US" dirty="0"/>
+                    </a:p>
+                  </a:txBody>
+                  <a:tcPr>
+                    <a:lnL w="12700" cap="flat" cmpd="sng" algn="ctr">
+                      <a:solidFill>
+                        <a:schemeClr val="tx1"/>
+                      </a:solidFill>
+                      <a:prstDash val="dot"/>
+                      <a:round/>
+                      <a:headEnd type="none" w="med" len="med"/>
+                      <a:tailEnd type="none" w="med" len="med"/>
+                    </a:lnL>
+                    <a:lnR w="12700" cap="flat" cmpd="sng" algn="ctr">
+                      <a:solidFill>
+                        <a:schemeClr val="tx1"/>
+                      </a:solidFill>
+                      <a:prstDash val="dot"/>
+                      <a:round/>
+                      <a:headEnd type="none" w="med" len="med"/>
+                      <a:tailEnd type="none" w="med" len="med"/>
+                    </a:lnR>
+                    <a:lnT w="12700" cmpd="sng">
+                      <a:noFill/>
+                    </a:lnT>
+                    <a:lnB w="12700" cmpd="sng">
+                      <a:noFill/>
+                    </a:lnB>
+                    <a:lnTlToBr w="12700" cmpd="sng">
+                      <a:noFill/>
+                      <a:prstDash val="solid"/>
+                    </a:lnTlToBr>
+                    <a:lnBlToTr w="12700" cmpd="sng">
+                      <a:noFill/>
+                      <a:prstDash val="solid"/>
+                    </a:lnBlToTr>
+                    <a:solidFill>
+                      <a:schemeClr val="accent4">
+                        <a:lumMod val="60000"/>
+                        <a:lumOff val="40000"/>
+                      </a:schemeClr>
+                    </a:solidFill>
+                  </a:tcPr>
+                </a:tc>
+                <a:tc>
+                  <a:txBody>
+                    <a:bodyPr/>
+                    <a:lstStyle/>
+                    <a:p>
+                      <a:endParaRPr kumimoji="1" lang="ja-JP" altLang="en-US" dirty="0"/>
+                    </a:p>
+                  </a:txBody>
+                  <a:tcPr>
+                    <a:lnL w="12700" cap="flat" cmpd="sng" algn="ctr">
+                      <a:solidFill>
+                        <a:schemeClr val="tx1"/>
+                      </a:solidFill>
+                      <a:prstDash val="dot"/>
+                      <a:round/>
+                      <a:headEnd type="none" w="med" len="med"/>
+                      <a:tailEnd type="none" w="med" len="med"/>
+                    </a:lnL>
+                    <a:lnR w="12700" cap="flat" cmpd="sng" algn="ctr">
+                      <a:solidFill>
+                        <a:schemeClr val="tx1"/>
+                      </a:solidFill>
+                      <a:prstDash val="dot"/>
+                      <a:round/>
+                      <a:headEnd type="none" w="med" len="med"/>
+                      <a:tailEnd type="none" w="med" len="med"/>
+                    </a:lnR>
+                    <a:lnT w="12700" cmpd="sng">
+                      <a:noFill/>
+                    </a:lnT>
+                    <a:lnB w="12700" cmpd="sng">
+                      <a:noFill/>
+                    </a:lnB>
+                    <a:lnTlToBr w="12700" cmpd="sng">
+                      <a:noFill/>
+                      <a:prstDash val="solid"/>
+                    </a:lnTlToBr>
+                    <a:lnBlToTr w="12700" cmpd="sng">
+                      <a:noFill/>
+                      <a:prstDash val="solid"/>
+                    </a:lnBlToTr>
+                    <a:solidFill>
+                      <a:schemeClr val="accent4">
+                        <a:lumMod val="60000"/>
+                        <a:lumOff val="40000"/>
+                      </a:schemeClr>
+                    </a:solidFill>
+                  </a:tcPr>
+                </a:tc>
+                <a:tc>
+                  <a:txBody>
+                    <a:bodyPr/>
+                    <a:lstStyle/>
+                    <a:p>
+                      <a:endParaRPr kumimoji="1" lang="ja-JP" altLang="en-US" dirty="0"/>
+                    </a:p>
+                  </a:txBody>
+                  <a:tcPr>
+                    <a:lnL w="12700" cap="flat" cmpd="sng" algn="ctr">
+                      <a:solidFill>
+                        <a:schemeClr val="tx1"/>
+                      </a:solidFill>
+                      <a:prstDash val="dot"/>
+                      <a:round/>
+                      <a:headEnd type="none" w="med" len="med"/>
+                      <a:tailEnd type="none" w="med" len="med"/>
+                    </a:lnL>
+                    <a:lnR w="12700" cap="flat" cmpd="sng" algn="ctr">
+                      <a:solidFill>
+                        <a:schemeClr val="tx1"/>
+                      </a:solidFill>
+                      <a:prstDash val="dot"/>
+                      <a:round/>
+                      <a:headEnd type="none" w="med" len="med"/>
+                      <a:tailEnd type="none" w="med" len="med"/>
+                    </a:lnR>
+                    <a:lnT w="12700" cmpd="sng">
+                      <a:noFill/>
+                    </a:lnT>
+                    <a:lnB w="12700" cmpd="sng">
+                      <a:noFill/>
+                    </a:lnB>
+                    <a:lnTlToBr w="12700" cmpd="sng">
+                      <a:noFill/>
+                      <a:prstDash val="solid"/>
+                    </a:lnTlToBr>
+                    <a:lnBlToTr w="12700" cmpd="sng">
+                      <a:noFill/>
+                      <a:prstDash val="solid"/>
+                    </a:lnBlToTr>
+                    <a:solidFill>
+                      <a:schemeClr val="bg1"/>
+                    </a:solidFill>
+                  </a:tcPr>
+                </a:tc>
+                <a:tc>
+                  <a:txBody>
+                    <a:bodyPr/>
+                    <a:lstStyle/>
+                    <a:p>
+                      <a:endParaRPr kumimoji="1" lang="ja-JP" altLang="en-US" dirty="0"/>
+                    </a:p>
+                  </a:txBody>
+                  <a:tcPr>
+                    <a:lnL w="12700" cap="flat" cmpd="sng" algn="ctr">
+                      <a:solidFill>
+                        <a:schemeClr val="tx1"/>
+                      </a:solidFill>
+                      <a:prstDash val="dot"/>
+                      <a:round/>
+                      <a:headEnd type="none" w="med" len="med"/>
+                      <a:tailEnd type="none" w="med" len="med"/>
+                    </a:lnL>
+                    <a:lnR w="12700" cmpd="sng">
+                      <a:noFill/>
+                    </a:lnR>
+                    <a:lnT w="12700" cmpd="sng">
+                      <a:noFill/>
+                    </a:lnT>
+                    <a:lnB w="12700" cmpd="sng">
+                      <a:noFill/>
+                    </a:lnB>
+                    <a:lnTlToBr w="12700" cmpd="sng">
+                      <a:noFill/>
+                      <a:prstDash val="solid"/>
+                    </a:lnTlToBr>
+                    <a:lnBlToTr w="12700" cmpd="sng">
+                      <a:noFill/>
+                      <a:prstDash val="solid"/>
+                    </a:lnBlToTr>
+                    <a:solidFill>
+                      <a:schemeClr val="bg1"/>
+                    </a:solidFill>
+                  </a:tcPr>
+                </a:tc>
+                <a:extLst>
+                  <a:ext uri="{0D108BD9-81ED-4DB2-BD59-A6C34878D82A}">
+                    <a16:rowId xmlns:a16="http://schemas.microsoft.com/office/drawing/2014/main" val="3174675451"/>
+                  </a:ext>
+                </a:extLst>
+              </a:tr>
+              <a:tr h="370840">
+                <a:tc>
+                  <a:txBody>
+                    <a:bodyPr/>
+                    <a:lstStyle/>
+                    <a:p>
+                      <a:r>
+                        <a:rPr kumimoji="1" lang="ja-JP" altLang="en-US" dirty="0"/>
+                        <a:t>発表資料</a:t>
+                      </a:r>
+                    </a:p>
+                  </a:txBody>
+                  <a:tcPr>
+                    <a:lnR w="12700" cmpd="sng">
+                      <a:noFill/>
+                    </a:lnR>
+                    <a:solidFill>
+                      <a:schemeClr val="accent1">
+                        <a:lumMod val="20000"/>
+                        <a:lumOff val="80000"/>
+                      </a:schemeClr>
+                    </a:solidFill>
+                  </a:tcPr>
+                </a:tc>
+                <a:tc>
+                  <a:txBody>
+                    <a:bodyPr/>
+                    <a:lstStyle/>
+                    <a:p>
+                      <a:endParaRPr kumimoji="1" lang="ja-JP" altLang="en-US"/>
+                    </a:p>
+                  </a:txBody>
+                  <a:tcPr>
+                    <a:lnL w="12700" cmpd="sng">
+                      <a:noFill/>
+                    </a:lnL>
+                    <a:lnR w="12700" cap="flat" cmpd="sng" algn="ctr">
+                      <a:solidFill>
+                        <a:schemeClr val="tx1"/>
+                      </a:solidFill>
+                      <a:prstDash val="dot"/>
+                      <a:round/>
+                      <a:headEnd type="none" w="med" len="med"/>
+                      <a:tailEnd type="none" w="med" len="med"/>
+                    </a:lnR>
+                    <a:lnT w="12700" cmpd="sng">
+                      <a:noFill/>
+                    </a:lnT>
+                    <a:lnB w="12700" cmpd="sng">
+                      <a:noFill/>
+                    </a:lnB>
+                    <a:lnTlToBr w="12700" cmpd="sng">
+                      <a:noFill/>
+                      <a:prstDash val="solid"/>
+                    </a:lnTlToBr>
+                    <a:lnBlToTr w="12700" cmpd="sng">
+                      <a:noFill/>
+                      <a:prstDash val="solid"/>
+                    </a:lnBlToTr>
+                    <a:solidFill>
+                      <a:schemeClr val="bg1"/>
+                    </a:solidFill>
+                  </a:tcPr>
+                </a:tc>
+                <a:tc>
+                  <a:txBody>
+                    <a:bodyPr/>
+                    <a:lstStyle/>
+                    <a:p>
+                      <a:endParaRPr kumimoji="1" lang="ja-JP" altLang="en-US"/>
+                    </a:p>
+                  </a:txBody>
+                  <a:tcPr>
+                    <a:lnL w="12700" cap="flat" cmpd="sng" algn="ctr">
+                      <a:solidFill>
+                        <a:schemeClr val="tx1"/>
+                      </a:solidFill>
+                      <a:prstDash val="dot"/>
+                      <a:round/>
+                      <a:headEnd type="none" w="med" len="med"/>
+                      <a:tailEnd type="none" w="med" len="med"/>
+                    </a:lnL>
+                    <a:lnR w="12700" cap="flat" cmpd="sng" algn="ctr">
+                      <a:solidFill>
+                        <a:schemeClr val="tx1"/>
+                      </a:solidFill>
+                      <a:prstDash val="dot"/>
+                      <a:round/>
+                      <a:headEnd type="none" w="med" len="med"/>
+                      <a:tailEnd type="none" w="med" len="med"/>
+                    </a:lnR>
+                    <a:lnT w="12700" cmpd="sng">
+                      <a:noFill/>
+                    </a:lnT>
+                    <a:lnB w="12700" cmpd="sng">
+                      <a:noFill/>
+                    </a:lnB>
+                    <a:lnTlToBr w="12700" cmpd="sng">
+                      <a:noFill/>
+                      <a:prstDash val="solid"/>
+                    </a:lnTlToBr>
+                    <a:lnBlToTr w="12700" cmpd="sng">
+                      <a:noFill/>
+                      <a:prstDash val="solid"/>
+                    </a:lnBlToTr>
+                    <a:solidFill>
+                      <a:schemeClr val="bg1"/>
+                    </a:solidFill>
+                  </a:tcPr>
+                </a:tc>
+                <a:tc>
+                  <a:txBody>
+                    <a:bodyPr/>
+                    <a:lstStyle/>
+                    <a:p>
+                      <a:endParaRPr kumimoji="1" lang="ja-JP" altLang="en-US"/>
+                    </a:p>
+                  </a:txBody>
+                  <a:tcPr>
+                    <a:lnL w="12700" cap="flat" cmpd="sng" algn="ctr">
+                      <a:solidFill>
+                        <a:schemeClr val="tx1"/>
+                      </a:solidFill>
+                      <a:prstDash val="dot"/>
+                      <a:round/>
+                      <a:headEnd type="none" w="med" len="med"/>
+                      <a:tailEnd type="none" w="med" len="med"/>
+                    </a:lnL>
+                    <a:lnR w="12700" cap="flat" cmpd="sng" algn="ctr">
+                      <a:solidFill>
+                        <a:schemeClr val="tx1"/>
+                      </a:solidFill>
+                      <a:prstDash val="dot"/>
+                      <a:round/>
+                      <a:headEnd type="none" w="med" len="med"/>
+                      <a:tailEnd type="none" w="med" len="med"/>
+                    </a:lnR>
+                    <a:lnT w="12700" cmpd="sng">
+                      <a:noFill/>
+                    </a:lnT>
+                    <a:lnB w="12700" cmpd="sng">
+                      <a:noFill/>
+                    </a:lnB>
+                    <a:lnTlToBr w="12700" cmpd="sng">
+                      <a:noFill/>
+                      <a:prstDash val="solid"/>
+                    </a:lnTlToBr>
+                    <a:lnBlToTr w="12700" cmpd="sng">
+                      <a:noFill/>
+                      <a:prstDash val="solid"/>
+                    </a:lnBlToTr>
+                    <a:solidFill>
+                      <a:schemeClr val="bg1"/>
+                    </a:solidFill>
+                  </a:tcPr>
+                </a:tc>
+                <a:tc>
+                  <a:txBody>
+                    <a:bodyPr/>
+                    <a:lstStyle/>
+                    <a:p>
+                      <a:endParaRPr kumimoji="1" lang="ja-JP" altLang="en-US" dirty="0"/>
+                    </a:p>
+                  </a:txBody>
+                  <a:tcPr>
+                    <a:lnL w="12700" cap="flat" cmpd="sng" algn="ctr">
+                      <a:solidFill>
+                        <a:schemeClr val="tx1"/>
+                      </a:solidFill>
+                      <a:prstDash val="dot"/>
+                      <a:round/>
+                      <a:headEnd type="none" w="med" len="med"/>
+                      <a:tailEnd type="none" w="med" len="med"/>
+                    </a:lnL>
+                    <a:lnR w="12700" cap="flat" cmpd="sng" algn="ctr">
+                      <a:solidFill>
+                        <a:schemeClr val="tx1"/>
+                      </a:solidFill>
+                      <a:prstDash val="dot"/>
+                      <a:round/>
+                      <a:headEnd type="none" w="med" len="med"/>
+                      <a:tailEnd type="none" w="med" len="med"/>
+                    </a:lnR>
+                    <a:lnT w="12700" cmpd="sng">
+                      <a:noFill/>
+                    </a:lnT>
+                    <a:lnB w="12700" cmpd="sng">
+                      <a:noFill/>
+                    </a:lnB>
+                    <a:lnTlToBr w="12700" cmpd="sng">
+                      <a:noFill/>
+                      <a:prstDash val="solid"/>
+                    </a:lnTlToBr>
+                    <a:lnBlToTr w="12700" cmpd="sng">
+                      <a:noFill/>
+                      <a:prstDash val="solid"/>
+                    </a:lnBlToTr>
+                    <a:solidFill>
+                      <a:schemeClr val="bg1"/>
+                    </a:solidFill>
+                  </a:tcPr>
+                </a:tc>
+                <a:tc>
+                  <a:txBody>
+                    <a:bodyPr/>
+                    <a:lstStyle/>
+                    <a:p>
+                      <a:endParaRPr kumimoji="1" lang="ja-JP" altLang="en-US"/>
+                    </a:p>
+                  </a:txBody>
+                  <a:tcPr>
+                    <a:lnL w="12700" cap="flat" cmpd="sng" algn="ctr">
+                      <a:solidFill>
+                        <a:schemeClr val="tx1"/>
+                      </a:solidFill>
+                      <a:prstDash val="dot"/>
+                      <a:round/>
+                      <a:headEnd type="none" w="med" len="med"/>
+                      <a:tailEnd type="none" w="med" len="med"/>
+                    </a:lnL>
+                    <a:lnR w="12700" cap="flat" cmpd="sng" algn="ctr">
+                      <a:solidFill>
+                        <a:schemeClr val="tx1"/>
+                      </a:solidFill>
+                      <a:prstDash val="dot"/>
+                      <a:round/>
+                      <a:headEnd type="none" w="med" len="med"/>
+                      <a:tailEnd type="none" w="med" len="med"/>
+                    </a:lnR>
+                    <a:lnT w="12700" cmpd="sng">
+                      <a:noFill/>
+                    </a:lnT>
+                    <a:lnB w="12700" cmpd="sng">
+                      <a:noFill/>
+                    </a:lnB>
+                    <a:lnTlToBr w="12700" cmpd="sng">
+                      <a:noFill/>
+                      <a:prstDash val="solid"/>
+                    </a:lnTlToBr>
+                    <a:lnBlToTr w="12700" cmpd="sng">
+                      <a:noFill/>
+                      <a:prstDash val="solid"/>
+                    </a:lnBlToTr>
+                    <a:solidFill>
+                      <a:schemeClr val="bg1"/>
+                    </a:solidFill>
+                  </a:tcPr>
+                </a:tc>
+                <a:tc>
+                  <a:txBody>
+                    <a:bodyPr/>
+                    <a:lstStyle/>
+                    <a:p>
+                      <a:endParaRPr kumimoji="1" lang="ja-JP" altLang="en-US"/>
+                    </a:p>
+                  </a:txBody>
+                  <a:tcPr>
+                    <a:lnL w="12700" cap="flat" cmpd="sng" algn="ctr">
+                      <a:solidFill>
+                        <a:schemeClr val="tx1"/>
+                      </a:solidFill>
+                      <a:prstDash val="dot"/>
+                      <a:round/>
+                      <a:headEnd type="none" w="med" len="med"/>
+                      <a:tailEnd type="none" w="med" len="med"/>
+                    </a:lnL>
+                    <a:lnR w="12700" cap="flat" cmpd="sng" algn="ctr">
+                      <a:solidFill>
+                        <a:schemeClr val="tx1"/>
+                      </a:solidFill>
+                      <a:prstDash val="dot"/>
+                      <a:round/>
+                      <a:headEnd type="none" w="med" len="med"/>
+                      <a:tailEnd type="none" w="med" len="med"/>
+                    </a:lnR>
+                    <a:lnT w="12700" cmpd="sng">
+                      <a:noFill/>
+                    </a:lnT>
+                    <a:lnB w="12700" cmpd="sng">
+                      <a:noFill/>
+                    </a:lnB>
+                    <a:lnTlToBr w="12700" cmpd="sng">
+                      <a:noFill/>
+                      <a:prstDash val="solid"/>
+                    </a:lnTlToBr>
+                    <a:lnBlToTr w="12700" cmpd="sng">
+                      <a:noFill/>
+                      <a:prstDash val="solid"/>
+                    </a:lnBlToTr>
+                    <a:solidFill>
+                      <a:schemeClr val="bg1"/>
+                    </a:solidFill>
+                  </a:tcPr>
+                </a:tc>
+                <a:tc>
+                  <a:txBody>
+                    <a:bodyPr/>
+                    <a:lstStyle/>
+                    <a:p>
+                      <a:endParaRPr kumimoji="1" lang="ja-JP" altLang="en-US" dirty="0"/>
+                    </a:p>
+                  </a:txBody>
+                  <a:tcPr>
+                    <a:lnL w="12700" cap="flat" cmpd="sng" algn="ctr">
+                      <a:solidFill>
+                        <a:schemeClr val="tx1"/>
+                      </a:solidFill>
+                      <a:prstDash val="dot"/>
+                      <a:round/>
+                      <a:headEnd type="none" w="med" len="med"/>
+                      <a:tailEnd type="none" w="med" len="med"/>
+                    </a:lnL>
+                    <a:lnR w="12700" cap="flat" cmpd="sng" algn="ctr">
+                      <a:solidFill>
+                        <a:schemeClr val="tx1"/>
+                      </a:solidFill>
+                      <a:prstDash val="dot"/>
+                      <a:round/>
+                      <a:headEnd type="none" w="med" len="med"/>
+                      <a:tailEnd type="none" w="med" len="med"/>
+                    </a:lnR>
+                    <a:lnT w="12700" cmpd="sng">
+                      <a:noFill/>
+                    </a:lnT>
+                    <a:lnB w="12700" cmpd="sng">
+                      <a:noFill/>
+                    </a:lnB>
+                    <a:lnTlToBr w="12700" cmpd="sng">
+                      <a:noFill/>
+                      <a:prstDash val="solid"/>
+                    </a:lnTlToBr>
+                    <a:lnBlToTr w="12700" cmpd="sng">
+                      <a:noFill/>
+                      <a:prstDash val="solid"/>
+                    </a:lnBlToTr>
+                    <a:solidFill>
+                      <a:schemeClr val="bg1"/>
+                    </a:solidFill>
+                  </a:tcPr>
+                </a:tc>
+                <a:tc>
+                  <a:txBody>
+                    <a:bodyPr/>
+                    <a:lstStyle/>
+                    <a:p>
+                      <a:endParaRPr kumimoji="1" lang="ja-JP" altLang="en-US" dirty="0"/>
+                    </a:p>
+                  </a:txBody>
+                  <a:tcPr>
+                    <a:lnL w="12700" cap="flat" cmpd="sng" algn="ctr">
+                      <a:solidFill>
+                        <a:schemeClr val="tx1"/>
+                      </a:solidFill>
+                      <a:prstDash val="dot"/>
+                      <a:round/>
+                      <a:headEnd type="none" w="med" len="med"/>
+                      <a:tailEnd type="none" w="med" len="med"/>
+                    </a:lnL>
+                    <a:lnR w="12700" cap="flat" cmpd="sng" algn="ctr">
+                      <a:solidFill>
+                        <a:schemeClr val="tx1"/>
+                      </a:solidFill>
+                      <a:prstDash val="dot"/>
+                      <a:round/>
+                      <a:headEnd type="none" w="med" len="med"/>
+                      <a:tailEnd type="none" w="med" len="med"/>
+                    </a:lnR>
+                    <a:lnT w="12700" cmpd="sng">
+                      <a:noFill/>
+                    </a:lnT>
+                    <a:lnB w="12700" cmpd="sng">
+                      <a:noFill/>
+                    </a:lnB>
+                    <a:lnTlToBr w="12700" cmpd="sng">
+                      <a:noFill/>
+                      <a:prstDash val="solid"/>
+                    </a:lnTlToBr>
+                    <a:lnBlToTr w="12700" cmpd="sng">
+                      <a:noFill/>
+                      <a:prstDash val="solid"/>
+                    </a:lnBlToTr>
+                    <a:solidFill>
+                      <a:schemeClr val="bg1"/>
+                    </a:solidFill>
+                  </a:tcPr>
+                </a:tc>
+                <a:tc>
+                  <a:txBody>
+                    <a:bodyPr/>
+                    <a:lstStyle/>
+                    <a:p>
+                      <a:endParaRPr kumimoji="1" lang="ja-JP" altLang="en-US" dirty="0"/>
+                    </a:p>
+                  </a:txBody>
+                  <a:tcPr>
+                    <a:lnL w="12700" cap="flat" cmpd="sng" algn="ctr">
+                      <a:solidFill>
+                        <a:schemeClr val="tx1"/>
+                      </a:solidFill>
+                      <a:prstDash val="dot"/>
+                      <a:round/>
+                      <a:headEnd type="none" w="med" len="med"/>
+                      <a:tailEnd type="none" w="med" len="med"/>
+                    </a:lnL>
+                    <a:lnR w="12700" cap="flat" cmpd="sng" algn="ctr">
+                      <a:solidFill>
+                        <a:schemeClr val="tx1"/>
+                      </a:solidFill>
+                      <a:prstDash val="dot"/>
+                      <a:round/>
+                      <a:headEnd type="none" w="med" len="med"/>
+                      <a:tailEnd type="none" w="med" len="med"/>
+                    </a:lnR>
+                    <a:lnT w="12700" cmpd="sng">
+                      <a:noFill/>
+                    </a:lnT>
+                    <a:lnB w="12700" cmpd="sng">
+                      <a:noFill/>
+                    </a:lnB>
+                    <a:lnTlToBr w="12700" cmpd="sng">
+                      <a:noFill/>
+                      <a:prstDash val="solid"/>
+                    </a:lnTlToBr>
+                    <a:lnBlToTr w="12700" cmpd="sng">
+                      <a:noFill/>
+                      <a:prstDash val="solid"/>
+                    </a:lnBlToTr>
+                    <a:solidFill>
+                      <a:schemeClr val="bg1"/>
+                    </a:solidFill>
+                  </a:tcPr>
+                </a:tc>
+                <a:tc>
+                  <a:txBody>
+                    <a:bodyPr/>
+                    <a:lstStyle/>
+                    <a:p>
+                      <a:endParaRPr kumimoji="1" lang="ja-JP" altLang="en-US" dirty="0"/>
+                    </a:p>
+                  </a:txBody>
+                  <a:tcPr>
+                    <a:lnL w="12700" cap="flat" cmpd="sng" algn="ctr">
+                      <a:solidFill>
+                        <a:schemeClr val="tx1"/>
+                      </a:solidFill>
+                      <a:prstDash val="dot"/>
+                      <a:round/>
+                      <a:headEnd type="none" w="med" len="med"/>
+                      <a:tailEnd type="none" w="med" len="med"/>
+                    </a:lnL>
+                    <a:lnR w="12700" cap="flat" cmpd="sng" algn="ctr">
+                      <a:solidFill>
+                        <a:schemeClr val="tx1"/>
+                      </a:solidFill>
+                      <a:prstDash val="dot"/>
+                      <a:round/>
+                      <a:headEnd type="none" w="med" len="med"/>
+                      <a:tailEnd type="none" w="med" len="med"/>
+                    </a:lnR>
+                    <a:lnT w="12700" cmpd="sng">
+                      <a:noFill/>
+                    </a:lnT>
+                    <a:lnB w="12700" cmpd="sng">
+                      <a:noFill/>
+                    </a:lnB>
+                    <a:lnTlToBr w="12700" cmpd="sng">
+                      <a:noFill/>
+                      <a:prstDash val="solid"/>
+                    </a:lnTlToBr>
+                    <a:lnBlToTr w="12700" cmpd="sng">
+                      <a:noFill/>
+                      <a:prstDash val="solid"/>
+                    </a:lnBlToTr>
+                    <a:solidFill>
+                      <a:schemeClr val="accent4">
+                        <a:lumMod val="60000"/>
+                        <a:lumOff val="40000"/>
+                      </a:schemeClr>
+                    </a:solidFill>
+                  </a:tcPr>
+                </a:tc>
+                <a:tc>
+                  <a:txBody>
+                    <a:bodyPr/>
+                    <a:lstStyle/>
+                    <a:p>
+                      <a:endParaRPr kumimoji="1" lang="ja-JP" altLang="en-US" dirty="0"/>
+                    </a:p>
+                  </a:txBody>
+                  <a:tcPr>
+                    <a:lnL w="12700" cap="flat" cmpd="sng" algn="ctr">
+                      <a:solidFill>
+                        <a:schemeClr val="tx1"/>
+                      </a:solidFill>
+                      <a:prstDash val="dot"/>
+                      <a:round/>
+                      <a:headEnd type="none" w="med" len="med"/>
+                      <a:tailEnd type="none" w="med" len="med"/>
+                    </a:lnL>
+                    <a:lnR w="12700" cmpd="sng">
+                      <a:noFill/>
+                    </a:lnR>
+                    <a:lnT w="12700" cmpd="sng">
+                      <a:noFill/>
+                    </a:lnT>
+                    <a:lnB w="12700" cmpd="sng">
+                      <a:noFill/>
+                    </a:lnB>
+                    <a:lnTlToBr w="12700" cmpd="sng">
+                      <a:noFill/>
+                      <a:prstDash val="solid"/>
+                    </a:lnTlToBr>
+                    <a:lnBlToTr w="12700" cmpd="sng">
+                      <a:noFill/>
+                      <a:prstDash val="solid"/>
+                    </a:lnBlToTr>
+                    <a:solidFill>
+                      <a:schemeClr val="bg1"/>
+                    </a:solidFill>
+                  </a:tcPr>
+                </a:tc>
+                <a:extLst>
+                  <a:ext uri="{0D108BD9-81ED-4DB2-BD59-A6C34878D82A}">
+                    <a16:rowId xmlns:a16="http://schemas.microsoft.com/office/drawing/2014/main" val="4168189613"/>
+                  </a:ext>
+                </a:extLst>
+              </a:tr>
+            </a:tbl>
+          </a:graphicData>
+        </a:graphic>
+      </p:graphicFrame>
+      <p:sp>
+        <p:nvSpPr>
+          <p:cNvPr id="5" name="吹き出し: 円形 4">
+            <a:extLst>
+              <a:ext uri="{FF2B5EF4-FFF2-40B4-BE49-F238E27FC236}">
+                <a16:creationId xmlns:a16="http://schemas.microsoft.com/office/drawing/2014/main" id="{C88EC3B4-AF84-E6C1-82C1-E3D02B52136D}"/>
+              </a:ext>
+            </a:extLst>
+          </p:cNvPr>
+          <p:cNvSpPr/>
+          <p:nvPr/>
+        </p:nvSpPr>
+        <p:spPr>
+          <a:xfrm>
+            <a:off x="1055634" y="1129694"/>
+            <a:ext cx="957582" cy="321653"/>
+          </a:xfrm>
+          <a:prstGeom prst="wedgeEllipseCallout">
+            <a:avLst>
+              <a:gd name="adj1" fmla="val 52991"/>
+              <a:gd name="adj2" fmla="val 91167"/>
+            </a:avLst>
+          </a:prstGeom>
+          <a:solidFill>
+            <a:srgbClr val="92D050"/>
+          </a:solidFill>
+          <a:ln>
+            <a:noFill/>
+          </a:ln>
+        </p:spPr>
+        <p:style>
+          <a:lnRef idx="2">
+            <a:schemeClr val="accent1">
+              <a:shade val="50000"/>
+            </a:schemeClr>
+          </a:lnRef>
+          <a:fillRef idx="1">
+            <a:schemeClr val="accent1"/>
+          </a:fillRef>
+          <a:effectRef idx="0">
+            <a:schemeClr val="accent1"/>
+          </a:effectRef>
+          <a:fontRef idx="minor">
+            <a:schemeClr val="lt1"/>
+          </a:fontRef>
+        </p:style>
+        <p:txBody>
+          <a:bodyPr rtlCol="0" anchor="ctr"/>
+          <a:lstStyle/>
+          <a:p>
+            <a:pPr algn="ctr"/>
+            <a:r>
+              <a:rPr kumimoji="1" lang="en-US" altLang="ja-JP" dirty="0"/>
+              <a:t>week</a:t>
+            </a:r>
+            <a:endParaRPr kumimoji="1" lang="ja-JP" altLang="en-US" dirty="0"/>
+          </a:p>
+        </p:txBody>
+      </p:sp>
+      <p:sp>
+        <p:nvSpPr>
+          <p:cNvPr id="7" name="テキスト ボックス 6">
+            <a:extLst>
+              <a:ext uri="{FF2B5EF4-FFF2-40B4-BE49-F238E27FC236}">
+                <a16:creationId xmlns:a16="http://schemas.microsoft.com/office/drawing/2014/main" id="{B7164759-7210-D9AA-6995-88938A92BF19}"/>
+              </a:ext>
+            </a:extLst>
+          </p:cNvPr>
+          <p:cNvSpPr txBox="1"/>
+          <p:nvPr/>
+        </p:nvSpPr>
+        <p:spPr>
+          <a:xfrm>
+            <a:off x="628650" y="3721567"/>
+            <a:ext cx="6640055" cy="954107"/>
+          </a:xfrm>
+          <a:prstGeom prst="rect">
+            <a:avLst/>
+          </a:prstGeom>
+          <a:noFill/>
+        </p:spPr>
+        <p:txBody>
+          <a:bodyPr wrap="square" rtlCol="0">
+            <a:spAutoFit/>
+          </a:bodyPr>
+          <a:lstStyle/>
+          <a:p>
+            <a:r>
+              <a:rPr kumimoji="1" lang="en-US" altLang="ja-JP" dirty="0"/>
+              <a:t>Python</a:t>
+            </a:r>
+            <a:r>
+              <a:rPr kumimoji="1" lang="ja-JP" altLang="en-US" dirty="0"/>
+              <a:t>学習</a:t>
+            </a:r>
+            <a:r>
+              <a:rPr kumimoji="1" lang="en-US" altLang="ja-JP" dirty="0"/>
+              <a:t>		</a:t>
+            </a:r>
+            <a:r>
+              <a:rPr kumimoji="1" lang="ja-JP" altLang="en-US" dirty="0"/>
+              <a:t>：</a:t>
+            </a:r>
+            <a:r>
+              <a:rPr kumimoji="1" lang="en-US" altLang="ja-JP" dirty="0"/>
+              <a:t>N</a:t>
+            </a:r>
+            <a:r>
+              <a:rPr kumimoji="1" lang="ja-JP" altLang="en-US" dirty="0"/>
+              <a:t>予備校の機械学習コースで</a:t>
+            </a:r>
+            <a:r>
+              <a:rPr kumimoji="1" lang="en-US" altLang="ja-JP" dirty="0"/>
+              <a:t>Python</a:t>
+            </a:r>
+            <a:r>
+              <a:rPr kumimoji="1" lang="ja-JP" altLang="en-US" dirty="0"/>
+              <a:t>の文法を学習</a:t>
+            </a:r>
+            <a:endParaRPr kumimoji="1" lang="en-US" altLang="ja-JP" dirty="0"/>
+          </a:p>
+          <a:p>
+            <a:r>
+              <a:rPr kumimoji="1" lang="en-US" altLang="ja-JP" dirty="0"/>
+              <a:t>Pygame</a:t>
+            </a:r>
+            <a:r>
+              <a:rPr kumimoji="1" lang="ja-JP" altLang="en-US" dirty="0"/>
+              <a:t>学習</a:t>
+            </a:r>
+            <a:r>
+              <a:rPr kumimoji="1" lang="en-US" altLang="ja-JP" dirty="0"/>
+              <a:t>	</a:t>
+            </a:r>
+            <a:r>
+              <a:rPr kumimoji="1" lang="ja-JP" altLang="en-US" dirty="0"/>
+              <a:t>：</a:t>
+            </a:r>
+            <a:r>
+              <a:rPr kumimoji="1" lang="en-US" altLang="ja-JP" dirty="0" err="1"/>
+              <a:t>JupyterNoteBook</a:t>
+            </a:r>
+            <a:r>
+              <a:rPr kumimoji="1" lang="ja-JP" altLang="en-US" dirty="0"/>
+              <a:t>で作成した</a:t>
+            </a:r>
+            <a:r>
+              <a:rPr kumimoji="1" lang="en-US" altLang="ja-JP" dirty="0"/>
+              <a:t>TR+</a:t>
+            </a:r>
+            <a:r>
+              <a:rPr kumimoji="1" lang="ja-JP" altLang="en-US" dirty="0"/>
+              <a:t>オリジナル教材</a:t>
+            </a:r>
+            <a:endParaRPr kumimoji="1" lang="en-US" altLang="ja-JP" dirty="0"/>
+          </a:p>
+          <a:p>
+            <a:r>
+              <a:rPr kumimoji="1" lang="ja-JP" altLang="en-US" dirty="0"/>
+              <a:t>ゲーム作成</a:t>
+            </a:r>
+            <a:r>
+              <a:rPr kumimoji="1" lang="en-US" altLang="ja-JP" dirty="0"/>
+              <a:t>		</a:t>
+            </a:r>
+            <a:r>
+              <a:rPr kumimoji="1" lang="ja-JP" altLang="en-US" dirty="0"/>
+              <a:t>：自分のゲームを作成する。</a:t>
+            </a:r>
+            <a:endParaRPr kumimoji="1" lang="en-US" altLang="ja-JP" dirty="0"/>
+          </a:p>
+          <a:p>
+            <a:r>
+              <a:rPr kumimoji="1" lang="ja-JP" altLang="en-US" dirty="0"/>
+              <a:t>発表資料</a:t>
+            </a:r>
+            <a:r>
+              <a:rPr kumimoji="1" lang="en-US" altLang="ja-JP" dirty="0"/>
+              <a:t>		</a:t>
+            </a:r>
+            <a:r>
+              <a:rPr kumimoji="1" lang="ja-JP" altLang="en-US" dirty="0"/>
+              <a:t>：最終発表会用の資料の作成</a:t>
+            </a:r>
+          </a:p>
+        </p:txBody>
+      </p:sp>
+    </p:spTree>
+    <p:extLst>
+      <p:ext uri="{BB962C8B-B14F-4D97-AF65-F5344CB8AC3E}">
+        <p14:creationId xmlns:p14="http://schemas.microsoft.com/office/powerpoint/2010/main" val="1326976941"/>
+      </p:ext>
+    </p:extLst>
+  </p:cSld>
+  <p:clrMapOvr>
+    <a:masterClrMapping/>
+  </p:clrMapOvr>
+</p:sld>
+</file>
+
+<file path=ppt/slides/slide11.xml><?xml version="1.0" encoding="utf-8"?>
+<p:sld xmlns:a="http://schemas.openxmlformats.org/drawingml/2006/main" xmlns:r="http://schemas.openxmlformats.org/officeDocument/2006/relationships" xmlns:p="http://schemas.openxmlformats.org/presentationml/2006/main">
+  <p:cSld>
+    <p:spTree>
+      <p:nvGrpSpPr>
+        <p:cNvPr id="1" name=""/>
+        <p:cNvGrpSpPr/>
+        <p:nvPr/>
+      </p:nvGrpSpPr>
+      <p:grpSpPr>
+        <a:xfrm>
+          <a:off x="0" y="0"/>
+          <a:ext cx="0" cy="0"/>
+          <a:chOff x="0" y="0"/>
+          <a:chExt cx="0" cy="0"/>
+        </a:xfrm>
+      </p:grpSpPr>
+      <p:sp>
+        <p:nvSpPr>
+          <p:cNvPr id="2" name="タイトル 1">
+            <a:extLst>
+              <a:ext uri="{FF2B5EF4-FFF2-40B4-BE49-F238E27FC236}">
                 <a16:creationId xmlns:a16="http://schemas.microsoft.com/office/drawing/2014/main" id="{87530C13-7087-F497-7F36-16699F1ED6BD}"/>
               </a:ext>
             </a:extLst>
@@ -10980,176 +14237,6 @@
     <p:extLst>
       <p:ext uri="{BB962C8B-B14F-4D97-AF65-F5344CB8AC3E}">
         <p14:creationId xmlns:p14="http://schemas.microsoft.com/office/powerpoint/2010/main" val="2847052971"/>
-      </p:ext>
-    </p:extLst>
-  </p:cSld>
-  <p:clrMapOvr>
-    <a:masterClrMapping/>
-  </p:clrMapOvr>
-</p:sld>
-</file>
-
-<file path=ppt/slides/slide11.xml><?xml version="1.0" encoding="utf-8"?>
-<p:sld xmlns:a="http://schemas.openxmlformats.org/drawingml/2006/main" xmlns:r="http://schemas.openxmlformats.org/officeDocument/2006/relationships" xmlns:p="http://schemas.openxmlformats.org/presentationml/2006/main">
-  <p:cSld>
-    <p:spTree>
-      <p:nvGrpSpPr>
-        <p:cNvPr id="1" name=""/>
-        <p:cNvGrpSpPr/>
-        <p:nvPr/>
-      </p:nvGrpSpPr>
-      <p:grpSpPr>
-        <a:xfrm>
-          <a:off x="0" y="0"/>
-          <a:ext cx="0" cy="0"/>
-          <a:chOff x="0" y="0"/>
-          <a:chExt cx="0" cy="0"/>
-        </a:xfrm>
-      </p:grpSpPr>
-      <p:sp>
-        <p:nvSpPr>
-          <p:cNvPr id="2" name="タイトル 1">
-            <a:extLst>
-              <a:ext uri="{FF2B5EF4-FFF2-40B4-BE49-F238E27FC236}">
-                <a16:creationId xmlns:a16="http://schemas.microsoft.com/office/drawing/2014/main" id="{4BE36B26-D061-E9AF-5CED-96C03814C8A5}"/>
-              </a:ext>
-            </a:extLst>
-          </p:cNvPr>
-          <p:cNvSpPr>
-            <a:spLocks noGrp="1"/>
-          </p:cNvSpPr>
-          <p:nvPr>
-            <p:ph type="title"/>
-          </p:nvPr>
-        </p:nvSpPr>
-        <p:spPr/>
-        <p:txBody>
-          <a:bodyPr/>
-          <a:lstStyle/>
-          <a:p>
-            <a:r>
-              <a:rPr kumimoji="1" lang="ja-JP" altLang="en-US" dirty="0"/>
-              <a:t>さらに戦う者たちへ</a:t>
-            </a:r>
-            <a:r>
-              <a:rPr kumimoji="1" lang="en-US" altLang="ja-JP" dirty="0"/>
-              <a:t>(</a:t>
-            </a:r>
-            <a:r>
-              <a:rPr kumimoji="1" lang="ja-JP" altLang="en-US" dirty="0"/>
-              <a:t>追加資料</a:t>
-            </a:r>
-            <a:r>
-              <a:rPr kumimoji="1" lang="en-US" altLang="ja-JP" dirty="0"/>
-              <a:t>)</a:t>
-            </a:r>
-            <a:endParaRPr kumimoji="1" lang="ja-JP" altLang="en-US" dirty="0"/>
-          </a:p>
-        </p:txBody>
-      </p:sp>
-      <p:sp>
-        <p:nvSpPr>
-          <p:cNvPr id="3" name="テキスト プレースホルダー 2">
-            <a:extLst>
-              <a:ext uri="{FF2B5EF4-FFF2-40B4-BE49-F238E27FC236}">
-                <a16:creationId xmlns:a16="http://schemas.microsoft.com/office/drawing/2014/main" id="{90B6EC01-8B7E-1472-5A37-53F4012D27D9}"/>
-              </a:ext>
-            </a:extLst>
-          </p:cNvPr>
-          <p:cNvSpPr>
-            <a:spLocks noGrp="1"/>
-          </p:cNvSpPr>
-          <p:nvPr>
-            <p:ph type="body" idx="1"/>
-          </p:nvPr>
-        </p:nvSpPr>
-        <p:spPr>
-          <a:xfrm>
-            <a:off x="628650" y="1268044"/>
-            <a:ext cx="7886700" cy="3532555"/>
-          </a:xfrm>
-        </p:spPr>
-        <p:txBody>
-          <a:bodyPr>
-            <a:normAutofit/>
-          </a:bodyPr>
-          <a:lstStyle/>
-          <a:p>
-            <a:pPr marL="139700" indent="0">
-              <a:buNone/>
-            </a:pPr>
-            <a:r>
-              <a:rPr kumimoji="1" lang="ja-JP" altLang="en-US" dirty="0"/>
-              <a:t>■物理演算っぽいコードを書きたい</a:t>
-            </a:r>
-            <a:endParaRPr kumimoji="1" lang="en-US" altLang="ja-JP" dirty="0"/>
-          </a:p>
-          <a:p>
-            <a:pPr marL="139700" indent="0">
-              <a:buNone/>
-            </a:pPr>
-            <a:r>
-              <a:rPr kumimoji="1" lang="en-US" altLang="ja-JP" dirty="0" err="1"/>
-              <a:t>pygame</a:t>
-            </a:r>
-            <a:r>
-              <a:rPr kumimoji="1" lang="ja-JP" altLang="en-US" dirty="0"/>
-              <a:t>はシンプルなライブラリなので物理演算エンジンは搭載されていないです。ここでは自分で物理演算っぽいコードを書いてみましょう。</a:t>
-            </a:r>
-            <a:endParaRPr kumimoji="1" lang="en-US" altLang="ja-JP" dirty="0"/>
-          </a:p>
-          <a:p>
-            <a:pPr marL="139700" indent="0">
-              <a:buNone/>
-            </a:pPr>
-            <a:r>
-              <a:rPr kumimoji="1" lang="en-US" altLang="ja-JP" dirty="0"/>
-              <a:t>	</a:t>
-            </a:r>
-            <a:r>
-              <a:rPr kumimoji="1" lang="ja-JP" altLang="en-US" dirty="0"/>
-              <a:t> ・ファイル名：</a:t>
-            </a:r>
-            <a:r>
-              <a:rPr kumimoji="1" lang="en-US" altLang="ja-JP" dirty="0" err="1"/>
-              <a:t>pygame</a:t>
-            </a:r>
-            <a:r>
-              <a:rPr kumimoji="1" lang="en-US" altLang="ja-JP" dirty="0"/>
-              <a:t>_</a:t>
-            </a:r>
-            <a:r>
-              <a:rPr kumimoji="1" lang="ja-JP" altLang="en-US" dirty="0"/>
-              <a:t>物理演算もどき</a:t>
-            </a:r>
-            <a:r>
-              <a:rPr kumimoji="1" lang="en-US" altLang="ja-JP" dirty="0"/>
-              <a:t>.</a:t>
-            </a:r>
-            <a:r>
-              <a:rPr kumimoji="1" lang="en-US" altLang="ja-JP" dirty="0" err="1"/>
-              <a:t>ipynb</a:t>
-            </a:r>
-            <a:endParaRPr kumimoji="1" lang="en-US" altLang="ja-JP" dirty="0"/>
-          </a:p>
-          <a:p>
-            <a:pPr marL="139700" indent="0">
-              <a:buNone/>
-            </a:pPr>
-            <a:endParaRPr kumimoji="1" lang="en-US" altLang="ja-JP" dirty="0"/>
-          </a:p>
-          <a:p>
-            <a:pPr marL="139700" indent="0">
-              <a:buNone/>
-            </a:pPr>
-            <a:endParaRPr kumimoji="1" lang="ja-JP" altLang="en-US" dirty="0"/>
-          </a:p>
-        </p:txBody>
-      </p:sp>
-    </p:spTree>
-    <p:extLst>
-      <p:ext uri="{BB962C8B-B14F-4D97-AF65-F5344CB8AC3E}">
-        <p14:creationId xmlns:p14="http://schemas.microsoft.com/office/powerpoint/2010/main" val="1959587038"/>
       </p:ext>
     </p:extLst>
   </p:cSld>
@@ -11236,7 +14323,7 @@
         <p:spPr>
           <a:xfrm>
             <a:off x="628650" y="1268044"/>
-            <a:ext cx="7886700" cy="3532555"/>
+            <a:ext cx="7886700" cy="3704006"/>
           </a:xfrm>
         </p:spPr>
         <p:txBody>
@@ -11260,7 +14347,17 @@
             </a:pPr>
             <a:r>
               <a:rPr kumimoji="1" lang="ja-JP" altLang="en-US" dirty="0"/>
-              <a:t>ブロック崩しのコードを関数を用いてきれいに書き直すための教材を追加しました！！ぜひ挑戦してみてください。</a:t>
+              <a:t>ブロック崩しのコードを関数を用いてきれいに書き直すための教材を</a:t>
+            </a:r>
+            <a:endParaRPr kumimoji="1" lang="en-US" altLang="ja-JP" dirty="0"/>
+          </a:p>
+          <a:p>
+            <a:pPr marL="139700" indent="0">
+              <a:buNone/>
+            </a:pPr>
+            <a:r>
+              <a:rPr kumimoji="1" lang="ja-JP" altLang="en-US" dirty="0"/>
+              <a:t>追加しました！！ぜひ挑戦してみてください。</a:t>
             </a:r>
             <a:endParaRPr kumimoji="1" lang="en-US" altLang="ja-JP" dirty="0"/>
           </a:p>
@@ -11521,6 +14618,1288 @@
     <p:extLst>
       <p:ext uri="{BB962C8B-B14F-4D97-AF65-F5344CB8AC3E}">
         <p14:creationId xmlns:p14="http://schemas.microsoft.com/office/powerpoint/2010/main" val="4139995150"/>
+      </p:ext>
+    </p:extLst>
+  </p:cSld>
+  <p:clrMapOvr>
+    <a:masterClrMapping/>
+  </p:clrMapOvr>
+</p:sld>
+</file>
+
+<file path=ppt/slides/slide13.xml><?xml version="1.0" encoding="utf-8"?>
+<p:sld xmlns:a="http://schemas.openxmlformats.org/drawingml/2006/main" xmlns:r="http://schemas.openxmlformats.org/officeDocument/2006/relationships" xmlns:p="http://schemas.openxmlformats.org/presentationml/2006/main">
+  <p:cSld>
+    <p:spTree>
+      <p:nvGrpSpPr>
+        <p:cNvPr id="1" name=""/>
+        <p:cNvGrpSpPr/>
+        <p:nvPr/>
+      </p:nvGrpSpPr>
+      <p:grpSpPr>
+        <a:xfrm>
+          <a:off x="0" y="0"/>
+          <a:ext cx="0" cy="0"/>
+          <a:chOff x="0" y="0"/>
+          <a:chExt cx="0" cy="0"/>
+        </a:xfrm>
+      </p:grpSpPr>
+      <p:sp>
+        <p:nvSpPr>
+          <p:cNvPr id="2" name="タイトル 1">
+            <a:extLst>
+              <a:ext uri="{FF2B5EF4-FFF2-40B4-BE49-F238E27FC236}">
+                <a16:creationId xmlns:a16="http://schemas.microsoft.com/office/drawing/2014/main" id="{4BE36B26-D061-E9AF-5CED-96C03814C8A5}"/>
+              </a:ext>
+            </a:extLst>
+          </p:cNvPr>
+          <p:cNvSpPr>
+            <a:spLocks noGrp="1"/>
+          </p:cNvSpPr>
+          <p:nvPr>
+            <p:ph type="title"/>
+          </p:nvPr>
+        </p:nvSpPr>
+        <p:spPr/>
+        <p:txBody>
+          <a:bodyPr/>
+          <a:lstStyle/>
+          <a:p>
+            <a:r>
+              <a:rPr kumimoji="1" lang="ja-JP" altLang="en-US" dirty="0"/>
+              <a:t>さらに戦う者たちへ</a:t>
+            </a:r>
+            <a:r>
+              <a:rPr kumimoji="1" lang="en-US" altLang="ja-JP" dirty="0"/>
+              <a:t>(</a:t>
+            </a:r>
+            <a:r>
+              <a:rPr kumimoji="1" lang="ja-JP" altLang="en-US" dirty="0"/>
+              <a:t>追加資料</a:t>
+            </a:r>
+            <a:r>
+              <a:rPr kumimoji="1" lang="en-US" altLang="ja-JP" dirty="0"/>
+              <a:t>)</a:t>
+            </a:r>
+            <a:endParaRPr kumimoji="1" lang="ja-JP" altLang="en-US" dirty="0"/>
+          </a:p>
+        </p:txBody>
+      </p:sp>
+      <p:sp>
+        <p:nvSpPr>
+          <p:cNvPr id="3" name="テキスト プレースホルダー 2">
+            <a:extLst>
+              <a:ext uri="{FF2B5EF4-FFF2-40B4-BE49-F238E27FC236}">
+                <a16:creationId xmlns:a16="http://schemas.microsoft.com/office/drawing/2014/main" id="{90B6EC01-8B7E-1472-5A37-53F4012D27D9}"/>
+              </a:ext>
+            </a:extLst>
+          </p:cNvPr>
+          <p:cNvSpPr>
+            <a:spLocks noGrp="1"/>
+          </p:cNvSpPr>
+          <p:nvPr>
+            <p:ph type="body" idx="1"/>
+          </p:nvPr>
+        </p:nvSpPr>
+        <p:spPr>
+          <a:xfrm>
+            <a:off x="628650" y="1268044"/>
+            <a:ext cx="7886700" cy="3532555"/>
+          </a:xfrm>
+        </p:spPr>
+        <p:txBody>
+          <a:bodyPr>
+            <a:normAutofit/>
+          </a:bodyPr>
+          <a:lstStyle/>
+          <a:p>
+            <a:pPr marL="139700" indent="0">
+              <a:buNone/>
+            </a:pPr>
+            <a:r>
+              <a:rPr kumimoji="1" lang="ja-JP" altLang="en-US" dirty="0"/>
+              <a:t>■物理演算っぽいコードを書きたい</a:t>
+            </a:r>
+            <a:endParaRPr kumimoji="1" lang="en-US" altLang="ja-JP" dirty="0"/>
+          </a:p>
+          <a:p>
+            <a:pPr marL="139700" indent="0">
+              <a:buNone/>
+            </a:pPr>
+            <a:r>
+              <a:rPr kumimoji="1" lang="en-US" altLang="ja-JP" dirty="0" err="1"/>
+              <a:t>pygame</a:t>
+            </a:r>
+            <a:r>
+              <a:rPr kumimoji="1" lang="ja-JP" altLang="en-US" dirty="0"/>
+              <a:t>はシンプルなライブラリなので物理演算エンジンは搭載されていないです。ここでは自分で物理演算っぽいコードを書いてみましょう。</a:t>
+            </a:r>
+            <a:endParaRPr kumimoji="1" lang="en-US" altLang="ja-JP" dirty="0"/>
+          </a:p>
+          <a:p>
+            <a:pPr marL="139700" indent="0">
+              <a:buNone/>
+            </a:pPr>
+            <a:r>
+              <a:rPr kumimoji="1" lang="en-US" altLang="ja-JP" dirty="0"/>
+              <a:t>	</a:t>
+            </a:r>
+            <a:r>
+              <a:rPr kumimoji="1" lang="ja-JP" altLang="en-US" dirty="0"/>
+              <a:t> ・ファイル名：</a:t>
+            </a:r>
+            <a:r>
+              <a:rPr kumimoji="1" lang="en-US" altLang="ja-JP" dirty="0" err="1"/>
+              <a:t>pygame</a:t>
+            </a:r>
+            <a:r>
+              <a:rPr kumimoji="1" lang="en-US" altLang="ja-JP" dirty="0"/>
+              <a:t>_</a:t>
+            </a:r>
+            <a:r>
+              <a:rPr kumimoji="1" lang="ja-JP" altLang="en-US" dirty="0"/>
+              <a:t>物理演算もどき</a:t>
+            </a:r>
+            <a:r>
+              <a:rPr kumimoji="1" lang="en-US" altLang="ja-JP" dirty="0"/>
+              <a:t>.</a:t>
+            </a:r>
+            <a:r>
+              <a:rPr kumimoji="1" lang="en-US" altLang="ja-JP" dirty="0" err="1"/>
+              <a:t>ipynb</a:t>
+            </a:r>
+            <a:endParaRPr kumimoji="1" lang="en-US" altLang="ja-JP" dirty="0"/>
+          </a:p>
+          <a:p>
+            <a:pPr marL="139700" indent="0">
+              <a:buNone/>
+            </a:pPr>
+            <a:endParaRPr kumimoji="1" lang="en-US" altLang="ja-JP" dirty="0"/>
+          </a:p>
+          <a:p>
+            <a:pPr marL="139700" indent="0">
+              <a:buNone/>
+            </a:pPr>
+            <a:endParaRPr kumimoji="1" lang="ja-JP" altLang="en-US" dirty="0"/>
+          </a:p>
+        </p:txBody>
+      </p:sp>
+    </p:spTree>
+    <p:extLst>
+      <p:ext uri="{BB962C8B-B14F-4D97-AF65-F5344CB8AC3E}">
+        <p14:creationId xmlns:p14="http://schemas.microsoft.com/office/powerpoint/2010/main" val="1959587038"/>
+      </p:ext>
+    </p:extLst>
+  </p:cSld>
+  <p:clrMapOvr>
+    <a:masterClrMapping/>
+  </p:clrMapOvr>
+</p:sld>
+</file>
+
+<file path=ppt/slides/slide14.xml><?xml version="1.0" encoding="utf-8"?>
+<p:sld xmlns:a="http://schemas.openxmlformats.org/drawingml/2006/main" xmlns:r="http://schemas.openxmlformats.org/officeDocument/2006/relationships" xmlns:p="http://schemas.openxmlformats.org/presentationml/2006/main">
+  <p:cSld>
+    <p:spTree>
+      <p:nvGrpSpPr>
+        <p:cNvPr id="1" name=""/>
+        <p:cNvGrpSpPr/>
+        <p:nvPr/>
+      </p:nvGrpSpPr>
+      <p:grpSpPr>
+        <a:xfrm>
+          <a:off x="0" y="0"/>
+          <a:ext cx="0" cy="0"/>
+          <a:chOff x="0" y="0"/>
+          <a:chExt cx="0" cy="0"/>
+        </a:xfrm>
+      </p:grpSpPr>
+      <p:sp>
+        <p:nvSpPr>
+          <p:cNvPr id="2" name="タイトル 1">
+            <a:extLst>
+              <a:ext uri="{FF2B5EF4-FFF2-40B4-BE49-F238E27FC236}">
+                <a16:creationId xmlns:a16="http://schemas.microsoft.com/office/drawing/2014/main" id="{4BE36B26-D061-E9AF-5CED-96C03814C8A5}"/>
+              </a:ext>
+            </a:extLst>
+          </p:cNvPr>
+          <p:cNvSpPr>
+            <a:spLocks noGrp="1"/>
+          </p:cNvSpPr>
+          <p:nvPr>
+            <p:ph type="title"/>
+          </p:nvPr>
+        </p:nvSpPr>
+        <p:spPr/>
+        <p:txBody>
+          <a:bodyPr/>
+          <a:lstStyle/>
+          <a:p>
+            <a:r>
+              <a:rPr kumimoji="1" lang="ja-JP" altLang="en-US" dirty="0"/>
+              <a:t>さらに戦う者たちへ</a:t>
+            </a:r>
+            <a:r>
+              <a:rPr kumimoji="1" lang="en-US" altLang="ja-JP" dirty="0"/>
+              <a:t>(</a:t>
+            </a:r>
+            <a:r>
+              <a:rPr kumimoji="1" lang="ja-JP" altLang="en-US" dirty="0"/>
+              <a:t>追加資料</a:t>
+            </a:r>
+            <a:r>
+              <a:rPr kumimoji="1" lang="en-US" altLang="ja-JP" dirty="0"/>
+              <a:t>)</a:t>
+            </a:r>
+            <a:endParaRPr kumimoji="1" lang="ja-JP" altLang="en-US" dirty="0"/>
+          </a:p>
+        </p:txBody>
+      </p:sp>
+      <p:sp>
+        <p:nvSpPr>
+          <p:cNvPr id="3" name="テキスト プレースホルダー 2">
+            <a:extLst>
+              <a:ext uri="{FF2B5EF4-FFF2-40B4-BE49-F238E27FC236}">
+                <a16:creationId xmlns:a16="http://schemas.microsoft.com/office/drawing/2014/main" id="{90B6EC01-8B7E-1472-5A37-53F4012D27D9}"/>
+              </a:ext>
+            </a:extLst>
+          </p:cNvPr>
+          <p:cNvSpPr>
+            <a:spLocks noGrp="1"/>
+          </p:cNvSpPr>
+          <p:nvPr>
+            <p:ph type="body" idx="1"/>
+          </p:nvPr>
+        </p:nvSpPr>
+        <p:spPr>
+          <a:xfrm>
+            <a:off x="628650" y="1268044"/>
+            <a:ext cx="7886700" cy="3532555"/>
+          </a:xfrm>
+        </p:spPr>
+        <p:txBody>
+          <a:bodyPr>
+            <a:normAutofit/>
+          </a:bodyPr>
+          <a:lstStyle/>
+          <a:p>
+            <a:pPr marL="139700" indent="0">
+              <a:buNone/>
+            </a:pPr>
+            <a:r>
+              <a:rPr kumimoji="1" lang="ja-JP" altLang="en-US" dirty="0"/>
+              <a:t>■ゲームに画像や音をつけてみたい</a:t>
+            </a:r>
+            <a:endParaRPr kumimoji="1" lang="en-US" altLang="ja-JP" dirty="0"/>
+          </a:p>
+          <a:p>
+            <a:pPr marL="139700" indent="0">
+              <a:buNone/>
+            </a:pPr>
+            <a:r>
+              <a:rPr kumimoji="1" lang="en-US" altLang="ja-JP" dirty="0" err="1"/>
+              <a:t>pygame</a:t>
+            </a:r>
+            <a:r>
+              <a:rPr kumimoji="1" lang="ja-JP" altLang="en-US" dirty="0"/>
+              <a:t>の機能でブロック崩しに画像や音をつけてみましょう。</a:t>
+            </a:r>
+            <a:endParaRPr kumimoji="1" lang="en-US" altLang="ja-JP" dirty="0"/>
+          </a:p>
+          <a:p>
+            <a:pPr marL="139700" indent="0">
+              <a:buNone/>
+            </a:pPr>
+            <a:r>
+              <a:rPr kumimoji="1" lang="ja-JP" altLang="en-US" dirty="0"/>
+              <a:t>見栄えがよくなるとゲームの完成度が上がります。</a:t>
+            </a:r>
+            <a:endParaRPr kumimoji="1" lang="en-US" altLang="ja-JP" dirty="0"/>
+          </a:p>
+          <a:p>
+            <a:pPr marL="139700" indent="0">
+              <a:buNone/>
+            </a:pPr>
+            <a:r>
+              <a:rPr kumimoji="1" lang="en-US" altLang="ja-JP" dirty="0"/>
+              <a:t>	</a:t>
+            </a:r>
+            <a:r>
+              <a:rPr kumimoji="1" lang="ja-JP" altLang="en-US" dirty="0"/>
+              <a:t> ・ファイル名：</a:t>
+            </a:r>
+            <a:r>
+              <a:rPr kumimoji="1" lang="en-US" altLang="ja-JP" dirty="0" err="1"/>
+              <a:t>pygame</a:t>
+            </a:r>
+            <a:r>
+              <a:rPr kumimoji="1" lang="en-US" altLang="ja-JP" dirty="0"/>
+              <a:t>_</a:t>
+            </a:r>
+            <a:r>
+              <a:rPr kumimoji="1" lang="ja-JP" altLang="en-US" dirty="0"/>
+              <a:t>画像と音</a:t>
+            </a:r>
+            <a:r>
+              <a:rPr kumimoji="1" lang="en-US" altLang="ja-JP" dirty="0"/>
+              <a:t>.</a:t>
+            </a:r>
+            <a:r>
+              <a:rPr kumimoji="1" lang="en-US" altLang="ja-JP" dirty="0" err="1"/>
+              <a:t>ipynb</a:t>
+            </a:r>
+            <a:endParaRPr kumimoji="1" lang="en-US" altLang="ja-JP" dirty="0"/>
+          </a:p>
+          <a:p>
+            <a:pPr marL="139700" indent="0">
+              <a:buNone/>
+            </a:pPr>
+            <a:endParaRPr kumimoji="1" lang="en-US" altLang="ja-JP" dirty="0"/>
+          </a:p>
+          <a:p>
+            <a:pPr marL="139700" indent="0">
+              <a:buNone/>
+            </a:pPr>
+            <a:endParaRPr kumimoji="1" lang="ja-JP" altLang="en-US" dirty="0"/>
+          </a:p>
+        </p:txBody>
+      </p:sp>
+    </p:spTree>
+    <p:extLst>
+      <p:ext uri="{BB962C8B-B14F-4D97-AF65-F5344CB8AC3E}">
+        <p14:creationId xmlns:p14="http://schemas.microsoft.com/office/powerpoint/2010/main" val="4195944325"/>
+      </p:ext>
+    </p:extLst>
+  </p:cSld>
+  <p:clrMapOvr>
+    <a:masterClrMapping/>
+  </p:clrMapOvr>
+</p:sld>
+</file>
+
+<file path=ppt/slides/slide15.xml><?xml version="1.0" encoding="utf-8"?>
+<p:sld xmlns:a="http://schemas.openxmlformats.org/drawingml/2006/main" xmlns:r="http://schemas.openxmlformats.org/officeDocument/2006/relationships" xmlns:p="http://schemas.openxmlformats.org/presentationml/2006/main">
+  <p:cSld>
+    <p:spTree>
+      <p:nvGrpSpPr>
+        <p:cNvPr id="1" name=""/>
+        <p:cNvGrpSpPr/>
+        <p:nvPr/>
+      </p:nvGrpSpPr>
+      <p:grpSpPr>
+        <a:xfrm>
+          <a:off x="0" y="0"/>
+          <a:ext cx="0" cy="0"/>
+          <a:chOff x="0" y="0"/>
+          <a:chExt cx="0" cy="0"/>
+        </a:xfrm>
+      </p:grpSpPr>
+      <p:sp>
+        <p:nvSpPr>
+          <p:cNvPr id="2" name="タイトル 1">
+            <a:extLst>
+              <a:ext uri="{FF2B5EF4-FFF2-40B4-BE49-F238E27FC236}">
+                <a16:creationId xmlns:a16="http://schemas.microsoft.com/office/drawing/2014/main" id="{4BE36B26-D061-E9AF-5CED-96C03814C8A5}"/>
+              </a:ext>
+            </a:extLst>
+          </p:cNvPr>
+          <p:cNvSpPr>
+            <a:spLocks noGrp="1"/>
+          </p:cNvSpPr>
+          <p:nvPr>
+            <p:ph type="title"/>
+          </p:nvPr>
+        </p:nvSpPr>
+        <p:spPr/>
+        <p:txBody>
+          <a:bodyPr/>
+          <a:lstStyle/>
+          <a:p>
+            <a:r>
+              <a:rPr kumimoji="1" lang="ja-JP" altLang="en-US" dirty="0"/>
+              <a:t>さらに戦う者たちへ</a:t>
+            </a:r>
+            <a:r>
+              <a:rPr kumimoji="1" lang="en-US" altLang="ja-JP" dirty="0"/>
+              <a:t>(</a:t>
+            </a:r>
+            <a:r>
+              <a:rPr kumimoji="1" lang="ja-JP" altLang="en-US" dirty="0"/>
+              <a:t>追加資料</a:t>
+            </a:r>
+            <a:r>
+              <a:rPr kumimoji="1" lang="en-US" altLang="ja-JP" dirty="0"/>
+              <a:t>)</a:t>
+            </a:r>
+            <a:endParaRPr kumimoji="1" lang="ja-JP" altLang="en-US" dirty="0"/>
+          </a:p>
+        </p:txBody>
+      </p:sp>
+      <p:sp>
+        <p:nvSpPr>
+          <p:cNvPr id="3" name="テキスト プレースホルダー 2">
+            <a:extLst>
+              <a:ext uri="{FF2B5EF4-FFF2-40B4-BE49-F238E27FC236}">
+                <a16:creationId xmlns:a16="http://schemas.microsoft.com/office/drawing/2014/main" id="{90B6EC01-8B7E-1472-5A37-53F4012D27D9}"/>
+              </a:ext>
+            </a:extLst>
+          </p:cNvPr>
+          <p:cNvSpPr>
+            <a:spLocks noGrp="1"/>
+          </p:cNvSpPr>
+          <p:nvPr>
+            <p:ph type="body" idx="1"/>
+          </p:nvPr>
+        </p:nvSpPr>
+        <p:spPr>
+          <a:xfrm>
+            <a:off x="628650" y="1268044"/>
+            <a:ext cx="7886700" cy="3532555"/>
+          </a:xfrm>
+        </p:spPr>
+        <p:txBody>
+          <a:bodyPr>
+            <a:normAutofit/>
+          </a:bodyPr>
+          <a:lstStyle/>
+          <a:p>
+            <a:pPr marL="139700" indent="0">
+              <a:buNone/>
+            </a:pPr>
+            <a:r>
+              <a:rPr kumimoji="1" lang="ja-JP" altLang="en-US" dirty="0"/>
+              <a:t>■シューティングゲームを作りたい</a:t>
+            </a:r>
+            <a:endParaRPr kumimoji="1" lang="en-US" altLang="ja-JP" dirty="0"/>
+          </a:p>
+          <a:p>
+            <a:pPr marL="139700" indent="0">
+              <a:buNone/>
+            </a:pPr>
+            <a:r>
+              <a:rPr kumimoji="1" lang="ja-JP" altLang="en-US" dirty="0"/>
+              <a:t>ブロック崩しより難易度の高いシューティングゲームを作ってみましょう。</a:t>
+            </a:r>
+            <a:endParaRPr kumimoji="1" lang="en-US" altLang="ja-JP" dirty="0"/>
+          </a:p>
+          <a:p>
+            <a:pPr marL="139700" indent="0">
+              <a:buNone/>
+            </a:pPr>
+            <a:r>
+              <a:rPr kumimoji="1" lang="ja-JP" altLang="en-US" dirty="0"/>
+              <a:t>ブロック崩しで</a:t>
+            </a:r>
+            <a:r>
+              <a:rPr kumimoji="1" lang="en-US" altLang="ja-JP" dirty="0" err="1"/>
+              <a:t>pygame</a:t>
+            </a:r>
+            <a:r>
+              <a:rPr kumimoji="1" lang="ja-JP" altLang="en-US" dirty="0"/>
+              <a:t>の基本を習得してから調整してみてね。</a:t>
+            </a:r>
+            <a:endParaRPr kumimoji="1" lang="en-US" altLang="ja-JP" dirty="0"/>
+          </a:p>
+          <a:p>
+            <a:pPr marL="139700" indent="0">
+              <a:buNone/>
+            </a:pPr>
+            <a:r>
+              <a:rPr kumimoji="1" lang="en-US" altLang="ja-JP" dirty="0"/>
+              <a:t>	</a:t>
+            </a:r>
+            <a:r>
+              <a:rPr kumimoji="1" lang="ja-JP" altLang="en-US" dirty="0"/>
+              <a:t> ・ファイル名：</a:t>
+            </a:r>
+            <a:r>
+              <a:rPr kumimoji="1" lang="en-US" altLang="ja-JP" dirty="0" err="1"/>
+              <a:t>pygame</a:t>
+            </a:r>
+            <a:r>
+              <a:rPr kumimoji="1" lang="en-US" altLang="ja-JP" dirty="0"/>
+              <a:t>_</a:t>
+            </a:r>
+            <a:r>
+              <a:rPr kumimoji="1" lang="ja-JP" altLang="en-US" dirty="0"/>
+              <a:t>シューティング</a:t>
+            </a:r>
+            <a:r>
+              <a:rPr kumimoji="1" lang="en-US" altLang="ja-JP" dirty="0"/>
+              <a:t>.</a:t>
+            </a:r>
+            <a:r>
+              <a:rPr kumimoji="1" lang="en-US" altLang="ja-JP" dirty="0" err="1"/>
+              <a:t>ipynb</a:t>
+            </a:r>
+            <a:endParaRPr kumimoji="1" lang="en-US" altLang="ja-JP" dirty="0"/>
+          </a:p>
+          <a:p>
+            <a:pPr marL="139700" indent="0">
+              <a:buNone/>
+            </a:pPr>
+            <a:endParaRPr kumimoji="1" lang="en-US" altLang="ja-JP" dirty="0"/>
+          </a:p>
+          <a:p>
+            <a:pPr marL="139700" indent="0">
+              <a:buNone/>
+            </a:pPr>
+            <a:endParaRPr kumimoji="1" lang="ja-JP" altLang="en-US" dirty="0"/>
+          </a:p>
+        </p:txBody>
+      </p:sp>
+    </p:spTree>
+    <p:extLst>
+      <p:ext uri="{BB962C8B-B14F-4D97-AF65-F5344CB8AC3E}">
+        <p14:creationId xmlns:p14="http://schemas.microsoft.com/office/powerpoint/2010/main" val="1251296263"/>
+      </p:ext>
+    </p:extLst>
+  </p:cSld>
+  <p:clrMapOvr>
+    <a:masterClrMapping/>
+  </p:clrMapOvr>
+</p:sld>
+</file>
+
+<file path=ppt/slides/slide16.xml><?xml version="1.0" encoding="utf-8"?>
+<p:sld xmlns:a="http://schemas.openxmlformats.org/drawingml/2006/main" xmlns:r="http://schemas.openxmlformats.org/officeDocument/2006/relationships" xmlns:p="http://schemas.openxmlformats.org/presentationml/2006/main">
+  <p:cSld>
+    <p:spTree>
+      <p:nvGrpSpPr>
+        <p:cNvPr id="1" name=""/>
+        <p:cNvGrpSpPr/>
+        <p:nvPr/>
+      </p:nvGrpSpPr>
+      <p:grpSpPr>
+        <a:xfrm>
+          <a:off x="0" y="0"/>
+          <a:ext cx="0" cy="0"/>
+          <a:chOff x="0" y="0"/>
+          <a:chExt cx="0" cy="0"/>
+        </a:xfrm>
+      </p:grpSpPr>
+      <p:sp>
+        <p:nvSpPr>
+          <p:cNvPr id="2" name="タイトル 1">
+            <a:extLst>
+              <a:ext uri="{FF2B5EF4-FFF2-40B4-BE49-F238E27FC236}">
+                <a16:creationId xmlns:a16="http://schemas.microsoft.com/office/drawing/2014/main" id="{01154E2D-4CD7-93FC-3982-F6165D729E40}"/>
+              </a:ext>
+            </a:extLst>
+          </p:cNvPr>
+          <p:cNvSpPr>
+            <a:spLocks noGrp="1"/>
+          </p:cNvSpPr>
+          <p:nvPr>
+            <p:ph type="title"/>
+          </p:nvPr>
+        </p:nvSpPr>
+        <p:spPr/>
+        <p:txBody>
+          <a:bodyPr/>
+          <a:lstStyle/>
+          <a:p>
+            <a:r>
+              <a:rPr kumimoji="1" lang="en-US" altLang="ja-JP" dirty="0"/>
+              <a:t>VSCODE</a:t>
+            </a:r>
+            <a:r>
+              <a:rPr kumimoji="1" lang="ja-JP" altLang="en-US" dirty="0"/>
+              <a:t>で</a:t>
+            </a:r>
+            <a:r>
+              <a:rPr kumimoji="1" lang="en-US" altLang="ja-JP" dirty="0" err="1"/>
+              <a:t>Jupyter</a:t>
+            </a:r>
+            <a:r>
+              <a:rPr kumimoji="1" lang="ja-JP" altLang="en-US" dirty="0"/>
+              <a:t>を準備する</a:t>
+            </a:r>
+          </a:p>
+        </p:txBody>
+      </p:sp>
+    </p:spTree>
+    <p:extLst>
+      <p:ext uri="{BB962C8B-B14F-4D97-AF65-F5344CB8AC3E}">
+        <p14:creationId xmlns:p14="http://schemas.microsoft.com/office/powerpoint/2010/main" val="3779331854"/>
+      </p:ext>
+    </p:extLst>
+  </p:cSld>
+  <p:clrMapOvr>
+    <a:masterClrMapping/>
+  </p:clrMapOvr>
+</p:sld>
+</file>
+
+<file path=ppt/slides/slide17.xml><?xml version="1.0" encoding="utf-8"?>
+<p:sld xmlns:a="http://schemas.openxmlformats.org/drawingml/2006/main" xmlns:r="http://schemas.openxmlformats.org/officeDocument/2006/relationships" xmlns:p="http://schemas.openxmlformats.org/presentationml/2006/main">
+  <p:cSld>
+    <p:spTree>
+      <p:nvGrpSpPr>
+        <p:cNvPr id="1" name=""/>
+        <p:cNvGrpSpPr/>
+        <p:nvPr/>
+      </p:nvGrpSpPr>
+      <p:grpSpPr>
+        <a:xfrm>
+          <a:off x="0" y="0"/>
+          <a:ext cx="0" cy="0"/>
+          <a:chOff x="0" y="0"/>
+          <a:chExt cx="0" cy="0"/>
+        </a:xfrm>
+      </p:grpSpPr>
+      <p:sp>
+        <p:nvSpPr>
+          <p:cNvPr id="2" name="タイトル 1">
+            <a:extLst>
+              <a:ext uri="{FF2B5EF4-FFF2-40B4-BE49-F238E27FC236}">
+                <a16:creationId xmlns:a16="http://schemas.microsoft.com/office/drawing/2014/main" id="{4BE36B26-D061-E9AF-5CED-96C03814C8A5}"/>
+              </a:ext>
+            </a:extLst>
+          </p:cNvPr>
+          <p:cNvSpPr>
+            <a:spLocks noGrp="1"/>
+          </p:cNvSpPr>
+          <p:nvPr>
+            <p:ph type="title"/>
+          </p:nvPr>
+        </p:nvSpPr>
+        <p:spPr/>
+        <p:txBody>
+          <a:bodyPr/>
+          <a:lstStyle/>
+          <a:p>
+            <a:r>
+              <a:rPr kumimoji="1" lang="en-US" altLang="ja-JP" dirty="0"/>
+              <a:t>Python</a:t>
+            </a:r>
+            <a:r>
+              <a:rPr kumimoji="1" lang="ja-JP" altLang="en-US" dirty="0"/>
+              <a:t>のインストール</a:t>
+            </a:r>
+          </a:p>
+        </p:txBody>
+      </p:sp>
+      <p:sp>
+        <p:nvSpPr>
+          <p:cNvPr id="3" name="テキスト プレースホルダー 2">
+            <a:extLst>
+              <a:ext uri="{FF2B5EF4-FFF2-40B4-BE49-F238E27FC236}">
+                <a16:creationId xmlns:a16="http://schemas.microsoft.com/office/drawing/2014/main" id="{90B6EC01-8B7E-1472-5A37-53F4012D27D9}"/>
+              </a:ext>
+            </a:extLst>
+          </p:cNvPr>
+          <p:cNvSpPr>
+            <a:spLocks noGrp="1"/>
+          </p:cNvSpPr>
+          <p:nvPr>
+            <p:ph type="body" idx="1"/>
+          </p:nvPr>
+        </p:nvSpPr>
+        <p:spPr>
+          <a:xfrm>
+            <a:off x="628650" y="1268044"/>
+            <a:ext cx="7886700" cy="3532555"/>
+          </a:xfrm>
+        </p:spPr>
+        <p:txBody>
+          <a:bodyPr>
+            <a:normAutofit/>
+          </a:bodyPr>
+          <a:lstStyle/>
+          <a:p>
+            <a:pPr marL="139700" indent="0">
+              <a:buNone/>
+            </a:pPr>
+            <a:r>
+              <a:rPr lang="en-US" altLang="ja-JP" dirty="0">
+                <a:hlinkClick r:id="rId2"/>
+              </a:rPr>
+              <a:t>Download Python | Python.org</a:t>
+            </a:r>
+            <a:endParaRPr lang="en-US" altLang="ja-JP" dirty="0"/>
+          </a:p>
+          <a:p>
+            <a:pPr marL="139700" indent="0">
+              <a:buNone/>
+            </a:pPr>
+            <a:endParaRPr kumimoji="1" lang="en-US" altLang="ja-JP" dirty="0"/>
+          </a:p>
+          <a:p>
+            <a:pPr marL="139700" indent="0">
+              <a:buNone/>
+            </a:pPr>
+            <a:r>
+              <a:rPr kumimoji="1" lang="ja-JP" altLang="en-US" dirty="0"/>
+              <a:t>上のリンクから</a:t>
+            </a:r>
+            <a:r>
+              <a:rPr kumimoji="1" lang="en-US" altLang="ja-JP" dirty="0"/>
+              <a:t>python</a:t>
+            </a:r>
+            <a:r>
+              <a:rPr kumimoji="1" lang="ja-JP" altLang="en-US" dirty="0"/>
+              <a:t>の公式に飛び、</a:t>
+            </a:r>
+            <a:endParaRPr kumimoji="1" lang="en-US" altLang="ja-JP" dirty="0"/>
+          </a:p>
+          <a:p>
+            <a:pPr marL="139700" indent="0">
+              <a:buNone/>
+            </a:pPr>
+            <a:r>
+              <a:rPr kumimoji="1" lang="en-US" altLang="ja-JP" dirty="0"/>
+              <a:t>Download Python</a:t>
+            </a:r>
+            <a:r>
+              <a:rPr kumimoji="1" lang="ja-JP" altLang="en-US" dirty="0"/>
+              <a:t>をクリックしましょう</a:t>
+            </a:r>
+            <a:endParaRPr kumimoji="1" lang="en-US" altLang="ja-JP" dirty="0"/>
+          </a:p>
+          <a:p>
+            <a:pPr marL="139700" indent="0">
+              <a:buNone/>
+            </a:pPr>
+            <a:endParaRPr kumimoji="1" lang="en-US" altLang="ja-JP" dirty="0"/>
+          </a:p>
+          <a:p>
+            <a:pPr marL="139700" indent="0">
+              <a:buNone/>
+            </a:pPr>
+            <a:r>
+              <a:rPr kumimoji="1" lang="ja-JP" altLang="en-US" dirty="0"/>
+              <a:t>ダウンロードしたファイルを起動して、</a:t>
+            </a:r>
+            <a:endParaRPr kumimoji="1" lang="en-US" altLang="ja-JP" dirty="0"/>
+          </a:p>
+          <a:p>
+            <a:pPr marL="139700" indent="0">
+              <a:buNone/>
+            </a:pPr>
+            <a:r>
+              <a:rPr kumimoji="1" lang="ja-JP" altLang="en-US" dirty="0"/>
+              <a:t>インストーラーが開いたら、</a:t>
+            </a:r>
+            <a:endParaRPr kumimoji="1" lang="en-US" altLang="ja-JP" dirty="0"/>
+          </a:p>
+          <a:p>
+            <a:pPr marL="139700" indent="0">
+              <a:buNone/>
+            </a:pPr>
+            <a:r>
+              <a:rPr kumimoji="1" lang="ja-JP" altLang="en-US" dirty="0"/>
+              <a:t>「</a:t>
+            </a:r>
+            <a:r>
+              <a:rPr kumimoji="1" lang="en-US" altLang="ja-JP" dirty="0"/>
+              <a:t>Add Python to PATH</a:t>
+            </a:r>
+            <a:r>
+              <a:rPr kumimoji="1" lang="ja-JP" altLang="en-US" dirty="0"/>
+              <a:t>」にチェックをいれて</a:t>
+            </a:r>
+            <a:endParaRPr kumimoji="1" lang="en-US" altLang="ja-JP" dirty="0"/>
+          </a:p>
+          <a:p>
+            <a:pPr marL="139700" indent="0">
+              <a:buNone/>
+            </a:pPr>
+            <a:r>
+              <a:rPr kumimoji="1" lang="ja-JP" altLang="en-US" dirty="0"/>
+              <a:t>インストールしましょう。</a:t>
+            </a:r>
+          </a:p>
+        </p:txBody>
+      </p:sp>
+      <p:pic>
+        <p:nvPicPr>
+          <p:cNvPr id="5" name="図 4">
+            <a:extLst>
+              <a:ext uri="{FF2B5EF4-FFF2-40B4-BE49-F238E27FC236}">
+                <a16:creationId xmlns:a16="http://schemas.microsoft.com/office/drawing/2014/main" id="{DF596983-6DAF-BCF4-465F-43D379B2B70A}"/>
+              </a:ext>
+            </a:extLst>
+          </p:cNvPr>
+          <p:cNvPicPr>
+            <a:picLocks noChangeAspect="1"/>
+          </p:cNvPicPr>
+          <p:nvPr/>
+        </p:nvPicPr>
+        <p:blipFill>
+          <a:blip r:embed="rId3"/>
+          <a:stretch>
+            <a:fillRect/>
+          </a:stretch>
+        </p:blipFill>
+        <p:spPr>
+          <a:xfrm>
+            <a:off x="4859496" y="273844"/>
+            <a:ext cx="4284504" cy="1960463"/>
+          </a:xfrm>
+          <a:prstGeom prst="rect">
+            <a:avLst/>
+          </a:prstGeom>
+        </p:spPr>
+      </p:pic>
+      <p:sp>
+        <p:nvSpPr>
+          <p:cNvPr id="6" name="正方形/長方形 5">
+            <a:extLst>
+              <a:ext uri="{FF2B5EF4-FFF2-40B4-BE49-F238E27FC236}">
+                <a16:creationId xmlns:a16="http://schemas.microsoft.com/office/drawing/2014/main" id="{9A3A6180-8CE7-1AC4-4A34-BC9C36765955}"/>
+              </a:ext>
+            </a:extLst>
+          </p:cNvPr>
+          <p:cNvSpPr/>
+          <p:nvPr/>
+        </p:nvSpPr>
+        <p:spPr>
+          <a:xfrm>
+            <a:off x="5324441" y="1254075"/>
+            <a:ext cx="685868" cy="233306"/>
+          </a:xfrm>
+          <a:prstGeom prst="rect">
+            <a:avLst/>
+          </a:prstGeom>
+          <a:noFill/>
+          <a:ln w="57150">
+            <a:solidFill>
+              <a:srgbClr val="FF0000"/>
+            </a:solidFill>
+          </a:ln>
+        </p:spPr>
+        <p:style>
+          <a:lnRef idx="2">
+            <a:schemeClr val="accent1">
+              <a:shade val="15000"/>
+            </a:schemeClr>
+          </a:lnRef>
+          <a:fillRef idx="1">
+            <a:schemeClr val="accent1"/>
+          </a:fillRef>
+          <a:effectRef idx="0">
+            <a:schemeClr val="accent1"/>
+          </a:effectRef>
+          <a:fontRef idx="minor">
+            <a:schemeClr val="lt1"/>
+          </a:fontRef>
+        </p:style>
+        <p:txBody>
+          <a:bodyPr rtlCol="0" anchor="ctr"/>
+          <a:lstStyle/>
+          <a:p>
+            <a:pPr algn="ctr"/>
+            <a:endParaRPr kumimoji="1" lang="ja-JP" altLang="en-US"/>
+          </a:p>
+        </p:txBody>
+      </p:sp>
+      <p:pic>
+        <p:nvPicPr>
+          <p:cNvPr id="10" name="図 9">
+            <a:extLst>
+              <a:ext uri="{FF2B5EF4-FFF2-40B4-BE49-F238E27FC236}">
+                <a16:creationId xmlns:a16="http://schemas.microsoft.com/office/drawing/2014/main" id="{088AF9CA-4A52-577A-8741-4A2988C5ECFF}"/>
+              </a:ext>
+            </a:extLst>
+          </p:cNvPr>
+          <p:cNvPicPr>
+            <a:picLocks noChangeAspect="1"/>
+          </p:cNvPicPr>
+          <p:nvPr/>
+        </p:nvPicPr>
+        <p:blipFill>
+          <a:blip r:embed="rId4"/>
+          <a:stretch>
+            <a:fillRect/>
+          </a:stretch>
+        </p:blipFill>
+        <p:spPr>
+          <a:xfrm>
+            <a:off x="5517584" y="2467612"/>
+            <a:ext cx="3626416" cy="2228213"/>
+          </a:xfrm>
+          <a:prstGeom prst="rect">
+            <a:avLst/>
+          </a:prstGeom>
+        </p:spPr>
+      </p:pic>
+      <p:sp>
+        <p:nvSpPr>
+          <p:cNvPr id="11" name="正方形/長方形 10">
+            <a:extLst>
+              <a:ext uri="{FF2B5EF4-FFF2-40B4-BE49-F238E27FC236}">
+                <a16:creationId xmlns:a16="http://schemas.microsoft.com/office/drawing/2014/main" id="{F9EE0087-ABCF-2707-0EA1-82FE0AF1F0D6}"/>
+              </a:ext>
+            </a:extLst>
+          </p:cNvPr>
+          <p:cNvSpPr/>
+          <p:nvPr/>
+        </p:nvSpPr>
+        <p:spPr>
+          <a:xfrm>
+            <a:off x="6508150" y="4476488"/>
+            <a:ext cx="104809" cy="133612"/>
+          </a:xfrm>
+          <a:prstGeom prst="rect">
+            <a:avLst/>
+          </a:prstGeom>
+          <a:noFill/>
+          <a:ln w="57150">
+            <a:solidFill>
+              <a:srgbClr val="FF0000"/>
+            </a:solidFill>
+          </a:ln>
+        </p:spPr>
+        <p:style>
+          <a:lnRef idx="2">
+            <a:schemeClr val="accent1">
+              <a:shade val="15000"/>
+            </a:schemeClr>
+          </a:lnRef>
+          <a:fillRef idx="1">
+            <a:schemeClr val="accent1"/>
+          </a:fillRef>
+          <a:effectRef idx="0">
+            <a:schemeClr val="accent1"/>
+          </a:effectRef>
+          <a:fontRef idx="minor">
+            <a:schemeClr val="lt1"/>
+          </a:fontRef>
+        </p:style>
+        <p:txBody>
+          <a:bodyPr rtlCol="0" anchor="ctr"/>
+          <a:lstStyle/>
+          <a:p>
+            <a:pPr algn="ctr"/>
+            <a:endParaRPr kumimoji="1" lang="ja-JP" altLang="en-US"/>
+          </a:p>
+        </p:txBody>
+      </p:sp>
+    </p:spTree>
+    <p:extLst>
+      <p:ext uri="{BB962C8B-B14F-4D97-AF65-F5344CB8AC3E}">
+        <p14:creationId xmlns:p14="http://schemas.microsoft.com/office/powerpoint/2010/main" val="956852709"/>
+      </p:ext>
+    </p:extLst>
+  </p:cSld>
+  <p:clrMapOvr>
+    <a:masterClrMapping/>
+  </p:clrMapOvr>
+</p:sld>
+</file>
+
+<file path=ppt/slides/slide18.xml><?xml version="1.0" encoding="utf-8"?>
+<p:sld xmlns:a="http://schemas.openxmlformats.org/drawingml/2006/main" xmlns:r="http://schemas.openxmlformats.org/officeDocument/2006/relationships" xmlns:p="http://schemas.openxmlformats.org/presentationml/2006/main">
+  <p:cSld>
+    <p:spTree>
+      <p:nvGrpSpPr>
+        <p:cNvPr id="1" name=""/>
+        <p:cNvGrpSpPr/>
+        <p:nvPr/>
+      </p:nvGrpSpPr>
+      <p:grpSpPr>
+        <a:xfrm>
+          <a:off x="0" y="0"/>
+          <a:ext cx="0" cy="0"/>
+          <a:chOff x="0" y="0"/>
+          <a:chExt cx="0" cy="0"/>
+        </a:xfrm>
+      </p:grpSpPr>
+      <p:sp>
+        <p:nvSpPr>
+          <p:cNvPr id="2" name="タイトル 1">
+            <a:extLst>
+              <a:ext uri="{FF2B5EF4-FFF2-40B4-BE49-F238E27FC236}">
+                <a16:creationId xmlns:a16="http://schemas.microsoft.com/office/drawing/2014/main" id="{9DB07FFC-E15D-C837-289C-4EE2F653212D}"/>
+              </a:ext>
+            </a:extLst>
+          </p:cNvPr>
+          <p:cNvSpPr>
+            <a:spLocks noGrp="1"/>
+          </p:cNvSpPr>
+          <p:nvPr>
+            <p:ph type="title"/>
+          </p:nvPr>
+        </p:nvSpPr>
+        <p:spPr/>
+        <p:txBody>
+          <a:bodyPr/>
+          <a:lstStyle/>
+          <a:p>
+            <a:r>
+              <a:rPr kumimoji="1" lang="en-US" altLang="ja-JP" dirty="0"/>
+              <a:t>VSCODE</a:t>
+            </a:r>
+            <a:r>
+              <a:rPr kumimoji="1" lang="ja-JP" altLang="en-US" dirty="0"/>
+              <a:t>の準備</a:t>
+            </a:r>
+          </a:p>
+        </p:txBody>
+      </p:sp>
+      <p:sp>
+        <p:nvSpPr>
+          <p:cNvPr id="3" name="テキスト プレースホルダー 2">
+            <a:extLst>
+              <a:ext uri="{FF2B5EF4-FFF2-40B4-BE49-F238E27FC236}">
+                <a16:creationId xmlns:a16="http://schemas.microsoft.com/office/drawing/2014/main" id="{0E18CA35-6714-DE87-DFC8-A79AF8C75957}"/>
+              </a:ext>
+            </a:extLst>
+          </p:cNvPr>
+          <p:cNvSpPr>
+            <a:spLocks noGrp="1"/>
+          </p:cNvSpPr>
+          <p:nvPr>
+            <p:ph type="body" idx="1"/>
+          </p:nvPr>
+        </p:nvSpPr>
+        <p:spPr/>
+        <p:txBody>
+          <a:bodyPr/>
+          <a:lstStyle/>
+          <a:p>
+            <a:pPr marL="139700" indent="0">
+              <a:buNone/>
+            </a:pPr>
+            <a:r>
+              <a:rPr kumimoji="1" lang="en-US" altLang="ja-JP" dirty="0"/>
+              <a:t>VSCODE</a:t>
+            </a:r>
+            <a:r>
+              <a:rPr kumimoji="1" lang="ja-JP" altLang="en-US" dirty="0"/>
+              <a:t>の拡張機能から、</a:t>
+            </a:r>
+            <a:endParaRPr kumimoji="1" lang="en-US" altLang="ja-JP" dirty="0"/>
+          </a:p>
+          <a:p>
+            <a:pPr marL="139700" indent="0">
+              <a:buNone/>
+            </a:pPr>
+            <a:r>
+              <a:rPr kumimoji="1" lang="ja-JP" altLang="en-US" dirty="0"/>
+              <a:t>「</a:t>
+            </a:r>
+            <a:r>
+              <a:rPr kumimoji="1" lang="en-US" altLang="ja-JP" dirty="0" err="1"/>
+              <a:t>Jupyter</a:t>
+            </a:r>
+            <a:r>
+              <a:rPr kumimoji="1" lang="ja-JP" altLang="en-US" dirty="0"/>
+              <a:t>」と検索して、一番上の機能を</a:t>
+            </a:r>
+            <a:endParaRPr kumimoji="1" lang="en-US" altLang="ja-JP" dirty="0"/>
+          </a:p>
+          <a:p>
+            <a:pPr marL="139700" indent="0">
+              <a:buNone/>
+            </a:pPr>
+            <a:r>
+              <a:rPr kumimoji="1" lang="ja-JP" altLang="en-US" dirty="0"/>
+              <a:t>インストールしましょう。</a:t>
+            </a:r>
+            <a:endParaRPr kumimoji="1" lang="en-US" altLang="ja-JP" dirty="0"/>
+          </a:p>
+          <a:p>
+            <a:pPr marL="139700" indent="0">
+              <a:buNone/>
+            </a:pPr>
+            <a:endParaRPr kumimoji="1" lang="en-US" altLang="ja-JP" dirty="0"/>
+          </a:p>
+          <a:p>
+            <a:pPr marL="139700" indent="0">
+              <a:buNone/>
+            </a:pPr>
+            <a:r>
+              <a:rPr kumimoji="1" lang="ja-JP" altLang="en-US" dirty="0"/>
+              <a:t>これで、</a:t>
+            </a:r>
+            <a:r>
+              <a:rPr kumimoji="1" lang="en-US" altLang="ja-JP" dirty="0"/>
+              <a:t>.</a:t>
+            </a:r>
+            <a:r>
+              <a:rPr kumimoji="1" lang="en-US" altLang="ja-JP" dirty="0" err="1"/>
+              <a:t>ipynb</a:t>
+            </a:r>
+            <a:r>
+              <a:rPr kumimoji="1" lang="ja-JP" altLang="en-US" dirty="0"/>
+              <a:t>ファイルは</a:t>
+            </a:r>
+            <a:r>
+              <a:rPr kumimoji="1" lang="en-US" altLang="ja-JP" dirty="0" err="1"/>
+              <a:t>JupyterNoteBook</a:t>
+            </a:r>
+            <a:r>
+              <a:rPr kumimoji="1" lang="ja-JP" altLang="en-US" dirty="0"/>
+              <a:t>として機能します。</a:t>
+            </a:r>
+            <a:endParaRPr kumimoji="1" lang="en-US" altLang="ja-JP" dirty="0"/>
+          </a:p>
+          <a:p>
+            <a:pPr marL="139700" indent="0">
+              <a:buNone/>
+            </a:pPr>
+            <a:r>
+              <a:rPr kumimoji="1" lang="en-US" altLang="ja-JP" dirty="0"/>
+              <a:t>VSCODE</a:t>
+            </a:r>
+            <a:r>
+              <a:rPr kumimoji="1" lang="ja-JP" altLang="en-US" dirty="0"/>
+              <a:t>上で実行できた方が何かと便利なので、</a:t>
+            </a:r>
+            <a:endParaRPr kumimoji="1" lang="en-US" altLang="ja-JP" dirty="0"/>
+          </a:p>
+          <a:p>
+            <a:pPr marL="139700" indent="0">
+              <a:buNone/>
+            </a:pPr>
+            <a:r>
+              <a:rPr kumimoji="1" lang="ja-JP" altLang="en-US" dirty="0"/>
+              <a:t>こちらでコードを書いていきましょう！</a:t>
+            </a:r>
+            <a:endParaRPr kumimoji="1" lang="en-US" altLang="ja-JP" dirty="0"/>
+          </a:p>
+        </p:txBody>
+      </p:sp>
+      <p:pic>
+        <p:nvPicPr>
+          <p:cNvPr id="7" name="図 6">
+            <a:extLst>
+              <a:ext uri="{FF2B5EF4-FFF2-40B4-BE49-F238E27FC236}">
+                <a16:creationId xmlns:a16="http://schemas.microsoft.com/office/drawing/2014/main" id="{CA809B56-8503-57F9-CB52-E185DD8F6A12}"/>
+              </a:ext>
+            </a:extLst>
+          </p:cNvPr>
+          <p:cNvPicPr>
+            <a:picLocks noChangeAspect="1"/>
+          </p:cNvPicPr>
+          <p:nvPr/>
+        </p:nvPicPr>
+        <p:blipFill>
+          <a:blip r:embed="rId2"/>
+          <a:stretch>
+            <a:fillRect/>
+          </a:stretch>
+        </p:blipFill>
+        <p:spPr>
+          <a:xfrm>
+            <a:off x="5206456" y="609601"/>
+            <a:ext cx="5166268" cy="2076450"/>
+          </a:xfrm>
+          <a:prstGeom prst="rect">
+            <a:avLst/>
+          </a:prstGeom>
+        </p:spPr>
+      </p:pic>
+      <p:sp>
+        <p:nvSpPr>
+          <p:cNvPr id="8" name="正方形/長方形 7">
+            <a:extLst>
+              <a:ext uri="{FF2B5EF4-FFF2-40B4-BE49-F238E27FC236}">
+                <a16:creationId xmlns:a16="http://schemas.microsoft.com/office/drawing/2014/main" id="{478632A3-0101-EB9B-FE0E-ECB5826B3958}"/>
+              </a:ext>
+            </a:extLst>
+          </p:cNvPr>
+          <p:cNvSpPr/>
+          <p:nvPr/>
+        </p:nvSpPr>
+        <p:spPr>
+          <a:xfrm>
+            <a:off x="5206456" y="2315417"/>
+            <a:ext cx="238186" cy="217070"/>
+          </a:xfrm>
+          <a:prstGeom prst="rect">
+            <a:avLst/>
+          </a:prstGeom>
+          <a:noFill/>
+          <a:ln w="57150">
+            <a:solidFill>
+              <a:srgbClr val="FF0000"/>
+            </a:solidFill>
+          </a:ln>
+        </p:spPr>
+        <p:style>
+          <a:lnRef idx="2">
+            <a:schemeClr val="accent1">
+              <a:shade val="15000"/>
+            </a:schemeClr>
+          </a:lnRef>
+          <a:fillRef idx="1">
+            <a:schemeClr val="accent1"/>
+          </a:fillRef>
+          <a:effectRef idx="0">
+            <a:schemeClr val="accent1"/>
+          </a:effectRef>
+          <a:fontRef idx="minor">
+            <a:schemeClr val="lt1"/>
+          </a:fontRef>
+        </p:style>
+        <p:txBody>
+          <a:bodyPr rtlCol="0" anchor="ctr"/>
+          <a:lstStyle/>
+          <a:p>
+            <a:pPr algn="ctr"/>
+            <a:endParaRPr kumimoji="1" lang="ja-JP" altLang="en-US"/>
+          </a:p>
+        </p:txBody>
+      </p:sp>
+      <p:sp>
+        <p:nvSpPr>
+          <p:cNvPr id="9" name="正方形/長方形 8">
+            <a:extLst>
+              <a:ext uri="{FF2B5EF4-FFF2-40B4-BE49-F238E27FC236}">
+                <a16:creationId xmlns:a16="http://schemas.microsoft.com/office/drawing/2014/main" id="{C9A8A08B-0E0C-93E0-E6F0-C8FE55639EE8}"/>
+              </a:ext>
+            </a:extLst>
+          </p:cNvPr>
+          <p:cNvSpPr/>
+          <p:nvPr/>
+        </p:nvSpPr>
+        <p:spPr>
+          <a:xfrm>
+            <a:off x="5444641" y="1102331"/>
+            <a:ext cx="1099033" cy="335944"/>
+          </a:xfrm>
+          <a:prstGeom prst="rect">
+            <a:avLst/>
+          </a:prstGeom>
+          <a:noFill/>
+          <a:ln w="57150">
+            <a:solidFill>
+              <a:srgbClr val="FF0000"/>
+            </a:solidFill>
+          </a:ln>
+        </p:spPr>
+        <p:style>
+          <a:lnRef idx="2">
+            <a:schemeClr val="accent1">
+              <a:shade val="15000"/>
+            </a:schemeClr>
+          </a:lnRef>
+          <a:fillRef idx="1">
+            <a:schemeClr val="accent1"/>
+          </a:fillRef>
+          <a:effectRef idx="0">
+            <a:schemeClr val="accent1"/>
+          </a:effectRef>
+          <a:fontRef idx="minor">
+            <a:schemeClr val="lt1"/>
+          </a:fontRef>
+        </p:style>
+        <p:txBody>
+          <a:bodyPr rtlCol="0" anchor="ctr"/>
+          <a:lstStyle/>
+          <a:p>
+            <a:pPr algn="ctr"/>
+            <a:endParaRPr kumimoji="1" lang="ja-JP" altLang="en-US"/>
+          </a:p>
+        </p:txBody>
+      </p:sp>
+    </p:spTree>
+    <p:extLst>
+      <p:ext uri="{BB962C8B-B14F-4D97-AF65-F5344CB8AC3E}">
+        <p14:creationId xmlns:p14="http://schemas.microsoft.com/office/powerpoint/2010/main" val="895501827"/>
       </p:ext>
     </p:extLst>
   </p:cSld>
@@ -11593,7 +15972,9 @@
         </p:nvSpPr>
         <p:spPr/>
         <p:txBody>
-          <a:bodyPr/>
+          <a:bodyPr>
+            <a:normAutofit lnSpcReduction="10000"/>
+          </a:bodyPr>
           <a:lstStyle/>
           <a:p>
             <a:r>
@@ -11664,6 +16045,42 @@
                 <a:hlinkClick r:id="rId7" action="ppaction://hlinksldjump"/>
               </a:rPr>
               <a:t>とは？</a:t>
+            </a:r>
+            <a:endParaRPr kumimoji="1" lang="en-US" altLang="ja-JP" sz="2400" dirty="0"/>
+          </a:p>
+          <a:p>
+            <a:r>
+              <a:rPr kumimoji="1" lang="ja-JP" altLang="en-US" sz="2400" dirty="0">
+                <a:hlinkClick r:id="rId8" action="ppaction://hlinksldjump"/>
+              </a:rPr>
+              <a:t>追加資料</a:t>
+            </a:r>
+            <a:endParaRPr kumimoji="1" lang="en-US" altLang="ja-JP" sz="2400" dirty="0"/>
+          </a:p>
+          <a:p>
+            <a:r>
+              <a:rPr kumimoji="1" lang="en-US" altLang="ja-JP" sz="2400" dirty="0">
+                <a:hlinkClick r:id="rId9" action="ppaction://hlinksldjump"/>
+              </a:rPr>
+              <a:t>VSCODE</a:t>
+            </a:r>
+            <a:r>
+              <a:rPr kumimoji="1" lang="ja-JP" altLang="en-US" sz="2400" dirty="0">
+                <a:hlinkClick r:id="rId9" action="ppaction://hlinksldjump"/>
+              </a:rPr>
+              <a:t>で</a:t>
+            </a:r>
+            <a:r>
+              <a:rPr kumimoji="1" lang="en-US" altLang="ja-JP" sz="2400" dirty="0" err="1">
+                <a:hlinkClick r:id="rId9" action="ppaction://hlinksldjump"/>
+              </a:rPr>
+              <a:t>Jupyter</a:t>
+            </a:r>
+            <a:r>
+              <a:rPr kumimoji="1" lang="ja-JP" altLang="en-US" sz="2400" dirty="0">
+                <a:hlinkClick r:id="rId9" action="ppaction://hlinksldjump"/>
+              </a:rPr>
+              <a:t>を準備する</a:t>
             </a:r>
             <a:endParaRPr kumimoji="1" lang="en-US" altLang="ja-JP" sz="2400" dirty="0"/>
           </a:p>
@@ -12228,6 +16645,239 @@
           <p:cNvPr id="2" name="タイトル 1">
             <a:extLst>
               <a:ext uri="{FF2B5EF4-FFF2-40B4-BE49-F238E27FC236}">
+                <a16:creationId xmlns:a16="http://schemas.microsoft.com/office/drawing/2014/main" id="{3FC89D57-D9AF-02D9-0C8A-4D4A5BF26607}"/>
+              </a:ext>
+            </a:extLst>
+          </p:cNvPr>
+          <p:cNvSpPr>
+            <a:spLocks noGrp="1"/>
+          </p:cNvSpPr>
+          <p:nvPr>
+            <p:ph type="title"/>
+          </p:nvPr>
+        </p:nvSpPr>
+        <p:spPr/>
+        <p:txBody>
+          <a:bodyPr/>
+          <a:lstStyle/>
+          <a:p>
+            <a:r>
+              <a:rPr kumimoji="1" lang="ja-JP" altLang="en-US" dirty="0"/>
+              <a:t>コースの概要</a:t>
+            </a:r>
+          </a:p>
+        </p:txBody>
+      </p:sp>
+      <p:sp>
+        <p:nvSpPr>
+          <p:cNvPr id="3" name="テキスト プレースホルダー 2">
+            <a:extLst>
+              <a:ext uri="{FF2B5EF4-FFF2-40B4-BE49-F238E27FC236}">
+                <a16:creationId xmlns:a16="http://schemas.microsoft.com/office/drawing/2014/main" id="{C6370BDC-9BB2-E1A7-5320-2553E434211F}"/>
+              </a:ext>
+            </a:extLst>
+          </p:cNvPr>
+          <p:cNvSpPr>
+            <a:spLocks noGrp="1"/>
+          </p:cNvSpPr>
+          <p:nvPr>
+            <p:ph type="body" idx="1"/>
+          </p:nvPr>
+        </p:nvSpPr>
+        <p:spPr/>
+        <p:txBody>
+          <a:bodyPr>
+            <a:normAutofit lnSpcReduction="10000"/>
+          </a:bodyPr>
+          <a:lstStyle/>
+          <a:p>
+            <a:pPr marL="139700" indent="0">
+              <a:buNone/>
+            </a:pPr>
+            <a:r>
+              <a:rPr kumimoji="1" lang="ja-JP" altLang="en-US" dirty="0"/>
+              <a:t>「けど別にブロック崩しエンジニアになりたいわけじゃないよ？」</a:t>
+            </a:r>
+            <a:endParaRPr kumimoji="1" lang="en-US" altLang="ja-JP" dirty="0"/>
+          </a:p>
+          <a:p>
+            <a:pPr marL="139700" indent="0">
+              <a:buNone/>
+            </a:pPr>
+            <a:endParaRPr kumimoji="1" lang="en-US" altLang="ja-JP" sz="800" dirty="0"/>
+          </a:p>
+          <a:p>
+            <a:pPr marL="139700" indent="0">
+              <a:buNone/>
+            </a:pPr>
+            <a:r>
+              <a:rPr kumimoji="1" lang="ja-JP" altLang="en-US" dirty="0"/>
+              <a:t>ぱっと見て</a:t>
+            </a:r>
+            <a:r>
+              <a:rPr kumimoji="1" lang="ja-JP" altLang="en-US" dirty="0">
+                <a:solidFill>
+                  <a:srgbClr val="FF0000"/>
+                </a:solidFill>
+              </a:rPr>
+              <a:t>訳の分からないもの</a:t>
+            </a:r>
+            <a:r>
+              <a:rPr kumimoji="1" lang="ja-JP" altLang="en-US" dirty="0"/>
+              <a:t>は、</a:t>
+            </a:r>
+            <a:endParaRPr kumimoji="1" lang="en-US" altLang="ja-JP" dirty="0"/>
+          </a:p>
+          <a:p>
+            <a:pPr marL="139700" indent="0">
+              <a:buNone/>
+            </a:pPr>
+            <a:r>
+              <a:rPr kumimoji="1" lang="ja-JP" altLang="en-US" dirty="0"/>
+              <a:t>実は分解すると</a:t>
+            </a:r>
+            <a:r>
+              <a:rPr kumimoji="1" lang="ja-JP" altLang="en-US" dirty="0">
+                <a:solidFill>
+                  <a:schemeClr val="accent1"/>
+                </a:solidFill>
+              </a:rPr>
+              <a:t>分かるものの</a:t>
+            </a:r>
+            <a:r>
+              <a:rPr kumimoji="1" lang="ja-JP" altLang="en-US" dirty="0"/>
+              <a:t>組み合わせである。</a:t>
+            </a:r>
+            <a:endParaRPr kumimoji="1" lang="en-US" altLang="ja-JP" dirty="0"/>
+          </a:p>
+          <a:p>
+            <a:pPr marL="139700" indent="0">
+              <a:buNone/>
+            </a:pPr>
+            <a:r>
+              <a:rPr kumimoji="1" lang="ja-JP" altLang="en-US" dirty="0"/>
+              <a:t>ということが分かる。</a:t>
+            </a:r>
+            <a:endParaRPr kumimoji="1" lang="en-US" altLang="ja-JP" dirty="0"/>
+          </a:p>
+          <a:p>
+            <a:pPr marL="139700" indent="0">
+              <a:buNone/>
+            </a:pPr>
+            <a:endParaRPr kumimoji="1" lang="en-US" altLang="ja-JP" sz="800" dirty="0"/>
+          </a:p>
+          <a:p>
+            <a:pPr marL="139700" indent="0">
+              <a:buNone/>
+            </a:pPr>
+            <a:r>
+              <a:rPr kumimoji="1" lang="ja-JP" altLang="en-US" dirty="0"/>
+              <a:t>「これができるようになると？」</a:t>
+            </a:r>
+            <a:endParaRPr kumimoji="1" lang="en-US" altLang="ja-JP" dirty="0"/>
+          </a:p>
+          <a:p>
+            <a:pPr marL="139700" indent="0">
+              <a:buNone/>
+            </a:pPr>
+            <a:endParaRPr kumimoji="1" lang="en-US" altLang="ja-JP" sz="800" dirty="0"/>
+          </a:p>
+          <a:p>
+            <a:pPr marL="139700" indent="0">
+              <a:buNone/>
+            </a:pPr>
+            <a:r>
+              <a:rPr kumimoji="1" lang="ja-JP" altLang="en-US" dirty="0">
+                <a:solidFill>
+                  <a:srgbClr val="FF0000"/>
+                </a:solidFill>
+              </a:rPr>
+              <a:t>自分のやりたいことを想像</a:t>
+            </a:r>
+            <a:r>
+              <a:rPr kumimoji="1" lang="ja-JP" altLang="en-US" dirty="0"/>
+              <a:t>して、</a:t>
+            </a:r>
+            <a:endParaRPr kumimoji="1" lang="en-US" altLang="ja-JP" dirty="0"/>
+          </a:p>
+          <a:p>
+            <a:pPr marL="139700" indent="0">
+              <a:buNone/>
+            </a:pPr>
+            <a:r>
+              <a:rPr kumimoji="1" lang="ja-JP" altLang="en-US" dirty="0"/>
+              <a:t>それが</a:t>
+            </a:r>
+            <a:r>
+              <a:rPr kumimoji="1" lang="ja-JP" altLang="en-US" dirty="0">
+                <a:solidFill>
+                  <a:schemeClr val="accent1"/>
+                </a:solidFill>
+              </a:rPr>
+              <a:t>分かるものの</a:t>
+            </a:r>
+            <a:r>
+              <a:rPr kumimoji="1" lang="ja-JP" altLang="en-US" dirty="0"/>
+              <a:t>で組み合わせで実現できるかもしれない</a:t>
+            </a:r>
+            <a:r>
+              <a:rPr kumimoji="1" lang="en-US" altLang="ja-JP" dirty="0"/>
+              <a:t>!?</a:t>
+            </a:r>
+          </a:p>
+          <a:p>
+            <a:pPr marL="139700" indent="0">
+              <a:buNone/>
+            </a:pPr>
+            <a:r>
+              <a:rPr kumimoji="1" lang="ja-JP" altLang="en-US" dirty="0"/>
+              <a:t>と考えられるようになる。</a:t>
+            </a:r>
+            <a:endParaRPr kumimoji="1" lang="en-US" altLang="ja-JP" dirty="0"/>
+          </a:p>
+          <a:p>
+            <a:pPr marL="139700" indent="0">
+              <a:buNone/>
+            </a:pPr>
+            <a:endParaRPr kumimoji="1" lang="ja-JP" altLang="en-US" dirty="0"/>
+          </a:p>
+        </p:txBody>
+      </p:sp>
+    </p:spTree>
+    <p:extLst>
+      <p:ext uri="{BB962C8B-B14F-4D97-AF65-F5344CB8AC3E}">
+        <p14:creationId xmlns:p14="http://schemas.microsoft.com/office/powerpoint/2010/main" val="4198947886"/>
+      </p:ext>
+    </p:extLst>
+  </p:cSld>
+  <p:clrMapOvr>
+    <a:masterClrMapping/>
+  </p:clrMapOvr>
+</p:sld>
+</file>
+
+<file path=ppt/slides/slide6.xml><?xml version="1.0" encoding="utf-8"?>
+<p:sld xmlns:a="http://schemas.openxmlformats.org/drawingml/2006/main" xmlns:r="http://schemas.openxmlformats.org/officeDocument/2006/relationships" xmlns:p="http://schemas.openxmlformats.org/presentationml/2006/main">
+  <p:cSld>
+    <p:spTree>
+      <p:nvGrpSpPr>
+        <p:cNvPr id="1" name=""/>
+        <p:cNvGrpSpPr/>
+        <p:nvPr/>
+      </p:nvGrpSpPr>
+      <p:grpSpPr>
+        <a:xfrm>
+          <a:off x="0" y="0"/>
+          <a:ext cx="0" cy="0"/>
+          <a:chOff x="0" y="0"/>
+          <a:chExt cx="0" cy="0"/>
+        </a:xfrm>
+      </p:grpSpPr>
+      <p:sp>
+        <p:nvSpPr>
+          <p:cNvPr id="2" name="タイトル 1">
+            <a:extLst>
+              <a:ext uri="{FF2B5EF4-FFF2-40B4-BE49-F238E27FC236}">
                 <a16:creationId xmlns:a16="http://schemas.microsoft.com/office/drawing/2014/main" id="{FF89E40D-DFCF-C01A-4723-09404BC62B18}"/>
               </a:ext>
             </a:extLst>
@@ -12272,8 +16922,8 @@
         </p:nvSpPr>
         <p:spPr>
           <a:xfrm>
-            <a:off x="151198" y="4823114"/>
-            <a:ext cx="8806564" cy="4592366"/>
+            <a:off x="168718" y="4771801"/>
+            <a:ext cx="8806564" cy="9257616"/>
           </a:xfrm>
           <a:prstGeom prst="rect">
             <a:avLst/>
@@ -12384,7 +17034,7 @@
         </p:nvSpPr>
         <p:spPr>
           <a:xfrm>
-            <a:off x="6397087" y="5833726"/>
+            <a:off x="6183370" y="4695002"/>
             <a:ext cx="2407223" cy="318801"/>
           </a:xfrm>
           <a:prstGeom prst="roundRect">
@@ -12427,7 +17077,7 @@
               <a:rPr kumimoji="1" lang="ja-JP" altLang="en-US" b="1" dirty="0">
                 <a:hlinkClick r:id="rId2" action="ppaction://hlinksldjump"/>
               </a:rPr>
-              <a:t>本コースの勉強資料</a:t>
+              <a:t>ブロック崩し</a:t>
             </a:r>
             <a:endParaRPr kumimoji="1" lang="en-US" altLang="ja-JP" b="1" dirty="0"/>
           </a:p>
@@ -12906,7 +17556,15 @@
             <a:pPr algn="ctr"/>
             <a:r>
               <a:rPr kumimoji="1" lang="ja-JP" altLang="en-US" dirty="0"/>
-              <a:t>ブロック崩しは作ったことがある</a:t>
+              <a:t>ブロック崩しを</a:t>
+            </a:r>
+            <a:endParaRPr kumimoji="1" lang="en-US" altLang="ja-JP" dirty="0"/>
+          </a:p>
+          <a:p>
+            <a:pPr algn="ctr"/>
+            <a:r>
+              <a:rPr kumimoji="1" lang="ja-JP" altLang="en-US" dirty="0"/>
+              <a:t>作ったことがある</a:t>
             </a:r>
             <a:endParaRPr kumimoji="1" lang="en-US" altLang="ja-JP" dirty="0"/>
           </a:p>
@@ -12924,14 +17582,14 @@
           <p:cNvCxnSpPr>
             <a:cxnSpLocks/>
             <a:stCxn id="49" idx="2"/>
-            <a:endCxn id="80" idx="0"/>
+            <a:endCxn id="41" idx="0"/>
           </p:cNvCxnSpPr>
           <p:nvPr/>
         </p:nvCxnSpPr>
         <p:spPr>
           <a:xfrm rot="5400000">
-            <a:off x="4209612" y="5289133"/>
-            <a:ext cx="311011" cy="783"/>
+            <a:off x="4243555" y="5255182"/>
+            <a:ext cx="243117" cy="790"/>
           </a:xfrm>
           <a:prstGeom prst="bentConnector3">
             <a:avLst>
@@ -12960,78 +17618,6 @@
           </a:fontRef>
         </p:style>
       </p:cxnSp>
-      <p:sp>
-        <p:nvSpPr>
-          <p:cNvPr id="80" name="四角形: 角を丸くする 79">
-            <a:extLst>
-              <a:ext uri="{FF2B5EF4-FFF2-40B4-BE49-F238E27FC236}">
-                <a16:creationId xmlns:a16="http://schemas.microsoft.com/office/drawing/2014/main" id="{7062721E-EF73-8C43-EB34-B6BEF0455020}"/>
-              </a:ext>
-            </a:extLst>
-          </p:cNvPr>
-          <p:cNvSpPr/>
-          <p:nvPr/>
-        </p:nvSpPr>
-        <p:spPr>
-          <a:xfrm>
-            <a:off x="3161113" y="5445030"/>
-            <a:ext cx="2407223" cy="557164"/>
-          </a:xfrm>
-          <a:prstGeom prst="roundRect">
-            <a:avLst/>
-          </a:prstGeom>
-          <a:solidFill>
-            <a:schemeClr val="accent1">
-              <a:alpha val="70000"/>
-            </a:schemeClr>
-          </a:solidFill>
-          <a:ln>
-            <a:noFill/>
-          </a:ln>
-        </p:spPr>
-        <p:style>
-          <a:lnRef idx="2">
-            <a:schemeClr val="accent1">
-              <a:shade val="15000"/>
-            </a:schemeClr>
-          </a:lnRef>
-          <a:fillRef idx="1">
-            <a:schemeClr val="accent1"/>
-          </a:fillRef>
-          <a:effectRef idx="0">
-            <a:schemeClr val="accent1"/>
-          </a:effectRef>
-          <a:fontRef idx="minor">
-            <a:schemeClr val="lt1"/>
-          </a:fontRef>
-        </p:style>
-        <p:txBody>
-          <a:bodyPr lIns="18000" tIns="36000" rIns="18000" bIns="36000" rtlCol="0" anchor="ctr">
-            <a:spAutoFit/>
-          </a:bodyPr>
-          <a:lstStyle/>
-          <a:p>
-            <a:pPr algn="ctr"/>
-            <a:r>
-              <a:rPr kumimoji="1" lang="en-US" altLang="ja-JP" dirty="0"/>
-              <a:t>Python</a:t>
-            </a:r>
-            <a:r>
-              <a:rPr kumimoji="1" lang="ja-JP" altLang="en-US" dirty="0"/>
-              <a:t>をやってみたい。</a:t>
-            </a:r>
-            <a:endParaRPr kumimoji="1" lang="en-US" altLang="ja-JP" dirty="0"/>
-          </a:p>
-          <a:p>
-            <a:pPr algn="ctr"/>
-            <a:r>
-              <a:rPr kumimoji="1" lang="ja-JP" altLang="en-US" dirty="0"/>
-              <a:t>もしくはやったことがある。</a:t>
-            </a:r>
-            <a:endParaRPr kumimoji="1" lang="en-US" altLang="ja-JP" dirty="0"/>
-          </a:p>
-        </p:txBody>
-      </p:sp>
       <p:cxnSp>
         <p:nvCxnSpPr>
           <p:cNvPr id="84" name="コネクタ: カギ線 83">
@@ -13043,19 +17629,19 @@
           </p:cNvPr>
           <p:cNvCxnSpPr>
             <a:cxnSpLocks/>
-            <a:stCxn id="80" idx="2"/>
+            <a:stCxn id="41" idx="2"/>
             <a:endCxn id="91" idx="0"/>
           </p:cNvCxnSpPr>
           <p:nvPr/>
         </p:nvCxnSpPr>
         <p:spPr>
           <a:xfrm rot="5400000">
-            <a:off x="4166655" y="6200260"/>
-            <a:ext cx="396137" cy="5"/>
+            <a:off x="1458732" y="6055196"/>
+            <a:ext cx="3026882" cy="2785090"/>
           </a:xfrm>
           <a:prstGeom prst="bentConnector3">
             <a:avLst>
-              <a:gd name="adj1" fmla="val 50000"/>
+              <a:gd name="adj1" fmla="val 76433"/>
             </a:avLst>
           </a:prstGeom>
           <a:ln w="19050">
@@ -13094,7 +17680,7 @@
         </p:nvSpPr>
         <p:spPr>
           <a:xfrm>
-            <a:off x="3161109" y="7112486"/>
+            <a:off x="376017" y="9675337"/>
             <a:ext cx="2407223" cy="557164"/>
           </a:xfrm>
           <a:prstGeom prst="roundRect">
@@ -13137,32 +17723,21 @@
               <a:rPr kumimoji="1" lang="ja-JP" altLang="en-US" b="1" dirty="0">
                 <a:hlinkClick r:id="rId3" action="ppaction://hlinksldjump"/>
               </a:rPr>
-              <a:t>本コースの追加資料</a:t>
+              <a:t>関数化</a:t>
+            </a:r>
+            <a:endParaRPr kumimoji="1" lang="en-US" altLang="ja-JP" b="1" dirty="0">
+              <a:hlinkClick r:id="rId3" action="ppaction://hlinksldjump"/>
+            </a:endParaRPr>
+          </a:p>
+          <a:p>
+            <a:pPr algn="ctr"/>
+            <a:r>
+              <a:rPr kumimoji="1" lang="ja-JP" altLang="en-US" b="1" dirty="0">
+                <a:hlinkClick r:id="rId3" action="ppaction://hlinksldjump"/>
+              </a:rPr>
+              <a:t>クラス化</a:t>
             </a:r>
             <a:endParaRPr kumimoji="1" lang="en-US" altLang="ja-JP" b="1" dirty="0"/>
-          </a:p>
-          <a:p>
-            <a:pPr algn="ctr"/>
-            <a:r>
-              <a:rPr kumimoji="1" lang="en-US" altLang="ja-JP" b="1" dirty="0"/>
-              <a:t>(</a:t>
-            </a:r>
-            <a:r>
-              <a:rPr kumimoji="1" lang="ja-JP" altLang="en-US" b="1" dirty="0"/>
-              <a:t>関数</a:t>
-            </a:r>
-            <a:r>
-              <a:rPr kumimoji="1" lang="en-US" altLang="ja-JP" b="1" dirty="0"/>
-              <a:t>/</a:t>
-            </a:r>
-            <a:r>
-              <a:rPr kumimoji="1" lang="ja-JP" altLang="en-US" b="1" dirty="0"/>
-              <a:t>クラスについて、など</a:t>
-            </a:r>
-            <a:r>
-              <a:rPr kumimoji="1" lang="en-US" altLang="ja-JP" b="1" dirty="0"/>
-              <a:t>)</a:t>
-            </a:r>
           </a:p>
         </p:txBody>
       </p:sp>
@@ -13180,7 +17755,7 @@
         </p:nvSpPr>
         <p:spPr>
           <a:xfrm>
-            <a:off x="3124809" y="6398331"/>
+            <a:off x="339717" y="8961182"/>
             <a:ext cx="2479822" cy="318801"/>
           </a:xfrm>
           <a:prstGeom prst="roundRect">
@@ -13243,9 +17818,9 @@
           <p:nvPr/>
         </p:nvCxnSpPr>
         <p:spPr>
-          <a:xfrm>
-            <a:off x="5569119" y="4855437"/>
-            <a:ext cx="827968" cy="1137690"/>
+          <a:xfrm flipV="1">
+            <a:off x="5569119" y="4854403"/>
+            <a:ext cx="614251" cy="1034"/>
           </a:xfrm>
           <a:prstGeom prst="bentConnector3">
             <a:avLst>
@@ -13291,9 +17866,9 @@
           <p:nvPr/>
         </p:nvCxnSpPr>
         <p:spPr>
-          <a:xfrm>
-            <a:off x="5568337" y="4012184"/>
-            <a:ext cx="518702" cy="8395"/>
+          <a:xfrm flipV="1">
+            <a:off x="5568337" y="3296146"/>
+            <a:ext cx="549431" cy="716038"/>
           </a:xfrm>
           <a:prstGeom prst="bentConnector3">
             <a:avLst>
@@ -13336,7 +17911,7 @@
         </p:nvSpPr>
         <p:spPr>
           <a:xfrm>
-            <a:off x="6087039" y="3861178"/>
+            <a:off x="6117768" y="3136745"/>
             <a:ext cx="2538426" cy="318801"/>
           </a:xfrm>
           <a:prstGeom prst="roundRect">
@@ -13399,9 +17974,9 @@
           <p:nvPr/>
         </p:nvCxnSpPr>
         <p:spPr>
-          <a:xfrm rot="5400000">
-            <a:off x="7209666" y="4323463"/>
-            <a:ext cx="290070" cy="3103"/>
+          <a:xfrm rot="16200000" flipH="1">
+            <a:off x="7224022" y="3618504"/>
+            <a:ext cx="325918" cy="1"/>
           </a:xfrm>
           <a:prstGeom prst="bentConnector3">
             <a:avLst>
@@ -13444,7 +18019,7 @@
         </p:nvSpPr>
         <p:spPr>
           <a:xfrm>
-            <a:off x="6149537" y="4470049"/>
+            <a:off x="6183370" y="3781464"/>
             <a:ext cx="2407223" cy="318801"/>
           </a:xfrm>
           <a:prstGeom prst="roundRect">
@@ -13509,13 +18084,13 @@
         </p:nvCxnSpPr>
         <p:spPr>
           <a:xfrm flipH="1">
-            <a:off x="7600699" y="4020579"/>
-            <a:ext cx="1024766" cy="1813147"/>
+            <a:off x="7386982" y="3296146"/>
+            <a:ext cx="1269212" cy="1398856"/>
           </a:xfrm>
           <a:prstGeom prst="bentConnector4">
             <a:avLst>
-              <a:gd name="adj1" fmla="val -22308"/>
-              <a:gd name="adj2" fmla="val 63852"/>
+              <a:gd name="adj1" fmla="val -18011"/>
+              <a:gd name="adj2" fmla="val 79530"/>
             </a:avLst>
           </a:prstGeom>
           <a:ln w="19050">
@@ -13558,7 +18133,7 @@
         </p:nvCxnSpPr>
         <p:spPr>
           <a:xfrm rot="16200000" flipH="1">
-            <a:off x="4167043" y="6914808"/>
+            <a:off x="1381951" y="9477659"/>
             <a:ext cx="395354" cy="1"/>
           </a:xfrm>
           <a:prstGeom prst="bentConnector3">
@@ -13606,7 +18181,7 @@
         </p:nvCxnSpPr>
         <p:spPr>
           <a:xfrm>
-            <a:off x="5604631" y="6557732"/>
+            <a:off x="2819539" y="9120583"/>
             <a:ext cx="262134" cy="766"/>
           </a:xfrm>
           <a:prstGeom prst="bentConnector3">
@@ -13650,7 +18225,7 @@
         </p:nvSpPr>
         <p:spPr>
           <a:xfrm>
-            <a:off x="5939364" y="8120883"/>
+            <a:off x="3154272" y="10683734"/>
             <a:ext cx="2407223" cy="318801"/>
           </a:xfrm>
           <a:prstGeom prst="roundRect">
@@ -13697,54 +18272,6 @@
           </a:p>
         </p:txBody>
       </p:sp>
-      <p:cxnSp>
-        <p:nvCxnSpPr>
-          <p:cNvPr id="224" name="コネクタ: カギ線 223">
-            <a:extLst>
-              <a:ext uri="{FF2B5EF4-FFF2-40B4-BE49-F238E27FC236}">
-                <a16:creationId xmlns:a16="http://schemas.microsoft.com/office/drawing/2014/main" id="{B2E3E798-EBBF-011D-3F0C-2A8F56BAC51C}"/>
-              </a:ext>
-            </a:extLst>
-          </p:cNvPr>
-          <p:cNvCxnSpPr>
-            <a:cxnSpLocks/>
-            <a:stCxn id="80" idx="3"/>
-            <a:endCxn id="123" idx="1"/>
-          </p:cNvCxnSpPr>
-          <p:nvPr/>
-        </p:nvCxnSpPr>
-        <p:spPr>
-          <a:xfrm flipV="1">
-            <a:off x="5568336" y="4020579"/>
-            <a:ext cx="518703" cy="1703033"/>
-          </a:xfrm>
-          <a:prstGeom prst="bentConnector3">
-            <a:avLst>
-              <a:gd name="adj1" fmla="val 50000"/>
-            </a:avLst>
-          </a:prstGeom>
-          <a:ln w="19050">
-            <a:solidFill>
-              <a:srgbClr val="FF0000"/>
-            </a:solidFill>
-            <a:tailEnd type="triangle"/>
-          </a:ln>
-        </p:spPr>
-        <p:style>
-          <a:lnRef idx="1">
-            <a:schemeClr val="accent1"/>
-          </a:lnRef>
-          <a:fillRef idx="0">
-            <a:schemeClr val="accent1"/>
-          </a:fillRef>
-          <a:effectRef idx="0">
-            <a:schemeClr val="accent1"/>
-          </a:effectRef>
-          <a:fontRef idx="minor">
-            <a:schemeClr val="tx1"/>
-          </a:fontRef>
-        </p:style>
-      </p:cxnSp>
       <p:sp>
         <p:nvSpPr>
           <p:cNvPr id="246" name="テキスト プレースホルダー 2">
@@ -13993,7 +18520,7 @@
         </p:nvSpPr>
         <p:spPr>
           <a:xfrm>
-            <a:off x="5866765" y="6399097"/>
+            <a:off x="3081673" y="8961948"/>
             <a:ext cx="2479822" cy="318801"/>
           </a:xfrm>
           <a:prstGeom prst="roundRect">
@@ -14057,8 +18584,8 @@
         </p:nvCxnSpPr>
         <p:spPr>
           <a:xfrm rot="16200000" flipH="1">
-            <a:off x="6913572" y="6911001"/>
-            <a:ext cx="386208" cy="1"/>
+            <a:off x="4068890" y="9533442"/>
+            <a:ext cx="505389" cy="1"/>
           </a:xfrm>
           <a:prstGeom prst="bentConnector3">
             <a:avLst>
@@ -14099,18 +18626,18 @@
           <p:cNvCxnSpPr>
             <a:cxnSpLocks/>
             <a:stCxn id="4" idx="3"/>
-            <a:endCxn id="153" idx="3"/>
+            <a:endCxn id="69" idx="1"/>
           </p:cNvCxnSpPr>
           <p:nvPr/>
         </p:nvCxnSpPr>
         <p:spPr>
-          <a:xfrm>
-            <a:off x="8346587" y="6558498"/>
-            <a:ext cx="12700" cy="1721786"/>
+          <a:xfrm flipV="1">
+            <a:off x="5561495" y="9120583"/>
+            <a:ext cx="389264" cy="766"/>
           </a:xfrm>
           <a:prstGeom prst="bentConnector3">
             <a:avLst>
-              <a:gd name="adj1" fmla="val 1800000"/>
+              <a:gd name="adj1" fmla="val 50000"/>
             </a:avLst>
           </a:prstGeom>
           <a:ln w="19050">
@@ -14149,8 +18676,8 @@
         </p:nvSpPr>
         <p:spPr>
           <a:xfrm>
-            <a:off x="5903065" y="7104106"/>
-            <a:ext cx="2407223" cy="557164"/>
+            <a:off x="3117973" y="9786138"/>
+            <a:ext cx="2407223" cy="318801"/>
           </a:xfrm>
           <a:prstGeom prst="roundRect">
             <a:avLst/>
@@ -14192,27 +18719,407 @@
               <a:rPr kumimoji="1" lang="ja-JP" altLang="en-US" b="1" dirty="0">
                 <a:hlinkClick r:id="rId4" action="ppaction://hlinksldjump"/>
               </a:rPr>
-              <a:t>本コースの追加資料</a:t>
+              <a:t>物理演算もどき</a:t>
             </a:r>
             <a:endParaRPr kumimoji="1" lang="en-US" altLang="ja-JP" b="1" dirty="0"/>
-          </a:p>
-          <a:p>
-            <a:pPr algn="ctr"/>
-            <a:r>
-              <a:rPr kumimoji="1" lang="en-US" altLang="ja-JP" b="1" dirty="0"/>
-              <a:t>(</a:t>
-            </a:r>
-            <a:r>
-              <a:rPr kumimoji="1" lang="ja-JP" altLang="en-US" b="1" dirty="0"/>
-              <a:t>物理演算もどき</a:t>
-            </a:r>
-            <a:r>
-              <a:rPr kumimoji="1" lang="en-US" altLang="ja-JP" b="1" dirty="0"/>
-              <a:t>)</a:t>
-            </a:r>
           </a:p>
         </p:txBody>
       </p:sp>
+      <p:sp>
+        <p:nvSpPr>
+          <p:cNvPr id="41" name="四角形: 角を丸くする 40">
+            <a:extLst>
+              <a:ext uri="{FF2B5EF4-FFF2-40B4-BE49-F238E27FC236}">
+                <a16:creationId xmlns:a16="http://schemas.microsoft.com/office/drawing/2014/main" id="{588972EE-BA7F-8CF4-E44A-36F34992123A}"/>
+              </a:ext>
+            </a:extLst>
+          </p:cNvPr>
+          <p:cNvSpPr/>
+          <p:nvPr/>
+        </p:nvSpPr>
+        <p:spPr>
+          <a:xfrm>
+            <a:off x="3161106" y="5377136"/>
+            <a:ext cx="2407223" cy="557164"/>
+          </a:xfrm>
+          <a:prstGeom prst="roundRect">
+            <a:avLst/>
+          </a:prstGeom>
+          <a:solidFill>
+            <a:schemeClr val="accent1">
+              <a:alpha val="70000"/>
+            </a:schemeClr>
+          </a:solidFill>
+          <a:ln>
+            <a:noFill/>
+          </a:ln>
+        </p:spPr>
+        <p:style>
+          <a:lnRef idx="2">
+            <a:schemeClr val="accent1">
+              <a:shade val="15000"/>
+            </a:schemeClr>
+          </a:lnRef>
+          <a:fillRef idx="1">
+            <a:schemeClr val="accent1"/>
+          </a:fillRef>
+          <a:effectRef idx="0">
+            <a:schemeClr val="accent1"/>
+          </a:effectRef>
+          <a:fontRef idx="minor">
+            <a:schemeClr val="lt1"/>
+          </a:fontRef>
+        </p:style>
+        <p:txBody>
+          <a:bodyPr lIns="18000" tIns="36000" rIns="18000" bIns="36000" rtlCol="0" anchor="ctr">
+            <a:spAutoFit/>
+          </a:bodyPr>
+          <a:lstStyle/>
+          <a:p>
+            <a:pPr algn="ctr"/>
+            <a:r>
+              <a:rPr kumimoji="1" lang="ja-JP" altLang="en-US" dirty="0"/>
+              <a:t>シューティングゲームを</a:t>
+            </a:r>
+            <a:endParaRPr kumimoji="1" lang="en-US" altLang="ja-JP" dirty="0"/>
+          </a:p>
+          <a:p>
+            <a:pPr algn="ctr"/>
+            <a:r>
+              <a:rPr kumimoji="1" lang="ja-JP" altLang="en-US" dirty="0"/>
+              <a:t>作ったことがある</a:t>
+            </a:r>
+            <a:endParaRPr kumimoji="1" lang="en-US" altLang="ja-JP" dirty="0"/>
+          </a:p>
+        </p:txBody>
+      </p:sp>
+      <p:cxnSp>
+        <p:nvCxnSpPr>
+          <p:cNvPr id="46" name="コネクタ: カギ線 45">
+            <a:extLst>
+              <a:ext uri="{FF2B5EF4-FFF2-40B4-BE49-F238E27FC236}">
+                <a16:creationId xmlns:a16="http://schemas.microsoft.com/office/drawing/2014/main" id="{E681952A-08D1-8004-E1E8-6639D091F9C7}"/>
+              </a:ext>
+            </a:extLst>
+          </p:cNvPr>
+          <p:cNvCxnSpPr>
+            <a:cxnSpLocks/>
+          </p:cNvCxnSpPr>
+          <p:nvPr/>
+        </p:nvCxnSpPr>
+        <p:spPr>
+          <a:xfrm flipV="1">
+            <a:off x="5569119" y="5663752"/>
+            <a:ext cx="614251" cy="1034"/>
+          </a:xfrm>
+          <a:prstGeom prst="bentConnector3">
+            <a:avLst>
+              <a:gd name="adj1" fmla="val 50000"/>
+            </a:avLst>
+          </a:prstGeom>
+          <a:ln w="19050">
+            <a:solidFill>
+              <a:srgbClr val="FF0000"/>
+            </a:solidFill>
+            <a:tailEnd type="triangle"/>
+          </a:ln>
+        </p:spPr>
+        <p:style>
+          <a:lnRef idx="1">
+            <a:schemeClr val="accent1"/>
+          </a:lnRef>
+          <a:fillRef idx="0">
+            <a:schemeClr val="accent1"/>
+          </a:fillRef>
+          <a:effectRef idx="0">
+            <a:schemeClr val="accent1"/>
+          </a:effectRef>
+          <a:fontRef idx="minor">
+            <a:schemeClr val="tx1"/>
+          </a:fontRef>
+        </p:style>
+      </p:cxnSp>
+      <p:sp>
+        <p:nvSpPr>
+          <p:cNvPr id="47" name="四角形: 角を丸くする 46">
+            <a:extLst>
+              <a:ext uri="{FF2B5EF4-FFF2-40B4-BE49-F238E27FC236}">
+                <a16:creationId xmlns:a16="http://schemas.microsoft.com/office/drawing/2014/main" id="{CC126464-F944-21BA-616E-0D259FEBD250}"/>
+              </a:ext>
+            </a:extLst>
+          </p:cNvPr>
+          <p:cNvSpPr/>
+          <p:nvPr/>
+        </p:nvSpPr>
+        <p:spPr>
+          <a:xfrm>
+            <a:off x="6183370" y="5500695"/>
+            <a:ext cx="2407223" cy="318801"/>
+          </a:xfrm>
+          <a:prstGeom prst="roundRect">
+            <a:avLst/>
+          </a:prstGeom>
+          <a:solidFill>
+            <a:schemeClr val="accent4">
+              <a:lumMod val="75000"/>
+              <a:alpha val="70000"/>
+            </a:schemeClr>
+          </a:solidFill>
+          <a:ln>
+            <a:noFill/>
+          </a:ln>
+        </p:spPr>
+        <p:style>
+          <a:lnRef idx="2">
+            <a:schemeClr val="accent1">
+              <a:shade val="15000"/>
+            </a:schemeClr>
+          </a:lnRef>
+          <a:fillRef idx="1">
+            <a:schemeClr val="accent1"/>
+          </a:fillRef>
+          <a:effectRef idx="0">
+            <a:schemeClr val="accent1"/>
+          </a:effectRef>
+          <a:fontRef idx="minor">
+            <a:schemeClr val="lt1"/>
+          </a:fontRef>
+        </p:style>
+        <p:txBody>
+          <a:bodyPr lIns="18000" tIns="36000" rIns="18000" bIns="36000" rtlCol="0" anchor="ctr">
+            <a:spAutoFit/>
+          </a:bodyPr>
+          <a:lstStyle/>
+          <a:p>
+            <a:pPr algn="ctr"/>
+            <a:r>
+              <a:rPr kumimoji="1" lang="ja-JP" altLang="en-US" b="1" dirty="0">
+                <a:hlinkClick r:id="rId5" action="ppaction://hlinksldjump"/>
+              </a:rPr>
+              <a:t>シューティング</a:t>
+            </a:r>
+            <a:endParaRPr kumimoji="1" lang="en-US" altLang="ja-JP" b="1" dirty="0"/>
+          </a:p>
+        </p:txBody>
+      </p:sp>
+      <p:sp>
+        <p:nvSpPr>
+          <p:cNvPr id="69" name="四角形: 角を丸くする 68">
+            <a:extLst>
+              <a:ext uri="{FF2B5EF4-FFF2-40B4-BE49-F238E27FC236}">
+                <a16:creationId xmlns:a16="http://schemas.microsoft.com/office/drawing/2014/main" id="{678486FE-D580-9695-77AB-594A3846C0D2}"/>
+              </a:ext>
+            </a:extLst>
+          </p:cNvPr>
+          <p:cNvSpPr/>
+          <p:nvPr/>
+        </p:nvSpPr>
+        <p:spPr>
+          <a:xfrm>
+            <a:off x="5950759" y="8961182"/>
+            <a:ext cx="2479822" cy="318801"/>
+          </a:xfrm>
+          <a:prstGeom prst="roundRect">
+            <a:avLst/>
+          </a:prstGeom>
+          <a:solidFill>
+            <a:schemeClr val="accent1">
+              <a:alpha val="70000"/>
+            </a:schemeClr>
+          </a:solidFill>
+          <a:ln>
+            <a:noFill/>
+          </a:ln>
+        </p:spPr>
+        <p:style>
+          <a:lnRef idx="2">
+            <a:schemeClr val="accent1">
+              <a:shade val="15000"/>
+            </a:schemeClr>
+          </a:lnRef>
+          <a:fillRef idx="1">
+            <a:schemeClr val="accent1"/>
+          </a:fillRef>
+          <a:effectRef idx="0">
+            <a:schemeClr val="accent1"/>
+          </a:effectRef>
+          <a:fontRef idx="minor">
+            <a:schemeClr val="lt1"/>
+          </a:fontRef>
+        </p:style>
+        <p:txBody>
+          <a:bodyPr wrap="square" lIns="18000" tIns="36000" rIns="18000" bIns="36000" rtlCol="0" anchor="ctr">
+            <a:spAutoFit/>
+          </a:bodyPr>
+          <a:lstStyle/>
+          <a:p>
+            <a:pPr algn="ctr"/>
+            <a:r>
+              <a:rPr kumimoji="1" lang="ja-JP" altLang="en-US" dirty="0"/>
+              <a:t>画像や音をつけてみたい</a:t>
+            </a:r>
+            <a:endParaRPr kumimoji="1" lang="en-US" altLang="ja-JP" dirty="0"/>
+          </a:p>
+        </p:txBody>
+      </p:sp>
+      <p:cxnSp>
+        <p:nvCxnSpPr>
+          <p:cNvPr id="72" name="コネクタ: カギ線 71">
+            <a:extLst>
+              <a:ext uri="{FF2B5EF4-FFF2-40B4-BE49-F238E27FC236}">
+                <a16:creationId xmlns:a16="http://schemas.microsoft.com/office/drawing/2014/main" id="{5A0CF2E1-2B34-C070-DD3A-B6609EC90A32}"/>
+              </a:ext>
+            </a:extLst>
+          </p:cNvPr>
+          <p:cNvCxnSpPr>
+            <a:cxnSpLocks/>
+            <a:stCxn id="69" idx="2"/>
+          </p:cNvCxnSpPr>
+          <p:nvPr/>
+        </p:nvCxnSpPr>
+        <p:spPr>
+          <a:xfrm rot="5400000">
+            <a:off x="6936284" y="9531751"/>
+            <a:ext cx="506154" cy="2619"/>
+          </a:xfrm>
+          <a:prstGeom prst="bentConnector3">
+            <a:avLst>
+              <a:gd name="adj1" fmla="val 50000"/>
+            </a:avLst>
+          </a:prstGeom>
+          <a:ln w="19050">
+            <a:solidFill>
+              <a:schemeClr val="accent1"/>
+            </a:solidFill>
+            <a:tailEnd type="triangle"/>
+          </a:ln>
+        </p:spPr>
+        <p:style>
+          <a:lnRef idx="1">
+            <a:schemeClr val="accent1"/>
+          </a:lnRef>
+          <a:fillRef idx="0">
+            <a:schemeClr val="accent1"/>
+          </a:fillRef>
+          <a:effectRef idx="0">
+            <a:schemeClr val="accent1"/>
+          </a:effectRef>
+          <a:fontRef idx="minor">
+            <a:schemeClr val="tx1"/>
+          </a:fontRef>
+        </p:style>
+      </p:cxnSp>
+      <p:sp>
+        <p:nvSpPr>
+          <p:cNvPr id="73" name="四角形: 角を丸くする 72">
+            <a:extLst>
+              <a:ext uri="{FF2B5EF4-FFF2-40B4-BE49-F238E27FC236}">
+                <a16:creationId xmlns:a16="http://schemas.microsoft.com/office/drawing/2014/main" id="{200F780A-A953-B797-5694-EC96161257CD}"/>
+              </a:ext>
+            </a:extLst>
+          </p:cNvPr>
+          <p:cNvSpPr/>
+          <p:nvPr/>
+        </p:nvSpPr>
+        <p:spPr>
+          <a:xfrm>
+            <a:off x="6032883" y="9786137"/>
+            <a:ext cx="2407223" cy="318801"/>
+          </a:xfrm>
+          <a:prstGeom prst="roundRect">
+            <a:avLst/>
+          </a:prstGeom>
+          <a:solidFill>
+            <a:schemeClr val="accent4">
+              <a:lumMod val="75000"/>
+              <a:alpha val="70000"/>
+            </a:schemeClr>
+          </a:solidFill>
+          <a:ln>
+            <a:noFill/>
+          </a:ln>
+        </p:spPr>
+        <p:style>
+          <a:lnRef idx="2">
+            <a:schemeClr val="accent1">
+              <a:shade val="15000"/>
+            </a:schemeClr>
+          </a:lnRef>
+          <a:fillRef idx="1">
+            <a:schemeClr val="accent1"/>
+          </a:fillRef>
+          <a:effectRef idx="0">
+            <a:schemeClr val="accent1"/>
+          </a:effectRef>
+          <a:fontRef idx="minor">
+            <a:schemeClr val="lt1"/>
+          </a:fontRef>
+        </p:style>
+        <p:txBody>
+          <a:bodyPr lIns="18000" tIns="36000" rIns="18000" bIns="36000" rtlCol="0" anchor="ctr">
+            <a:spAutoFit/>
+          </a:bodyPr>
+          <a:lstStyle/>
+          <a:p>
+            <a:pPr algn="ctr"/>
+            <a:r>
+              <a:rPr kumimoji="1" lang="ja-JP" altLang="en-US" b="1" dirty="0">
+                <a:hlinkClick r:id="rId6" action="ppaction://hlinksldjump"/>
+              </a:rPr>
+              <a:t>画像と音</a:t>
+            </a:r>
+            <a:endParaRPr kumimoji="1" lang="en-US" altLang="ja-JP" b="1" dirty="0"/>
+          </a:p>
+        </p:txBody>
+      </p:sp>
+      <p:cxnSp>
+        <p:nvCxnSpPr>
+          <p:cNvPr id="82" name="コネクタ: カギ線 81">
+            <a:extLst>
+              <a:ext uri="{FF2B5EF4-FFF2-40B4-BE49-F238E27FC236}">
+                <a16:creationId xmlns:a16="http://schemas.microsoft.com/office/drawing/2014/main" id="{A556F84F-AC35-C43C-C8D8-060A6A743FC2}"/>
+              </a:ext>
+            </a:extLst>
+          </p:cNvPr>
+          <p:cNvCxnSpPr>
+            <a:cxnSpLocks/>
+            <a:stCxn id="73" idx="3"/>
+            <a:endCxn id="153" idx="3"/>
+          </p:cNvCxnSpPr>
+          <p:nvPr/>
+        </p:nvCxnSpPr>
+        <p:spPr>
+          <a:xfrm flipH="1">
+            <a:off x="5561495" y="9945538"/>
+            <a:ext cx="2878611" cy="897597"/>
+          </a:xfrm>
+          <a:prstGeom prst="bentConnector3">
+            <a:avLst>
+              <a:gd name="adj1" fmla="val -7941"/>
+            </a:avLst>
+          </a:prstGeom>
+          <a:ln w="19050">
+            <a:solidFill>
+              <a:srgbClr val="FF0000"/>
+            </a:solidFill>
+            <a:tailEnd type="triangle"/>
+          </a:ln>
+        </p:spPr>
+        <p:style>
+          <a:lnRef idx="1">
+            <a:schemeClr val="accent1"/>
+          </a:lnRef>
+          <a:fillRef idx="0">
+            <a:schemeClr val="accent1"/>
+          </a:fillRef>
+          <a:effectRef idx="0">
+            <a:schemeClr val="accent1"/>
+          </a:effectRef>
+          <a:fontRef idx="minor">
+            <a:schemeClr val="tx1"/>
+          </a:fontRef>
+        </p:style>
+      </p:cxnSp>
     </p:spTree>
     <p:extLst>
       <p:ext uri="{BB962C8B-B14F-4D97-AF65-F5344CB8AC3E}">
@@ -14226,7 +19133,7 @@
 </p:sld>
 </file>
 
-<file path=ppt/slides/slide6.xml><?xml version="1.0" encoding="utf-8"?>
+<file path=ppt/slides/slide7.xml><?xml version="1.0" encoding="utf-8"?>
 <p:sld xmlns:a="http://schemas.openxmlformats.org/drawingml/2006/main" xmlns:r="http://schemas.openxmlformats.org/officeDocument/2006/relationships" xmlns:p="http://schemas.openxmlformats.org/presentationml/2006/main">
   <p:cSld>
     <p:spTree>
@@ -14563,7 +19470,7 @@
 </p:sld>
 </file>
 
-<file path=ppt/slides/slide7.xml><?xml version="1.0" encoding="utf-8"?>
+<file path=ppt/slides/slide8.xml><?xml version="1.0" encoding="utf-8"?>
 <p:sld xmlns:a="http://schemas.openxmlformats.org/drawingml/2006/main" xmlns:r="http://schemas.openxmlformats.org/officeDocument/2006/relationships" xmlns:p="http://schemas.openxmlformats.org/presentationml/2006/main">
   <p:cSld>
     <p:spTree>
@@ -14907,7 +19814,7 @@
 </p:sld>
 </file>
 
-<file path=ppt/slides/slide8.xml><?xml version="1.0" encoding="utf-8"?>
+<file path=ppt/slides/slide9.xml><?xml version="1.0" encoding="utf-8"?>
 <p:sld xmlns:a="http://schemas.openxmlformats.org/drawingml/2006/main" xmlns:r="http://schemas.openxmlformats.org/officeDocument/2006/relationships" xmlns:p="http://schemas.openxmlformats.org/presentationml/2006/main">
   <p:cSld>
     <p:spTree>
@@ -15169,3257 +20076,6 @@
     <p:extLst>
       <p:ext uri="{BB962C8B-B14F-4D97-AF65-F5344CB8AC3E}">
         <p14:creationId xmlns:p14="http://schemas.microsoft.com/office/powerpoint/2010/main" val="2370099219"/>
-      </p:ext>
-    </p:extLst>
-  </p:cSld>
-  <p:clrMapOvr>
-    <a:masterClrMapping/>
-  </p:clrMapOvr>
-</p:sld>
-</file>
-
-<file path=ppt/slides/slide9.xml><?xml version="1.0" encoding="utf-8"?>
-<p:sld xmlns:a="http://schemas.openxmlformats.org/drawingml/2006/main" xmlns:r="http://schemas.openxmlformats.org/officeDocument/2006/relationships" xmlns:p="http://schemas.openxmlformats.org/presentationml/2006/main">
-  <p:cSld>
-    <p:spTree>
-      <p:nvGrpSpPr>
-        <p:cNvPr id="1" name=""/>
-        <p:cNvGrpSpPr/>
-        <p:nvPr/>
-      </p:nvGrpSpPr>
-      <p:grpSpPr>
-        <a:xfrm>
-          <a:off x="0" y="0"/>
-          <a:ext cx="0" cy="0"/>
-          <a:chOff x="0" y="0"/>
-          <a:chExt cx="0" cy="0"/>
-        </a:xfrm>
-      </p:grpSpPr>
-      <p:sp>
-        <p:nvSpPr>
-          <p:cNvPr id="2" name="タイトル 1">
-            <a:extLst>
-              <a:ext uri="{FF2B5EF4-FFF2-40B4-BE49-F238E27FC236}">
-                <a16:creationId xmlns:a16="http://schemas.microsoft.com/office/drawing/2014/main" id="{A7846625-8C19-13B5-2A3E-52BA83AFD28B}"/>
-              </a:ext>
-            </a:extLst>
-          </p:cNvPr>
-          <p:cNvSpPr>
-            <a:spLocks noGrp="1"/>
-          </p:cNvSpPr>
-          <p:nvPr>
-            <p:ph type="title"/>
-          </p:nvPr>
-        </p:nvSpPr>
-        <p:spPr/>
-        <p:txBody>
-          <a:bodyPr/>
-          <a:lstStyle/>
-          <a:p>
-            <a:r>
-              <a:rPr kumimoji="1" lang="ja-JP" altLang="en-US" dirty="0"/>
-              <a:t>コーススケジュール</a:t>
-            </a:r>
-          </a:p>
-        </p:txBody>
-      </p:sp>
-      <p:graphicFrame>
-        <p:nvGraphicFramePr>
-          <p:cNvPr id="4" name="表 4">
-            <a:extLst>
-              <a:ext uri="{FF2B5EF4-FFF2-40B4-BE49-F238E27FC236}">
-                <a16:creationId xmlns:a16="http://schemas.microsoft.com/office/drawing/2014/main" id="{3E66E9F7-92B1-B64E-4B33-B315B77043DC}"/>
-              </a:ext>
-            </a:extLst>
-          </p:cNvPr>
-          <p:cNvGraphicFramePr>
-            <a:graphicFrameLocks noGrp="1"/>
-          </p:cNvGraphicFramePr>
-          <p:nvPr>
-            <p:extLst>
-              <p:ext uri="{D42A27DB-BD31-4B8C-83A1-F6EECF244321}">
-                <p14:modId xmlns:p14="http://schemas.microsoft.com/office/powerpoint/2010/main" val="2489806836"/>
-              </p:ext>
-            </p:extLst>
-          </p:nvPr>
-        </p:nvGraphicFramePr>
-        <p:xfrm>
-          <a:off x="628650" y="1459230"/>
-          <a:ext cx="7835187" cy="2225040"/>
-        </p:xfrm>
-        <a:graphic>
-          <a:graphicData uri="http://schemas.openxmlformats.org/drawingml/2006/table">
-            <a:tbl>
-              <a:tblPr firstRow="1" bandRow="1">
-                <a:tableStyleId>{5C22544A-7EE6-4342-B048-85BDC9FD1C3A}</a:tableStyleId>
-              </a:tblPr>
-              <a:tblGrid>
-                <a:gridCol w="1347354">
-                  <a:extLst>
-                    <a:ext uri="{9D8B030D-6E8A-4147-A177-3AD203B41FA5}">
-                      <a16:colId xmlns:a16="http://schemas.microsoft.com/office/drawing/2014/main" val="3766019175"/>
-                    </a:ext>
-                  </a:extLst>
-                </a:gridCol>
-                <a:gridCol w="589803">
-                  <a:extLst>
-                    <a:ext uri="{9D8B030D-6E8A-4147-A177-3AD203B41FA5}">
-                      <a16:colId xmlns:a16="http://schemas.microsoft.com/office/drawing/2014/main" val="2123102281"/>
-                    </a:ext>
-                  </a:extLst>
-                </a:gridCol>
-                <a:gridCol w="589803">
-                  <a:extLst>
-                    <a:ext uri="{9D8B030D-6E8A-4147-A177-3AD203B41FA5}">
-                      <a16:colId xmlns:a16="http://schemas.microsoft.com/office/drawing/2014/main" val="2096339768"/>
-                    </a:ext>
-                  </a:extLst>
-                </a:gridCol>
-                <a:gridCol w="589803">
-                  <a:extLst>
-                    <a:ext uri="{9D8B030D-6E8A-4147-A177-3AD203B41FA5}">
-                      <a16:colId xmlns:a16="http://schemas.microsoft.com/office/drawing/2014/main" val="1195156734"/>
-                    </a:ext>
-                  </a:extLst>
-                </a:gridCol>
-                <a:gridCol w="589803">
-                  <a:extLst>
-                    <a:ext uri="{9D8B030D-6E8A-4147-A177-3AD203B41FA5}">
-                      <a16:colId xmlns:a16="http://schemas.microsoft.com/office/drawing/2014/main" val="2955682945"/>
-                    </a:ext>
-                  </a:extLst>
-                </a:gridCol>
-                <a:gridCol w="589803">
-                  <a:extLst>
-                    <a:ext uri="{9D8B030D-6E8A-4147-A177-3AD203B41FA5}">
-                      <a16:colId xmlns:a16="http://schemas.microsoft.com/office/drawing/2014/main" val="510459631"/>
-                    </a:ext>
-                  </a:extLst>
-                </a:gridCol>
-                <a:gridCol w="589803">
-                  <a:extLst>
-                    <a:ext uri="{9D8B030D-6E8A-4147-A177-3AD203B41FA5}">
-                      <a16:colId xmlns:a16="http://schemas.microsoft.com/office/drawing/2014/main" val="2646855902"/>
-                    </a:ext>
-                  </a:extLst>
-                </a:gridCol>
-                <a:gridCol w="589803">
-                  <a:extLst>
-                    <a:ext uri="{9D8B030D-6E8A-4147-A177-3AD203B41FA5}">
-                      <a16:colId xmlns:a16="http://schemas.microsoft.com/office/drawing/2014/main" val="2354806849"/>
-                    </a:ext>
-                  </a:extLst>
-                </a:gridCol>
-                <a:gridCol w="589803">
-                  <a:extLst>
-                    <a:ext uri="{9D8B030D-6E8A-4147-A177-3AD203B41FA5}">
-                      <a16:colId xmlns:a16="http://schemas.microsoft.com/office/drawing/2014/main" val="1345805478"/>
-                    </a:ext>
-                  </a:extLst>
-                </a:gridCol>
-                <a:gridCol w="589803">
-                  <a:extLst>
-                    <a:ext uri="{9D8B030D-6E8A-4147-A177-3AD203B41FA5}">
-                      <a16:colId xmlns:a16="http://schemas.microsoft.com/office/drawing/2014/main" val="1969549955"/>
-                    </a:ext>
-                  </a:extLst>
-                </a:gridCol>
-                <a:gridCol w="589803">
-                  <a:extLst>
-                    <a:ext uri="{9D8B030D-6E8A-4147-A177-3AD203B41FA5}">
-                      <a16:colId xmlns:a16="http://schemas.microsoft.com/office/drawing/2014/main" val="4287513069"/>
-                    </a:ext>
-                  </a:extLst>
-                </a:gridCol>
-                <a:gridCol w="589803">
-                  <a:extLst>
-                    <a:ext uri="{9D8B030D-6E8A-4147-A177-3AD203B41FA5}">
-                      <a16:colId xmlns:a16="http://schemas.microsoft.com/office/drawing/2014/main" val="2167327611"/>
-                    </a:ext>
-                  </a:extLst>
-                </a:gridCol>
-              </a:tblGrid>
-              <a:tr h="370840">
-                <a:tc>
-                  <a:txBody>
-                    <a:bodyPr/>
-                    <a:lstStyle/>
-                    <a:p>
-                      <a:endParaRPr kumimoji="1" lang="ja-JP" altLang="en-US" dirty="0"/>
-                    </a:p>
-                  </a:txBody>
-                  <a:tcPr/>
-                </a:tc>
-                <a:tc>
-                  <a:txBody>
-                    <a:bodyPr/>
-                    <a:lstStyle/>
-                    <a:p>
-                      <a:pPr algn="ctr"/>
-                      <a:r>
-                        <a:rPr kumimoji="1" lang="en-US" altLang="ja-JP" dirty="0"/>
-                        <a:t>1</a:t>
-                      </a:r>
-                    </a:p>
-                  </a:txBody>
-                  <a:tcPr>
-                    <a:lnB w="38100" cmpd="sng">
-                      <a:noFill/>
-                    </a:lnB>
-                  </a:tcPr>
-                </a:tc>
-                <a:tc>
-                  <a:txBody>
-                    <a:bodyPr/>
-                    <a:lstStyle/>
-                    <a:p>
-                      <a:pPr algn="ctr"/>
-                      <a:r>
-                        <a:rPr kumimoji="1" lang="en-US" altLang="ja-JP" dirty="0"/>
-                        <a:t>2</a:t>
-                      </a:r>
-                      <a:endParaRPr kumimoji="1" lang="ja-JP" altLang="en-US" dirty="0"/>
-                    </a:p>
-                  </a:txBody>
-                  <a:tcPr>
-                    <a:lnB w="38100" cmpd="sng">
-                      <a:noFill/>
-                    </a:lnB>
-                  </a:tcPr>
-                </a:tc>
-                <a:tc>
-                  <a:txBody>
-                    <a:bodyPr/>
-                    <a:lstStyle/>
-                    <a:p>
-                      <a:pPr algn="ctr"/>
-                      <a:r>
-                        <a:rPr kumimoji="1" lang="en-US" altLang="ja-JP" dirty="0"/>
-                        <a:t>3</a:t>
-                      </a:r>
-                      <a:endParaRPr kumimoji="1" lang="ja-JP" altLang="en-US" dirty="0"/>
-                    </a:p>
-                  </a:txBody>
-                  <a:tcPr>
-                    <a:lnB w="38100" cmpd="sng">
-                      <a:noFill/>
-                    </a:lnB>
-                  </a:tcPr>
-                </a:tc>
-                <a:tc>
-                  <a:txBody>
-                    <a:bodyPr/>
-                    <a:lstStyle/>
-                    <a:p>
-                      <a:pPr algn="ctr"/>
-                      <a:r>
-                        <a:rPr kumimoji="1" lang="en-US" altLang="ja-JP" dirty="0"/>
-                        <a:t>4</a:t>
-                      </a:r>
-                      <a:endParaRPr kumimoji="1" lang="ja-JP" altLang="en-US" dirty="0"/>
-                    </a:p>
-                  </a:txBody>
-                  <a:tcPr>
-                    <a:lnB w="38100" cmpd="sng">
-                      <a:noFill/>
-                    </a:lnB>
-                  </a:tcPr>
-                </a:tc>
-                <a:tc>
-                  <a:txBody>
-                    <a:bodyPr/>
-                    <a:lstStyle/>
-                    <a:p>
-                      <a:pPr algn="ctr"/>
-                      <a:r>
-                        <a:rPr kumimoji="1" lang="en-US" altLang="ja-JP" dirty="0"/>
-                        <a:t>5</a:t>
-                      </a:r>
-                      <a:endParaRPr kumimoji="1" lang="ja-JP" altLang="en-US" dirty="0"/>
-                    </a:p>
-                  </a:txBody>
-                  <a:tcPr>
-                    <a:lnB w="38100" cmpd="sng">
-                      <a:noFill/>
-                    </a:lnB>
-                  </a:tcPr>
-                </a:tc>
-                <a:tc>
-                  <a:txBody>
-                    <a:bodyPr/>
-                    <a:lstStyle/>
-                    <a:p>
-                      <a:pPr algn="ctr"/>
-                      <a:r>
-                        <a:rPr kumimoji="1" lang="en-US" altLang="ja-JP" dirty="0"/>
-                        <a:t>6</a:t>
-                      </a:r>
-                      <a:endParaRPr kumimoji="1" lang="ja-JP" altLang="en-US" dirty="0"/>
-                    </a:p>
-                  </a:txBody>
-                  <a:tcPr>
-                    <a:lnB w="38100" cmpd="sng">
-                      <a:noFill/>
-                    </a:lnB>
-                  </a:tcPr>
-                </a:tc>
-                <a:tc>
-                  <a:txBody>
-                    <a:bodyPr/>
-                    <a:lstStyle/>
-                    <a:p>
-                      <a:pPr algn="ctr"/>
-                      <a:r>
-                        <a:rPr kumimoji="1" lang="en-US" altLang="ja-JP" dirty="0"/>
-                        <a:t>7</a:t>
-                      </a:r>
-                      <a:endParaRPr kumimoji="1" lang="ja-JP" altLang="en-US" dirty="0"/>
-                    </a:p>
-                  </a:txBody>
-                  <a:tcPr>
-                    <a:lnB w="38100" cmpd="sng">
-                      <a:noFill/>
-                    </a:lnB>
-                  </a:tcPr>
-                </a:tc>
-                <a:tc>
-                  <a:txBody>
-                    <a:bodyPr/>
-                    <a:lstStyle/>
-                    <a:p>
-                      <a:pPr algn="ctr"/>
-                      <a:r>
-                        <a:rPr kumimoji="1" lang="en-US" altLang="ja-JP" dirty="0"/>
-                        <a:t>8</a:t>
-                      </a:r>
-                      <a:endParaRPr kumimoji="1" lang="ja-JP" altLang="en-US" dirty="0"/>
-                    </a:p>
-                  </a:txBody>
-                  <a:tcPr>
-                    <a:lnB w="38100" cmpd="sng">
-                      <a:noFill/>
-                    </a:lnB>
-                  </a:tcPr>
-                </a:tc>
-                <a:tc>
-                  <a:txBody>
-                    <a:bodyPr/>
-                    <a:lstStyle/>
-                    <a:p>
-                      <a:pPr algn="ctr"/>
-                      <a:r>
-                        <a:rPr kumimoji="1" lang="en-US" altLang="ja-JP" dirty="0"/>
-                        <a:t>9</a:t>
-                      </a:r>
-                      <a:endParaRPr kumimoji="1" lang="ja-JP" altLang="en-US" dirty="0"/>
-                    </a:p>
-                  </a:txBody>
-                  <a:tcPr>
-                    <a:lnB w="38100" cmpd="sng">
-                      <a:noFill/>
-                    </a:lnB>
-                  </a:tcPr>
-                </a:tc>
-                <a:tc>
-                  <a:txBody>
-                    <a:bodyPr/>
-                    <a:lstStyle/>
-                    <a:p>
-                      <a:pPr algn="ctr"/>
-                      <a:r>
-                        <a:rPr kumimoji="1" lang="en-US" altLang="ja-JP" dirty="0"/>
-                        <a:t>10</a:t>
-                      </a:r>
-                      <a:endParaRPr kumimoji="1" lang="ja-JP" altLang="en-US" dirty="0"/>
-                    </a:p>
-                  </a:txBody>
-                  <a:tcPr>
-                    <a:lnB w="38100" cmpd="sng">
-                      <a:noFill/>
-                    </a:lnB>
-                  </a:tcPr>
-                </a:tc>
-                <a:tc>
-                  <a:txBody>
-                    <a:bodyPr/>
-                    <a:lstStyle/>
-                    <a:p>
-                      <a:pPr algn="ctr"/>
-                      <a:r>
-                        <a:rPr kumimoji="1" lang="en-US" altLang="ja-JP" dirty="0"/>
-                        <a:t>11</a:t>
-                      </a:r>
-                      <a:endParaRPr kumimoji="1" lang="ja-JP" altLang="en-US" dirty="0"/>
-                    </a:p>
-                  </a:txBody>
-                  <a:tcPr>
-                    <a:lnB w="38100" cmpd="sng">
-                      <a:noFill/>
-                    </a:lnB>
-                  </a:tcPr>
-                </a:tc>
-                <a:extLst>
-                  <a:ext uri="{0D108BD9-81ED-4DB2-BD59-A6C34878D82A}">
-                    <a16:rowId xmlns:a16="http://schemas.microsoft.com/office/drawing/2014/main" val="1255988096"/>
-                  </a:ext>
-                </a:extLst>
-              </a:tr>
-              <a:tr h="370840">
-                <a:tc>
-                  <a:txBody>
-                    <a:bodyPr/>
-                    <a:lstStyle/>
-                    <a:p>
-                      <a:r>
-                        <a:rPr kumimoji="1" lang="ja-JP" altLang="en-US" dirty="0"/>
-                        <a:t>環境構築</a:t>
-                      </a:r>
-                    </a:p>
-                  </a:txBody>
-                  <a:tcPr>
-                    <a:lnR w="12700" cmpd="sng">
-                      <a:noFill/>
-                    </a:lnR>
-                    <a:solidFill>
-                      <a:schemeClr val="accent1">
-                        <a:lumMod val="20000"/>
-                        <a:lumOff val="80000"/>
-                      </a:schemeClr>
-                    </a:solidFill>
-                  </a:tcPr>
-                </a:tc>
-                <a:tc>
-                  <a:txBody>
-                    <a:bodyPr/>
-                    <a:lstStyle/>
-                    <a:p>
-                      <a:endParaRPr kumimoji="1" lang="ja-JP" altLang="en-US" dirty="0"/>
-                    </a:p>
-                  </a:txBody>
-                  <a:tcPr>
-                    <a:lnL w="12700" cmpd="sng">
-                      <a:noFill/>
-                    </a:lnL>
-                    <a:lnR w="12700" cap="flat" cmpd="sng" algn="ctr">
-                      <a:solidFill>
-                        <a:schemeClr val="tx1"/>
-                      </a:solidFill>
-                      <a:prstDash val="dot"/>
-                      <a:round/>
-                      <a:headEnd type="none" w="med" len="med"/>
-                      <a:tailEnd type="none" w="med" len="med"/>
-                    </a:lnR>
-                    <a:lnT w="38100" cmpd="sng">
-                      <a:noFill/>
-                    </a:lnT>
-                    <a:lnB w="12700" cmpd="sng">
-                      <a:noFill/>
-                    </a:lnB>
-                    <a:lnTlToBr w="12700" cmpd="sng">
-                      <a:noFill/>
-                      <a:prstDash val="solid"/>
-                    </a:lnTlToBr>
-                    <a:lnBlToTr w="12700" cmpd="sng">
-                      <a:noFill/>
-                      <a:prstDash val="solid"/>
-                    </a:lnBlToTr>
-                    <a:solidFill>
-                      <a:schemeClr val="accent4">
-                        <a:lumMod val="60000"/>
-                        <a:lumOff val="40000"/>
-                      </a:schemeClr>
-                    </a:solidFill>
-                  </a:tcPr>
-                </a:tc>
-                <a:tc>
-                  <a:txBody>
-                    <a:bodyPr/>
-                    <a:lstStyle/>
-                    <a:p>
-                      <a:endParaRPr kumimoji="1" lang="ja-JP" altLang="en-US" dirty="0"/>
-                    </a:p>
-                  </a:txBody>
-                  <a:tcPr>
-                    <a:lnL w="12700" cap="flat" cmpd="sng" algn="ctr">
-                      <a:solidFill>
-                        <a:schemeClr val="tx1"/>
-                      </a:solidFill>
-                      <a:prstDash val="dot"/>
-                      <a:round/>
-                      <a:headEnd type="none" w="med" len="med"/>
-                      <a:tailEnd type="none" w="med" len="med"/>
-                    </a:lnL>
-                    <a:lnR w="12700" cap="flat" cmpd="sng" algn="ctr">
-                      <a:solidFill>
-                        <a:schemeClr val="tx1"/>
-                      </a:solidFill>
-                      <a:prstDash val="dot"/>
-                      <a:round/>
-                      <a:headEnd type="none" w="med" len="med"/>
-                      <a:tailEnd type="none" w="med" len="med"/>
-                    </a:lnR>
-                    <a:lnT w="38100" cmpd="sng">
-                      <a:noFill/>
-                    </a:lnT>
-                    <a:lnB w="12700" cmpd="sng">
-                      <a:noFill/>
-                    </a:lnB>
-                    <a:lnTlToBr w="12700" cmpd="sng">
-                      <a:noFill/>
-                      <a:prstDash val="solid"/>
-                    </a:lnTlToBr>
-                    <a:lnBlToTr w="12700" cmpd="sng">
-                      <a:noFill/>
-                      <a:prstDash val="solid"/>
-                    </a:lnBlToTr>
-                    <a:solidFill>
-                      <a:schemeClr val="bg1"/>
-                    </a:solidFill>
-                  </a:tcPr>
-                </a:tc>
-                <a:tc>
-                  <a:txBody>
-                    <a:bodyPr/>
-                    <a:lstStyle/>
-                    <a:p>
-                      <a:endParaRPr kumimoji="1" lang="ja-JP" altLang="en-US" dirty="0"/>
-                    </a:p>
-                  </a:txBody>
-                  <a:tcPr>
-                    <a:lnL w="12700" cap="flat" cmpd="sng" algn="ctr">
-                      <a:solidFill>
-                        <a:schemeClr val="tx1"/>
-                      </a:solidFill>
-                      <a:prstDash val="dot"/>
-                      <a:round/>
-                      <a:headEnd type="none" w="med" len="med"/>
-                      <a:tailEnd type="none" w="med" len="med"/>
-                    </a:lnL>
-                    <a:lnR w="12700" cap="flat" cmpd="sng" algn="ctr">
-                      <a:solidFill>
-                        <a:schemeClr val="tx1"/>
-                      </a:solidFill>
-                      <a:prstDash val="dot"/>
-                      <a:round/>
-                      <a:headEnd type="none" w="med" len="med"/>
-                      <a:tailEnd type="none" w="med" len="med"/>
-                    </a:lnR>
-                    <a:lnT w="38100" cmpd="sng">
-                      <a:noFill/>
-                    </a:lnT>
-                    <a:lnB w="12700" cmpd="sng">
-                      <a:noFill/>
-                    </a:lnB>
-                    <a:lnTlToBr w="12700" cmpd="sng">
-                      <a:noFill/>
-                      <a:prstDash val="solid"/>
-                    </a:lnTlToBr>
-                    <a:lnBlToTr w="12700" cmpd="sng">
-                      <a:noFill/>
-                      <a:prstDash val="solid"/>
-                    </a:lnBlToTr>
-                    <a:solidFill>
-                      <a:schemeClr val="bg1"/>
-                    </a:solidFill>
-                  </a:tcPr>
-                </a:tc>
-                <a:tc>
-                  <a:txBody>
-                    <a:bodyPr/>
-                    <a:lstStyle/>
-                    <a:p>
-                      <a:endParaRPr kumimoji="1" lang="ja-JP" altLang="en-US" dirty="0"/>
-                    </a:p>
-                  </a:txBody>
-                  <a:tcPr>
-                    <a:lnL w="12700" cap="flat" cmpd="sng" algn="ctr">
-                      <a:solidFill>
-                        <a:schemeClr val="tx1"/>
-                      </a:solidFill>
-                      <a:prstDash val="dot"/>
-                      <a:round/>
-                      <a:headEnd type="none" w="med" len="med"/>
-                      <a:tailEnd type="none" w="med" len="med"/>
-                    </a:lnL>
-                    <a:lnR w="12700" cap="flat" cmpd="sng" algn="ctr">
-                      <a:solidFill>
-                        <a:schemeClr val="tx1"/>
-                      </a:solidFill>
-                      <a:prstDash val="dot"/>
-                      <a:round/>
-                      <a:headEnd type="none" w="med" len="med"/>
-                      <a:tailEnd type="none" w="med" len="med"/>
-                    </a:lnR>
-                    <a:lnT w="38100" cmpd="sng">
-                      <a:noFill/>
-                    </a:lnT>
-                    <a:lnB w="12700" cmpd="sng">
-                      <a:noFill/>
-                    </a:lnB>
-                    <a:lnTlToBr w="12700" cmpd="sng">
-                      <a:noFill/>
-                      <a:prstDash val="solid"/>
-                    </a:lnTlToBr>
-                    <a:lnBlToTr w="12700" cmpd="sng">
-                      <a:noFill/>
-                      <a:prstDash val="solid"/>
-                    </a:lnBlToTr>
-                    <a:solidFill>
-                      <a:schemeClr val="bg1"/>
-                    </a:solidFill>
-                  </a:tcPr>
-                </a:tc>
-                <a:tc>
-                  <a:txBody>
-                    <a:bodyPr/>
-                    <a:lstStyle/>
-                    <a:p>
-                      <a:endParaRPr kumimoji="1" lang="ja-JP" altLang="en-US" dirty="0"/>
-                    </a:p>
-                  </a:txBody>
-                  <a:tcPr>
-                    <a:lnL w="12700" cap="flat" cmpd="sng" algn="ctr">
-                      <a:solidFill>
-                        <a:schemeClr val="tx1"/>
-                      </a:solidFill>
-                      <a:prstDash val="dot"/>
-                      <a:round/>
-                      <a:headEnd type="none" w="med" len="med"/>
-                      <a:tailEnd type="none" w="med" len="med"/>
-                    </a:lnL>
-                    <a:lnR w="12700" cap="flat" cmpd="sng" algn="ctr">
-                      <a:solidFill>
-                        <a:schemeClr val="tx1"/>
-                      </a:solidFill>
-                      <a:prstDash val="dot"/>
-                      <a:round/>
-                      <a:headEnd type="none" w="med" len="med"/>
-                      <a:tailEnd type="none" w="med" len="med"/>
-                    </a:lnR>
-                    <a:lnT w="38100" cmpd="sng">
-                      <a:noFill/>
-                    </a:lnT>
-                    <a:lnB w="12700" cmpd="sng">
-                      <a:noFill/>
-                    </a:lnB>
-                    <a:lnTlToBr w="12700" cmpd="sng">
-                      <a:noFill/>
-                      <a:prstDash val="solid"/>
-                    </a:lnTlToBr>
-                    <a:lnBlToTr w="12700" cmpd="sng">
-                      <a:noFill/>
-                      <a:prstDash val="solid"/>
-                    </a:lnBlToTr>
-                    <a:solidFill>
-                      <a:schemeClr val="bg1"/>
-                    </a:solidFill>
-                  </a:tcPr>
-                </a:tc>
-                <a:tc>
-                  <a:txBody>
-                    <a:bodyPr/>
-                    <a:lstStyle/>
-                    <a:p>
-                      <a:endParaRPr kumimoji="1" lang="ja-JP" altLang="en-US" dirty="0"/>
-                    </a:p>
-                  </a:txBody>
-                  <a:tcPr>
-                    <a:lnL w="12700" cap="flat" cmpd="sng" algn="ctr">
-                      <a:solidFill>
-                        <a:schemeClr val="tx1"/>
-                      </a:solidFill>
-                      <a:prstDash val="dot"/>
-                      <a:round/>
-                      <a:headEnd type="none" w="med" len="med"/>
-                      <a:tailEnd type="none" w="med" len="med"/>
-                    </a:lnL>
-                    <a:lnR w="12700" cap="flat" cmpd="sng" algn="ctr">
-                      <a:solidFill>
-                        <a:schemeClr val="tx1"/>
-                      </a:solidFill>
-                      <a:prstDash val="dot"/>
-                      <a:round/>
-                      <a:headEnd type="none" w="med" len="med"/>
-                      <a:tailEnd type="none" w="med" len="med"/>
-                    </a:lnR>
-                    <a:lnT w="38100" cmpd="sng">
-                      <a:noFill/>
-                    </a:lnT>
-                    <a:lnB w="12700" cmpd="sng">
-                      <a:noFill/>
-                    </a:lnB>
-                    <a:lnTlToBr w="12700" cmpd="sng">
-                      <a:noFill/>
-                      <a:prstDash val="solid"/>
-                    </a:lnTlToBr>
-                    <a:lnBlToTr w="12700" cmpd="sng">
-                      <a:noFill/>
-                      <a:prstDash val="solid"/>
-                    </a:lnBlToTr>
-                    <a:solidFill>
-                      <a:schemeClr val="bg1"/>
-                    </a:solidFill>
-                  </a:tcPr>
-                </a:tc>
-                <a:tc>
-                  <a:txBody>
-                    <a:bodyPr/>
-                    <a:lstStyle/>
-                    <a:p>
-                      <a:endParaRPr kumimoji="1" lang="ja-JP" altLang="en-US"/>
-                    </a:p>
-                  </a:txBody>
-                  <a:tcPr>
-                    <a:lnL w="12700" cap="flat" cmpd="sng" algn="ctr">
-                      <a:solidFill>
-                        <a:schemeClr val="tx1"/>
-                      </a:solidFill>
-                      <a:prstDash val="dot"/>
-                      <a:round/>
-                      <a:headEnd type="none" w="med" len="med"/>
-                      <a:tailEnd type="none" w="med" len="med"/>
-                    </a:lnL>
-                    <a:lnR w="12700" cap="flat" cmpd="sng" algn="ctr">
-                      <a:solidFill>
-                        <a:schemeClr val="tx1"/>
-                      </a:solidFill>
-                      <a:prstDash val="dot"/>
-                      <a:round/>
-                      <a:headEnd type="none" w="med" len="med"/>
-                      <a:tailEnd type="none" w="med" len="med"/>
-                    </a:lnR>
-                    <a:lnT w="38100" cmpd="sng">
-                      <a:noFill/>
-                    </a:lnT>
-                    <a:lnB w="12700" cmpd="sng">
-                      <a:noFill/>
-                    </a:lnB>
-                    <a:lnTlToBr w="12700" cmpd="sng">
-                      <a:noFill/>
-                      <a:prstDash val="solid"/>
-                    </a:lnTlToBr>
-                    <a:lnBlToTr w="12700" cmpd="sng">
-                      <a:noFill/>
-                      <a:prstDash val="solid"/>
-                    </a:lnBlToTr>
-                    <a:solidFill>
-                      <a:schemeClr val="bg1"/>
-                    </a:solidFill>
-                  </a:tcPr>
-                </a:tc>
-                <a:tc>
-                  <a:txBody>
-                    <a:bodyPr/>
-                    <a:lstStyle/>
-                    <a:p>
-                      <a:endParaRPr kumimoji="1" lang="ja-JP" altLang="en-US"/>
-                    </a:p>
-                  </a:txBody>
-                  <a:tcPr>
-                    <a:lnL w="12700" cap="flat" cmpd="sng" algn="ctr">
-                      <a:solidFill>
-                        <a:schemeClr val="tx1"/>
-                      </a:solidFill>
-                      <a:prstDash val="dot"/>
-                      <a:round/>
-                      <a:headEnd type="none" w="med" len="med"/>
-                      <a:tailEnd type="none" w="med" len="med"/>
-                    </a:lnL>
-                    <a:lnR w="12700" cap="flat" cmpd="sng" algn="ctr">
-                      <a:solidFill>
-                        <a:schemeClr val="tx1"/>
-                      </a:solidFill>
-                      <a:prstDash val="dot"/>
-                      <a:round/>
-                      <a:headEnd type="none" w="med" len="med"/>
-                      <a:tailEnd type="none" w="med" len="med"/>
-                    </a:lnR>
-                    <a:lnT w="38100" cmpd="sng">
-                      <a:noFill/>
-                    </a:lnT>
-                    <a:lnB w="12700" cmpd="sng">
-                      <a:noFill/>
-                    </a:lnB>
-                    <a:lnTlToBr w="12700" cmpd="sng">
-                      <a:noFill/>
-                      <a:prstDash val="solid"/>
-                    </a:lnTlToBr>
-                    <a:lnBlToTr w="12700" cmpd="sng">
-                      <a:noFill/>
-                      <a:prstDash val="solid"/>
-                    </a:lnBlToTr>
-                    <a:solidFill>
-                      <a:schemeClr val="bg1"/>
-                    </a:solidFill>
-                  </a:tcPr>
-                </a:tc>
-                <a:tc>
-                  <a:txBody>
-                    <a:bodyPr/>
-                    <a:lstStyle/>
-                    <a:p>
-                      <a:endParaRPr kumimoji="1" lang="ja-JP" altLang="en-US"/>
-                    </a:p>
-                  </a:txBody>
-                  <a:tcPr>
-                    <a:lnL w="12700" cap="flat" cmpd="sng" algn="ctr">
-                      <a:solidFill>
-                        <a:schemeClr val="tx1"/>
-                      </a:solidFill>
-                      <a:prstDash val="dot"/>
-                      <a:round/>
-                      <a:headEnd type="none" w="med" len="med"/>
-                      <a:tailEnd type="none" w="med" len="med"/>
-                    </a:lnL>
-                    <a:lnR w="12700" cap="flat" cmpd="sng" algn="ctr">
-                      <a:solidFill>
-                        <a:schemeClr val="tx1"/>
-                      </a:solidFill>
-                      <a:prstDash val="dot"/>
-                      <a:round/>
-                      <a:headEnd type="none" w="med" len="med"/>
-                      <a:tailEnd type="none" w="med" len="med"/>
-                    </a:lnR>
-                    <a:lnT w="38100" cmpd="sng">
-                      <a:noFill/>
-                    </a:lnT>
-                    <a:lnB w="12700" cmpd="sng">
-                      <a:noFill/>
-                    </a:lnB>
-                    <a:lnTlToBr w="12700" cmpd="sng">
-                      <a:noFill/>
-                      <a:prstDash val="solid"/>
-                    </a:lnTlToBr>
-                    <a:lnBlToTr w="12700" cmpd="sng">
-                      <a:noFill/>
-                      <a:prstDash val="solid"/>
-                    </a:lnBlToTr>
-                    <a:solidFill>
-                      <a:schemeClr val="bg1"/>
-                    </a:solidFill>
-                  </a:tcPr>
-                </a:tc>
-                <a:tc>
-                  <a:txBody>
-                    <a:bodyPr/>
-                    <a:lstStyle/>
-                    <a:p>
-                      <a:endParaRPr kumimoji="1" lang="ja-JP" altLang="en-US"/>
-                    </a:p>
-                  </a:txBody>
-                  <a:tcPr>
-                    <a:lnL w="12700" cap="flat" cmpd="sng" algn="ctr">
-                      <a:solidFill>
-                        <a:schemeClr val="tx1"/>
-                      </a:solidFill>
-                      <a:prstDash val="dot"/>
-                      <a:round/>
-                      <a:headEnd type="none" w="med" len="med"/>
-                      <a:tailEnd type="none" w="med" len="med"/>
-                    </a:lnL>
-                    <a:lnR w="12700" cap="flat" cmpd="sng" algn="ctr">
-                      <a:solidFill>
-                        <a:schemeClr val="tx1"/>
-                      </a:solidFill>
-                      <a:prstDash val="dot"/>
-                      <a:round/>
-                      <a:headEnd type="none" w="med" len="med"/>
-                      <a:tailEnd type="none" w="med" len="med"/>
-                    </a:lnR>
-                    <a:lnT w="38100" cmpd="sng">
-                      <a:noFill/>
-                    </a:lnT>
-                    <a:lnB w="12700" cmpd="sng">
-                      <a:noFill/>
-                    </a:lnB>
-                    <a:lnTlToBr w="12700" cmpd="sng">
-                      <a:noFill/>
-                      <a:prstDash val="solid"/>
-                    </a:lnTlToBr>
-                    <a:lnBlToTr w="12700" cmpd="sng">
-                      <a:noFill/>
-                      <a:prstDash val="solid"/>
-                    </a:lnBlToTr>
-                    <a:solidFill>
-                      <a:schemeClr val="bg1"/>
-                    </a:solidFill>
-                  </a:tcPr>
-                </a:tc>
-                <a:tc>
-                  <a:txBody>
-                    <a:bodyPr/>
-                    <a:lstStyle/>
-                    <a:p>
-                      <a:endParaRPr kumimoji="1" lang="ja-JP" altLang="en-US" dirty="0"/>
-                    </a:p>
-                  </a:txBody>
-                  <a:tcPr>
-                    <a:lnL w="12700" cap="flat" cmpd="sng" algn="ctr">
-                      <a:solidFill>
-                        <a:schemeClr val="tx1"/>
-                      </a:solidFill>
-                      <a:prstDash val="dot"/>
-                      <a:round/>
-                      <a:headEnd type="none" w="med" len="med"/>
-                      <a:tailEnd type="none" w="med" len="med"/>
-                    </a:lnL>
-                    <a:lnR w="12700" cmpd="sng">
-                      <a:noFill/>
-                    </a:lnR>
-                    <a:lnT w="38100" cmpd="sng">
-                      <a:noFill/>
-                    </a:lnT>
-                    <a:lnB w="12700" cmpd="sng">
-                      <a:noFill/>
-                    </a:lnB>
-                    <a:lnTlToBr w="12700" cmpd="sng">
-                      <a:noFill/>
-                      <a:prstDash val="solid"/>
-                    </a:lnTlToBr>
-                    <a:lnBlToTr w="12700" cmpd="sng">
-                      <a:noFill/>
-                      <a:prstDash val="solid"/>
-                    </a:lnBlToTr>
-                    <a:solidFill>
-                      <a:schemeClr val="bg1"/>
-                    </a:solidFill>
-                  </a:tcPr>
-                </a:tc>
-                <a:extLst>
-                  <a:ext uri="{0D108BD9-81ED-4DB2-BD59-A6C34878D82A}">
-                    <a16:rowId xmlns:a16="http://schemas.microsoft.com/office/drawing/2014/main" val="3701718273"/>
-                  </a:ext>
-                </a:extLst>
-              </a:tr>
-              <a:tr h="370840">
-                <a:tc>
-                  <a:txBody>
-                    <a:bodyPr/>
-                    <a:lstStyle/>
-                    <a:p>
-                      <a:r>
-                        <a:rPr kumimoji="1" lang="en-US" altLang="ja-JP" dirty="0" err="1"/>
-                        <a:t>Ptyhon</a:t>
-                      </a:r>
-                      <a:r>
-                        <a:rPr kumimoji="1" lang="ja-JP" altLang="en-US" dirty="0"/>
-                        <a:t>学習</a:t>
-                      </a:r>
-                    </a:p>
-                  </a:txBody>
-                  <a:tcPr>
-                    <a:lnR w="12700" cmpd="sng">
-                      <a:noFill/>
-                    </a:lnR>
-                    <a:solidFill>
-                      <a:schemeClr val="accent1">
-                        <a:lumMod val="20000"/>
-                        <a:lumOff val="80000"/>
-                      </a:schemeClr>
-                    </a:solidFill>
-                  </a:tcPr>
-                </a:tc>
-                <a:tc>
-                  <a:txBody>
-                    <a:bodyPr/>
-                    <a:lstStyle/>
-                    <a:p>
-                      <a:endParaRPr kumimoji="1" lang="ja-JP" altLang="en-US" dirty="0"/>
-                    </a:p>
-                  </a:txBody>
-                  <a:tcPr>
-                    <a:lnL w="12700" cmpd="sng">
-                      <a:noFill/>
-                    </a:lnL>
-                    <a:lnR w="12700" cap="flat" cmpd="sng" algn="ctr">
-                      <a:solidFill>
-                        <a:schemeClr val="tx1"/>
-                      </a:solidFill>
-                      <a:prstDash val="dot"/>
-                      <a:round/>
-                      <a:headEnd type="none" w="med" len="med"/>
-                      <a:tailEnd type="none" w="med" len="med"/>
-                    </a:lnR>
-                    <a:lnT w="12700" cmpd="sng">
-                      <a:noFill/>
-                    </a:lnT>
-                    <a:lnB w="12700" cmpd="sng">
-                      <a:noFill/>
-                    </a:lnB>
-                    <a:lnTlToBr w="12700" cmpd="sng">
-                      <a:noFill/>
-                      <a:prstDash val="solid"/>
-                    </a:lnTlToBr>
-                    <a:lnBlToTr w="12700" cmpd="sng">
-                      <a:noFill/>
-                      <a:prstDash val="solid"/>
-                    </a:lnBlToTr>
-                    <a:solidFill>
-                      <a:schemeClr val="accent4">
-                        <a:lumMod val="60000"/>
-                        <a:lumOff val="40000"/>
-                      </a:schemeClr>
-                    </a:solidFill>
-                  </a:tcPr>
-                </a:tc>
-                <a:tc>
-                  <a:txBody>
-                    <a:bodyPr/>
-                    <a:lstStyle/>
-                    <a:p>
-                      <a:endParaRPr kumimoji="1" lang="ja-JP" altLang="en-US" dirty="0"/>
-                    </a:p>
-                  </a:txBody>
-                  <a:tcPr>
-                    <a:lnL w="12700" cap="flat" cmpd="sng" algn="ctr">
-                      <a:solidFill>
-                        <a:schemeClr val="tx1"/>
-                      </a:solidFill>
-                      <a:prstDash val="dot"/>
-                      <a:round/>
-                      <a:headEnd type="none" w="med" len="med"/>
-                      <a:tailEnd type="none" w="med" len="med"/>
-                    </a:lnL>
-                    <a:lnR w="12700" cap="flat" cmpd="sng" algn="ctr">
-                      <a:solidFill>
-                        <a:schemeClr val="tx1"/>
-                      </a:solidFill>
-                      <a:prstDash val="dot"/>
-                      <a:round/>
-                      <a:headEnd type="none" w="med" len="med"/>
-                      <a:tailEnd type="none" w="med" len="med"/>
-                    </a:lnR>
-                    <a:lnT w="12700" cmpd="sng">
-                      <a:noFill/>
-                    </a:lnT>
-                    <a:lnB w="12700" cmpd="sng">
-                      <a:noFill/>
-                    </a:lnB>
-                    <a:lnTlToBr w="12700" cmpd="sng">
-                      <a:noFill/>
-                      <a:prstDash val="solid"/>
-                    </a:lnTlToBr>
-                    <a:lnBlToTr w="12700" cmpd="sng">
-                      <a:noFill/>
-                      <a:prstDash val="solid"/>
-                    </a:lnBlToTr>
-                    <a:solidFill>
-                      <a:schemeClr val="accent4">
-                        <a:lumMod val="60000"/>
-                        <a:lumOff val="40000"/>
-                      </a:schemeClr>
-                    </a:solidFill>
-                  </a:tcPr>
-                </a:tc>
-                <a:tc>
-                  <a:txBody>
-                    <a:bodyPr/>
-                    <a:lstStyle/>
-                    <a:p>
-                      <a:endParaRPr kumimoji="1" lang="ja-JP" altLang="en-US" dirty="0"/>
-                    </a:p>
-                  </a:txBody>
-                  <a:tcPr>
-                    <a:lnL w="12700" cap="flat" cmpd="sng" algn="ctr">
-                      <a:solidFill>
-                        <a:schemeClr val="tx1"/>
-                      </a:solidFill>
-                      <a:prstDash val="dot"/>
-                      <a:round/>
-                      <a:headEnd type="none" w="med" len="med"/>
-                      <a:tailEnd type="none" w="med" len="med"/>
-                    </a:lnL>
-                    <a:lnR w="12700" cap="flat" cmpd="sng" algn="ctr">
-                      <a:solidFill>
-                        <a:schemeClr val="tx1"/>
-                      </a:solidFill>
-                      <a:prstDash val="dot"/>
-                      <a:round/>
-                      <a:headEnd type="none" w="med" len="med"/>
-                      <a:tailEnd type="none" w="med" len="med"/>
-                    </a:lnR>
-                    <a:lnT w="12700" cmpd="sng">
-                      <a:noFill/>
-                    </a:lnT>
-                    <a:lnB w="12700" cmpd="sng">
-                      <a:noFill/>
-                    </a:lnB>
-                    <a:lnTlToBr w="12700" cmpd="sng">
-                      <a:noFill/>
-                      <a:prstDash val="solid"/>
-                    </a:lnTlToBr>
-                    <a:lnBlToTr w="12700" cmpd="sng">
-                      <a:noFill/>
-                      <a:prstDash val="solid"/>
-                    </a:lnBlToTr>
-                    <a:solidFill>
-                      <a:schemeClr val="accent4">
-                        <a:lumMod val="60000"/>
-                        <a:lumOff val="40000"/>
-                      </a:schemeClr>
-                    </a:solidFill>
-                  </a:tcPr>
-                </a:tc>
-                <a:tc>
-                  <a:txBody>
-                    <a:bodyPr/>
-                    <a:lstStyle/>
-                    <a:p>
-                      <a:endParaRPr kumimoji="1" lang="ja-JP" altLang="en-US" dirty="0"/>
-                    </a:p>
-                  </a:txBody>
-                  <a:tcPr>
-                    <a:lnL w="12700" cap="flat" cmpd="sng" algn="ctr">
-                      <a:solidFill>
-                        <a:schemeClr val="tx1"/>
-                      </a:solidFill>
-                      <a:prstDash val="dot"/>
-                      <a:round/>
-                      <a:headEnd type="none" w="med" len="med"/>
-                      <a:tailEnd type="none" w="med" len="med"/>
-                    </a:lnL>
-                    <a:lnR w="12700" cap="flat" cmpd="sng" algn="ctr">
-                      <a:solidFill>
-                        <a:schemeClr val="tx1"/>
-                      </a:solidFill>
-                      <a:prstDash val="dot"/>
-                      <a:round/>
-                      <a:headEnd type="none" w="med" len="med"/>
-                      <a:tailEnd type="none" w="med" len="med"/>
-                    </a:lnR>
-                    <a:lnT w="12700" cmpd="sng">
-                      <a:noFill/>
-                    </a:lnT>
-                    <a:lnB w="12700" cmpd="sng">
-                      <a:noFill/>
-                    </a:lnB>
-                    <a:lnTlToBr w="12700" cmpd="sng">
-                      <a:noFill/>
-                      <a:prstDash val="solid"/>
-                    </a:lnTlToBr>
-                    <a:lnBlToTr w="12700" cmpd="sng">
-                      <a:noFill/>
-                      <a:prstDash val="solid"/>
-                    </a:lnBlToTr>
-                    <a:solidFill>
-                      <a:schemeClr val="bg1"/>
-                    </a:solidFill>
-                  </a:tcPr>
-                </a:tc>
-                <a:tc>
-                  <a:txBody>
-                    <a:bodyPr/>
-                    <a:lstStyle/>
-                    <a:p>
-                      <a:endParaRPr kumimoji="1" lang="ja-JP" altLang="en-US" dirty="0"/>
-                    </a:p>
-                  </a:txBody>
-                  <a:tcPr>
-                    <a:lnL w="12700" cap="flat" cmpd="sng" algn="ctr">
-                      <a:solidFill>
-                        <a:schemeClr val="tx1"/>
-                      </a:solidFill>
-                      <a:prstDash val="dot"/>
-                      <a:round/>
-                      <a:headEnd type="none" w="med" len="med"/>
-                      <a:tailEnd type="none" w="med" len="med"/>
-                    </a:lnL>
-                    <a:lnR w="12700" cap="flat" cmpd="sng" algn="ctr">
-                      <a:solidFill>
-                        <a:schemeClr val="tx1"/>
-                      </a:solidFill>
-                      <a:prstDash val="dot"/>
-                      <a:round/>
-                      <a:headEnd type="none" w="med" len="med"/>
-                      <a:tailEnd type="none" w="med" len="med"/>
-                    </a:lnR>
-                    <a:lnT w="12700" cmpd="sng">
-                      <a:noFill/>
-                    </a:lnT>
-                    <a:lnB w="12700" cmpd="sng">
-                      <a:noFill/>
-                    </a:lnB>
-                    <a:lnTlToBr w="12700" cmpd="sng">
-                      <a:noFill/>
-                      <a:prstDash val="solid"/>
-                    </a:lnTlToBr>
-                    <a:lnBlToTr w="12700" cmpd="sng">
-                      <a:noFill/>
-                      <a:prstDash val="solid"/>
-                    </a:lnBlToTr>
-                    <a:solidFill>
-                      <a:schemeClr val="bg1"/>
-                    </a:solidFill>
-                  </a:tcPr>
-                </a:tc>
-                <a:tc>
-                  <a:txBody>
-                    <a:bodyPr/>
-                    <a:lstStyle/>
-                    <a:p>
-                      <a:endParaRPr kumimoji="1" lang="ja-JP" altLang="en-US" dirty="0"/>
-                    </a:p>
-                  </a:txBody>
-                  <a:tcPr>
-                    <a:lnL w="12700" cap="flat" cmpd="sng" algn="ctr">
-                      <a:solidFill>
-                        <a:schemeClr val="tx1"/>
-                      </a:solidFill>
-                      <a:prstDash val="dot"/>
-                      <a:round/>
-                      <a:headEnd type="none" w="med" len="med"/>
-                      <a:tailEnd type="none" w="med" len="med"/>
-                    </a:lnL>
-                    <a:lnR w="12700" cap="flat" cmpd="sng" algn="ctr">
-                      <a:solidFill>
-                        <a:schemeClr val="tx1"/>
-                      </a:solidFill>
-                      <a:prstDash val="dot"/>
-                      <a:round/>
-                      <a:headEnd type="none" w="med" len="med"/>
-                      <a:tailEnd type="none" w="med" len="med"/>
-                    </a:lnR>
-                    <a:lnT w="12700" cmpd="sng">
-                      <a:noFill/>
-                    </a:lnT>
-                    <a:lnB w="12700" cmpd="sng">
-                      <a:noFill/>
-                    </a:lnB>
-                    <a:lnTlToBr w="12700" cmpd="sng">
-                      <a:noFill/>
-                      <a:prstDash val="solid"/>
-                    </a:lnTlToBr>
-                    <a:lnBlToTr w="12700" cmpd="sng">
-                      <a:noFill/>
-                      <a:prstDash val="solid"/>
-                    </a:lnBlToTr>
-                    <a:solidFill>
-                      <a:schemeClr val="bg1"/>
-                    </a:solidFill>
-                  </a:tcPr>
-                </a:tc>
-                <a:tc>
-                  <a:txBody>
-                    <a:bodyPr/>
-                    <a:lstStyle/>
-                    <a:p>
-                      <a:endParaRPr kumimoji="1" lang="ja-JP" altLang="en-US" dirty="0"/>
-                    </a:p>
-                  </a:txBody>
-                  <a:tcPr>
-                    <a:lnL w="12700" cap="flat" cmpd="sng" algn="ctr">
-                      <a:solidFill>
-                        <a:schemeClr val="tx1"/>
-                      </a:solidFill>
-                      <a:prstDash val="dot"/>
-                      <a:round/>
-                      <a:headEnd type="none" w="med" len="med"/>
-                      <a:tailEnd type="none" w="med" len="med"/>
-                    </a:lnL>
-                    <a:lnR w="12700" cap="flat" cmpd="sng" algn="ctr">
-                      <a:solidFill>
-                        <a:schemeClr val="tx1"/>
-                      </a:solidFill>
-                      <a:prstDash val="dot"/>
-                      <a:round/>
-                      <a:headEnd type="none" w="med" len="med"/>
-                      <a:tailEnd type="none" w="med" len="med"/>
-                    </a:lnR>
-                    <a:lnT w="12700" cmpd="sng">
-                      <a:noFill/>
-                    </a:lnT>
-                    <a:lnB w="12700" cmpd="sng">
-                      <a:noFill/>
-                    </a:lnB>
-                    <a:lnTlToBr w="12700" cmpd="sng">
-                      <a:noFill/>
-                      <a:prstDash val="solid"/>
-                    </a:lnTlToBr>
-                    <a:lnBlToTr w="12700" cmpd="sng">
-                      <a:noFill/>
-                      <a:prstDash val="solid"/>
-                    </a:lnBlToTr>
-                    <a:solidFill>
-                      <a:schemeClr val="bg1"/>
-                    </a:solidFill>
-                  </a:tcPr>
-                </a:tc>
-                <a:tc>
-                  <a:txBody>
-                    <a:bodyPr/>
-                    <a:lstStyle/>
-                    <a:p>
-                      <a:endParaRPr kumimoji="1" lang="ja-JP" altLang="en-US" dirty="0"/>
-                    </a:p>
-                  </a:txBody>
-                  <a:tcPr>
-                    <a:lnL w="12700" cap="flat" cmpd="sng" algn="ctr">
-                      <a:solidFill>
-                        <a:schemeClr val="tx1"/>
-                      </a:solidFill>
-                      <a:prstDash val="dot"/>
-                      <a:round/>
-                      <a:headEnd type="none" w="med" len="med"/>
-                      <a:tailEnd type="none" w="med" len="med"/>
-                    </a:lnL>
-                    <a:lnR w="12700" cap="flat" cmpd="sng" algn="ctr">
-                      <a:solidFill>
-                        <a:schemeClr val="tx1"/>
-                      </a:solidFill>
-                      <a:prstDash val="dot"/>
-                      <a:round/>
-                      <a:headEnd type="none" w="med" len="med"/>
-                      <a:tailEnd type="none" w="med" len="med"/>
-                    </a:lnR>
-                    <a:lnT w="12700" cmpd="sng">
-                      <a:noFill/>
-                    </a:lnT>
-                    <a:lnB w="12700" cmpd="sng">
-                      <a:noFill/>
-                    </a:lnB>
-                    <a:lnTlToBr w="12700" cmpd="sng">
-                      <a:noFill/>
-                      <a:prstDash val="solid"/>
-                    </a:lnTlToBr>
-                    <a:lnBlToTr w="12700" cmpd="sng">
-                      <a:noFill/>
-                      <a:prstDash val="solid"/>
-                    </a:lnBlToTr>
-                    <a:solidFill>
-                      <a:schemeClr val="bg1"/>
-                    </a:solidFill>
-                  </a:tcPr>
-                </a:tc>
-                <a:tc>
-                  <a:txBody>
-                    <a:bodyPr/>
-                    <a:lstStyle/>
-                    <a:p>
-                      <a:endParaRPr kumimoji="1" lang="ja-JP" altLang="en-US"/>
-                    </a:p>
-                  </a:txBody>
-                  <a:tcPr>
-                    <a:lnL w="12700" cap="flat" cmpd="sng" algn="ctr">
-                      <a:solidFill>
-                        <a:schemeClr val="tx1"/>
-                      </a:solidFill>
-                      <a:prstDash val="dot"/>
-                      <a:round/>
-                      <a:headEnd type="none" w="med" len="med"/>
-                      <a:tailEnd type="none" w="med" len="med"/>
-                    </a:lnL>
-                    <a:lnR w="12700" cap="flat" cmpd="sng" algn="ctr">
-                      <a:solidFill>
-                        <a:schemeClr val="tx1"/>
-                      </a:solidFill>
-                      <a:prstDash val="dot"/>
-                      <a:round/>
-                      <a:headEnd type="none" w="med" len="med"/>
-                      <a:tailEnd type="none" w="med" len="med"/>
-                    </a:lnR>
-                    <a:lnT w="12700" cmpd="sng">
-                      <a:noFill/>
-                    </a:lnT>
-                    <a:lnB w="12700" cmpd="sng">
-                      <a:noFill/>
-                    </a:lnB>
-                    <a:lnTlToBr w="12700" cmpd="sng">
-                      <a:noFill/>
-                      <a:prstDash val="solid"/>
-                    </a:lnTlToBr>
-                    <a:lnBlToTr w="12700" cmpd="sng">
-                      <a:noFill/>
-                      <a:prstDash val="solid"/>
-                    </a:lnBlToTr>
-                    <a:solidFill>
-                      <a:schemeClr val="bg1"/>
-                    </a:solidFill>
-                  </a:tcPr>
-                </a:tc>
-                <a:tc>
-                  <a:txBody>
-                    <a:bodyPr/>
-                    <a:lstStyle/>
-                    <a:p>
-                      <a:endParaRPr kumimoji="1" lang="ja-JP" altLang="en-US"/>
-                    </a:p>
-                  </a:txBody>
-                  <a:tcPr>
-                    <a:lnL w="12700" cap="flat" cmpd="sng" algn="ctr">
-                      <a:solidFill>
-                        <a:schemeClr val="tx1"/>
-                      </a:solidFill>
-                      <a:prstDash val="dot"/>
-                      <a:round/>
-                      <a:headEnd type="none" w="med" len="med"/>
-                      <a:tailEnd type="none" w="med" len="med"/>
-                    </a:lnL>
-                    <a:lnR w="12700" cap="flat" cmpd="sng" algn="ctr">
-                      <a:solidFill>
-                        <a:schemeClr val="tx1"/>
-                      </a:solidFill>
-                      <a:prstDash val="dot"/>
-                      <a:round/>
-                      <a:headEnd type="none" w="med" len="med"/>
-                      <a:tailEnd type="none" w="med" len="med"/>
-                    </a:lnR>
-                    <a:lnT w="12700" cmpd="sng">
-                      <a:noFill/>
-                    </a:lnT>
-                    <a:lnB w="12700" cmpd="sng">
-                      <a:noFill/>
-                    </a:lnB>
-                    <a:lnTlToBr w="12700" cmpd="sng">
-                      <a:noFill/>
-                      <a:prstDash val="solid"/>
-                    </a:lnTlToBr>
-                    <a:lnBlToTr w="12700" cmpd="sng">
-                      <a:noFill/>
-                      <a:prstDash val="solid"/>
-                    </a:lnBlToTr>
-                    <a:solidFill>
-                      <a:schemeClr val="bg1"/>
-                    </a:solidFill>
-                  </a:tcPr>
-                </a:tc>
-                <a:tc>
-                  <a:txBody>
-                    <a:bodyPr/>
-                    <a:lstStyle/>
-                    <a:p>
-                      <a:endParaRPr kumimoji="1" lang="ja-JP" altLang="en-US" dirty="0"/>
-                    </a:p>
-                  </a:txBody>
-                  <a:tcPr>
-                    <a:lnL w="12700" cap="flat" cmpd="sng" algn="ctr">
-                      <a:solidFill>
-                        <a:schemeClr val="tx1"/>
-                      </a:solidFill>
-                      <a:prstDash val="dot"/>
-                      <a:round/>
-                      <a:headEnd type="none" w="med" len="med"/>
-                      <a:tailEnd type="none" w="med" len="med"/>
-                    </a:lnL>
-                    <a:lnR w="12700" cmpd="sng">
-                      <a:noFill/>
-                    </a:lnR>
-                    <a:lnT w="12700" cmpd="sng">
-                      <a:noFill/>
-                    </a:lnT>
-                    <a:lnB w="12700" cmpd="sng">
-                      <a:noFill/>
-                    </a:lnB>
-                    <a:lnTlToBr w="12700" cmpd="sng">
-                      <a:noFill/>
-                      <a:prstDash val="solid"/>
-                    </a:lnTlToBr>
-                    <a:lnBlToTr w="12700" cmpd="sng">
-                      <a:noFill/>
-                      <a:prstDash val="solid"/>
-                    </a:lnBlToTr>
-                    <a:solidFill>
-                      <a:schemeClr val="bg1"/>
-                    </a:solidFill>
-                  </a:tcPr>
-                </a:tc>
-                <a:extLst>
-                  <a:ext uri="{0D108BD9-81ED-4DB2-BD59-A6C34878D82A}">
-                    <a16:rowId xmlns:a16="http://schemas.microsoft.com/office/drawing/2014/main" val="3338625094"/>
-                  </a:ext>
-                </a:extLst>
-              </a:tr>
-              <a:tr h="370840">
-                <a:tc>
-                  <a:txBody>
-                    <a:bodyPr/>
-                    <a:lstStyle/>
-                    <a:p>
-                      <a:r>
-                        <a:rPr kumimoji="1" lang="en-US" altLang="ja-JP" dirty="0"/>
-                        <a:t>Pygame</a:t>
-                      </a:r>
-                      <a:r>
-                        <a:rPr kumimoji="1" lang="ja-JP" altLang="en-US" dirty="0"/>
-                        <a:t>学習</a:t>
-                      </a:r>
-                    </a:p>
-                  </a:txBody>
-                  <a:tcPr>
-                    <a:lnR w="12700" cmpd="sng">
-                      <a:noFill/>
-                    </a:lnR>
-                    <a:solidFill>
-                      <a:schemeClr val="accent1">
-                        <a:lumMod val="20000"/>
-                        <a:lumOff val="80000"/>
-                      </a:schemeClr>
-                    </a:solidFill>
-                  </a:tcPr>
-                </a:tc>
-                <a:tc>
-                  <a:txBody>
-                    <a:bodyPr/>
-                    <a:lstStyle/>
-                    <a:p>
-                      <a:endParaRPr kumimoji="1" lang="ja-JP" altLang="en-US"/>
-                    </a:p>
-                  </a:txBody>
-                  <a:tcPr>
-                    <a:lnL w="12700" cmpd="sng">
-                      <a:noFill/>
-                    </a:lnL>
-                    <a:lnR w="12700" cap="flat" cmpd="sng" algn="ctr">
-                      <a:solidFill>
-                        <a:schemeClr val="tx1"/>
-                      </a:solidFill>
-                      <a:prstDash val="dot"/>
-                      <a:round/>
-                      <a:headEnd type="none" w="med" len="med"/>
-                      <a:tailEnd type="none" w="med" len="med"/>
-                    </a:lnR>
-                    <a:lnT w="12700" cmpd="sng">
-                      <a:noFill/>
-                    </a:lnT>
-                    <a:lnB w="12700" cmpd="sng">
-                      <a:noFill/>
-                    </a:lnB>
-                    <a:lnTlToBr w="12700" cmpd="sng">
-                      <a:noFill/>
-                      <a:prstDash val="solid"/>
-                    </a:lnTlToBr>
-                    <a:lnBlToTr w="12700" cmpd="sng">
-                      <a:noFill/>
-                      <a:prstDash val="solid"/>
-                    </a:lnBlToTr>
-                    <a:solidFill>
-                      <a:schemeClr val="bg1"/>
-                    </a:solidFill>
-                  </a:tcPr>
-                </a:tc>
-                <a:tc>
-                  <a:txBody>
-                    <a:bodyPr/>
-                    <a:lstStyle/>
-                    <a:p>
-                      <a:endParaRPr kumimoji="1" lang="ja-JP" altLang="en-US"/>
-                    </a:p>
-                  </a:txBody>
-                  <a:tcPr>
-                    <a:lnL w="12700" cap="flat" cmpd="sng" algn="ctr">
-                      <a:solidFill>
-                        <a:schemeClr val="tx1"/>
-                      </a:solidFill>
-                      <a:prstDash val="dot"/>
-                      <a:round/>
-                      <a:headEnd type="none" w="med" len="med"/>
-                      <a:tailEnd type="none" w="med" len="med"/>
-                    </a:lnL>
-                    <a:lnR w="12700" cap="flat" cmpd="sng" algn="ctr">
-                      <a:solidFill>
-                        <a:schemeClr val="tx1"/>
-                      </a:solidFill>
-                      <a:prstDash val="dot"/>
-                      <a:round/>
-                      <a:headEnd type="none" w="med" len="med"/>
-                      <a:tailEnd type="none" w="med" len="med"/>
-                    </a:lnR>
-                    <a:lnT w="12700" cmpd="sng">
-                      <a:noFill/>
-                    </a:lnT>
-                    <a:lnB w="12700" cmpd="sng">
-                      <a:noFill/>
-                    </a:lnB>
-                    <a:lnTlToBr w="12700" cmpd="sng">
-                      <a:noFill/>
-                      <a:prstDash val="solid"/>
-                    </a:lnTlToBr>
-                    <a:lnBlToTr w="12700" cmpd="sng">
-                      <a:noFill/>
-                      <a:prstDash val="solid"/>
-                    </a:lnBlToTr>
-                    <a:solidFill>
-                      <a:schemeClr val="bg1"/>
-                    </a:solidFill>
-                  </a:tcPr>
-                </a:tc>
-                <a:tc>
-                  <a:txBody>
-                    <a:bodyPr/>
-                    <a:lstStyle/>
-                    <a:p>
-                      <a:endParaRPr kumimoji="1" lang="ja-JP" altLang="en-US" dirty="0"/>
-                    </a:p>
-                  </a:txBody>
-                  <a:tcPr>
-                    <a:lnL w="12700" cap="flat" cmpd="sng" algn="ctr">
-                      <a:solidFill>
-                        <a:schemeClr val="tx1"/>
-                      </a:solidFill>
-                      <a:prstDash val="dot"/>
-                      <a:round/>
-                      <a:headEnd type="none" w="med" len="med"/>
-                      <a:tailEnd type="none" w="med" len="med"/>
-                    </a:lnL>
-                    <a:lnR w="12700" cap="flat" cmpd="sng" algn="ctr">
-                      <a:solidFill>
-                        <a:schemeClr val="tx1"/>
-                      </a:solidFill>
-                      <a:prstDash val="dot"/>
-                      <a:round/>
-                      <a:headEnd type="none" w="med" len="med"/>
-                      <a:tailEnd type="none" w="med" len="med"/>
-                    </a:lnR>
-                    <a:lnT w="12700" cmpd="sng">
-                      <a:noFill/>
-                    </a:lnT>
-                    <a:lnB w="12700" cmpd="sng">
-                      <a:noFill/>
-                    </a:lnB>
-                    <a:lnTlToBr w="12700" cmpd="sng">
-                      <a:noFill/>
-                      <a:prstDash val="solid"/>
-                    </a:lnTlToBr>
-                    <a:lnBlToTr w="12700" cmpd="sng">
-                      <a:noFill/>
-                      <a:prstDash val="solid"/>
-                    </a:lnBlToTr>
-                    <a:solidFill>
-                      <a:schemeClr val="bg1"/>
-                    </a:solidFill>
-                  </a:tcPr>
-                </a:tc>
-                <a:tc>
-                  <a:txBody>
-                    <a:bodyPr/>
-                    <a:lstStyle/>
-                    <a:p>
-                      <a:endParaRPr kumimoji="1" lang="ja-JP" altLang="en-US" dirty="0"/>
-                    </a:p>
-                  </a:txBody>
-                  <a:tcPr>
-                    <a:lnL w="12700" cap="flat" cmpd="sng" algn="ctr">
-                      <a:solidFill>
-                        <a:schemeClr val="tx1"/>
-                      </a:solidFill>
-                      <a:prstDash val="dot"/>
-                      <a:round/>
-                      <a:headEnd type="none" w="med" len="med"/>
-                      <a:tailEnd type="none" w="med" len="med"/>
-                    </a:lnL>
-                    <a:lnR w="12700" cap="flat" cmpd="sng" algn="ctr">
-                      <a:solidFill>
-                        <a:schemeClr val="tx1"/>
-                      </a:solidFill>
-                      <a:prstDash val="dot"/>
-                      <a:round/>
-                      <a:headEnd type="none" w="med" len="med"/>
-                      <a:tailEnd type="none" w="med" len="med"/>
-                    </a:lnR>
-                    <a:lnT w="12700" cmpd="sng">
-                      <a:noFill/>
-                    </a:lnT>
-                    <a:lnB w="12700" cmpd="sng">
-                      <a:noFill/>
-                    </a:lnB>
-                    <a:lnTlToBr w="12700" cmpd="sng">
-                      <a:noFill/>
-                      <a:prstDash val="solid"/>
-                    </a:lnTlToBr>
-                    <a:lnBlToTr w="12700" cmpd="sng">
-                      <a:noFill/>
-                      <a:prstDash val="solid"/>
-                    </a:lnBlToTr>
-                    <a:solidFill>
-                      <a:schemeClr val="accent4">
-                        <a:lumMod val="60000"/>
-                        <a:lumOff val="40000"/>
-                      </a:schemeClr>
-                    </a:solidFill>
-                  </a:tcPr>
-                </a:tc>
-                <a:tc>
-                  <a:txBody>
-                    <a:bodyPr/>
-                    <a:lstStyle/>
-                    <a:p>
-                      <a:endParaRPr kumimoji="1" lang="ja-JP" altLang="en-US" dirty="0"/>
-                    </a:p>
-                  </a:txBody>
-                  <a:tcPr>
-                    <a:lnL w="12700" cap="flat" cmpd="sng" algn="ctr">
-                      <a:solidFill>
-                        <a:schemeClr val="tx1"/>
-                      </a:solidFill>
-                      <a:prstDash val="dot"/>
-                      <a:round/>
-                      <a:headEnd type="none" w="med" len="med"/>
-                      <a:tailEnd type="none" w="med" len="med"/>
-                    </a:lnL>
-                    <a:lnR w="12700" cap="flat" cmpd="sng" algn="ctr">
-                      <a:solidFill>
-                        <a:schemeClr val="tx1"/>
-                      </a:solidFill>
-                      <a:prstDash val="dot"/>
-                      <a:round/>
-                      <a:headEnd type="none" w="med" len="med"/>
-                      <a:tailEnd type="none" w="med" len="med"/>
-                    </a:lnR>
-                    <a:lnT w="12700" cmpd="sng">
-                      <a:noFill/>
-                    </a:lnT>
-                    <a:lnB w="12700" cmpd="sng">
-                      <a:noFill/>
-                    </a:lnB>
-                    <a:lnTlToBr w="12700" cmpd="sng">
-                      <a:noFill/>
-                      <a:prstDash val="solid"/>
-                    </a:lnTlToBr>
-                    <a:lnBlToTr w="12700" cmpd="sng">
-                      <a:noFill/>
-                      <a:prstDash val="solid"/>
-                    </a:lnBlToTr>
-                    <a:solidFill>
-                      <a:schemeClr val="accent4">
-                        <a:lumMod val="60000"/>
-                        <a:lumOff val="40000"/>
-                      </a:schemeClr>
-                    </a:solidFill>
-                  </a:tcPr>
-                </a:tc>
-                <a:tc>
-                  <a:txBody>
-                    <a:bodyPr/>
-                    <a:lstStyle/>
-                    <a:p>
-                      <a:endParaRPr kumimoji="1" lang="ja-JP" altLang="en-US" dirty="0"/>
-                    </a:p>
-                  </a:txBody>
-                  <a:tcPr>
-                    <a:lnL w="12700" cap="flat" cmpd="sng" algn="ctr">
-                      <a:solidFill>
-                        <a:schemeClr val="tx1"/>
-                      </a:solidFill>
-                      <a:prstDash val="dot"/>
-                      <a:round/>
-                      <a:headEnd type="none" w="med" len="med"/>
-                      <a:tailEnd type="none" w="med" len="med"/>
-                    </a:lnL>
-                    <a:lnR w="12700" cap="flat" cmpd="sng" algn="ctr">
-                      <a:solidFill>
-                        <a:schemeClr val="tx1"/>
-                      </a:solidFill>
-                      <a:prstDash val="dot"/>
-                      <a:round/>
-                      <a:headEnd type="none" w="med" len="med"/>
-                      <a:tailEnd type="none" w="med" len="med"/>
-                    </a:lnR>
-                    <a:lnT w="12700" cmpd="sng">
-                      <a:noFill/>
-                    </a:lnT>
-                    <a:lnB w="12700" cmpd="sng">
-                      <a:noFill/>
-                    </a:lnB>
-                    <a:lnTlToBr w="12700" cmpd="sng">
-                      <a:noFill/>
-                      <a:prstDash val="solid"/>
-                    </a:lnTlToBr>
-                    <a:lnBlToTr w="12700" cmpd="sng">
-                      <a:noFill/>
-                      <a:prstDash val="solid"/>
-                    </a:lnBlToTr>
-                    <a:solidFill>
-                      <a:schemeClr val="accent4">
-                        <a:lumMod val="60000"/>
-                        <a:lumOff val="40000"/>
-                      </a:schemeClr>
-                    </a:solidFill>
-                  </a:tcPr>
-                </a:tc>
-                <a:tc>
-                  <a:txBody>
-                    <a:bodyPr/>
-                    <a:lstStyle/>
-                    <a:p>
-                      <a:endParaRPr kumimoji="1" lang="ja-JP" altLang="en-US" dirty="0"/>
-                    </a:p>
-                  </a:txBody>
-                  <a:tcPr>
-                    <a:lnL w="12700" cap="flat" cmpd="sng" algn="ctr">
-                      <a:solidFill>
-                        <a:schemeClr val="tx1"/>
-                      </a:solidFill>
-                      <a:prstDash val="dot"/>
-                      <a:round/>
-                      <a:headEnd type="none" w="med" len="med"/>
-                      <a:tailEnd type="none" w="med" len="med"/>
-                    </a:lnL>
-                    <a:lnR w="12700" cap="flat" cmpd="sng" algn="ctr">
-                      <a:solidFill>
-                        <a:schemeClr val="tx1"/>
-                      </a:solidFill>
-                      <a:prstDash val="dot"/>
-                      <a:round/>
-                      <a:headEnd type="none" w="med" len="med"/>
-                      <a:tailEnd type="none" w="med" len="med"/>
-                    </a:lnR>
-                    <a:lnT w="12700" cmpd="sng">
-                      <a:noFill/>
-                    </a:lnT>
-                    <a:lnB w="12700" cmpd="sng">
-                      <a:noFill/>
-                    </a:lnB>
-                    <a:lnTlToBr w="12700" cmpd="sng">
-                      <a:noFill/>
-                      <a:prstDash val="solid"/>
-                    </a:lnTlToBr>
-                    <a:lnBlToTr w="12700" cmpd="sng">
-                      <a:noFill/>
-                      <a:prstDash val="solid"/>
-                    </a:lnBlToTr>
-                    <a:solidFill>
-                      <a:schemeClr val="bg1"/>
-                    </a:solidFill>
-                  </a:tcPr>
-                </a:tc>
-                <a:tc>
-                  <a:txBody>
-                    <a:bodyPr/>
-                    <a:lstStyle/>
-                    <a:p>
-                      <a:endParaRPr kumimoji="1" lang="ja-JP" altLang="en-US" dirty="0"/>
-                    </a:p>
-                  </a:txBody>
-                  <a:tcPr>
-                    <a:lnL w="12700" cap="flat" cmpd="sng" algn="ctr">
-                      <a:solidFill>
-                        <a:schemeClr val="tx1"/>
-                      </a:solidFill>
-                      <a:prstDash val="dot"/>
-                      <a:round/>
-                      <a:headEnd type="none" w="med" len="med"/>
-                      <a:tailEnd type="none" w="med" len="med"/>
-                    </a:lnL>
-                    <a:lnR w="12700" cap="flat" cmpd="sng" algn="ctr">
-                      <a:solidFill>
-                        <a:schemeClr val="tx1"/>
-                      </a:solidFill>
-                      <a:prstDash val="dot"/>
-                      <a:round/>
-                      <a:headEnd type="none" w="med" len="med"/>
-                      <a:tailEnd type="none" w="med" len="med"/>
-                    </a:lnR>
-                    <a:lnT w="12700" cmpd="sng">
-                      <a:noFill/>
-                    </a:lnT>
-                    <a:lnB w="12700" cmpd="sng">
-                      <a:noFill/>
-                    </a:lnB>
-                    <a:lnTlToBr w="12700" cmpd="sng">
-                      <a:noFill/>
-                      <a:prstDash val="solid"/>
-                    </a:lnTlToBr>
-                    <a:lnBlToTr w="12700" cmpd="sng">
-                      <a:noFill/>
-                      <a:prstDash val="solid"/>
-                    </a:lnBlToTr>
-                    <a:solidFill>
-                      <a:schemeClr val="bg1"/>
-                    </a:solidFill>
-                  </a:tcPr>
-                </a:tc>
-                <a:tc>
-                  <a:txBody>
-                    <a:bodyPr/>
-                    <a:lstStyle/>
-                    <a:p>
-                      <a:endParaRPr kumimoji="1" lang="ja-JP" altLang="en-US" dirty="0"/>
-                    </a:p>
-                  </a:txBody>
-                  <a:tcPr>
-                    <a:lnL w="12700" cap="flat" cmpd="sng" algn="ctr">
-                      <a:solidFill>
-                        <a:schemeClr val="tx1"/>
-                      </a:solidFill>
-                      <a:prstDash val="dot"/>
-                      <a:round/>
-                      <a:headEnd type="none" w="med" len="med"/>
-                      <a:tailEnd type="none" w="med" len="med"/>
-                    </a:lnL>
-                    <a:lnR w="12700" cap="flat" cmpd="sng" algn="ctr">
-                      <a:solidFill>
-                        <a:schemeClr val="tx1"/>
-                      </a:solidFill>
-                      <a:prstDash val="dot"/>
-                      <a:round/>
-                      <a:headEnd type="none" w="med" len="med"/>
-                      <a:tailEnd type="none" w="med" len="med"/>
-                    </a:lnR>
-                    <a:lnT w="12700" cmpd="sng">
-                      <a:noFill/>
-                    </a:lnT>
-                    <a:lnB w="12700" cmpd="sng">
-                      <a:noFill/>
-                    </a:lnB>
-                    <a:lnTlToBr w="12700" cmpd="sng">
-                      <a:noFill/>
-                      <a:prstDash val="solid"/>
-                    </a:lnTlToBr>
-                    <a:lnBlToTr w="12700" cmpd="sng">
-                      <a:noFill/>
-                      <a:prstDash val="solid"/>
-                    </a:lnBlToTr>
-                    <a:solidFill>
-                      <a:schemeClr val="bg1"/>
-                    </a:solidFill>
-                  </a:tcPr>
-                </a:tc>
-                <a:tc>
-                  <a:txBody>
-                    <a:bodyPr/>
-                    <a:lstStyle/>
-                    <a:p>
-                      <a:endParaRPr kumimoji="1" lang="ja-JP" altLang="en-US" dirty="0"/>
-                    </a:p>
-                  </a:txBody>
-                  <a:tcPr>
-                    <a:lnL w="12700" cap="flat" cmpd="sng" algn="ctr">
-                      <a:solidFill>
-                        <a:schemeClr val="tx1"/>
-                      </a:solidFill>
-                      <a:prstDash val="dot"/>
-                      <a:round/>
-                      <a:headEnd type="none" w="med" len="med"/>
-                      <a:tailEnd type="none" w="med" len="med"/>
-                    </a:lnL>
-                    <a:lnR w="12700" cap="flat" cmpd="sng" algn="ctr">
-                      <a:solidFill>
-                        <a:schemeClr val="tx1"/>
-                      </a:solidFill>
-                      <a:prstDash val="dot"/>
-                      <a:round/>
-                      <a:headEnd type="none" w="med" len="med"/>
-                      <a:tailEnd type="none" w="med" len="med"/>
-                    </a:lnR>
-                    <a:lnT w="12700" cmpd="sng">
-                      <a:noFill/>
-                    </a:lnT>
-                    <a:lnB w="12700" cmpd="sng">
-                      <a:noFill/>
-                    </a:lnB>
-                    <a:lnTlToBr w="12700" cmpd="sng">
-                      <a:noFill/>
-                      <a:prstDash val="solid"/>
-                    </a:lnTlToBr>
-                    <a:lnBlToTr w="12700" cmpd="sng">
-                      <a:noFill/>
-                      <a:prstDash val="solid"/>
-                    </a:lnBlToTr>
-                    <a:solidFill>
-                      <a:schemeClr val="bg1"/>
-                    </a:solidFill>
-                  </a:tcPr>
-                </a:tc>
-                <a:tc>
-                  <a:txBody>
-                    <a:bodyPr/>
-                    <a:lstStyle/>
-                    <a:p>
-                      <a:endParaRPr kumimoji="1" lang="ja-JP" altLang="en-US" dirty="0"/>
-                    </a:p>
-                  </a:txBody>
-                  <a:tcPr>
-                    <a:lnL w="12700" cap="flat" cmpd="sng" algn="ctr">
-                      <a:solidFill>
-                        <a:schemeClr val="tx1"/>
-                      </a:solidFill>
-                      <a:prstDash val="dot"/>
-                      <a:round/>
-                      <a:headEnd type="none" w="med" len="med"/>
-                      <a:tailEnd type="none" w="med" len="med"/>
-                    </a:lnL>
-                    <a:lnR w="12700" cmpd="sng">
-                      <a:noFill/>
-                    </a:lnR>
-                    <a:lnT w="12700" cmpd="sng">
-                      <a:noFill/>
-                    </a:lnT>
-                    <a:lnB w="12700" cmpd="sng">
-                      <a:noFill/>
-                    </a:lnB>
-                    <a:lnTlToBr w="12700" cmpd="sng">
-                      <a:noFill/>
-                      <a:prstDash val="solid"/>
-                    </a:lnTlToBr>
-                    <a:lnBlToTr w="12700" cmpd="sng">
-                      <a:noFill/>
-                      <a:prstDash val="solid"/>
-                    </a:lnBlToTr>
-                    <a:solidFill>
-                      <a:schemeClr val="bg1"/>
-                    </a:solidFill>
-                  </a:tcPr>
-                </a:tc>
-                <a:extLst>
-                  <a:ext uri="{0D108BD9-81ED-4DB2-BD59-A6C34878D82A}">
-                    <a16:rowId xmlns:a16="http://schemas.microsoft.com/office/drawing/2014/main" val="3531136913"/>
-                  </a:ext>
-                </a:extLst>
-              </a:tr>
-              <a:tr h="370840">
-                <a:tc>
-                  <a:txBody>
-                    <a:bodyPr/>
-                    <a:lstStyle/>
-                    <a:p>
-                      <a:r>
-                        <a:rPr kumimoji="1" lang="ja-JP" altLang="en-US" dirty="0"/>
-                        <a:t>ゲーム作成</a:t>
-                      </a:r>
-                    </a:p>
-                  </a:txBody>
-                  <a:tcPr>
-                    <a:lnR w="12700" cmpd="sng">
-                      <a:noFill/>
-                    </a:lnR>
-                    <a:solidFill>
-                      <a:schemeClr val="accent1">
-                        <a:lumMod val="20000"/>
-                        <a:lumOff val="80000"/>
-                      </a:schemeClr>
-                    </a:solidFill>
-                  </a:tcPr>
-                </a:tc>
-                <a:tc>
-                  <a:txBody>
-                    <a:bodyPr/>
-                    <a:lstStyle/>
-                    <a:p>
-                      <a:endParaRPr kumimoji="1" lang="ja-JP" altLang="en-US"/>
-                    </a:p>
-                  </a:txBody>
-                  <a:tcPr>
-                    <a:lnL w="12700" cmpd="sng">
-                      <a:noFill/>
-                    </a:lnL>
-                    <a:lnR w="12700" cap="flat" cmpd="sng" algn="ctr">
-                      <a:solidFill>
-                        <a:schemeClr val="tx1"/>
-                      </a:solidFill>
-                      <a:prstDash val="dot"/>
-                      <a:round/>
-                      <a:headEnd type="none" w="med" len="med"/>
-                      <a:tailEnd type="none" w="med" len="med"/>
-                    </a:lnR>
-                    <a:lnT w="12700" cmpd="sng">
-                      <a:noFill/>
-                    </a:lnT>
-                    <a:lnB w="12700" cmpd="sng">
-                      <a:noFill/>
-                    </a:lnB>
-                    <a:lnTlToBr w="12700" cmpd="sng">
-                      <a:noFill/>
-                      <a:prstDash val="solid"/>
-                    </a:lnTlToBr>
-                    <a:lnBlToTr w="12700" cmpd="sng">
-                      <a:noFill/>
-                      <a:prstDash val="solid"/>
-                    </a:lnBlToTr>
-                    <a:solidFill>
-                      <a:schemeClr val="bg1"/>
-                    </a:solidFill>
-                  </a:tcPr>
-                </a:tc>
-                <a:tc>
-                  <a:txBody>
-                    <a:bodyPr/>
-                    <a:lstStyle/>
-                    <a:p>
-                      <a:endParaRPr kumimoji="1" lang="ja-JP" altLang="en-US"/>
-                    </a:p>
-                  </a:txBody>
-                  <a:tcPr>
-                    <a:lnL w="12700" cap="flat" cmpd="sng" algn="ctr">
-                      <a:solidFill>
-                        <a:schemeClr val="tx1"/>
-                      </a:solidFill>
-                      <a:prstDash val="dot"/>
-                      <a:round/>
-                      <a:headEnd type="none" w="med" len="med"/>
-                      <a:tailEnd type="none" w="med" len="med"/>
-                    </a:lnL>
-                    <a:lnR w="12700" cap="flat" cmpd="sng" algn="ctr">
-                      <a:solidFill>
-                        <a:schemeClr val="tx1"/>
-                      </a:solidFill>
-                      <a:prstDash val="dot"/>
-                      <a:round/>
-                      <a:headEnd type="none" w="med" len="med"/>
-                      <a:tailEnd type="none" w="med" len="med"/>
-                    </a:lnR>
-                    <a:lnT w="12700" cmpd="sng">
-                      <a:noFill/>
-                    </a:lnT>
-                    <a:lnB w="12700" cmpd="sng">
-                      <a:noFill/>
-                    </a:lnB>
-                    <a:lnTlToBr w="12700" cmpd="sng">
-                      <a:noFill/>
-                      <a:prstDash val="solid"/>
-                    </a:lnTlToBr>
-                    <a:lnBlToTr w="12700" cmpd="sng">
-                      <a:noFill/>
-                      <a:prstDash val="solid"/>
-                    </a:lnBlToTr>
-                    <a:solidFill>
-                      <a:schemeClr val="bg1"/>
-                    </a:solidFill>
-                  </a:tcPr>
-                </a:tc>
-                <a:tc>
-                  <a:txBody>
-                    <a:bodyPr/>
-                    <a:lstStyle/>
-                    <a:p>
-                      <a:endParaRPr kumimoji="1" lang="ja-JP" altLang="en-US" dirty="0"/>
-                    </a:p>
-                  </a:txBody>
-                  <a:tcPr>
-                    <a:lnL w="12700" cap="flat" cmpd="sng" algn="ctr">
-                      <a:solidFill>
-                        <a:schemeClr val="tx1"/>
-                      </a:solidFill>
-                      <a:prstDash val="dot"/>
-                      <a:round/>
-                      <a:headEnd type="none" w="med" len="med"/>
-                      <a:tailEnd type="none" w="med" len="med"/>
-                    </a:lnL>
-                    <a:lnR w="12700" cap="flat" cmpd="sng" algn="ctr">
-                      <a:solidFill>
-                        <a:schemeClr val="tx1"/>
-                      </a:solidFill>
-                      <a:prstDash val="dot"/>
-                      <a:round/>
-                      <a:headEnd type="none" w="med" len="med"/>
-                      <a:tailEnd type="none" w="med" len="med"/>
-                    </a:lnR>
-                    <a:lnT w="12700" cmpd="sng">
-                      <a:noFill/>
-                    </a:lnT>
-                    <a:lnB w="12700" cmpd="sng">
-                      <a:noFill/>
-                    </a:lnB>
-                    <a:lnTlToBr w="12700" cmpd="sng">
-                      <a:noFill/>
-                      <a:prstDash val="solid"/>
-                    </a:lnTlToBr>
-                    <a:lnBlToTr w="12700" cmpd="sng">
-                      <a:noFill/>
-                      <a:prstDash val="solid"/>
-                    </a:lnBlToTr>
-                    <a:solidFill>
-                      <a:schemeClr val="bg1"/>
-                    </a:solidFill>
-                  </a:tcPr>
-                </a:tc>
-                <a:tc>
-                  <a:txBody>
-                    <a:bodyPr/>
-                    <a:lstStyle/>
-                    <a:p>
-                      <a:endParaRPr kumimoji="1" lang="ja-JP" altLang="en-US" dirty="0"/>
-                    </a:p>
-                  </a:txBody>
-                  <a:tcPr>
-                    <a:lnL w="12700" cap="flat" cmpd="sng" algn="ctr">
-                      <a:solidFill>
-                        <a:schemeClr val="tx1"/>
-                      </a:solidFill>
-                      <a:prstDash val="dot"/>
-                      <a:round/>
-                      <a:headEnd type="none" w="med" len="med"/>
-                      <a:tailEnd type="none" w="med" len="med"/>
-                    </a:lnL>
-                    <a:lnR w="12700" cap="flat" cmpd="sng" algn="ctr">
-                      <a:solidFill>
-                        <a:schemeClr val="tx1"/>
-                      </a:solidFill>
-                      <a:prstDash val="dot"/>
-                      <a:round/>
-                      <a:headEnd type="none" w="med" len="med"/>
-                      <a:tailEnd type="none" w="med" len="med"/>
-                    </a:lnR>
-                    <a:lnT w="12700" cmpd="sng">
-                      <a:noFill/>
-                    </a:lnT>
-                    <a:lnB w="12700" cmpd="sng">
-                      <a:noFill/>
-                    </a:lnB>
-                    <a:lnTlToBr w="12700" cmpd="sng">
-                      <a:noFill/>
-                      <a:prstDash val="solid"/>
-                    </a:lnTlToBr>
-                    <a:lnBlToTr w="12700" cmpd="sng">
-                      <a:noFill/>
-                      <a:prstDash val="solid"/>
-                    </a:lnBlToTr>
-                    <a:solidFill>
-                      <a:schemeClr val="bg1"/>
-                    </a:solidFill>
-                  </a:tcPr>
-                </a:tc>
-                <a:tc>
-                  <a:txBody>
-                    <a:bodyPr/>
-                    <a:lstStyle/>
-                    <a:p>
-                      <a:endParaRPr kumimoji="1" lang="ja-JP" altLang="en-US" dirty="0"/>
-                    </a:p>
-                  </a:txBody>
-                  <a:tcPr>
-                    <a:lnL w="12700" cap="flat" cmpd="sng" algn="ctr">
-                      <a:solidFill>
-                        <a:schemeClr val="tx1"/>
-                      </a:solidFill>
-                      <a:prstDash val="dot"/>
-                      <a:round/>
-                      <a:headEnd type="none" w="med" len="med"/>
-                      <a:tailEnd type="none" w="med" len="med"/>
-                    </a:lnL>
-                    <a:lnR w="12700" cap="flat" cmpd="sng" algn="ctr">
-                      <a:solidFill>
-                        <a:schemeClr val="tx1"/>
-                      </a:solidFill>
-                      <a:prstDash val="dot"/>
-                      <a:round/>
-                      <a:headEnd type="none" w="med" len="med"/>
-                      <a:tailEnd type="none" w="med" len="med"/>
-                    </a:lnR>
-                    <a:lnT w="12700" cmpd="sng">
-                      <a:noFill/>
-                    </a:lnT>
-                    <a:lnB w="12700" cmpd="sng">
-                      <a:noFill/>
-                    </a:lnB>
-                    <a:lnTlToBr w="12700" cmpd="sng">
-                      <a:noFill/>
-                      <a:prstDash val="solid"/>
-                    </a:lnTlToBr>
-                    <a:lnBlToTr w="12700" cmpd="sng">
-                      <a:noFill/>
-                      <a:prstDash val="solid"/>
-                    </a:lnBlToTr>
-                    <a:solidFill>
-                      <a:schemeClr val="bg1"/>
-                    </a:solidFill>
-                  </a:tcPr>
-                </a:tc>
-                <a:tc>
-                  <a:txBody>
-                    <a:bodyPr/>
-                    <a:lstStyle/>
-                    <a:p>
-                      <a:endParaRPr kumimoji="1" lang="ja-JP" altLang="en-US" dirty="0"/>
-                    </a:p>
-                  </a:txBody>
-                  <a:tcPr>
-                    <a:lnL w="12700" cap="flat" cmpd="sng" algn="ctr">
-                      <a:solidFill>
-                        <a:schemeClr val="tx1"/>
-                      </a:solidFill>
-                      <a:prstDash val="dot"/>
-                      <a:round/>
-                      <a:headEnd type="none" w="med" len="med"/>
-                      <a:tailEnd type="none" w="med" len="med"/>
-                    </a:lnL>
-                    <a:lnR w="12700" cap="flat" cmpd="sng" algn="ctr">
-                      <a:solidFill>
-                        <a:schemeClr val="tx1"/>
-                      </a:solidFill>
-                      <a:prstDash val="dot"/>
-                      <a:round/>
-                      <a:headEnd type="none" w="med" len="med"/>
-                      <a:tailEnd type="none" w="med" len="med"/>
-                    </a:lnR>
-                    <a:lnT w="12700" cmpd="sng">
-                      <a:noFill/>
-                    </a:lnT>
-                    <a:lnB w="12700" cmpd="sng">
-                      <a:noFill/>
-                    </a:lnB>
-                    <a:lnTlToBr w="12700" cmpd="sng">
-                      <a:noFill/>
-                      <a:prstDash val="solid"/>
-                    </a:lnTlToBr>
-                    <a:lnBlToTr w="12700" cmpd="sng">
-                      <a:noFill/>
-                      <a:prstDash val="solid"/>
-                    </a:lnBlToTr>
-                    <a:solidFill>
-                      <a:schemeClr val="bg1"/>
-                    </a:solidFill>
-                  </a:tcPr>
-                </a:tc>
-                <a:tc>
-                  <a:txBody>
-                    <a:bodyPr/>
-                    <a:lstStyle/>
-                    <a:p>
-                      <a:endParaRPr kumimoji="1" lang="ja-JP" altLang="en-US" dirty="0"/>
-                    </a:p>
-                  </a:txBody>
-                  <a:tcPr>
-                    <a:lnL w="12700" cap="flat" cmpd="sng" algn="ctr">
-                      <a:solidFill>
-                        <a:schemeClr val="tx1"/>
-                      </a:solidFill>
-                      <a:prstDash val="dot"/>
-                      <a:round/>
-                      <a:headEnd type="none" w="med" len="med"/>
-                      <a:tailEnd type="none" w="med" len="med"/>
-                    </a:lnL>
-                    <a:lnR w="12700" cap="flat" cmpd="sng" algn="ctr">
-                      <a:solidFill>
-                        <a:schemeClr val="tx1"/>
-                      </a:solidFill>
-                      <a:prstDash val="dot"/>
-                      <a:round/>
-                      <a:headEnd type="none" w="med" len="med"/>
-                      <a:tailEnd type="none" w="med" len="med"/>
-                    </a:lnR>
-                    <a:lnT w="12700" cmpd="sng">
-                      <a:noFill/>
-                    </a:lnT>
-                    <a:lnB w="12700" cmpd="sng">
-                      <a:noFill/>
-                    </a:lnB>
-                    <a:lnTlToBr w="12700" cmpd="sng">
-                      <a:noFill/>
-                      <a:prstDash val="solid"/>
-                    </a:lnTlToBr>
-                    <a:lnBlToTr w="12700" cmpd="sng">
-                      <a:noFill/>
-                      <a:prstDash val="solid"/>
-                    </a:lnBlToTr>
-                    <a:solidFill>
-                      <a:schemeClr val="accent4">
-                        <a:lumMod val="60000"/>
-                        <a:lumOff val="40000"/>
-                      </a:schemeClr>
-                    </a:solidFill>
-                  </a:tcPr>
-                </a:tc>
-                <a:tc>
-                  <a:txBody>
-                    <a:bodyPr/>
-                    <a:lstStyle/>
-                    <a:p>
-                      <a:endParaRPr kumimoji="1" lang="ja-JP" altLang="en-US" dirty="0"/>
-                    </a:p>
-                  </a:txBody>
-                  <a:tcPr>
-                    <a:lnL w="12700" cap="flat" cmpd="sng" algn="ctr">
-                      <a:solidFill>
-                        <a:schemeClr val="tx1"/>
-                      </a:solidFill>
-                      <a:prstDash val="dot"/>
-                      <a:round/>
-                      <a:headEnd type="none" w="med" len="med"/>
-                      <a:tailEnd type="none" w="med" len="med"/>
-                    </a:lnL>
-                    <a:lnR w="12700" cap="flat" cmpd="sng" algn="ctr">
-                      <a:solidFill>
-                        <a:schemeClr val="tx1"/>
-                      </a:solidFill>
-                      <a:prstDash val="dot"/>
-                      <a:round/>
-                      <a:headEnd type="none" w="med" len="med"/>
-                      <a:tailEnd type="none" w="med" len="med"/>
-                    </a:lnR>
-                    <a:lnT w="12700" cmpd="sng">
-                      <a:noFill/>
-                    </a:lnT>
-                    <a:lnB w="12700" cmpd="sng">
-                      <a:noFill/>
-                    </a:lnB>
-                    <a:lnTlToBr w="12700" cmpd="sng">
-                      <a:noFill/>
-                      <a:prstDash val="solid"/>
-                    </a:lnTlToBr>
-                    <a:lnBlToTr w="12700" cmpd="sng">
-                      <a:noFill/>
-                      <a:prstDash val="solid"/>
-                    </a:lnBlToTr>
-                    <a:solidFill>
-                      <a:schemeClr val="accent4">
-                        <a:lumMod val="60000"/>
-                        <a:lumOff val="40000"/>
-                      </a:schemeClr>
-                    </a:solidFill>
-                  </a:tcPr>
-                </a:tc>
-                <a:tc>
-                  <a:txBody>
-                    <a:bodyPr/>
-                    <a:lstStyle/>
-                    <a:p>
-                      <a:endParaRPr kumimoji="1" lang="ja-JP" altLang="en-US" dirty="0"/>
-                    </a:p>
-                  </a:txBody>
-                  <a:tcPr>
-                    <a:lnL w="12700" cap="flat" cmpd="sng" algn="ctr">
-                      <a:solidFill>
-                        <a:schemeClr val="tx1"/>
-                      </a:solidFill>
-                      <a:prstDash val="dot"/>
-                      <a:round/>
-                      <a:headEnd type="none" w="med" len="med"/>
-                      <a:tailEnd type="none" w="med" len="med"/>
-                    </a:lnL>
-                    <a:lnR w="12700" cap="flat" cmpd="sng" algn="ctr">
-                      <a:solidFill>
-                        <a:schemeClr val="tx1"/>
-                      </a:solidFill>
-                      <a:prstDash val="dot"/>
-                      <a:round/>
-                      <a:headEnd type="none" w="med" len="med"/>
-                      <a:tailEnd type="none" w="med" len="med"/>
-                    </a:lnR>
-                    <a:lnT w="12700" cmpd="sng">
-                      <a:noFill/>
-                    </a:lnT>
-                    <a:lnB w="12700" cmpd="sng">
-                      <a:noFill/>
-                    </a:lnB>
-                    <a:lnTlToBr w="12700" cmpd="sng">
-                      <a:noFill/>
-                      <a:prstDash val="solid"/>
-                    </a:lnTlToBr>
-                    <a:lnBlToTr w="12700" cmpd="sng">
-                      <a:noFill/>
-                      <a:prstDash val="solid"/>
-                    </a:lnBlToTr>
-                    <a:solidFill>
-                      <a:schemeClr val="accent4">
-                        <a:lumMod val="60000"/>
-                        <a:lumOff val="40000"/>
-                      </a:schemeClr>
-                    </a:solidFill>
-                  </a:tcPr>
-                </a:tc>
-                <a:tc>
-                  <a:txBody>
-                    <a:bodyPr/>
-                    <a:lstStyle/>
-                    <a:p>
-                      <a:endParaRPr kumimoji="1" lang="ja-JP" altLang="en-US" dirty="0"/>
-                    </a:p>
-                  </a:txBody>
-                  <a:tcPr>
-                    <a:lnL w="12700" cap="flat" cmpd="sng" algn="ctr">
-                      <a:solidFill>
-                        <a:schemeClr val="tx1"/>
-                      </a:solidFill>
-                      <a:prstDash val="dot"/>
-                      <a:round/>
-                      <a:headEnd type="none" w="med" len="med"/>
-                      <a:tailEnd type="none" w="med" len="med"/>
-                    </a:lnL>
-                    <a:lnR w="12700" cap="flat" cmpd="sng" algn="ctr">
-                      <a:solidFill>
-                        <a:schemeClr val="tx1"/>
-                      </a:solidFill>
-                      <a:prstDash val="dot"/>
-                      <a:round/>
-                      <a:headEnd type="none" w="med" len="med"/>
-                      <a:tailEnd type="none" w="med" len="med"/>
-                    </a:lnR>
-                    <a:lnT w="12700" cmpd="sng">
-                      <a:noFill/>
-                    </a:lnT>
-                    <a:lnB w="12700" cmpd="sng">
-                      <a:noFill/>
-                    </a:lnB>
-                    <a:lnTlToBr w="12700" cmpd="sng">
-                      <a:noFill/>
-                      <a:prstDash val="solid"/>
-                    </a:lnTlToBr>
-                    <a:lnBlToTr w="12700" cmpd="sng">
-                      <a:noFill/>
-                      <a:prstDash val="solid"/>
-                    </a:lnBlToTr>
-                    <a:solidFill>
-                      <a:schemeClr val="bg1"/>
-                    </a:solidFill>
-                  </a:tcPr>
-                </a:tc>
-                <a:tc>
-                  <a:txBody>
-                    <a:bodyPr/>
-                    <a:lstStyle/>
-                    <a:p>
-                      <a:endParaRPr kumimoji="1" lang="ja-JP" altLang="en-US" dirty="0"/>
-                    </a:p>
-                  </a:txBody>
-                  <a:tcPr>
-                    <a:lnL w="12700" cap="flat" cmpd="sng" algn="ctr">
-                      <a:solidFill>
-                        <a:schemeClr val="tx1"/>
-                      </a:solidFill>
-                      <a:prstDash val="dot"/>
-                      <a:round/>
-                      <a:headEnd type="none" w="med" len="med"/>
-                      <a:tailEnd type="none" w="med" len="med"/>
-                    </a:lnL>
-                    <a:lnR w="12700" cmpd="sng">
-                      <a:noFill/>
-                    </a:lnR>
-                    <a:lnT w="12700" cmpd="sng">
-                      <a:noFill/>
-                    </a:lnT>
-                    <a:lnB w="12700" cmpd="sng">
-                      <a:noFill/>
-                    </a:lnB>
-                    <a:lnTlToBr w="12700" cmpd="sng">
-                      <a:noFill/>
-                      <a:prstDash val="solid"/>
-                    </a:lnTlToBr>
-                    <a:lnBlToTr w="12700" cmpd="sng">
-                      <a:noFill/>
-                      <a:prstDash val="solid"/>
-                    </a:lnBlToTr>
-                    <a:solidFill>
-                      <a:schemeClr val="bg1"/>
-                    </a:solidFill>
-                  </a:tcPr>
-                </a:tc>
-                <a:extLst>
-                  <a:ext uri="{0D108BD9-81ED-4DB2-BD59-A6C34878D82A}">
-                    <a16:rowId xmlns:a16="http://schemas.microsoft.com/office/drawing/2014/main" val="3174675451"/>
-                  </a:ext>
-                </a:extLst>
-              </a:tr>
-              <a:tr h="370840">
-                <a:tc>
-                  <a:txBody>
-                    <a:bodyPr/>
-                    <a:lstStyle/>
-                    <a:p>
-                      <a:r>
-                        <a:rPr kumimoji="1" lang="ja-JP" altLang="en-US" dirty="0"/>
-                        <a:t>発表資料</a:t>
-                      </a:r>
-                    </a:p>
-                  </a:txBody>
-                  <a:tcPr>
-                    <a:lnR w="12700" cmpd="sng">
-                      <a:noFill/>
-                    </a:lnR>
-                    <a:solidFill>
-                      <a:schemeClr val="accent1">
-                        <a:lumMod val="20000"/>
-                        <a:lumOff val="80000"/>
-                      </a:schemeClr>
-                    </a:solidFill>
-                  </a:tcPr>
-                </a:tc>
-                <a:tc>
-                  <a:txBody>
-                    <a:bodyPr/>
-                    <a:lstStyle/>
-                    <a:p>
-                      <a:endParaRPr kumimoji="1" lang="ja-JP" altLang="en-US"/>
-                    </a:p>
-                  </a:txBody>
-                  <a:tcPr>
-                    <a:lnL w="12700" cmpd="sng">
-                      <a:noFill/>
-                    </a:lnL>
-                    <a:lnR w="12700" cap="flat" cmpd="sng" algn="ctr">
-                      <a:solidFill>
-                        <a:schemeClr val="tx1"/>
-                      </a:solidFill>
-                      <a:prstDash val="dot"/>
-                      <a:round/>
-                      <a:headEnd type="none" w="med" len="med"/>
-                      <a:tailEnd type="none" w="med" len="med"/>
-                    </a:lnR>
-                    <a:lnT w="12700" cmpd="sng">
-                      <a:noFill/>
-                    </a:lnT>
-                    <a:lnB w="12700" cmpd="sng">
-                      <a:noFill/>
-                    </a:lnB>
-                    <a:lnTlToBr w="12700" cmpd="sng">
-                      <a:noFill/>
-                      <a:prstDash val="solid"/>
-                    </a:lnTlToBr>
-                    <a:lnBlToTr w="12700" cmpd="sng">
-                      <a:noFill/>
-                      <a:prstDash val="solid"/>
-                    </a:lnBlToTr>
-                    <a:solidFill>
-                      <a:schemeClr val="bg1"/>
-                    </a:solidFill>
-                  </a:tcPr>
-                </a:tc>
-                <a:tc>
-                  <a:txBody>
-                    <a:bodyPr/>
-                    <a:lstStyle/>
-                    <a:p>
-                      <a:endParaRPr kumimoji="1" lang="ja-JP" altLang="en-US"/>
-                    </a:p>
-                  </a:txBody>
-                  <a:tcPr>
-                    <a:lnL w="12700" cap="flat" cmpd="sng" algn="ctr">
-                      <a:solidFill>
-                        <a:schemeClr val="tx1"/>
-                      </a:solidFill>
-                      <a:prstDash val="dot"/>
-                      <a:round/>
-                      <a:headEnd type="none" w="med" len="med"/>
-                      <a:tailEnd type="none" w="med" len="med"/>
-                    </a:lnL>
-                    <a:lnR w="12700" cap="flat" cmpd="sng" algn="ctr">
-                      <a:solidFill>
-                        <a:schemeClr val="tx1"/>
-                      </a:solidFill>
-                      <a:prstDash val="dot"/>
-                      <a:round/>
-                      <a:headEnd type="none" w="med" len="med"/>
-                      <a:tailEnd type="none" w="med" len="med"/>
-                    </a:lnR>
-                    <a:lnT w="12700" cmpd="sng">
-                      <a:noFill/>
-                    </a:lnT>
-                    <a:lnB w="12700" cmpd="sng">
-                      <a:noFill/>
-                    </a:lnB>
-                    <a:lnTlToBr w="12700" cmpd="sng">
-                      <a:noFill/>
-                      <a:prstDash val="solid"/>
-                    </a:lnTlToBr>
-                    <a:lnBlToTr w="12700" cmpd="sng">
-                      <a:noFill/>
-                      <a:prstDash val="solid"/>
-                    </a:lnBlToTr>
-                    <a:solidFill>
-                      <a:schemeClr val="bg1"/>
-                    </a:solidFill>
-                  </a:tcPr>
-                </a:tc>
-                <a:tc>
-                  <a:txBody>
-                    <a:bodyPr/>
-                    <a:lstStyle/>
-                    <a:p>
-                      <a:endParaRPr kumimoji="1" lang="ja-JP" altLang="en-US"/>
-                    </a:p>
-                  </a:txBody>
-                  <a:tcPr>
-                    <a:lnL w="12700" cap="flat" cmpd="sng" algn="ctr">
-                      <a:solidFill>
-                        <a:schemeClr val="tx1"/>
-                      </a:solidFill>
-                      <a:prstDash val="dot"/>
-                      <a:round/>
-                      <a:headEnd type="none" w="med" len="med"/>
-                      <a:tailEnd type="none" w="med" len="med"/>
-                    </a:lnL>
-                    <a:lnR w="12700" cap="flat" cmpd="sng" algn="ctr">
-                      <a:solidFill>
-                        <a:schemeClr val="tx1"/>
-                      </a:solidFill>
-                      <a:prstDash val="dot"/>
-                      <a:round/>
-                      <a:headEnd type="none" w="med" len="med"/>
-                      <a:tailEnd type="none" w="med" len="med"/>
-                    </a:lnR>
-                    <a:lnT w="12700" cmpd="sng">
-                      <a:noFill/>
-                    </a:lnT>
-                    <a:lnB w="12700" cmpd="sng">
-                      <a:noFill/>
-                    </a:lnB>
-                    <a:lnTlToBr w="12700" cmpd="sng">
-                      <a:noFill/>
-                      <a:prstDash val="solid"/>
-                    </a:lnTlToBr>
-                    <a:lnBlToTr w="12700" cmpd="sng">
-                      <a:noFill/>
-                      <a:prstDash val="solid"/>
-                    </a:lnBlToTr>
-                    <a:solidFill>
-                      <a:schemeClr val="bg1"/>
-                    </a:solidFill>
-                  </a:tcPr>
-                </a:tc>
-                <a:tc>
-                  <a:txBody>
-                    <a:bodyPr/>
-                    <a:lstStyle/>
-                    <a:p>
-                      <a:endParaRPr kumimoji="1" lang="ja-JP" altLang="en-US" dirty="0"/>
-                    </a:p>
-                  </a:txBody>
-                  <a:tcPr>
-                    <a:lnL w="12700" cap="flat" cmpd="sng" algn="ctr">
-                      <a:solidFill>
-                        <a:schemeClr val="tx1"/>
-                      </a:solidFill>
-                      <a:prstDash val="dot"/>
-                      <a:round/>
-                      <a:headEnd type="none" w="med" len="med"/>
-                      <a:tailEnd type="none" w="med" len="med"/>
-                    </a:lnL>
-                    <a:lnR w="12700" cap="flat" cmpd="sng" algn="ctr">
-                      <a:solidFill>
-                        <a:schemeClr val="tx1"/>
-                      </a:solidFill>
-                      <a:prstDash val="dot"/>
-                      <a:round/>
-                      <a:headEnd type="none" w="med" len="med"/>
-                      <a:tailEnd type="none" w="med" len="med"/>
-                    </a:lnR>
-                    <a:lnT w="12700" cmpd="sng">
-                      <a:noFill/>
-                    </a:lnT>
-                    <a:lnB w="12700" cmpd="sng">
-                      <a:noFill/>
-                    </a:lnB>
-                    <a:lnTlToBr w="12700" cmpd="sng">
-                      <a:noFill/>
-                      <a:prstDash val="solid"/>
-                    </a:lnTlToBr>
-                    <a:lnBlToTr w="12700" cmpd="sng">
-                      <a:noFill/>
-                      <a:prstDash val="solid"/>
-                    </a:lnBlToTr>
-                    <a:solidFill>
-                      <a:schemeClr val="bg1"/>
-                    </a:solidFill>
-                  </a:tcPr>
-                </a:tc>
-                <a:tc>
-                  <a:txBody>
-                    <a:bodyPr/>
-                    <a:lstStyle/>
-                    <a:p>
-                      <a:endParaRPr kumimoji="1" lang="ja-JP" altLang="en-US"/>
-                    </a:p>
-                  </a:txBody>
-                  <a:tcPr>
-                    <a:lnL w="12700" cap="flat" cmpd="sng" algn="ctr">
-                      <a:solidFill>
-                        <a:schemeClr val="tx1"/>
-                      </a:solidFill>
-                      <a:prstDash val="dot"/>
-                      <a:round/>
-                      <a:headEnd type="none" w="med" len="med"/>
-                      <a:tailEnd type="none" w="med" len="med"/>
-                    </a:lnL>
-                    <a:lnR w="12700" cap="flat" cmpd="sng" algn="ctr">
-                      <a:solidFill>
-                        <a:schemeClr val="tx1"/>
-                      </a:solidFill>
-                      <a:prstDash val="dot"/>
-                      <a:round/>
-                      <a:headEnd type="none" w="med" len="med"/>
-                      <a:tailEnd type="none" w="med" len="med"/>
-                    </a:lnR>
-                    <a:lnT w="12700" cmpd="sng">
-                      <a:noFill/>
-                    </a:lnT>
-                    <a:lnB w="12700" cmpd="sng">
-                      <a:noFill/>
-                    </a:lnB>
-                    <a:lnTlToBr w="12700" cmpd="sng">
-                      <a:noFill/>
-                      <a:prstDash val="solid"/>
-                    </a:lnTlToBr>
-                    <a:lnBlToTr w="12700" cmpd="sng">
-                      <a:noFill/>
-                      <a:prstDash val="solid"/>
-                    </a:lnBlToTr>
-                    <a:solidFill>
-                      <a:schemeClr val="bg1"/>
-                    </a:solidFill>
-                  </a:tcPr>
-                </a:tc>
-                <a:tc>
-                  <a:txBody>
-                    <a:bodyPr/>
-                    <a:lstStyle/>
-                    <a:p>
-                      <a:endParaRPr kumimoji="1" lang="ja-JP" altLang="en-US"/>
-                    </a:p>
-                  </a:txBody>
-                  <a:tcPr>
-                    <a:lnL w="12700" cap="flat" cmpd="sng" algn="ctr">
-                      <a:solidFill>
-                        <a:schemeClr val="tx1"/>
-                      </a:solidFill>
-                      <a:prstDash val="dot"/>
-                      <a:round/>
-                      <a:headEnd type="none" w="med" len="med"/>
-                      <a:tailEnd type="none" w="med" len="med"/>
-                    </a:lnL>
-                    <a:lnR w="12700" cap="flat" cmpd="sng" algn="ctr">
-                      <a:solidFill>
-                        <a:schemeClr val="tx1"/>
-                      </a:solidFill>
-                      <a:prstDash val="dot"/>
-                      <a:round/>
-                      <a:headEnd type="none" w="med" len="med"/>
-                      <a:tailEnd type="none" w="med" len="med"/>
-                    </a:lnR>
-                    <a:lnT w="12700" cmpd="sng">
-                      <a:noFill/>
-                    </a:lnT>
-                    <a:lnB w="12700" cmpd="sng">
-                      <a:noFill/>
-                    </a:lnB>
-                    <a:lnTlToBr w="12700" cmpd="sng">
-                      <a:noFill/>
-                      <a:prstDash val="solid"/>
-                    </a:lnTlToBr>
-                    <a:lnBlToTr w="12700" cmpd="sng">
-                      <a:noFill/>
-                      <a:prstDash val="solid"/>
-                    </a:lnBlToTr>
-                    <a:solidFill>
-                      <a:schemeClr val="bg1"/>
-                    </a:solidFill>
-                  </a:tcPr>
-                </a:tc>
-                <a:tc>
-                  <a:txBody>
-                    <a:bodyPr/>
-                    <a:lstStyle/>
-                    <a:p>
-                      <a:endParaRPr kumimoji="1" lang="ja-JP" altLang="en-US" dirty="0"/>
-                    </a:p>
-                  </a:txBody>
-                  <a:tcPr>
-                    <a:lnL w="12700" cap="flat" cmpd="sng" algn="ctr">
-                      <a:solidFill>
-                        <a:schemeClr val="tx1"/>
-                      </a:solidFill>
-                      <a:prstDash val="dot"/>
-                      <a:round/>
-                      <a:headEnd type="none" w="med" len="med"/>
-                      <a:tailEnd type="none" w="med" len="med"/>
-                    </a:lnL>
-                    <a:lnR w="12700" cap="flat" cmpd="sng" algn="ctr">
-                      <a:solidFill>
-                        <a:schemeClr val="tx1"/>
-                      </a:solidFill>
-                      <a:prstDash val="dot"/>
-                      <a:round/>
-                      <a:headEnd type="none" w="med" len="med"/>
-                      <a:tailEnd type="none" w="med" len="med"/>
-                    </a:lnR>
-                    <a:lnT w="12700" cmpd="sng">
-                      <a:noFill/>
-                    </a:lnT>
-                    <a:lnB w="12700" cmpd="sng">
-                      <a:noFill/>
-                    </a:lnB>
-                    <a:lnTlToBr w="12700" cmpd="sng">
-                      <a:noFill/>
-                      <a:prstDash val="solid"/>
-                    </a:lnTlToBr>
-                    <a:lnBlToTr w="12700" cmpd="sng">
-                      <a:noFill/>
-                      <a:prstDash val="solid"/>
-                    </a:lnBlToTr>
-                    <a:solidFill>
-                      <a:schemeClr val="bg1"/>
-                    </a:solidFill>
-                  </a:tcPr>
-                </a:tc>
-                <a:tc>
-                  <a:txBody>
-                    <a:bodyPr/>
-                    <a:lstStyle/>
-                    <a:p>
-                      <a:endParaRPr kumimoji="1" lang="ja-JP" altLang="en-US" dirty="0"/>
-                    </a:p>
-                  </a:txBody>
-                  <a:tcPr>
-                    <a:lnL w="12700" cap="flat" cmpd="sng" algn="ctr">
-                      <a:solidFill>
-                        <a:schemeClr val="tx1"/>
-                      </a:solidFill>
-                      <a:prstDash val="dot"/>
-                      <a:round/>
-                      <a:headEnd type="none" w="med" len="med"/>
-                      <a:tailEnd type="none" w="med" len="med"/>
-                    </a:lnL>
-                    <a:lnR w="12700" cap="flat" cmpd="sng" algn="ctr">
-                      <a:solidFill>
-                        <a:schemeClr val="tx1"/>
-                      </a:solidFill>
-                      <a:prstDash val="dot"/>
-                      <a:round/>
-                      <a:headEnd type="none" w="med" len="med"/>
-                      <a:tailEnd type="none" w="med" len="med"/>
-                    </a:lnR>
-                    <a:lnT w="12700" cmpd="sng">
-                      <a:noFill/>
-                    </a:lnT>
-                    <a:lnB w="12700" cmpd="sng">
-                      <a:noFill/>
-                    </a:lnB>
-                    <a:lnTlToBr w="12700" cmpd="sng">
-                      <a:noFill/>
-                      <a:prstDash val="solid"/>
-                    </a:lnTlToBr>
-                    <a:lnBlToTr w="12700" cmpd="sng">
-                      <a:noFill/>
-                      <a:prstDash val="solid"/>
-                    </a:lnBlToTr>
-                    <a:solidFill>
-                      <a:schemeClr val="bg1"/>
-                    </a:solidFill>
-                  </a:tcPr>
-                </a:tc>
-                <a:tc>
-                  <a:txBody>
-                    <a:bodyPr/>
-                    <a:lstStyle/>
-                    <a:p>
-                      <a:endParaRPr kumimoji="1" lang="ja-JP" altLang="en-US" dirty="0"/>
-                    </a:p>
-                  </a:txBody>
-                  <a:tcPr>
-                    <a:lnL w="12700" cap="flat" cmpd="sng" algn="ctr">
-                      <a:solidFill>
-                        <a:schemeClr val="tx1"/>
-                      </a:solidFill>
-                      <a:prstDash val="dot"/>
-                      <a:round/>
-                      <a:headEnd type="none" w="med" len="med"/>
-                      <a:tailEnd type="none" w="med" len="med"/>
-                    </a:lnL>
-                    <a:lnR w="12700" cap="flat" cmpd="sng" algn="ctr">
-                      <a:solidFill>
-                        <a:schemeClr val="tx1"/>
-                      </a:solidFill>
-                      <a:prstDash val="dot"/>
-                      <a:round/>
-                      <a:headEnd type="none" w="med" len="med"/>
-                      <a:tailEnd type="none" w="med" len="med"/>
-                    </a:lnR>
-                    <a:lnT w="12700" cmpd="sng">
-                      <a:noFill/>
-                    </a:lnT>
-                    <a:lnB w="12700" cmpd="sng">
-                      <a:noFill/>
-                    </a:lnB>
-                    <a:lnTlToBr w="12700" cmpd="sng">
-                      <a:noFill/>
-                      <a:prstDash val="solid"/>
-                    </a:lnTlToBr>
-                    <a:lnBlToTr w="12700" cmpd="sng">
-                      <a:noFill/>
-                      <a:prstDash val="solid"/>
-                    </a:lnBlToTr>
-                    <a:solidFill>
-                      <a:schemeClr val="bg1"/>
-                    </a:solidFill>
-                  </a:tcPr>
-                </a:tc>
-                <a:tc>
-                  <a:txBody>
-                    <a:bodyPr/>
-                    <a:lstStyle/>
-                    <a:p>
-                      <a:endParaRPr kumimoji="1" lang="ja-JP" altLang="en-US" dirty="0"/>
-                    </a:p>
-                  </a:txBody>
-                  <a:tcPr>
-                    <a:lnL w="12700" cap="flat" cmpd="sng" algn="ctr">
-                      <a:solidFill>
-                        <a:schemeClr val="tx1"/>
-                      </a:solidFill>
-                      <a:prstDash val="dot"/>
-                      <a:round/>
-                      <a:headEnd type="none" w="med" len="med"/>
-                      <a:tailEnd type="none" w="med" len="med"/>
-                    </a:lnL>
-                    <a:lnR w="12700" cap="flat" cmpd="sng" algn="ctr">
-                      <a:solidFill>
-                        <a:schemeClr val="tx1"/>
-                      </a:solidFill>
-                      <a:prstDash val="dot"/>
-                      <a:round/>
-                      <a:headEnd type="none" w="med" len="med"/>
-                      <a:tailEnd type="none" w="med" len="med"/>
-                    </a:lnR>
-                    <a:lnT w="12700" cmpd="sng">
-                      <a:noFill/>
-                    </a:lnT>
-                    <a:lnB w="12700" cmpd="sng">
-                      <a:noFill/>
-                    </a:lnB>
-                    <a:lnTlToBr w="12700" cmpd="sng">
-                      <a:noFill/>
-                      <a:prstDash val="solid"/>
-                    </a:lnTlToBr>
-                    <a:lnBlToTr w="12700" cmpd="sng">
-                      <a:noFill/>
-                      <a:prstDash val="solid"/>
-                    </a:lnBlToTr>
-                    <a:solidFill>
-                      <a:schemeClr val="accent4">
-                        <a:lumMod val="60000"/>
-                        <a:lumOff val="40000"/>
-                      </a:schemeClr>
-                    </a:solidFill>
-                  </a:tcPr>
-                </a:tc>
-                <a:tc>
-                  <a:txBody>
-                    <a:bodyPr/>
-                    <a:lstStyle/>
-                    <a:p>
-                      <a:endParaRPr kumimoji="1" lang="ja-JP" altLang="en-US" dirty="0"/>
-                    </a:p>
-                  </a:txBody>
-                  <a:tcPr>
-                    <a:lnL w="12700" cap="flat" cmpd="sng" algn="ctr">
-                      <a:solidFill>
-                        <a:schemeClr val="tx1"/>
-                      </a:solidFill>
-                      <a:prstDash val="dot"/>
-                      <a:round/>
-                      <a:headEnd type="none" w="med" len="med"/>
-                      <a:tailEnd type="none" w="med" len="med"/>
-                    </a:lnL>
-                    <a:lnR w="12700" cmpd="sng">
-                      <a:noFill/>
-                    </a:lnR>
-                    <a:lnT w="12700" cmpd="sng">
-                      <a:noFill/>
-                    </a:lnT>
-                    <a:lnB w="12700" cmpd="sng">
-                      <a:noFill/>
-                    </a:lnB>
-                    <a:lnTlToBr w="12700" cmpd="sng">
-                      <a:noFill/>
-                      <a:prstDash val="solid"/>
-                    </a:lnTlToBr>
-                    <a:lnBlToTr w="12700" cmpd="sng">
-                      <a:noFill/>
-                      <a:prstDash val="solid"/>
-                    </a:lnBlToTr>
-                    <a:solidFill>
-                      <a:schemeClr val="bg1"/>
-                    </a:solidFill>
-                  </a:tcPr>
-                </a:tc>
-                <a:extLst>
-                  <a:ext uri="{0D108BD9-81ED-4DB2-BD59-A6C34878D82A}">
-                    <a16:rowId xmlns:a16="http://schemas.microsoft.com/office/drawing/2014/main" val="4168189613"/>
-                  </a:ext>
-                </a:extLst>
-              </a:tr>
-            </a:tbl>
-          </a:graphicData>
-        </a:graphic>
-      </p:graphicFrame>
-      <p:sp>
-        <p:nvSpPr>
-          <p:cNvPr id="5" name="吹き出し: 円形 4">
-            <a:extLst>
-              <a:ext uri="{FF2B5EF4-FFF2-40B4-BE49-F238E27FC236}">
-                <a16:creationId xmlns:a16="http://schemas.microsoft.com/office/drawing/2014/main" id="{C88EC3B4-AF84-E6C1-82C1-E3D02B52136D}"/>
-              </a:ext>
-            </a:extLst>
-          </p:cNvPr>
-          <p:cNvSpPr/>
-          <p:nvPr/>
-        </p:nvSpPr>
-        <p:spPr>
-          <a:xfrm>
-            <a:off x="1055634" y="1129694"/>
-            <a:ext cx="957582" cy="321653"/>
-          </a:xfrm>
-          <a:prstGeom prst="wedgeEllipseCallout">
-            <a:avLst>
-              <a:gd name="adj1" fmla="val 52991"/>
-              <a:gd name="adj2" fmla="val 91167"/>
-            </a:avLst>
-          </a:prstGeom>
-          <a:solidFill>
-            <a:srgbClr val="92D050"/>
-          </a:solidFill>
-          <a:ln>
-            <a:noFill/>
-          </a:ln>
-        </p:spPr>
-        <p:style>
-          <a:lnRef idx="2">
-            <a:schemeClr val="accent1">
-              <a:shade val="50000"/>
-            </a:schemeClr>
-          </a:lnRef>
-          <a:fillRef idx="1">
-            <a:schemeClr val="accent1"/>
-          </a:fillRef>
-          <a:effectRef idx="0">
-            <a:schemeClr val="accent1"/>
-          </a:effectRef>
-          <a:fontRef idx="minor">
-            <a:schemeClr val="lt1"/>
-          </a:fontRef>
-        </p:style>
-        <p:txBody>
-          <a:bodyPr rtlCol="0" anchor="ctr"/>
-          <a:lstStyle/>
-          <a:p>
-            <a:pPr algn="ctr"/>
-            <a:r>
-              <a:rPr kumimoji="1" lang="en-US" altLang="ja-JP" dirty="0"/>
-              <a:t>week</a:t>
-            </a:r>
-            <a:endParaRPr kumimoji="1" lang="ja-JP" altLang="en-US" dirty="0"/>
-          </a:p>
-        </p:txBody>
-      </p:sp>
-      <p:sp>
-        <p:nvSpPr>
-          <p:cNvPr id="7" name="テキスト ボックス 6">
-            <a:extLst>
-              <a:ext uri="{FF2B5EF4-FFF2-40B4-BE49-F238E27FC236}">
-                <a16:creationId xmlns:a16="http://schemas.microsoft.com/office/drawing/2014/main" id="{B7164759-7210-D9AA-6995-88938A92BF19}"/>
-              </a:ext>
-            </a:extLst>
-          </p:cNvPr>
-          <p:cNvSpPr txBox="1"/>
-          <p:nvPr/>
-        </p:nvSpPr>
-        <p:spPr>
-          <a:xfrm>
-            <a:off x="628650" y="3721567"/>
-            <a:ext cx="6640055" cy="954107"/>
-          </a:xfrm>
-          <a:prstGeom prst="rect">
-            <a:avLst/>
-          </a:prstGeom>
-          <a:noFill/>
-        </p:spPr>
-        <p:txBody>
-          <a:bodyPr wrap="square" rtlCol="0">
-            <a:spAutoFit/>
-          </a:bodyPr>
-          <a:lstStyle/>
-          <a:p>
-            <a:r>
-              <a:rPr kumimoji="1" lang="en-US" altLang="ja-JP" dirty="0"/>
-              <a:t>Python</a:t>
-            </a:r>
-            <a:r>
-              <a:rPr kumimoji="1" lang="ja-JP" altLang="en-US" dirty="0"/>
-              <a:t>学習</a:t>
-            </a:r>
-            <a:r>
-              <a:rPr kumimoji="1" lang="en-US" altLang="ja-JP" dirty="0"/>
-              <a:t>		</a:t>
-            </a:r>
-            <a:r>
-              <a:rPr kumimoji="1" lang="ja-JP" altLang="en-US" dirty="0"/>
-              <a:t>：</a:t>
-            </a:r>
-            <a:r>
-              <a:rPr kumimoji="1" lang="en-US" altLang="ja-JP" dirty="0"/>
-              <a:t>N</a:t>
-            </a:r>
-            <a:r>
-              <a:rPr kumimoji="1" lang="ja-JP" altLang="en-US" dirty="0"/>
-              <a:t>予備校の機械学習コースで</a:t>
-            </a:r>
-            <a:r>
-              <a:rPr kumimoji="1" lang="en-US" altLang="ja-JP" dirty="0"/>
-              <a:t>Python</a:t>
-            </a:r>
-            <a:r>
-              <a:rPr kumimoji="1" lang="ja-JP" altLang="en-US" dirty="0"/>
-              <a:t>の文法を学習</a:t>
-            </a:r>
-            <a:endParaRPr kumimoji="1" lang="en-US" altLang="ja-JP" dirty="0"/>
-          </a:p>
-          <a:p>
-            <a:r>
-              <a:rPr kumimoji="1" lang="en-US" altLang="ja-JP" dirty="0"/>
-              <a:t>Pygame</a:t>
-            </a:r>
-            <a:r>
-              <a:rPr kumimoji="1" lang="ja-JP" altLang="en-US" dirty="0"/>
-              <a:t>学習</a:t>
-            </a:r>
-            <a:r>
-              <a:rPr kumimoji="1" lang="en-US" altLang="ja-JP" dirty="0"/>
-              <a:t>	</a:t>
-            </a:r>
-            <a:r>
-              <a:rPr kumimoji="1" lang="ja-JP" altLang="en-US" dirty="0"/>
-              <a:t>：</a:t>
-            </a:r>
-            <a:r>
-              <a:rPr kumimoji="1" lang="en-US" altLang="ja-JP" dirty="0" err="1"/>
-              <a:t>JupyterNoteBook</a:t>
-            </a:r>
-            <a:r>
-              <a:rPr kumimoji="1" lang="ja-JP" altLang="en-US" dirty="0"/>
-              <a:t>で作成した</a:t>
-            </a:r>
-            <a:r>
-              <a:rPr kumimoji="1" lang="en-US" altLang="ja-JP" dirty="0"/>
-              <a:t>TR+</a:t>
-            </a:r>
-            <a:r>
-              <a:rPr kumimoji="1" lang="ja-JP" altLang="en-US" dirty="0"/>
-              <a:t>オリジナル教材</a:t>
-            </a:r>
-            <a:endParaRPr kumimoji="1" lang="en-US" altLang="ja-JP" dirty="0"/>
-          </a:p>
-          <a:p>
-            <a:r>
-              <a:rPr kumimoji="1" lang="ja-JP" altLang="en-US" dirty="0"/>
-              <a:t>ゲーム作成</a:t>
-            </a:r>
-            <a:r>
-              <a:rPr kumimoji="1" lang="en-US" altLang="ja-JP" dirty="0"/>
-              <a:t>		</a:t>
-            </a:r>
-            <a:r>
-              <a:rPr kumimoji="1" lang="ja-JP" altLang="en-US" dirty="0"/>
-              <a:t>：自分のゲームを作成する。</a:t>
-            </a:r>
-            <a:endParaRPr kumimoji="1" lang="en-US" altLang="ja-JP" dirty="0"/>
-          </a:p>
-          <a:p>
-            <a:r>
-              <a:rPr kumimoji="1" lang="ja-JP" altLang="en-US" dirty="0"/>
-              <a:t>発表資料</a:t>
-            </a:r>
-            <a:r>
-              <a:rPr kumimoji="1" lang="en-US" altLang="ja-JP" dirty="0"/>
-              <a:t>		</a:t>
-            </a:r>
-            <a:r>
-              <a:rPr kumimoji="1" lang="ja-JP" altLang="en-US" dirty="0"/>
-              <a:t>：最終発表会用の資料の作成</a:t>
-            </a:r>
-          </a:p>
-        </p:txBody>
-      </p:sp>
-    </p:spTree>
-    <p:extLst>
-      <p:ext uri="{BB962C8B-B14F-4D97-AF65-F5344CB8AC3E}">
-        <p14:creationId xmlns:p14="http://schemas.microsoft.com/office/powerpoint/2010/main" val="1326976941"/>
       </p:ext>
     </p:extLst>
   </p:cSld>

--- a/ゲームコース説明.pptx
+++ b/ゲームコース説明.pptx
@@ -2129,14 +2129,10 @@
             <a:buChar char="•"/>
           </a:pPr>
           <a:r>
-            <a:rPr kumimoji="1" lang="ja-JP" sz="1500" b="0" i="0" kern="1200" dirty="0"/>
-            <a:t>ブロック崩しに色んな機能を追加する</a:t>
+            <a:rPr kumimoji="1" lang="ja-JP" altLang="en-US" sz="1500" b="0" i="0" kern="1200" dirty="0"/>
+            <a:t>ブロック崩しに色んな機能を追加する。</a:t>
           </a:r>
-          <a:r>
-            <a:rPr kumimoji="1" lang="ja-JP" altLang="en-US" sz="1500" b="0" i="0" kern="1200" dirty="0"/>
-            <a:t>。</a:t>
-          </a:r>
-          <a:endParaRPr lang="ja-JP" sz="1500" kern="1200" dirty="0"/>
+          <a:endParaRPr lang="ja-JP" altLang="en-US" sz="1500" kern="1200" dirty="0"/>
         </a:p>
         <a:p>
           <a:pPr marL="114300" lvl="1" indent="-114300" algn="l" defTabSz="666750">
@@ -2153,17 +2149,9 @@
           </a:pPr>
           <a:r>
             <a:rPr kumimoji="1" lang="ja-JP" altLang="en-US" sz="1500" b="0" i="0" kern="1200" dirty="0"/>
-            <a:t>あるいは、</a:t>
+            <a:t>あるいは、全く別のゲームを位置から作成する。</a:t>
           </a:r>
-          <a:r>
-            <a:rPr kumimoji="1" lang="ja-JP" sz="1500" b="0" i="0" kern="1200" dirty="0"/>
-            <a:t>全く別のゲームを位置から作成する</a:t>
-          </a:r>
-          <a:r>
-            <a:rPr kumimoji="1" lang="ja-JP" altLang="en-US" sz="1500" b="0" i="0" kern="1200" dirty="0"/>
-            <a:t>。</a:t>
-          </a:r>
-          <a:endParaRPr lang="ja-JP" sz="1500" kern="1200" dirty="0"/>
+          <a:endParaRPr lang="ja-JP" altLang="en-US" sz="1500" kern="1200" dirty="0"/>
         </a:p>
       </dsp:txBody>
       <dsp:txXfrm rot="-5400000">
@@ -2238,10 +2226,10 @@
             <a:buNone/>
           </a:pPr>
           <a:r>
-            <a:rPr kumimoji="1" lang="ja-JP" sz="2100" b="0" i="0" kern="1200"/>
+            <a:rPr kumimoji="1" lang="ja-JP" altLang="en-US" sz="2100" b="0" i="0" kern="1200"/>
             <a:t>ゲーム作成</a:t>
           </a:r>
-          <a:endParaRPr lang="ja-JP" sz="2100" kern="1200"/>
+          <a:endParaRPr lang="ja-JP" altLang="en-US" sz="2100" kern="1200"/>
         </a:p>
       </dsp:txBody>
       <dsp:txXfrm>
@@ -2318,10 +2306,10 @@
             <a:buChar char="•"/>
           </a:pPr>
           <a:r>
-            <a:rPr kumimoji="1" lang="ja-JP" sz="1500" b="0" i="0" kern="1200" dirty="0"/>
+            <a:rPr kumimoji="1" lang="ja-JP" altLang="en-US" sz="1500" b="0" i="0" kern="1200" dirty="0"/>
             <a:t>作ったゲーム、学んだことを整理する。</a:t>
           </a:r>
-          <a:endParaRPr lang="ja-JP" sz="1500" kern="1200" dirty="0"/>
+          <a:endParaRPr lang="ja-JP" altLang="en-US" sz="1500" kern="1200" dirty="0"/>
         </a:p>
       </dsp:txBody>
       <dsp:txXfrm rot="-5400000">
@@ -2396,10 +2384,10 @@
             <a:buNone/>
           </a:pPr>
           <a:r>
-            <a:rPr kumimoji="1" lang="ja-JP" sz="2100" b="0" i="0" kern="1200"/>
+            <a:rPr kumimoji="1" lang="ja-JP" altLang="en-US" sz="2100" b="0" i="0" kern="1200"/>
             <a:t>発表資料</a:t>
           </a:r>
-          <a:endParaRPr lang="ja-JP" sz="2100" kern="1200"/>
+          <a:endParaRPr lang="ja-JP" altLang="en-US" sz="2100" kern="1200"/>
         </a:p>
       </dsp:txBody>
       <dsp:txXfrm>
@@ -14964,6 +14952,36 @@
           </a:p>
         </p:txBody>
       </p:sp>
+      <p:pic>
+        <p:nvPicPr>
+          <p:cNvPr id="5" name="図 4">
+            <a:extLst>
+              <a:ext uri="{FF2B5EF4-FFF2-40B4-BE49-F238E27FC236}">
+                <a16:creationId xmlns:a16="http://schemas.microsoft.com/office/drawing/2014/main" id="{5343FE4D-C7B1-FA57-FDBF-BC12CAFAC1A4}"/>
+              </a:ext>
+            </a:extLst>
+          </p:cNvPr>
+          <p:cNvPicPr>
+            <a:picLocks noChangeAspect="1"/>
+          </p:cNvPicPr>
+          <p:nvPr/>
+        </p:nvPicPr>
+        <p:blipFill>
+          <a:blip r:embed="rId2"/>
+          <a:stretch>
+            <a:fillRect/>
+          </a:stretch>
+        </p:blipFill>
+        <p:spPr>
+          <a:xfrm>
+            <a:off x="6071616" y="2836978"/>
+            <a:ext cx="2300350" cy="1812745"/>
+          </a:xfrm>
+          <a:prstGeom prst="rect">
+            <a:avLst/>
+          </a:prstGeom>
+        </p:spPr>
+      </p:pic>
     </p:spTree>
     <p:extLst>
       <p:ext uri="{BB962C8B-B14F-4D97-AF65-F5344CB8AC3E}">
@@ -15148,6 +15166,36 @@
           </a:p>
         </p:txBody>
       </p:sp>
+      <p:pic>
+        <p:nvPicPr>
+          <p:cNvPr id="9" name="図 8">
+            <a:extLst>
+              <a:ext uri="{FF2B5EF4-FFF2-40B4-BE49-F238E27FC236}">
+                <a16:creationId xmlns:a16="http://schemas.microsoft.com/office/drawing/2014/main" id="{E6BAAD07-005C-CBF7-786C-C617F7818BCA}"/>
+              </a:ext>
+            </a:extLst>
+          </p:cNvPr>
+          <p:cNvPicPr>
+            <a:picLocks noChangeAspect="1"/>
+          </p:cNvPicPr>
+          <p:nvPr/>
+        </p:nvPicPr>
+        <p:blipFill>
+          <a:blip r:embed="rId2"/>
+          <a:stretch>
+            <a:fillRect/>
+          </a:stretch>
+        </p:blipFill>
+        <p:spPr>
+          <a:xfrm>
+            <a:off x="6233288" y="2887966"/>
+            <a:ext cx="2282062" cy="1798333"/>
+          </a:xfrm>
+          <a:prstGeom prst="rect">
+            <a:avLst/>
+          </a:prstGeom>
+        </p:spPr>
+      </p:pic>
     </p:spTree>
     <p:extLst>
       <p:ext uri="{BB962C8B-B14F-4D97-AF65-F5344CB8AC3E}">
